--- a/WingsforSustainability.pptx
+++ b/WingsforSustainability.pptx
@@ -18,15 +18,16 @@
     <p:sldId id="274" r:id="rId12"/>
     <p:sldId id="275" r:id="rId13"/>
     <p:sldId id="276" r:id="rId14"/>
-    <p:sldId id="267" r:id="rId15"/>
-    <p:sldId id="268" r:id="rId16"/>
-    <p:sldId id="269" r:id="rId17"/>
-    <p:sldId id="270" r:id="rId18"/>
-    <p:sldId id="271" r:id="rId19"/>
-    <p:sldId id="272" r:id="rId20"/>
-    <p:sldId id="277" r:id="rId21"/>
-    <p:sldId id="273" r:id="rId22"/>
-    <p:sldId id="278" r:id="rId23"/>
+    <p:sldId id="279" r:id="rId15"/>
+    <p:sldId id="267" r:id="rId16"/>
+    <p:sldId id="268" r:id="rId17"/>
+    <p:sldId id="269" r:id="rId18"/>
+    <p:sldId id="270" r:id="rId19"/>
+    <p:sldId id="271" r:id="rId20"/>
+    <p:sldId id="272" r:id="rId21"/>
+    <p:sldId id="277" r:id="rId22"/>
+    <p:sldId id="273" r:id="rId23"/>
+    <p:sldId id="278" r:id="rId24"/>
   </p:sldIdLst>
   <p:sldSz cx="12192000" cy="6858000"/>
   <p:notesSz cx="6858000" cy="9144000"/>
@@ -3919,7 +3920,27 @@
           <a:bodyPr/>
           <a:lstStyle/>
           <a:p>
-            <a:endParaRPr lang="it-IT"/>
+            <a:r>
+              <a:rPr lang="it-IT" b="1" spc="-100" dirty="0" err="1">
+                <a:latin typeface="Futura"/>
+              </a:rPr>
+              <a:t>Communication</a:t>
+            </a:r>
+            <a:r>
+              <a:rPr lang="it-IT" b="1" spc="-100" dirty="0">
+                <a:latin typeface="Futura"/>
+              </a:rPr>
+              <a:t> </a:t>
+            </a:r>
+            <a:r>
+              <a:rPr lang="en-US" b="1" spc="-100" dirty="0">
+                <a:latin typeface="Futura"/>
+              </a:rPr>
+              <a:t>strategy </a:t>
+            </a:r>
+            <a:endParaRPr lang="it-IT" b="1" spc="-100" dirty="0">
+              <a:latin typeface="Futura"/>
+            </a:endParaRPr>
           </a:p>
         </p:txBody>
       </p:sp>
@@ -3944,7 +3965,133 @@
           <a:bodyPr/>
           <a:lstStyle/>
           <a:p>
-            <a:endParaRPr lang="it-IT"/>
+            <a:pPr marL="0" indent="0">
+              <a:buNone/>
+            </a:pPr>
+            <a:r>
+              <a:rPr lang="it-IT" sz="1500" dirty="0" err="1">
+                <a:solidFill>
+                  <a:srgbClr val="343433"/>
+                </a:solidFill>
+                <a:latin typeface="Futura light"/>
+              </a:rPr>
+              <a:t>Objectives</a:t>
+            </a:r>
+            <a:r>
+              <a:rPr lang="it-IT" sz="1500" dirty="0">
+                <a:solidFill>
+                  <a:srgbClr val="343433"/>
+                </a:solidFill>
+                <a:latin typeface="Futura light"/>
+              </a:rPr>
+              <a:t>:</a:t>
+            </a:r>
+          </a:p>
+          <a:p>
+            <a:pPr marL="514350" indent="-514350">
+              <a:buFont typeface="+mj-lt"/>
+              <a:buAutoNum type="arabicPeriod"/>
+            </a:pPr>
+            <a:r>
+              <a:rPr lang="en-US" sz="1500" dirty="0">
+                <a:solidFill>
+                  <a:srgbClr val="343433"/>
+                </a:solidFill>
+                <a:latin typeface="Futura light"/>
+              </a:rPr>
+              <a:t>To let people know about </a:t>
+            </a:r>
+            <a:r>
+              <a:rPr lang="en-US" sz="1500" dirty="0" err="1">
+                <a:solidFill>
+                  <a:srgbClr val="343433"/>
+                </a:solidFill>
+                <a:latin typeface="Futura light"/>
+              </a:rPr>
+              <a:t>GreenWings</a:t>
+            </a:r>
+            <a:endParaRPr lang="en-US" sz="1500" dirty="0">
+              <a:solidFill>
+                <a:srgbClr val="343433"/>
+              </a:solidFill>
+              <a:latin typeface="Futura light"/>
+            </a:endParaRPr>
+          </a:p>
+          <a:p>
+            <a:pPr marL="514350" indent="-514350">
+              <a:buFont typeface="+mj-lt"/>
+              <a:buAutoNum type="arabicPeriod"/>
+            </a:pPr>
+            <a:r>
+              <a:rPr lang="en-US" sz="1500" dirty="0">
+                <a:solidFill>
+                  <a:srgbClr val="343433"/>
+                </a:solidFill>
+                <a:latin typeface="Futura light"/>
+              </a:rPr>
+              <a:t>To let people know about </a:t>
+            </a:r>
+            <a:r>
+              <a:rPr lang="en-US" sz="1500" dirty="0" err="1">
+                <a:solidFill>
+                  <a:srgbClr val="343433"/>
+                </a:solidFill>
+                <a:latin typeface="Futura light"/>
+              </a:rPr>
+              <a:t>Redbull</a:t>
+            </a:r>
+            <a:r>
+              <a:rPr lang="en-US" sz="1500" dirty="0">
+                <a:solidFill>
+                  <a:srgbClr val="343433"/>
+                </a:solidFill>
+                <a:latin typeface="Futura light"/>
+              </a:rPr>
+              <a:t> commitment to sustainability</a:t>
+            </a:r>
+          </a:p>
+          <a:p>
+            <a:pPr marL="514350" indent="-514350">
+              <a:buFont typeface="+mj-lt"/>
+              <a:buAutoNum type="arabicPeriod"/>
+            </a:pPr>
+            <a:r>
+              <a:rPr lang="en-US" sz="1500" dirty="0">
+                <a:solidFill>
+                  <a:srgbClr val="343433"/>
+                </a:solidFill>
+                <a:latin typeface="Futura light"/>
+              </a:rPr>
+              <a:t>To show how the Greenwings works and how easy it is to use it</a:t>
+            </a:r>
+          </a:p>
+          <a:p>
+            <a:pPr marL="514350" indent="-514350">
+              <a:buFont typeface="+mj-lt"/>
+              <a:buAutoNum type="arabicPeriod"/>
+            </a:pPr>
+            <a:r>
+              <a:rPr lang="it-IT" sz="1500" dirty="0">
+                <a:solidFill>
+                  <a:srgbClr val="343433"/>
+                </a:solidFill>
+                <a:latin typeface="Futura light"/>
+              </a:rPr>
+              <a:t>To create a community</a:t>
+            </a:r>
+          </a:p>
+          <a:p>
+            <a:pPr marL="514350" indent="-514350">
+              <a:buFont typeface="+mj-lt"/>
+              <a:buAutoNum type="arabicPeriod"/>
+            </a:pPr>
+            <a:endParaRPr lang="it-IT" dirty="0"/>
+          </a:p>
+          <a:p>
+            <a:pPr marL="0" indent="0">
+              <a:buNone/>
+            </a:pPr>
+            <a:endParaRPr lang="it-IT" dirty="0"/>
           </a:p>
         </p:txBody>
       </p:sp>
@@ -4024,12 +4171,39 @@
             <p:ph type="title"/>
           </p:nvPr>
         </p:nvSpPr>
-        <p:spPr/>
-        <p:txBody>
-          <a:bodyPr/>
+        <p:spPr>
+          <a:xfrm>
+            <a:off x="838200" y="279292"/>
+            <a:ext cx="10515600" cy="1325563"/>
+          </a:xfrm>
+        </p:spPr>
+        <p:txBody>
+          <a:bodyPr>
+            <a:normAutofit/>
+          </a:bodyPr>
           <a:lstStyle/>
           <a:p>
-            <a:endParaRPr lang="it-IT"/>
+            <a:r>
+              <a:rPr lang="it-IT" sz="4000" b="1" spc="-100" dirty="0" err="1">
+                <a:latin typeface="Futura"/>
+              </a:rPr>
+              <a:t>Objectives</a:t>
+            </a:r>
+            <a:r>
+              <a:rPr lang="it-IT" sz="4000" b="1" spc="-100" dirty="0">
+                <a:latin typeface="Futura"/>
+              </a:rPr>
+              <a:t> 1 and 2: </a:t>
+            </a:r>
+            <a:r>
+              <a:rPr lang="it-IT" sz="4000" b="1" spc="-100" dirty="0" err="1">
+                <a:latin typeface="Futura"/>
+              </a:rPr>
+              <a:t>implementation</a:t>
+            </a:r>
+            <a:endParaRPr lang="it-IT" sz="4000" b="1" spc="-100" dirty="0">
+              <a:latin typeface="Futura"/>
+            </a:endParaRPr>
           </a:p>
         </p:txBody>
       </p:sp>
@@ -4049,12 +4223,350 @@
             <p:ph idx="1"/>
           </p:nvPr>
         </p:nvSpPr>
-        <p:spPr/>
-        <p:txBody>
-          <a:bodyPr/>
+        <p:spPr>
+          <a:xfrm>
+            <a:off x="838200" y="1604855"/>
+            <a:ext cx="10515600" cy="4351338"/>
+          </a:xfrm>
+        </p:spPr>
+        <p:txBody>
+          <a:bodyPr>
+            <a:normAutofit/>
+          </a:bodyPr>
           <a:lstStyle/>
           <a:p>
-            <a:endParaRPr lang="it-IT"/>
+            <a:pPr marL="0" indent="0">
+              <a:buNone/>
+            </a:pPr>
+            <a:r>
+              <a:rPr lang="en-US" sz="1500" dirty="0">
+                <a:solidFill>
+                  <a:srgbClr val="343433"/>
+                </a:solidFill>
+                <a:latin typeface="Futura light"/>
+              </a:rPr>
+              <a:t>Pre-event sponsorship with the collaboration of an </a:t>
+            </a:r>
+            <a:r>
+              <a:rPr lang="en-US" sz="1500" b="1" dirty="0">
+                <a:solidFill>
+                  <a:srgbClr val="343433"/>
+                </a:solidFill>
+                <a:latin typeface="Futura light"/>
+              </a:rPr>
+              <a:t>opinion</a:t>
+            </a:r>
+            <a:r>
+              <a:rPr lang="en-US" sz="1500" dirty="0">
+                <a:solidFill>
+                  <a:srgbClr val="343433"/>
+                </a:solidFill>
+                <a:latin typeface="Futura light"/>
+              </a:rPr>
+              <a:t> </a:t>
+            </a:r>
+            <a:r>
+              <a:rPr lang="en-US" sz="1500" b="1" dirty="0">
+                <a:solidFill>
+                  <a:srgbClr val="343433"/>
+                </a:solidFill>
+                <a:latin typeface="Futura light"/>
+              </a:rPr>
+              <a:t>leader</a:t>
+            </a:r>
+            <a:r>
+              <a:rPr lang="en-US" sz="1500" dirty="0">
+                <a:solidFill>
+                  <a:srgbClr val="343433"/>
+                </a:solidFill>
+                <a:latin typeface="Futura light"/>
+              </a:rPr>
+              <a:t> (ex: Alex Bellini, who has already collaborated with </a:t>
+            </a:r>
+            <a:r>
+              <a:rPr lang="en-US" sz="1500" dirty="0" err="1">
+                <a:solidFill>
+                  <a:srgbClr val="343433"/>
+                </a:solidFill>
+                <a:latin typeface="Futura light"/>
+              </a:rPr>
+              <a:t>Redbull</a:t>
+            </a:r>
+            <a:r>
+              <a:rPr lang="en-US" sz="1500" dirty="0">
+                <a:solidFill>
+                  <a:srgbClr val="343433"/>
+                </a:solidFill>
+                <a:latin typeface="Futura light"/>
+              </a:rPr>
+              <a:t> several times). </a:t>
+            </a:r>
+          </a:p>
+          <a:p>
+            <a:pPr marL="0" indent="0">
+              <a:buNone/>
+            </a:pPr>
+            <a:r>
+              <a:rPr lang="en-US" sz="1500" dirty="0">
+                <a:solidFill>
+                  <a:srgbClr val="343433"/>
+                </a:solidFill>
+                <a:latin typeface="Futura light"/>
+              </a:rPr>
+              <a:t>The objective let people known about the </a:t>
+            </a:r>
+            <a:r>
+              <a:rPr lang="en-US" sz="1500" b="1" dirty="0">
+                <a:solidFill>
+                  <a:srgbClr val="343433"/>
+                </a:solidFill>
+                <a:latin typeface="Futura light"/>
+              </a:rPr>
+              <a:t>position of </a:t>
+            </a:r>
+            <a:r>
+              <a:rPr lang="en-US" sz="1500" b="1" dirty="0" err="1">
+                <a:solidFill>
+                  <a:srgbClr val="343433"/>
+                </a:solidFill>
+                <a:latin typeface="Futura light"/>
+              </a:rPr>
+              <a:t>Redbull</a:t>
+            </a:r>
+            <a:r>
+              <a:rPr lang="en-US" sz="1500" b="1" dirty="0">
+                <a:solidFill>
+                  <a:srgbClr val="343433"/>
+                </a:solidFill>
+                <a:latin typeface="Futura light"/>
+              </a:rPr>
+              <a:t> </a:t>
+            </a:r>
+            <a:r>
+              <a:rPr lang="en-US" sz="1500" dirty="0">
+                <a:solidFill>
+                  <a:srgbClr val="343433"/>
+                </a:solidFill>
+                <a:latin typeface="Futura light"/>
+              </a:rPr>
+              <a:t>on the theme of </a:t>
+            </a:r>
+            <a:r>
+              <a:rPr lang="en-US" sz="1500" b="1" dirty="0">
+                <a:solidFill>
+                  <a:srgbClr val="343433"/>
+                </a:solidFill>
+                <a:latin typeface="Futura light"/>
+              </a:rPr>
+              <a:t>"sustainability and new habits“. </a:t>
+            </a:r>
+          </a:p>
+          <a:p>
+            <a:pPr marL="0" indent="0">
+              <a:buNone/>
+            </a:pPr>
+            <a:r>
+              <a:rPr lang="en-US" sz="1500" dirty="0" err="1">
+                <a:solidFill>
+                  <a:srgbClr val="343433"/>
+                </a:solidFill>
+                <a:latin typeface="Futura light"/>
+              </a:rPr>
+              <a:t>Redbull</a:t>
+            </a:r>
+            <a:r>
+              <a:rPr lang="en-US" sz="1500" dirty="0">
+                <a:solidFill>
+                  <a:srgbClr val="343433"/>
+                </a:solidFill>
+                <a:latin typeface="Futura light"/>
+              </a:rPr>
+              <a:t> wants to promote a more </a:t>
+            </a:r>
+            <a:r>
+              <a:rPr lang="en-US" sz="1500" b="1" dirty="0">
+                <a:solidFill>
+                  <a:srgbClr val="343433"/>
+                </a:solidFill>
+                <a:latin typeface="Futura light"/>
+              </a:rPr>
+              <a:t>sustainable lifestyle</a:t>
+            </a:r>
+            <a:r>
+              <a:rPr lang="en-US" sz="1500" dirty="0">
+                <a:solidFill>
+                  <a:srgbClr val="343433"/>
+                </a:solidFill>
+                <a:latin typeface="Futura light"/>
+              </a:rPr>
+              <a:t>, involving everyone, sportsmen and women alike.</a:t>
+            </a:r>
+          </a:p>
+          <a:p>
+            <a:pPr marL="0" indent="0">
+              <a:buNone/>
+            </a:pPr>
+            <a:r>
+              <a:rPr lang="en-US" sz="1500" dirty="0">
+                <a:solidFill>
+                  <a:srgbClr val="343433"/>
+                </a:solidFill>
+                <a:latin typeface="Futura light"/>
+              </a:rPr>
+              <a:t>To raise </a:t>
+            </a:r>
+            <a:r>
+              <a:rPr lang="en-US" sz="1500" b="1" dirty="0">
+                <a:solidFill>
+                  <a:srgbClr val="343433"/>
+                </a:solidFill>
+                <a:latin typeface="Futura light"/>
+              </a:rPr>
+              <a:t>awareness</a:t>
+            </a:r>
+            <a:r>
+              <a:rPr lang="en-US" sz="1500" dirty="0">
+                <a:solidFill>
+                  <a:srgbClr val="343433"/>
+                </a:solidFill>
+                <a:latin typeface="Futura light"/>
+              </a:rPr>
+              <a:t> about the issue, making some </a:t>
+            </a:r>
+            <a:r>
+              <a:rPr lang="en-US" sz="1500" b="1" dirty="0">
+                <a:solidFill>
+                  <a:srgbClr val="343433"/>
+                </a:solidFill>
+                <a:latin typeface="Futura light"/>
+              </a:rPr>
+              <a:t>videos</a:t>
+            </a:r>
+            <a:r>
+              <a:rPr lang="en-US" sz="1500" dirty="0">
+                <a:solidFill>
+                  <a:srgbClr val="343433"/>
+                </a:solidFill>
+                <a:latin typeface="Futura light"/>
+              </a:rPr>
+              <a:t> can be a good idea, where the opinion leader will tell briefly and in an engaging way about the existence of the </a:t>
+            </a:r>
+            <a:r>
+              <a:rPr lang="en-US" sz="1500" dirty="0" err="1">
+                <a:solidFill>
+                  <a:srgbClr val="343433"/>
+                </a:solidFill>
+                <a:latin typeface="Futura light"/>
+              </a:rPr>
+              <a:t>GreenWings</a:t>
+            </a:r>
+            <a:r>
+              <a:rPr lang="en-US" sz="1500" dirty="0">
+                <a:solidFill>
+                  <a:srgbClr val="343433"/>
+                </a:solidFill>
+                <a:latin typeface="Futura light"/>
+              </a:rPr>
+              <a:t> app that allows you to </a:t>
+            </a:r>
+            <a:r>
+              <a:rPr lang="en-US" sz="1500" b="1" dirty="0">
+                <a:solidFill>
+                  <a:srgbClr val="343433"/>
+                </a:solidFill>
+                <a:latin typeface="Futura light"/>
+              </a:rPr>
+              <a:t>interact</a:t>
+            </a:r>
+            <a:r>
+              <a:rPr lang="en-US" sz="1500" dirty="0">
+                <a:solidFill>
+                  <a:srgbClr val="343433"/>
+                </a:solidFill>
+                <a:latin typeface="Futura light"/>
+              </a:rPr>
+              <a:t> with </a:t>
+            </a:r>
+            <a:r>
+              <a:rPr lang="en-US" sz="1500" dirty="0" err="1">
+                <a:solidFill>
+                  <a:srgbClr val="343433"/>
+                </a:solidFill>
+                <a:latin typeface="Futura light"/>
+              </a:rPr>
+              <a:t>GreenWings</a:t>
+            </a:r>
+            <a:r>
+              <a:rPr lang="en-US" sz="1500" dirty="0">
+                <a:solidFill>
+                  <a:srgbClr val="343433"/>
+                </a:solidFill>
+                <a:latin typeface="Futura light"/>
+              </a:rPr>
+              <a:t> tool. The videos can be spread through the app and/or through the </a:t>
+            </a:r>
+            <a:r>
+              <a:rPr lang="en-US" sz="1500" dirty="0" err="1">
+                <a:solidFill>
+                  <a:srgbClr val="343433"/>
+                </a:solidFill>
+                <a:latin typeface="Futura light"/>
+              </a:rPr>
+              <a:t>Instragam</a:t>
+            </a:r>
+            <a:r>
+              <a:rPr lang="en-US" sz="1500" dirty="0">
+                <a:solidFill>
+                  <a:srgbClr val="343433"/>
+                </a:solidFill>
+                <a:latin typeface="Futura light"/>
+              </a:rPr>
+              <a:t> page.</a:t>
+            </a:r>
+          </a:p>
+          <a:p>
+            <a:pPr marL="0" indent="0">
+              <a:buNone/>
+            </a:pPr>
+            <a:endParaRPr lang="en-US" sz="1500" dirty="0">
+              <a:solidFill>
+                <a:srgbClr val="343433"/>
+              </a:solidFill>
+              <a:latin typeface="Futura light"/>
+            </a:endParaRPr>
+          </a:p>
+          <a:p>
+            <a:pPr marL="0" indent="0">
+              <a:buNone/>
+            </a:pPr>
+            <a:endParaRPr lang="en-US" sz="1500" dirty="0">
+              <a:solidFill>
+                <a:srgbClr val="343433"/>
+              </a:solidFill>
+              <a:latin typeface="Futura light"/>
+            </a:endParaRPr>
+          </a:p>
+          <a:p>
+            <a:pPr marL="0" indent="0">
+              <a:buNone/>
+            </a:pPr>
+            <a:endParaRPr lang="en-US" sz="1500" dirty="0">
+              <a:solidFill>
+                <a:srgbClr val="343433"/>
+              </a:solidFill>
+              <a:latin typeface="Futura light"/>
+            </a:endParaRPr>
+          </a:p>
+          <a:p>
+            <a:pPr marL="0" indent="0">
+              <a:buNone/>
+            </a:pPr>
+            <a:endParaRPr lang="en-US" sz="1500" dirty="0">
+              <a:solidFill>
+                <a:srgbClr val="343433"/>
+              </a:solidFill>
+              <a:latin typeface="Futura light"/>
+            </a:endParaRPr>
           </a:p>
         </p:txBody>
       </p:sp>
@@ -4120,31 +4632,6 @@
       </p:grpSpPr>
       <p:sp>
         <p:nvSpPr>
-          <p:cNvPr id="2" name="Titolo 1">
-            <a:extLst>
-              <a:ext uri="{FF2B5EF4-FFF2-40B4-BE49-F238E27FC236}">
-                <a16:creationId xmlns:a16="http://schemas.microsoft.com/office/drawing/2014/main" id="{94F884A3-C55A-41BE-B7D5-6BBC06730FAE}"/>
-              </a:ext>
-            </a:extLst>
-          </p:cNvPr>
-          <p:cNvSpPr>
-            <a:spLocks noGrp="1"/>
-          </p:cNvSpPr>
-          <p:nvPr>
-            <p:ph type="title"/>
-          </p:nvPr>
-        </p:nvSpPr>
-        <p:spPr/>
-        <p:txBody>
-          <a:bodyPr/>
-          <a:lstStyle/>
-          <a:p>
-            <a:endParaRPr lang="it-IT"/>
-          </a:p>
-        </p:txBody>
-      </p:sp>
-      <p:sp>
-        <p:nvSpPr>
           <p:cNvPr id="3" name="Segnaposto contenuto 2">
             <a:extLst>
               <a:ext uri="{FF2B5EF4-FFF2-40B4-BE49-F238E27FC236}">
@@ -4161,10 +4648,412 @@
         </p:nvSpPr>
         <p:spPr/>
         <p:txBody>
-          <a:bodyPr/>
+          <a:bodyPr>
+            <a:normAutofit/>
+          </a:bodyPr>
           <a:lstStyle/>
           <a:p>
-            <a:endParaRPr lang="it-IT"/>
+            <a:pPr marL="0" indent="0">
+              <a:buNone/>
+            </a:pPr>
+            <a:r>
+              <a:rPr lang="en-US" sz="1500" dirty="0">
+                <a:solidFill>
+                  <a:srgbClr val="343433"/>
+                </a:solidFill>
+                <a:latin typeface="Futura light"/>
+              </a:rPr>
+              <a:t>To demonstrate the </a:t>
+            </a:r>
+            <a:r>
+              <a:rPr lang="en-US" sz="1500" b="1" dirty="0">
+                <a:solidFill>
+                  <a:srgbClr val="343433"/>
+                </a:solidFill>
+                <a:latin typeface="Futura light"/>
+              </a:rPr>
+              <a:t>ease</a:t>
+            </a:r>
+            <a:r>
+              <a:rPr lang="en-US" sz="1500" dirty="0">
+                <a:solidFill>
+                  <a:srgbClr val="343433"/>
+                </a:solidFill>
+                <a:latin typeface="Futura light"/>
+              </a:rPr>
+              <a:t> of use of </a:t>
+            </a:r>
+            <a:r>
+              <a:rPr lang="en-US" sz="1500" dirty="0" err="1">
+                <a:solidFill>
+                  <a:srgbClr val="343433"/>
+                </a:solidFill>
+                <a:latin typeface="Futura light"/>
+              </a:rPr>
+              <a:t>GreenWings</a:t>
+            </a:r>
+            <a:r>
+              <a:rPr lang="en-US" sz="1500" dirty="0">
+                <a:solidFill>
+                  <a:srgbClr val="343433"/>
+                </a:solidFill>
+                <a:latin typeface="Futura light"/>
+              </a:rPr>
+              <a:t>, </a:t>
+            </a:r>
+            <a:r>
+              <a:rPr lang="en-US" sz="1500" b="1" dirty="0">
+                <a:solidFill>
+                  <a:srgbClr val="343433"/>
+                </a:solidFill>
+                <a:latin typeface="Futura light"/>
+              </a:rPr>
+              <a:t>guerrilla</a:t>
+            </a:r>
+            <a:r>
+              <a:rPr lang="en-US" sz="1500" dirty="0">
+                <a:solidFill>
+                  <a:srgbClr val="343433"/>
+                </a:solidFill>
+                <a:latin typeface="Futura light"/>
+              </a:rPr>
+              <a:t> </a:t>
+            </a:r>
+            <a:r>
+              <a:rPr lang="en-US" sz="1500" b="1" dirty="0">
+                <a:solidFill>
+                  <a:srgbClr val="343433"/>
+                </a:solidFill>
+                <a:latin typeface="Futura light"/>
+              </a:rPr>
+              <a:t>marketing</a:t>
+            </a:r>
+            <a:r>
+              <a:rPr lang="en-US" sz="1500" dirty="0">
+                <a:solidFill>
+                  <a:srgbClr val="343433"/>
+                </a:solidFill>
+                <a:latin typeface="Futura light"/>
+              </a:rPr>
+              <a:t> techniques are the best option. </a:t>
+            </a:r>
+          </a:p>
+          <a:p>
+            <a:pPr marL="0" indent="0">
+              <a:buNone/>
+            </a:pPr>
+            <a:r>
+              <a:rPr lang="en-US" sz="1500" dirty="0">
+                <a:solidFill>
+                  <a:srgbClr val="343433"/>
+                </a:solidFill>
+                <a:latin typeface="Futura light"/>
+              </a:rPr>
+              <a:t>The idea is to place the tool in a </a:t>
+            </a:r>
+            <a:r>
+              <a:rPr lang="en-US" sz="1500" b="1" dirty="0">
+                <a:solidFill>
+                  <a:srgbClr val="343433"/>
+                </a:solidFill>
+                <a:latin typeface="Futura light"/>
+              </a:rPr>
+              <a:t>visible</a:t>
+            </a:r>
+            <a:r>
+              <a:rPr lang="en-US" sz="1500" dirty="0">
+                <a:solidFill>
+                  <a:srgbClr val="343433"/>
+                </a:solidFill>
+                <a:latin typeface="Futura light"/>
+              </a:rPr>
+              <a:t> way, inside the structure/location hosting the </a:t>
+            </a:r>
+            <a:r>
+              <a:rPr lang="en-US" sz="1500" dirty="0" err="1">
+                <a:solidFill>
+                  <a:srgbClr val="343433"/>
+                </a:solidFill>
+                <a:latin typeface="Futura light"/>
+              </a:rPr>
+              <a:t>Redbull</a:t>
+            </a:r>
+            <a:r>
+              <a:rPr lang="en-US" sz="1500" dirty="0">
+                <a:solidFill>
+                  <a:srgbClr val="343433"/>
+                </a:solidFill>
+                <a:latin typeface="Futura light"/>
+              </a:rPr>
+              <a:t> event and </a:t>
+            </a:r>
+            <a:r>
+              <a:rPr lang="en-US" sz="1500" b="1" dirty="0">
+                <a:solidFill>
+                  <a:srgbClr val="343433"/>
+                </a:solidFill>
+                <a:latin typeface="Futura light"/>
+              </a:rPr>
+              <a:t>film</a:t>
+            </a:r>
+            <a:r>
+              <a:rPr lang="en-US" sz="1500" dirty="0">
+                <a:solidFill>
+                  <a:srgbClr val="343433"/>
+                </a:solidFill>
+                <a:latin typeface="Futura light"/>
+              </a:rPr>
+              <a:t> from a distance how people </a:t>
+            </a:r>
+            <a:r>
+              <a:rPr lang="en-US" sz="1500" b="1" dirty="0">
+                <a:solidFill>
+                  <a:srgbClr val="343433"/>
+                </a:solidFill>
+                <a:latin typeface="Futura light"/>
+              </a:rPr>
+              <a:t>interact</a:t>
+            </a:r>
+            <a:r>
+              <a:rPr lang="en-US" sz="1500" dirty="0">
+                <a:solidFill>
+                  <a:srgbClr val="343433"/>
+                </a:solidFill>
+                <a:latin typeface="Futura light"/>
+              </a:rPr>
+              <a:t> with it.</a:t>
+            </a:r>
+          </a:p>
+          <a:p>
+            <a:pPr marL="0" indent="0">
+              <a:buNone/>
+            </a:pPr>
+            <a:r>
+              <a:rPr lang="en-US" sz="1500" dirty="0">
+                <a:solidFill>
+                  <a:srgbClr val="343433"/>
+                </a:solidFill>
+                <a:latin typeface="Futura light"/>
+              </a:rPr>
+              <a:t> It would be interesting to </a:t>
+            </a:r>
+            <a:r>
+              <a:rPr lang="en-US" sz="1500" b="1" dirty="0">
+                <a:solidFill>
+                  <a:srgbClr val="343433"/>
+                </a:solidFill>
+                <a:latin typeface="Futura light"/>
+              </a:rPr>
+              <a:t>interview</a:t>
+            </a:r>
+            <a:r>
+              <a:rPr lang="en-US" sz="1500" dirty="0">
+                <a:solidFill>
+                  <a:srgbClr val="343433"/>
+                </a:solidFill>
+                <a:latin typeface="Futura light"/>
+              </a:rPr>
+              <a:t> some of these people on video to get </a:t>
+            </a:r>
+            <a:r>
+              <a:rPr lang="en-US" sz="1500" b="1" dirty="0">
+                <a:solidFill>
+                  <a:srgbClr val="343433"/>
+                </a:solidFill>
+                <a:latin typeface="Futura light"/>
+              </a:rPr>
+              <a:t>immediate</a:t>
+            </a:r>
+            <a:r>
+              <a:rPr lang="en-US" sz="1500" dirty="0">
+                <a:solidFill>
+                  <a:srgbClr val="343433"/>
+                </a:solidFill>
+                <a:latin typeface="Futura light"/>
+              </a:rPr>
+              <a:t> post-interaction </a:t>
+            </a:r>
+            <a:r>
+              <a:rPr lang="en-US" sz="1500" b="1" dirty="0">
+                <a:solidFill>
+                  <a:srgbClr val="343433"/>
+                </a:solidFill>
+                <a:latin typeface="Futura light"/>
+              </a:rPr>
+              <a:t>feedback</a:t>
+            </a:r>
+            <a:r>
+              <a:rPr lang="en-US" sz="1500" dirty="0">
+                <a:solidFill>
+                  <a:srgbClr val="343433"/>
+                </a:solidFill>
+                <a:latin typeface="Futura light"/>
+              </a:rPr>
+              <a:t>, as a demonstration of the </a:t>
+            </a:r>
+            <a:r>
+              <a:rPr lang="en-US" sz="1500" b="1" dirty="0">
+                <a:solidFill>
+                  <a:srgbClr val="343433"/>
+                </a:solidFill>
+                <a:latin typeface="Futura light"/>
+              </a:rPr>
+              <a:t>simplicity</a:t>
+            </a:r>
+            <a:r>
+              <a:rPr lang="en-US" sz="1500" dirty="0">
+                <a:solidFill>
+                  <a:srgbClr val="343433"/>
+                </a:solidFill>
+                <a:latin typeface="Futura light"/>
+              </a:rPr>
+              <a:t> and </a:t>
+            </a:r>
+            <a:r>
+              <a:rPr lang="en-US" sz="1500" b="1" dirty="0">
+                <a:solidFill>
+                  <a:srgbClr val="343433"/>
+                </a:solidFill>
+                <a:latin typeface="Futura light"/>
+              </a:rPr>
+              <a:t>accessibility</a:t>
+            </a:r>
+            <a:r>
+              <a:rPr lang="en-US" sz="1500" dirty="0">
+                <a:solidFill>
+                  <a:srgbClr val="343433"/>
+                </a:solidFill>
+                <a:latin typeface="Futura light"/>
+              </a:rPr>
+              <a:t> of the interactive tool. </a:t>
+            </a:r>
+          </a:p>
+          <a:p>
+            <a:pPr marL="0" indent="0">
+              <a:buNone/>
+            </a:pPr>
+            <a:r>
+              <a:rPr lang="en-US" sz="1500" dirty="0">
+                <a:solidFill>
+                  <a:srgbClr val="343433"/>
+                </a:solidFill>
+                <a:latin typeface="Futura light"/>
+              </a:rPr>
+              <a:t>Lastly, in the video, we would like to show the </a:t>
+            </a:r>
+            <a:r>
+              <a:rPr lang="en-US" sz="1500" b="1" dirty="0">
+                <a:solidFill>
+                  <a:srgbClr val="343433"/>
+                </a:solidFill>
+                <a:latin typeface="Futura light"/>
+              </a:rPr>
+              <a:t>steps of the user experience </a:t>
+            </a:r>
+            <a:r>
+              <a:rPr lang="en-US" sz="1500" dirty="0">
+                <a:solidFill>
+                  <a:srgbClr val="343433"/>
+                </a:solidFill>
+                <a:latin typeface="Futura light"/>
+              </a:rPr>
+              <a:t>from start to finish: </a:t>
+            </a:r>
+          </a:p>
+          <a:p>
+            <a:r>
+              <a:rPr lang="en-US" sz="1500" b="1" dirty="0">
+                <a:solidFill>
+                  <a:srgbClr val="343433"/>
+                </a:solidFill>
+                <a:latin typeface="Futura light"/>
+              </a:rPr>
+              <a:t>scanning</a:t>
+            </a:r>
+            <a:r>
+              <a:rPr lang="en-US" sz="1500" dirty="0">
+                <a:solidFill>
+                  <a:srgbClr val="343433"/>
+                </a:solidFill>
+                <a:latin typeface="Futura light"/>
+              </a:rPr>
+              <a:t> QR code to download the app</a:t>
+            </a:r>
+          </a:p>
+          <a:p>
+            <a:r>
+              <a:rPr lang="en-US" sz="1500" b="1" dirty="0">
+                <a:solidFill>
+                  <a:srgbClr val="343433"/>
+                </a:solidFill>
+                <a:latin typeface="Futura light"/>
+              </a:rPr>
+              <a:t>entering</a:t>
+            </a:r>
+            <a:r>
+              <a:rPr lang="en-US" sz="1500" dirty="0">
+                <a:solidFill>
+                  <a:srgbClr val="343433"/>
+                </a:solidFill>
+                <a:latin typeface="Futura light"/>
+              </a:rPr>
+              <a:t> trash</a:t>
+            </a:r>
+          </a:p>
+          <a:p>
+            <a:r>
+              <a:rPr lang="en-US" sz="1500" dirty="0">
+                <a:solidFill>
+                  <a:srgbClr val="343433"/>
+                </a:solidFill>
+                <a:latin typeface="Futura light"/>
+              </a:rPr>
+              <a:t>scanning QR for </a:t>
+            </a:r>
+            <a:r>
+              <a:rPr lang="en-US" sz="1500" b="1" dirty="0">
+                <a:solidFill>
+                  <a:srgbClr val="343433"/>
+                </a:solidFill>
+                <a:latin typeface="Futura light"/>
+              </a:rPr>
+              <a:t>tokens</a:t>
+            </a:r>
+            <a:r>
+              <a:rPr lang="en-US" sz="1500" dirty="0">
+                <a:solidFill>
+                  <a:srgbClr val="343433"/>
+                </a:solidFill>
+                <a:latin typeface="Futura light"/>
+              </a:rPr>
+              <a:t> and </a:t>
+            </a:r>
+          </a:p>
+          <a:p>
+            <a:r>
+              <a:rPr lang="en-US" sz="1500" dirty="0">
+                <a:solidFill>
+                  <a:srgbClr val="343433"/>
+                </a:solidFill>
+                <a:latin typeface="Futura light"/>
+              </a:rPr>
+              <a:t>using tokens for various </a:t>
+            </a:r>
+            <a:r>
+              <a:rPr lang="it-IT" sz="1500" b="1" dirty="0">
+                <a:solidFill>
+                  <a:srgbClr val="343433"/>
+                </a:solidFill>
+                <a:latin typeface="Futura light"/>
+              </a:rPr>
+              <a:t>projects</a:t>
+            </a:r>
+          </a:p>
+          <a:p>
+            <a:pPr marL="0" indent="0">
+              <a:buNone/>
+            </a:pPr>
+            <a:endParaRPr lang="it-IT" dirty="0"/>
           </a:p>
         </p:txBody>
       </p:sp>
@@ -4198,6 +5087,79 @@
           </a:prstGeom>
         </p:spPr>
       </p:pic>
+      <p:sp>
+        <p:nvSpPr>
+          <p:cNvPr id="5" name="Titolo 1">
+            <a:extLst>
+              <a:ext uri="{FF2B5EF4-FFF2-40B4-BE49-F238E27FC236}">
+                <a16:creationId xmlns:a16="http://schemas.microsoft.com/office/drawing/2014/main" id="{072C6F9C-6637-4DBF-9EBA-0AFD6B4208BE}"/>
+              </a:ext>
+            </a:extLst>
+          </p:cNvPr>
+          <p:cNvSpPr txBox="1">
+            <a:spLocks noGrp="1"/>
+          </p:cNvSpPr>
+          <p:nvPr>
+            <p:ph type="title"/>
+          </p:nvPr>
+        </p:nvSpPr>
+        <p:spPr>
+          <a:xfrm>
+            <a:off x="838200" y="365125"/>
+            <a:ext cx="10515600" cy="1325563"/>
+          </a:xfrm>
+          <a:prstGeom prst="rect">
+            <a:avLst/>
+          </a:prstGeom>
+        </p:spPr>
+        <p:txBody>
+          <a:bodyPr vert="horz" lIns="91440" tIns="45720" rIns="91440" bIns="45720" rtlCol="0" anchor="ctr">
+            <a:normAutofit/>
+          </a:bodyPr>
+          <a:lstStyle>
+            <a:lvl1pPr algn="l" defTabSz="914400" rtl="0" eaLnBrk="1" latinLnBrk="0" hangingPunct="1">
+              <a:lnSpc>
+                <a:spcPct val="90000"/>
+              </a:lnSpc>
+              <a:spcBef>
+                <a:spcPct val="0"/>
+              </a:spcBef>
+              <a:buNone/>
+              <a:defRPr sz="4400" kern="1200">
+                <a:solidFill>
+                  <a:schemeClr val="tx1"/>
+                </a:solidFill>
+                <a:latin typeface="+mj-lt"/>
+                <a:ea typeface="+mj-ea"/>
+                <a:cs typeface="+mj-cs"/>
+              </a:defRPr>
+            </a:lvl1pPr>
+          </a:lstStyle>
+          <a:p>
+            <a:r>
+              <a:rPr lang="it-IT" sz="4000" b="1" spc="-100" dirty="0" err="1">
+                <a:latin typeface="Futura"/>
+              </a:rPr>
+              <a:t>Objective</a:t>
+            </a:r>
+            <a:r>
+              <a:rPr lang="it-IT" sz="4000" b="1" spc="-100" dirty="0">
+                <a:latin typeface="Futura"/>
+              </a:rPr>
+              <a:t> 3: </a:t>
+            </a:r>
+            <a:r>
+              <a:rPr lang="it-IT" sz="4000" b="1" spc="-100" dirty="0" err="1">
+                <a:latin typeface="Futura"/>
+              </a:rPr>
+              <a:t>implementation</a:t>
+            </a:r>
+            <a:endParaRPr lang="it-IT" sz="4000" b="1" spc="-100" dirty="0">
+              <a:latin typeface="Futura"/>
+            </a:endParaRPr>
+          </a:p>
+        </p:txBody>
+      </p:sp>
     </p:spTree>
     <p:extLst>
       <p:ext uri="{BB962C8B-B14F-4D97-AF65-F5344CB8AC3E}">
@@ -4212,6 +5174,447 @@
 </file>
 
 <file path=ppt/slides/slide14.xml><?xml version="1.0" encoding="utf-8"?>
+<p:sld xmlns:a="http://schemas.openxmlformats.org/drawingml/2006/main" xmlns:r="http://schemas.openxmlformats.org/officeDocument/2006/relationships" xmlns:p="http://schemas.openxmlformats.org/presentationml/2006/main">
+  <p:cSld>
+    <p:spTree>
+      <p:nvGrpSpPr>
+        <p:cNvPr id="1" name=""/>
+        <p:cNvGrpSpPr/>
+        <p:nvPr/>
+      </p:nvGrpSpPr>
+      <p:grpSpPr>
+        <a:xfrm>
+          <a:off x="0" y="0"/>
+          <a:ext cx="0" cy="0"/>
+          <a:chOff x="0" y="0"/>
+          <a:chExt cx="0" cy="0"/>
+        </a:xfrm>
+      </p:grpSpPr>
+      <p:sp>
+        <p:nvSpPr>
+          <p:cNvPr id="3" name="Segnaposto contenuto 2">
+            <a:extLst>
+              <a:ext uri="{FF2B5EF4-FFF2-40B4-BE49-F238E27FC236}">
+                <a16:creationId xmlns:a16="http://schemas.microsoft.com/office/drawing/2014/main" id="{34C79197-26AA-42CD-BB57-00B6063655A8}"/>
+              </a:ext>
+            </a:extLst>
+          </p:cNvPr>
+          <p:cNvSpPr>
+            <a:spLocks noGrp="1"/>
+          </p:cNvSpPr>
+          <p:nvPr>
+            <p:ph idx="1"/>
+          </p:nvPr>
+        </p:nvSpPr>
+        <p:spPr/>
+        <p:txBody>
+          <a:bodyPr>
+            <a:normAutofit/>
+          </a:bodyPr>
+          <a:lstStyle/>
+          <a:p>
+            <a:pPr marL="0" indent="0">
+              <a:buNone/>
+            </a:pPr>
+            <a:r>
+              <a:rPr lang="en-US" sz="1500" dirty="0" err="1">
+                <a:solidFill>
+                  <a:srgbClr val="343433"/>
+                </a:solidFill>
+                <a:latin typeface="Futura light"/>
+              </a:rPr>
+              <a:t>Redbull</a:t>
+            </a:r>
+            <a:r>
+              <a:rPr lang="en-US" sz="1500" dirty="0">
+                <a:solidFill>
+                  <a:srgbClr val="343433"/>
+                </a:solidFill>
+                <a:latin typeface="Futura light"/>
+              </a:rPr>
+              <a:t> aims to create a </a:t>
+            </a:r>
+            <a:r>
+              <a:rPr lang="en-US" sz="1500" b="1" dirty="0">
+                <a:solidFill>
+                  <a:srgbClr val="343433"/>
+                </a:solidFill>
+                <a:latin typeface="Futura light"/>
+              </a:rPr>
+              <a:t>digital</a:t>
+            </a:r>
+            <a:r>
+              <a:rPr lang="en-US" sz="1500" dirty="0">
+                <a:solidFill>
+                  <a:srgbClr val="343433"/>
+                </a:solidFill>
+                <a:latin typeface="Futura light"/>
+              </a:rPr>
+              <a:t> </a:t>
+            </a:r>
+            <a:r>
+              <a:rPr lang="en-US" sz="1500" b="1" dirty="0">
+                <a:solidFill>
+                  <a:srgbClr val="343433"/>
+                </a:solidFill>
+                <a:latin typeface="Futura light"/>
+              </a:rPr>
+              <a:t>community</a:t>
+            </a:r>
+            <a:r>
+              <a:rPr lang="en-US" sz="1500" dirty="0">
+                <a:solidFill>
+                  <a:srgbClr val="343433"/>
+                </a:solidFill>
+                <a:latin typeface="Futura light"/>
+              </a:rPr>
+              <a:t> that has a  sustainable lifestyle. </a:t>
+            </a:r>
+          </a:p>
+          <a:p>
+            <a:pPr marL="0" indent="0">
+              <a:buNone/>
+            </a:pPr>
+            <a:r>
+              <a:rPr lang="en-US" sz="1500" dirty="0">
+                <a:solidFill>
+                  <a:srgbClr val="343433"/>
+                </a:solidFill>
+                <a:latin typeface="Futura light"/>
+              </a:rPr>
+              <a:t>This can be accomplished through the app and known </a:t>
+            </a:r>
+            <a:r>
+              <a:rPr lang="en-US" sz="1500" b="1" dirty="0">
+                <a:solidFill>
+                  <a:srgbClr val="343433"/>
+                </a:solidFill>
+                <a:latin typeface="Futura light"/>
+              </a:rPr>
+              <a:t>gamification</a:t>
+            </a:r>
+            <a:r>
+              <a:rPr lang="en-US" sz="1500" dirty="0">
+                <a:solidFill>
+                  <a:srgbClr val="343433"/>
+                </a:solidFill>
+                <a:latin typeface="Futura light"/>
+              </a:rPr>
+              <a:t> techniques. </a:t>
+            </a:r>
+          </a:p>
+          <a:p>
+            <a:pPr marL="0" indent="0">
+              <a:buNone/>
+            </a:pPr>
+            <a:r>
+              <a:rPr lang="en-US" sz="1500" dirty="0">
+                <a:solidFill>
+                  <a:srgbClr val="343433"/>
+                </a:solidFill>
+                <a:latin typeface="Futura light"/>
+              </a:rPr>
+              <a:t>Our </a:t>
+            </a:r>
+            <a:r>
+              <a:rPr lang="en-US" sz="1500" b="1" dirty="0">
+                <a:solidFill>
+                  <a:srgbClr val="343433"/>
+                </a:solidFill>
+                <a:latin typeface="Futura light"/>
+              </a:rPr>
+              <a:t>methods</a:t>
+            </a:r>
+            <a:r>
+              <a:rPr lang="en-US" sz="1500" dirty="0">
+                <a:solidFill>
+                  <a:srgbClr val="343433"/>
+                </a:solidFill>
+                <a:latin typeface="Futura light"/>
+              </a:rPr>
+              <a:t> will be:</a:t>
+            </a:r>
+          </a:p>
+          <a:p>
+            <a:r>
+              <a:rPr lang="en-US" sz="1500" dirty="0">
+                <a:solidFill>
+                  <a:srgbClr val="343433"/>
+                </a:solidFill>
+                <a:latin typeface="Futura light"/>
+              </a:rPr>
+              <a:t>realization of an overall </a:t>
+            </a:r>
+            <a:r>
+              <a:rPr lang="en-US" sz="1500" b="1" dirty="0">
+                <a:solidFill>
+                  <a:srgbClr val="343433"/>
+                </a:solidFill>
+                <a:latin typeface="Futura light"/>
+              </a:rPr>
+              <a:t>ranking</a:t>
+            </a:r>
+            <a:r>
+              <a:rPr lang="en-US" sz="1500" dirty="0">
+                <a:solidFill>
+                  <a:srgbClr val="343433"/>
+                </a:solidFill>
+                <a:latin typeface="Futura light"/>
+              </a:rPr>
+              <a:t> where those who invest tokens in sustainable projects accumulate points;</a:t>
+            </a:r>
+          </a:p>
+          <a:p>
+            <a:r>
+              <a:rPr lang="en-US" sz="1500" dirty="0">
+                <a:solidFill>
+                  <a:srgbClr val="343433"/>
+                </a:solidFill>
+                <a:latin typeface="Futura light"/>
+              </a:rPr>
+              <a:t>possibility </a:t>
+            </a:r>
+            <a:r>
+              <a:rPr lang="en-US" sz="1500" b="1" dirty="0">
+                <a:solidFill>
+                  <a:srgbClr val="343433"/>
+                </a:solidFill>
+                <a:latin typeface="Futura light"/>
+              </a:rPr>
+              <a:t>to propose local sustainable projects</a:t>
+            </a:r>
+            <a:r>
+              <a:rPr lang="en-US" sz="1500" dirty="0">
+                <a:solidFill>
+                  <a:srgbClr val="343433"/>
+                </a:solidFill>
+                <a:latin typeface="Futura light"/>
+              </a:rPr>
+              <a:t>, to which users can donate tokens</a:t>
+            </a:r>
+          </a:p>
+          <a:p>
+            <a:r>
+              <a:rPr lang="en-US" sz="1500" b="1" dirty="0">
+                <a:solidFill>
+                  <a:srgbClr val="343433"/>
+                </a:solidFill>
+                <a:latin typeface="Futura light"/>
+              </a:rPr>
+              <a:t>tips</a:t>
+            </a:r>
+            <a:r>
+              <a:rPr lang="en-US" sz="1500" dirty="0">
+                <a:solidFill>
+                  <a:srgbClr val="343433"/>
+                </a:solidFill>
+                <a:latin typeface="Futura light"/>
+              </a:rPr>
+              <a:t> on recycling and possibility to </a:t>
+            </a:r>
+            <a:r>
+              <a:rPr lang="en-US" sz="1500" b="1" dirty="0">
+                <a:solidFill>
+                  <a:srgbClr val="343433"/>
+                </a:solidFill>
+                <a:latin typeface="Futura light"/>
+              </a:rPr>
+              <a:t>comment</a:t>
+            </a:r>
+            <a:r>
+              <a:rPr lang="en-US" sz="1500" dirty="0">
+                <a:solidFill>
+                  <a:srgbClr val="343433"/>
+                </a:solidFill>
+                <a:latin typeface="Futura light"/>
+              </a:rPr>
+              <a:t> and </a:t>
+            </a:r>
+            <a:r>
+              <a:rPr lang="en-US" sz="1500" b="1" dirty="0">
+                <a:solidFill>
+                  <a:srgbClr val="343433"/>
+                </a:solidFill>
+                <a:latin typeface="Futura light"/>
+              </a:rPr>
+              <a:t>share</a:t>
+            </a:r>
+          </a:p>
+          <a:p>
+            <a:r>
+              <a:rPr lang="en-US" sz="1500" b="1" dirty="0">
+                <a:solidFill>
+                  <a:srgbClr val="343433"/>
+                </a:solidFill>
+                <a:latin typeface="Futura light"/>
+              </a:rPr>
+              <a:t>Ambassadors</a:t>
+            </a:r>
+            <a:r>
+              <a:rPr lang="en-US" sz="1500" dirty="0">
+                <a:solidFill>
+                  <a:srgbClr val="343433"/>
+                </a:solidFill>
+                <a:latin typeface="Futura light"/>
+              </a:rPr>
+              <a:t>/</a:t>
+            </a:r>
+            <a:r>
+              <a:rPr lang="en-US" sz="1500" b="1" dirty="0">
+                <a:solidFill>
+                  <a:srgbClr val="343433"/>
+                </a:solidFill>
+                <a:latin typeface="Futura light"/>
+              </a:rPr>
+              <a:t>opinion</a:t>
+            </a:r>
+            <a:r>
+              <a:rPr lang="en-US" sz="1500" dirty="0">
+                <a:solidFill>
+                  <a:srgbClr val="343433"/>
+                </a:solidFill>
+                <a:latin typeface="Futura light"/>
+              </a:rPr>
+              <a:t> </a:t>
+            </a:r>
+            <a:r>
+              <a:rPr lang="en-US" sz="1500" b="1" dirty="0">
+                <a:solidFill>
+                  <a:srgbClr val="343433"/>
+                </a:solidFill>
+                <a:latin typeface="Futura light"/>
+              </a:rPr>
+              <a:t>leaders</a:t>
+            </a:r>
+            <a:r>
+              <a:rPr lang="en-US" sz="1500" dirty="0">
+                <a:solidFill>
+                  <a:srgbClr val="343433"/>
+                </a:solidFill>
+                <a:latin typeface="Futura light"/>
+              </a:rPr>
+              <a:t> who raise awareness.</a:t>
+            </a:r>
+          </a:p>
+        </p:txBody>
+      </p:sp>
+      <p:pic>
+        <p:nvPicPr>
+          <p:cNvPr id="4" name="Immagine 3">
+            <a:extLst>
+              <a:ext uri="{FF2B5EF4-FFF2-40B4-BE49-F238E27FC236}">
+                <a16:creationId xmlns:a16="http://schemas.microsoft.com/office/drawing/2014/main" id="{0D7C5461-3791-4F4F-8496-4010E9F98317}"/>
+              </a:ext>
+            </a:extLst>
+          </p:cNvPr>
+          <p:cNvPicPr>
+            <a:picLocks noChangeAspect="1"/>
+          </p:cNvPicPr>
+          <p:nvPr/>
+        </p:nvPicPr>
+        <p:blipFill>
+          <a:blip r:embed="rId2"/>
+          <a:stretch>
+            <a:fillRect/>
+          </a:stretch>
+        </p:blipFill>
+        <p:spPr>
+          <a:xfrm>
+            <a:off x="11060784" y="0"/>
+            <a:ext cx="1131216" cy="848412"/>
+          </a:xfrm>
+          <a:prstGeom prst="rect">
+            <a:avLst/>
+          </a:prstGeom>
+        </p:spPr>
+      </p:pic>
+      <p:sp>
+        <p:nvSpPr>
+          <p:cNvPr id="5" name="Titolo 1">
+            <a:extLst>
+              <a:ext uri="{FF2B5EF4-FFF2-40B4-BE49-F238E27FC236}">
+                <a16:creationId xmlns:a16="http://schemas.microsoft.com/office/drawing/2014/main" id="{072C6F9C-6637-4DBF-9EBA-0AFD6B4208BE}"/>
+              </a:ext>
+            </a:extLst>
+          </p:cNvPr>
+          <p:cNvSpPr txBox="1">
+            <a:spLocks noGrp="1"/>
+          </p:cNvSpPr>
+          <p:nvPr>
+            <p:ph type="title"/>
+          </p:nvPr>
+        </p:nvSpPr>
+        <p:spPr>
+          <a:xfrm>
+            <a:off x="838200" y="365125"/>
+            <a:ext cx="10515600" cy="1325563"/>
+          </a:xfrm>
+          <a:prstGeom prst="rect">
+            <a:avLst/>
+          </a:prstGeom>
+        </p:spPr>
+        <p:txBody>
+          <a:bodyPr vert="horz" lIns="91440" tIns="45720" rIns="91440" bIns="45720" rtlCol="0" anchor="ctr">
+            <a:normAutofit/>
+          </a:bodyPr>
+          <a:lstStyle>
+            <a:lvl1pPr algn="l" defTabSz="914400" rtl="0" eaLnBrk="1" latinLnBrk="0" hangingPunct="1">
+              <a:lnSpc>
+                <a:spcPct val="90000"/>
+              </a:lnSpc>
+              <a:spcBef>
+                <a:spcPct val="0"/>
+              </a:spcBef>
+              <a:buNone/>
+              <a:defRPr sz="4400" kern="1200">
+                <a:solidFill>
+                  <a:schemeClr val="tx1"/>
+                </a:solidFill>
+                <a:latin typeface="+mj-lt"/>
+                <a:ea typeface="+mj-ea"/>
+                <a:cs typeface="+mj-cs"/>
+              </a:defRPr>
+            </a:lvl1pPr>
+          </a:lstStyle>
+          <a:p>
+            <a:r>
+              <a:rPr lang="it-IT" sz="4000" b="1" spc="-100" dirty="0" err="1">
+                <a:latin typeface="Futura"/>
+              </a:rPr>
+              <a:t>Objective</a:t>
+            </a:r>
+            <a:r>
+              <a:rPr lang="it-IT" sz="4000" b="1" spc="-100" dirty="0">
+                <a:latin typeface="Futura"/>
+              </a:rPr>
+              <a:t> 4: </a:t>
+            </a:r>
+            <a:r>
+              <a:rPr lang="it-IT" sz="4000" b="1" spc="-100" dirty="0" err="1">
+                <a:latin typeface="Futura"/>
+              </a:rPr>
+              <a:t>implementation</a:t>
+            </a:r>
+            <a:endParaRPr lang="it-IT" sz="4000" b="1" spc="-100" dirty="0">
+              <a:latin typeface="Futura"/>
+            </a:endParaRPr>
+          </a:p>
+        </p:txBody>
+      </p:sp>
+    </p:spTree>
+    <p:extLst>
+      <p:ext uri="{BB962C8B-B14F-4D97-AF65-F5344CB8AC3E}">
+        <p14:creationId xmlns:p14="http://schemas.microsoft.com/office/powerpoint/2010/main" val="2078384239"/>
+      </p:ext>
+    </p:extLst>
+  </p:cSld>
+  <p:clrMapOvr>
+    <a:masterClrMapping/>
+  </p:clrMapOvr>
+</p:sld>
+</file>
+
+<file path=ppt/slides/slide15.xml><?xml version="1.0" encoding="utf-8"?>
 <p:sld xmlns:a="http://schemas.openxmlformats.org/drawingml/2006/main" xmlns:r="http://schemas.openxmlformats.org/officeDocument/2006/relationships" xmlns:p="http://schemas.openxmlformats.org/presentationml/2006/main">
   <p:cSld>
     <p:spTree>
@@ -4338,7 +5741,7 @@
 </p:sld>
 </file>
 
-<file path=ppt/slides/slide15.xml><?xml version="1.0" encoding="utf-8"?>
+<file path=ppt/slides/slide16.xml><?xml version="1.0" encoding="utf-8"?>
 <p:sld xmlns:a="http://schemas.openxmlformats.org/drawingml/2006/main" xmlns:r="http://schemas.openxmlformats.org/officeDocument/2006/relationships" xmlns:p="http://schemas.openxmlformats.org/presentationml/2006/main">
   <p:cSld>
     <p:spTree>
@@ -4516,7 +5919,7 @@
 </p:sld>
 </file>
 
-<file path=ppt/slides/slide16.xml><?xml version="1.0" encoding="utf-8"?>
+<file path=ppt/slides/slide17.xml><?xml version="1.0" encoding="utf-8"?>
 <p:sld xmlns:a="http://schemas.openxmlformats.org/drawingml/2006/main" xmlns:r="http://schemas.openxmlformats.org/officeDocument/2006/relationships" xmlns:p="http://schemas.openxmlformats.org/presentationml/2006/main">
   <p:cSld>
     <p:spTree>
@@ -4791,7 +6194,7 @@
 </p:sld>
 </file>
 
-<file path=ppt/slides/slide17.xml><?xml version="1.0" encoding="utf-8"?>
+<file path=ppt/slides/slide18.xml><?xml version="1.0" encoding="utf-8"?>
 <p:sld xmlns:a="http://schemas.openxmlformats.org/drawingml/2006/main" xmlns:r="http://schemas.openxmlformats.org/officeDocument/2006/relationships" xmlns:p="http://schemas.openxmlformats.org/presentationml/2006/main">
   <p:cSld>
     <p:spTree>
@@ -5013,7 +6416,7 @@
 </p:sld>
 </file>
 
-<file path=ppt/slides/slide18.xml><?xml version="1.0" encoding="utf-8"?>
+<file path=ppt/slides/slide19.xml><?xml version="1.0" encoding="utf-8"?>
 <p:sld xmlns:a="http://schemas.openxmlformats.org/drawingml/2006/main" xmlns:r="http://schemas.openxmlformats.org/officeDocument/2006/relationships" xmlns:p="http://schemas.openxmlformats.org/presentationml/2006/main">
   <p:cSld>
     <p:spTree>
@@ -5251,260 +6654,6 @@
     <p:extLst>
       <p:ext uri="{BB962C8B-B14F-4D97-AF65-F5344CB8AC3E}">
         <p14:creationId xmlns:p14="http://schemas.microsoft.com/office/powerpoint/2010/main" val="1156629076"/>
-      </p:ext>
-    </p:extLst>
-  </p:cSld>
-  <p:clrMapOvr>
-    <a:masterClrMapping/>
-  </p:clrMapOvr>
-</p:sld>
-</file>
-
-<file path=ppt/slides/slide19.xml><?xml version="1.0" encoding="utf-8"?>
-<p:sld xmlns:a="http://schemas.openxmlformats.org/drawingml/2006/main" xmlns:r="http://schemas.openxmlformats.org/officeDocument/2006/relationships" xmlns:p="http://schemas.openxmlformats.org/presentationml/2006/main">
-  <p:cSld>
-    <p:spTree>
-      <p:nvGrpSpPr>
-        <p:cNvPr id="1" name=""/>
-        <p:cNvGrpSpPr/>
-        <p:nvPr/>
-      </p:nvGrpSpPr>
-      <p:grpSpPr>
-        <a:xfrm>
-          <a:off x="0" y="0"/>
-          <a:ext cx="0" cy="0"/>
-          <a:chOff x="0" y="0"/>
-          <a:chExt cx="0" cy="0"/>
-        </a:xfrm>
-      </p:grpSpPr>
-      <p:sp>
-        <p:nvSpPr>
-          <p:cNvPr id="2" name="Titolo 1">
-            <a:extLst>
-              <a:ext uri="{FF2B5EF4-FFF2-40B4-BE49-F238E27FC236}">
-                <a16:creationId xmlns:a16="http://schemas.microsoft.com/office/drawing/2014/main" id="{12BC6682-4848-42BA-AB7A-4DA7A3085B36}"/>
-              </a:ext>
-            </a:extLst>
-          </p:cNvPr>
-          <p:cNvSpPr>
-            <a:spLocks noGrp="1"/>
-          </p:cNvSpPr>
-          <p:nvPr>
-            <p:ph type="title"/>
-          </p:nvPr>
-        </p:nvSpPr>
-        <p:spPr/>
-        <p:txBody>
-          <a:bodyPr/>
-          <a:lstStyle/>
-          <a:p>
-            <a:endParaRPr lang="it-IT"/>
-          </a:p>
-        </p:txBody>
-      </p:sp>
-      <p:sp>
-        <p:nvSpPr>
-          <p:cNvPr id="3" name="Segnaposto contenuto 2">
-            <a:extLst>
-              <a:ext uri="{FF2B5EF4-FFF2-40B4-BE49-F238E27FC236}">
-                <a16:creationId xmlns:a16="http://schemas.microsoft.com/office/drawing/2014/main" id="{4E7E21BA-DF81-4B57-9BB3-22B79A4D2705}"/>
-              </a:ext>
-            </a:extLst>
-          </p:cNvPr>
-          <p:cNvSpPr>
-            <a:spLocks noGrp="1"/>
-          </p:cNvSpPr>
-          <p:nvPr>
-            <p:ph idx="1"/>
-          </p:nvPr>
-        </p:nvSpPr>
-        <p:spPr>
-          <a:xfrm>
-            <a:off x="838200" y="3101826"/>
-            <a:ext cx="10515600" cy="4351338"/>
-          </a:xfrm>
-        </p:spPr>
-        <p:txBody>
-          <a:bodyPr/>
-          <a:lstStyle/>
-          <a:p>
-            <a:pPr marL="0" indent="0" algn="just">
-              <a:buNone/>
-            </a:pPr>
-            <a:r>
-              <a:rPr lang="en-US" sz="2600" b="1" dirty="0">
-                <a:latin typeface="Futura"/>
-              </a:rPr>
-              <a:t>SEAMLESS AND ELEGANT.</a:t>
-            </a:r>
-          </a:p>
-          <a:p>
-            <a:pPr marL="0" indent="0" algn="just">
-              <a:buNone/>
-            </a:pPr>
-            <a:endParaRPr lang="en-US" sz="2600" b="1" dirty="0">
-              <a:latin typeface="Futura"/>
-            </a:endParaRPr>
-          </a:p>
-          <a:p>
-            <a:pPr marL="0" indent="0" algn="just">
-              <a:buNone/>
-            </a:pPr>
-            <a:r>
-              <a:rPr lang="en-US" sz="2200" dirty="0">
-                <a:solidFill>
-                  <a:srgbClr val="343433"/>
-                </a:solidFill>
-                <a:latin typeface="Futura light"/>
-              </a:rPr>
-              <a:t>The tool is intuitive and easy to use. It is visible and has an elegant design. </a:t>
-            </a:r>
-          </a:p>
-          <a:p>
-            <a:pPr marL="0" indent="0" algn="just">
-              <a:buNone/>
-            </a:pPr>
-            <a:r>
-              <a:rPr lang="en-US" sz="2200" dirty="0">
-                <a:solidFill>
-                  <a:srgbClr val="343433"/>
-                </a:solidFill>
-                <a:latin typeface="Futura light"/>
-              </a:rPr>
-              <a:t>The app is thought to be directly connected to the tool to make the experience seamless and easy for the users. Moreover it is easily accessible through the QR code, gives a lot of advices about recycling, gives the possibility to add local projects and to </a:t>
-            </a:r>
-            <a:r>
-              <a:rPr lang="en-US" sz="2200" dirty="0" err="1">
-                <a:solidFill>
-                  <a:srgbClr val="343433"/>
-                </a:solidFill>
-                <a:latin typeface="Futura light"/>
-              </a:rPr>
-              <a:t>to</a:t>
-            </a:r>
-            <a:r>
-              <a:rPr lang="en-US" sz="2200" dirty="0">
-                <a:solidFill>
-                  <a:srgbClr val="343433"/>
-                </a:solidFill>
-                <a:latin typeface="Futura light"/>
-              </a:rPr>
-              <a:t> meet and hear speeches of the most important opinion leaders and so to spread the world about sustainability. </a:t>
-            </a:r>
-            <a:endParaRPr lang="it-IT" sz="2200" dirty="0">
-              <a:solidFill>
-                <a:srgbClr val="343433"/>
-              </a:solidFill>
-              <a:latin typeface="Futura light"/>
-            </a:endParaRPr>
-          </a:p>
-        </p:txBody>
-      </p:sp>
-      <p:sp>
-        <p:nvSpPr>
-          <p:cNvPr id="4" name="Titolo 1">
-            <a:extLst>
-              <a:ext uri="{FF2B5EF4-FFF2-40B4-BE49-F238E27FC236}">
-                <a16:creationId xmlns:a16="http://schemas.microsoft.com/office/drawing/2014/main" id="{D880D03F-99EB-47D1-8D05-842515E9261F}"/>
-              </a:ext>
-            </a:extLst>
-          </p:cNvPr>
-          <p:cNvSpPr txBox="1">
-            <a:spLocks/>
-          </p:cNvSpPr>
-          <p:nvPr/>
-        </p:nvSpPr>
-        <p:spPr>
-          <a:xfrm>
-            <a:off x="163641" y="365125"/>
-            <a:ext cx="12520728" cy="2736701"/>
-          </a:xfrm>
-          <a:prstGeom prst="rect">
-            <a:avLst/>
-          </a:prstGeom>
-        </p:spPr>
-        <p:txBody>
-          <a:bodyPr vert="horz" lIns="91440" tIns="45720" rIns="91440" bIns="45720" rtlCol="0" anchor="ctr">
-            <a:noAutofit/>
-          </a:bodyPr>
-          <a:lstStyle>
-            <a:lvl1pPr algn="l" defTabSz="914400" rtl="0" eaLnBrk="1" latinLnBrk="0" hangingPunct="1">
-              <a:lnSpc>
-                <a:spcPct val="90000"/>
-              </a:lnSpc>
-              <a:spcBef>
-                <a:spcPct val="0"/>
-              </a:spcBef>
-              <a:buNone/>
-              <a:defRPr sz="4400" kern="1200">
-                <a:solidFill>
-                  <a:schemeClr val="tx1"/>
-                </a:solidFill>
-                <a:latin typeface="+mj-lt"/>
-                <a:ea typeface="+mj-ea"/>
-                <a:cs typeface="+mj-cs"/>
-              </a:defRPr>
-            </a:lvl1pPr>
-          </a:lstStyle>
-          <a:p>
-            <a:r>
-              <a:rPr lang="it-IT" sz="30000" b="1" dirty="0">
-                <a:solidFill>
-                  <a:srgbClr val="FFFEFE"/>
-                </a:solidFill>
-                <a:latin typeface="Futura"/>
-              </a:rPr>
-              <a:t>5</a:t>
-            </a:r>
-            <a:r>
-              <a:rPr lang="it-IT" sz="10000" b="1" dirty="0">
-                <a:solidFill>
-                  <a:srgbClr val="FFFEFE"/>
-                </a:solidFill>
-                <a:latin typeface="Futura"/>
-              </a:rPr>
-              <a:t>EXPERIENCE</a:t>
-            </a:r>
-            <a:endParaRPr lang="it-IT" sz="10000" b="1" dirty="0">
-              <a:latin typeface="Futura"/>
-            </a:endParaRPr>
-          </a:p>
-        </p:txBody>
-      </p:sp>
-      <p:pic>
-        <p:nvPicPr>
-          <p:cNvPr id="5" name="Immagine 4">
-            <a:extLst>
-              <a:ext uri="{FF2B5EF4-FFF2-40B4-BE49-F238E27FC236}">
-                <a16:creationId xmlns:a16="http://schemas.microsoft.com/office/drawing/2014/main" id="{54BC683B-33DB-4446-8528-A82C5B056D02}"/>
-              </a:ext>
-            </a:extLst>
-          </p:cNvPr>
-          <p:cNvPicPr>
-            <a:picLocks noChangeAspect="1"/>
-          </p:cNvPicPr>
-          <p:nvPr/>
-        </p:nvPicPr>
-        <p:blipFill>
-          <a:blip r:embed="rId2"/>
-          <a:stretch>
-            <a:fillRect/>
-          </a:stretch>
-        </p:blipFill>
-        <p:spPr>
-          <a:xfrm>
-            <a:off x="11060784" y="0"/>
-            <a:ext cx="1131216" cy="848412"/>
-          </a:xfrm>
-          <a:prstGeom prst="rect">
-            <a:avLst/>
-          </a:prstGeom>
-        </p:spPr>
-      </p:pic>
-    </p:spTree>
-    <p:extLst>
-      <p:ext uri="{BB962C8B-B14F-4D97-AF65-F5344CB8AC3E}">
-        <p14:creationId xmlns:p14="http://schemas.microsoft.com/office/powerpoint/2010/main" val="3816596824"/>
       </p:ext>
     </p:extLst>
   </p:cSld>
@@ -5643,6 +6792,260 @@
       </p:grpSpPr>
       <p:sp>
         <p:nvSpPr>
+          <p:cNvPr id="2" name="Titolo 1">
+            <a:extLst>
+              <a:ext uri="{FF2B5EF4-FFF2-40B4-BE49-F238E27FC236}">
+                <a16:creationId xmlns:a16="http://schemas.microsoft.com/office/drawing/2014/main" id="{12BC6682-4848-42BA-AB7A-4DA7A3085B36}"/>
+              </a:ext>
+            </a:extLst>
+          </p:cNvPr>
+          <p:cNvSpPr>
+            <a:spLocks noGrp="1"/>
+          </p:cNvSpPr>
+          <p:nvPr>
+            <p:ph type="title"/>
+          </p:nvPr>
+        </p:nvSpPr>
+        <p:spPr/>
+        <p:txBody>
+          <a:bodyPr/>
+          <a:lstStyle/>
+          <a:p>
+            <a:endParaRPr lang="it-IT"/>
+          </a:p>
+        </p:txBody>
+      </p:sp>
+      <p:sp>
+        <p:nvSpPr>
+          <p:cNvPr id="3" name="Segnaposto contenuto 2">
+            <a:extLst>
+              <a:ext uri="{FF2B5EF4-FFF2-40B4-BE49-F238E27FC236}">
+                <a16:creationId xmlns:a16="http://schemas.microsoft.com/office/drawing/2014/main" id="{4E7E21BA-DF81-4B57-9BB3-22B79A4D2705}"/>
+              </a:ext>
+            </a:extLst>
+          </p:cNvPr>
+          <p:cNvSpPr>
+            <a:spLocks noGrp="1"/>
+          </p:cNvSpPr>
+          <p:nvPr>
+            <p:ph idx="1"/>
+          </p:nvPr>
+        </p:nvSpPr>
+        <p:spPr>
+          <a:xfrm>
+            <a:off x="838200" y="3101826"/>
+            <a:ext cx="10515600" cy="4351338"/>
+          </a:xfrm>
+        </p:spPr>
+        <p:txBody>
+          <a:bodyPr/>
+          <a:lstStyle/>
+          <a:p>
+            <a:pPr marL="0" indent="0" algn="just">
+              <a:buNone/>
+            </a:pPr>
+            <a:r>
+              <a:rPr lang="en-US" sz="2600" b="1" dirty="0">
+                <a:latin typeface="Futura"/>
+              </a:rPr>
+              <a:t>SEAMLESS AND ELEGANT.</a:t>
+            </a:r>
+          </a:p>
+          <a:p>
+            <a:pPr marL="0" indent="0" algn="just">
+              <a:buNone/>
+            </a:pPr>
+            <a:endParaRPr lang="en-US" sz="2600" b="1" dirty="0">
+              <a:latin typeface="Futura"/>
+            </a:endParaRPr>
+          </a:p>
+          <a:p>
+            <a:pPr marL="0" indent="0" algn="just">
+              <a:buNone/>
+            </a:pPr>
+            <a:r>
+              <a:rPr lang="en-US" sz="2200" dirty="0">
+                <a:solidFill>
+                  <a:srgbClr val="343433"/>
+                </a:solidFill>
+                <a:latin typeface="Futura light"/>
+              </a:rPr>
+              <a:t>The tool is intuitive and easy to use. It is visible and has an elegant design. </a:t>
+            </a:r>
+          </a:p>
+          <a:p>
+            <a:pPr marL="0" indent="0" algn="just">
+              <a:buNone/>
+            </a:pPr>
+            <a:r>
+              <a:rPr lang="en-US" sz="2200" dirty="0">
+                <a:solidFill>
+                  <a:srgbClr val="343433"/>
+                </a:solidFill>
+                <a:latin typeface="Futura light"/>
+              </a:rPr>
+              <a:t>The app is thought to be directly connected to the tool to make the experience seamless and easy for the users. Moreover it is easily accessible through the QR code, gives a lot of advices about recycling, gives the possibility to add local projects and to </a:t>
+            </a:r>
+            <a:r>
+              <a:rPr lang="en-US" sz="2200" dirty="0" err="1">
+                <a:solidFill>
+                  <a:srgbClr val="343433"/>
+                </a:solidFill>
+                <a:latin typeface="Futura light"/>
+              </a:rPr>
+              <a:t>to</a:t>
+            </a:r>
+            <a:r>
+              <a:rPr lang="en-US" sz="2200" dirty="0">
+                <a:solidFill>
+                  <a:srgbClr val="343433"/>
+                </a:solidFill>
+                <a:latin typeface="Futura light"/>
+              </a:rPr>
+              <a:t> meet and hear speeches of the most important opinion leaders and so to spread the world about sustainability. </a:t>
+            </a:r>
+            <a:endParaRPr lang="it-IT" sz="2200" dirty="0">
+              <a:solidFill>
+                <a:srgbClr val="343433"/>
+              </a:solidFill>
+              <a:latin typeface="Futura light"/>
+            </a:endParaRPr>
+          </a:p>
+        </p:txBody>
+      </p:sp>
+      <p:sp>
+        <p:nvSpPr>
+          <p:cNvPr id="4" name="Titolo 1">
+            <a:extLst>
+              <a:ext uri="{FF2B5EF4-FFF2-40B4-BE49-F238E27FC236}">
+                <a16:creationId xmlns:a16="http://schemas.microsoft.com/office/drawing/2014/main" id="{D880D03F-99EB-47D1-8D05-842515E9261F}"/>
+              </a:ext>
+            </a:extLst>
+          </p:cNvPr>
+          <p:cNvSpPr txBox="1">
+            <a:spLocks/>
+          </p:cNvSpPr>
+          <p:nvPr/>
+        </p:nvSpPr>
+        <p:spPr>
+          <a:xfrm>
+            <a:off x="163641" y="365125"/>
+            <a:ext cx="12520728" cy="2736701"/>
+          </a:xfrm>
+          <a:prstGeom prst="rect">
+            <a:avLst/>
+          </a:prstGeom>
+        </p:spPr>
+        <p:txBody>
+          <a:bodyPr vert="horz" lIns="91440" tIns="45720" rIns="91440" bIns="45720" rtlCol="0" anchor="ctr">
+            <a:noAutofit/>
+          </a:bodyPr>
+          <a:lstStyle>
+            <a:lvl1pPr algn="l" defTabSz="914400" rtl="0" eaLnBrk="1" latinLnBrk="0" hangingPunct="1">
+              <a:lnSpc>
+                <a:spcPct val="90000"/>
+              </a:lnSpc>
+              <a:spcBef>
+                <a:spcPct val="0"/>
+              </a:spcBef>
+              <a:buNone/>
+              <a:defRPr sz="4400" kern="1200">
+                <a:solidFill>
+                  <a:schemeClr val="tx1"/>
+                </a:solidFill>
+                <a:latin typeface="+mj-lt"/>
+                <a:ea typeface="+mj-ea"/>
+                <a:cs typeface="+mj-cs"/>
+              </a:defRPr>
+            </a:lvl1pPr>
+          </a:lstStyle>
+          <a:p>
+            <a:r>
+              <a:rPr lang="it-IT" sz="30000" b="1" dirty="0">
+                <a:solidFill>
+                  <a:srgbClr val="FFFEFE"/>
+                </a:solidFill>
+                <a:latin typeface="Futura"/>
+              </a:rPr>
+              <a:t>5</a:t>
+            </a:r>
+            <a:r>
+              <a:rPr lang="it-IT" sz="10000" b="1" dirty="0">
+                <a:solidFill>
+                  <a:srgbClr val="FFFEFE"/>
+                </a:solidFill>
+                <a:latin typeface="Futura"/>
+              </a:rPr>
+              <a:t>EXPERIENCE</a:t>
+            </a:r>
+            <a:endParaRPr lang="it-IT" sz="10000" b="1" dirty="0">
+              <a:latin typeface="Futura"/>
+            </a:endParaRPr>
+          </a:p>
+        </p:txBody>
+      </p:sp>
+      <p:pic>
+        <p:nvPicPr>
+          <p:cNvPr id="5" name="Immagine 4">
+            <a:extLst>
+              <a:ext uri="{FF2B5EF4-FFF2-40B4-BE49-F238E27FC236}">
+                <a16:creationId xmlns:a16="http://schemas.microsoft.com/office/drawing/2014/main" id="{54BC683B-33DB-4446-8528-A82C5B056D02}"/>
+              </a:ext>
+            </a:extLst>
+          </p:cNvPr>
+          <p:cNvPicPr>
+            <a:picLocks noChangeAspect="1"/>
+          </p:cNvPicPr>
+          <p:nvPr/>
+        </p:nvPicPr>
+        <p:blipFill>
+          <a:blip r:embed="rId2"/>
+          <a:stretch>
+            <a:fillRect/>
+          </a:stretch>
+        </p:blipFill>
+        <p:spPr>
+          <a:xfrm>
+            <a:off x="11060784" y="0"/>
+            <a:ext cx="1131216" cy="848412"/>
+          </a:xfrm>
+          <a:prstGeom prst="rect">
+            <a:avLst/>
+          </a:prstGeom>
+        </p:spPr>
+      </p:pic>
+    </p:spTree>
+    <p:extLst>
+      <p:ext uri="{BB962C8B-B14F-4D97-AF65-F5344CB8AC3E}">
+        <p14:creationId xmlns:p14="http://schemas.microsoft.com/office/powerpoint/2010/main" val="3816596824"/>
+      </p:ext>
+    </p:extLst>
+  </p:cSld>
+  <p:clrMapOvr>
+    <a:masterClrMapping/>
+  </p:clrMapOvr>
+</p:sld>
+</file>
+
+<file path=ppt/slides/slide21.xml><?xml version="1.0" encoding="utf-8"?>
+<p:sld xmlns:a="http://schemas.openxmlformats.org/drawingml/2006/main" xmlns:r="http://schemas.openxmlformats.org/officeDocument/2006/relationships" xmlns:p="http://schemas.openxmlformats.org/presentationml/2006/main">
+  <p:cSld>
+    <p:spTree>
+      <p:nvGrpSpPr>
+        <p:cNvPr id="1" name=""/>
+        <p:cNvGrpSpPr/>
+        <p:nvPr/>
+      </p:nvGrpSpPr>
+      <p:grpSpPr>
+        <a:xfrm>
+          <a:off x="0" y="0"/>
+          <a:ext cx="0" cy="0"/>
+          <a:chOff x="0" y="0"/>
+          <a:chExt cx="0" cy="0"/>
+        </a:xfrm>
+      </p:grpSpPr>
+      <p:sp>
+        <p:nvSpPr>
           <p:cNvPr id="3" name="Segnaposto contenuto 2">
             <a:extLst>
               <a:ext uri="{FF2B5EF4-FFF2-40B4-BE49-F238E27FC236}">
@@ -5785,7 +7188,7 @@
 </p:sld>
 </file>
 
-<file path=ppt/slides/slide21.xml><?xml version="1.0" encoding="utf-8"?>
+<file path=ppt/slides/slide22.xml><?xml version="1.0" encoding="utf-8"?>
 <p:sld xmlns:a="http://schemas.openxmlformats.org/drawingml/2006/main" xmlns:r="http://schemas.openxmlformats.org/officeDocument/2006/relationships" xmlns:p="http://schemas.openxmlformats.org/presentationml/2006/main">
   <p:cSld>
     <p:spTree>
@@ -6335,7 +7738,7 @@
 </p:sld>
 </file>
 
-<file path=ppt/slides/slide22.xml><?xml version="1.0" encoding="utf-8"?>
+<file path=ppt/slides/slide23.xml><?xml version="1.0" encoding="utf-8"?>
 <p:sld xmlns:a="http://schemas.openxmlformats.org/drawingml/2006/main" xmlns:r="http://schemas.openxmlformats.org/officeDocument/2006/relationships" xmlns:p="http://schemas.openxmlformats.org/presentationml/2006/main">
   <p:cSld>
     <p:spTree>
@@ -9286,7 +10689,7 @@
                 </a:solidFill>
                 <a:latin typeface="Futura light"/>
               </a:rPr>
-              <a:t>redbull</a:t>
+              <a:t>Redbull</a:t>
             </a:r>
             <a:r>
               <a:rPr lang="en-US" sz="7200" dirty="0">

--- a/WingsforSustainability.pptx
+++ b/WingsforSustainability.pptx
@@ -10,7 +10,7 @@
     <p:sldId id="259" r:id="rId4"/>
     <p:sldId id="260" r:id="rId5"/>
     <p:sldId id="261" r:id="rId6"/>
-    <p:sldId id="262" r:id="rId7"/>
+    <p:sldId id="280" r:id="rId7"/>
     <p:sldId id="263" r:id="rId8"/>
     <p:sldId id="264" r:id="rId9"/>
     <p:sldId id="265" r:id="rId10"/>
@@ -281,7 +281,7 @@
           <a:p>
             <a:fld id="{83C2BA9B-A13F-4F46-B0DE-B784ED721FD6}" type="datetimeFigureOut">
               <a:rPr lang="it-IT" smtClean="0"/>
-              <a:t>24/09/2021</a:t>
+              <a:t>25/09/2021</a:t>
             </a:fld>
             <a:endParaRPr lang="it-IT"/>
           </a:p>
@@ -479,7 +479,7 @@
           <a:p>
             <a:fld id="{83C2BA9B-A13F-4F46-B0DE-B784ED721FD6}" type="datetimeFigureOut">
               <a:rPr lang="it-IT" smtClean="0"/>
-              <a:t>24/09/2021</a:t>
+              <a:t>25/09/2021</a:t>
             </a:fld>
             <a:endParaRPr lang="it-IT"/>
           </a:p>
@@ -687,7 +687,7 @@
           <a:p>
             <a:fld id="{83C2BA9B-A13F-4F46-B0DE-B784ED721FD6}" type="datetimeFigureOut">
               <a:rPr lang="it-IT" smtClean="0"/>
-              <a:t>24/09/2021</a:t>
+              <a:t>25/09/2021</a:t>
             </a:fld>
             <a:endParaRPr lang="it-IT"/>
           </a:p>
@@ -885,7 +885,7 @@
           <a:p>
             <a:fld id="{83C2BA9B-A13F-4F46-B0DE-B784ED721FD6}" type="datetimeFigureOut">
               <a:rPr lang="it-IT" smtClean="0"/>
-              <a:t>24/09/2021</a:t>
+              <a:t>25/09/2021</a:t>
             </a:fld>
             <a:endParaRPr lang="it-IT"/>
           </a:p>
@@ -1160,7 +1160,7 @@
           <a:p>
             <a:fld id="{83C2BA9B-A13F-4F46-B0DE-B784ED721FD6}" type="datetimeFigureOut">
               <a:rPr lang="it-IT" smtClean="0"/>
-              <a:t>24/09/2021</a:t>
+              <a:t>25/09/2021</a:t>
             </a:fld>
             <a:endParaRPr lang="it-IT"/>
           </a:p>
@@ -1425,7 +1425,7 @@
           <a:p>
             <a:fld id="{83C2BA9B-A13F-4F46-B0DE-B784ED721FD6}" type="datetimeFigureOut">
               <a:rPr lang="it-IT" smtClean="0"/>
-              <a:t>24/09/2021</a:t>
+              <a:t>25/09/2021</a:t>
             </a:fld>
             <a:endParaRPr lang="it-IT"/>
           </a:p>
@@ -1837,7 +1837,7 @@
           <a:p>
             <a:fld id="{83C2BA9B-A13F-4F46-B0DE-B784ED721FD6}" type="datetimeFigureOut">
               <a:rPr lang="it-IT" smtClean="0"/>
-              <a:t>24/09/2021</a:t>
+              <a:t>25/09/2021</a:t>
             </a:fld>
             <a:endParaRPr lang="it-IT"/>
           </a:p>
@@ -1978,7 +1978,7 @@
           <a:p>
             <a:fld id="{83C2BA9B-A13F-4F46-B0DE-B784ED721FD6}" type="datetimeFigureOut">
               <a:rPr lang="it-IT" smtClean="0"/>
-              <a:t>24/09/2021</a:t>
+              <a:t>25/09/2021</a:t>
             </a:fld>
             <a:endParaRPr lang="it-IT"/>
           </a:p>
@@ -2091,7 +2091,7 @@
           <a:p>
             <a:fld id="{83C2BA9B-A13F-4F46-B0DE-B784ED721FD6}" type="datetimeFigureOut">
               <a:rPr lang="it-IT" smtClean="0"/>
-              <a:t>24/09/2021</a:t>
+              <a:t>25/09/2021</a:t>
             </a:fld>
             <a:endParaRPr lang="it-IT"/>
           </a:p>
@@ -2402,7 +2402,7 @@
           <a:p>
             <a:fld id="{83C2BA9B-A13F-4F46-B0DE-B784ED721FD6}" type="datetimeFigureOut">
               <a:rPr lang="it-IT" smtClean="0"/>
-              <a:t>24/09/2021</a:t>
+              <a:t>25/09/2021</a:t>
             </a:fld>
             <a:endParaRPr lang="it-IT"/>
           </a:p>
@@ -2690,7 +2690,7 @@
           <a:p>
             <a:fld id="{83C2BA9B-A13F-4F46-B0DE-B784ED721FD6}" type="datetimeFigureOut">
               <a:rPr lang="it-IT" smtClean="0"/>
-              <a:t>24/09/2021</a:t>
+              <a:t>25/09/2021</a:t>
             </a:fld>
             <a:endParaRPr lang="it-IT"/>
           </a:p>
@@ -2769,7 +2769,7 @@
     <p:bg>
       <p:bgPr>
         <a:solidFill>
-          <a:srgbClr val="FFCC00"/>
+          <a:schemeClr val="bg1"/>
         </a:solidFill>
         <a:effectLst/>
       </p:bgPr>
@@ -2934,7 +2934,7 @@
           <a:p>
             <a:fld id="{83C2BA9B-A13F-4F46-B0DE-B784ED721FD6}" type="datetimeFigureOut">
               <a:rPr lang="it-IT" smtClean="0"/>
-              <a:t>24/09/2021</a:t>
+              <a:t>25/09/2021</a:t>
             </a:fld>
             <a:endParaRPr lang="it-IT"/>
           </a:p>
@@ -3337,14 +3337,6 @@
 <file path=ppt/slides/slide1.xml><?xml version="1.0" encoding="utf-8"?>
 <p:sld xmlns:a="http://schemas.openxmlformats.org/drawingml/2006/main" xmlns:r="http://schemas.openxmlformats.org/officeDocument/2006/relationships" xmlns:p="http://schemas.openxmlformats.org/presentationml/2006/main">
   <p:cSld>
-    <p:bg>
-      <p:bgPr>
-        <a:solidFill>
-          <a:srgbClr val="FFCC00"/>
-        </a:solidFill>
-        <a:effectLst/>
-      </p:bgPr>
-    </p:bg>
     <p:spTree>
       <p:nvGrpSpPr>
         <p:cNvPr id="1" name=""/>
@@ -3433,7 +3425,7 @@
             <a:r>
               <a:rPr lang="it-IT" sz="4800" b="1" i="0" u="none" strike="noStrike" dirty="0" err="1">
                 <a:solidFill>
-                  <a:schemeClr val="bg1"/>
+                  <a:srgbClr val="0F0069"/>
                 </a:solidFill>
                 <a:effectLst/>
                 <a:latin typeface="Futura"/>
@@ -3442,7 +3434,7 @@
             </a:r>
             <a:endParaRPr lang="it-IT" sz="4800" b="1" i="0" u="none" strike="noStrike" dirty="0">
               <a:solidFill>
-                <a:schemeClr val="bg1"/>
+                <a:srgbClr val="0F0069"/>
               </a:solidFill>
               <a:effectLst/>
               <a:latin typeface="Futura"/>
@@ -3530,6 +3522,38 @@
           <a:chExt cx="0" cy="0"/>
         </a:xfrm>
       </p:grpSpPr>
+      <p:pic>
+        <p:nvPicPr>
+          <p:cNvPr id="5" name="Immagine 4">
+            <a:extLst>
+              <a:ext uri="{FF2B5EF4-FFF2-40B4-BE49-F238E27FC236}">
+                <a16:creationId xmlns:a16="http://schemas.microsoft.com/office/drawing/2014/main" id="{E72394AF-06AC-456A-BAE7-6F84B9BF50DC}"/>
+              </a:ext>
+            </a:extLst>
+          </p:cNvPr>
+          <p:cNvPicPr>
+            <a:picLocks noChangeAspect="1"/>
+          </p:cNvPicPr>
+          <p:nvPr/>
+        </p:nvPicPr>
+        <p:blipFill>
+          <a:blip r:embed="rId2">
+            <a:alphaModFix amt="20000"/>
+          </a:blip>
+          <a:stretch>
+            <a:fillRect/>
+          </a:stretch>
+        </p:blipFill>
+        <p:spPr>
+          <a:xfrm>
+            <a:off x="5019773" y="1143000"/>
+            <a:ext cx="7620000" cy="5715000"/>
+          </a:xfrm>
+          <a:prstGeom prst="rect">
+            <a:avLst/>
+          </a:prstGeom>
+        </p:spPr>
+      </p:pic>
       <p:sp>
         <p:nvSpPr>
           <p:cNvPr id="2" name="Titolo 1">
@@ -3854,7 +3878,7 @@
           <p:nvPr/>
         </p:nvPicPr>
         <p:blipFill>
-          <a:blip r:embed="rId2"/>
+          <a:blip r:embed="rId3"/>
           <a:stretch>
             <a:fillRect/>
           </a:stretch>
@@ -3921,22 +3945,16 @@
           <a:lstStyle/>
           <a:p>
             <a:r>
-              <a:rPr lang="it-IT" b="1" spc="-100" dirty="0" err="1">
-                <a:latin typeface="Futura"/>
-              </a:rPr>
-              <a:t>Communication</a:t>
-            </a:r>
-            <a:r>
               <a:rPr lang="it-IT" b="1" spc="-100" dirty="0">
                 <a:latin typeface="Futura"/>
               </a:rPr>
-              <a:t> </a:t>
+              <a:t>COMMUNICATION </a:t>
             </a:r>
             <a:r>
               <a:rPr lang="en-US" b="1" spc="-100" dirty="0">
                 <a:latin typeface="Futura"/>
               </a:rPr>
-              <a:t>strategy </a:t>
+              <a:t>STRATEGY </a:t>
             </a:r>
             <a:endParaRPr lang="it-IT" b="1" spc="-100" dirty="0">
               <a:latin typeface="Futura"/>
@@ -3960,25 +3978,113 @@
             <p:ph idx="1"/>
           </p:nvPr>
         </p:nvSpPr>
-        <p:spPr/>
+        <p:spPr>
+          <a:xfrm>
+            <a:off x="838200" y="1825625"/>
+            <a:ext cx="10515600" cy="4763711"/>
+          </a:xfrm>
+        </p:spPr>
         <p:txBody>
-          <a:bodyPr/>
+          <a:bodyPr>
+            <a:normAutofit/>
+          </a:bodyPr>
           <a:lstStyle/>
           <a:p>
             <a:pPr marL="0" indent="0">
               <a:buNone/>
             </a:pPr>
             <a:r>
-              <a:rPr lang="it-IT" sz="1500" dirty="0" err="1">
-                <a:solidFill>
-                  <a:srgbClr val="343433"/>
-                </a:solidFill>
-                <a:latin typeface="Futura light"/>
-              </a:rPr>
-              <a:t>Objectives</a:t>
-            </a:r>
-            <a:r>
-              <a:rPr lang="it-IT" sz="1500" dirty="0">
+              <a:rPr lang="it-IT" dirty="0">
+                <a:solidFill>
+                  <a:srgbClr val="343433"/>
+                </a:solidFill>
+                <a:latin typeface="Futura light"/>
+              </a:rPr>
+              <a:t>The </a:t>
+            </a:r>
+            <a:r>
+              <a:rPr lang="it-IT" dirty="0" err="1">
+                <a:solidFill>
+                  <a:srgbClr val="343433"/>
+                </a:solidFill>
+                <a:latin typeface="Futura light"/>
+              </a:rPr>
+              <a:t>communication</a:t>
+            </a:r>
+            <a:r>
+              <a:rPr lang="it-IT" dirty="0">
+                <a:solidFill>
+                  <a:srgbClr val="343433"/>
+                </a:solidFill>
+                <a:latin typeface="Futura light"/>
+              </a:rPr>
+              <a:t> strategy </a:t>
+            </a:r>
+            <a:r>
+              <a:rPr lang="it-IT" dirty="0" err="1">
+                <a:solidFill>
+                  <a:srgbClr val="343433"/>
+                </a:solidFill>
+                <a:latin typeface="Futura light"/>
+              </a:rPr>
+              <a:t>has</a:t>
+            </a:r>
+            <a:r>
+              <a:rPr lang="it-IT" dirty="0">
+                <a:solidFill>
+                  <a:srgbClr val="343433"/>
+                </a:solidFill>
+                <a:latin typeface="Futura light"/>
+              </a:rPr>
+              <a:t> </a:t>
+            </a:r>
+            <a:r>
+              <a:rPr lang="it-IT" dirty="0" err="1">
+                <a:solidFill>
+                  <a:srgbClr val="343433"/>
+                </a:solidFill>
+                <a:latin typeface="Futura light"/>
+              </a:rPr>
+              <a:t>four</a:t>
+            </a:r>
+            <a:r>
+              <a:rPr lang="it-IT" dirty="0">
+                <a:solidFill>
+                  <a:srgbClr val="343433"/>
+                </a:solidFill>
+                <a:latin typeface="Futura light"/>
+              </a:rPr>
+              <a:t> </a:t>
+            </a:r>
+            <a:r>
+              <a:rPr lang="it-IT" dirty="0" err="1">
+                <a:solidFill>
+                  <a:srgbClr val="343433"/>
+                </a:solidFill>
+                <a:latin typeface="Futura light"/>
+              </a:rPr>
+              <a:t>main</a:t>
+            </a:r>
+            <a:r>
+              <a:rPr lang="it-IT" dirty="0">
+                <a:solidFill>
+                  <a:srgbClr val="343433"/>
+                </a:solidFill>
+                <a:latin typeface="Futura light"/>
+              </a:rPr>
+              <a:t> </a:t>
+            </a:r>
+            <a:r>
+              <a:rPr lang="it-IT" dirty="0" err="1">
+                <a:solidFill>
+                  <a:srgbClr val="343433"/>
+                </a:solidFill>
+                <a:latin typeface="Futura light"/>
+              </a:rPr>
+              <a:t>bjectives</a:t>
+            </a:r>
+            <a:r>
+              <a:rPr lang="it-IT" dirty="0">
                 <a:solidFill>
                   <a:srgbClr val="343433"/>
                 </a:solidFill>
@@ -3988,29 +4094,10 @@
             </a:r>
           </a:p>
           <a:p>
-            <a:pPr marL="514350" indent="-514350">
-              <a:buFont typeface="+mj-lt"/>
-              <a:buAutoNum type="arabicPeriod"/>
-            </a:pPr>
-            <a:r>
-              <a:rPr lang="en-US" sz="1500" dirty="0">
-                <a:solidFill>
-                  <a:srgbClr val="343433"/>
-                </a:solidFill>
-                <a:latin typeface="Futura light"/>
-              </a:rPr>
-              <a:t>To let people know about </a:t>
-            </a:r>
-            <a:r>
-              <a:rPr lang="en-US" sz="1500" dirty="0" err="1">
-                <a:solidFill>
-                  <a:srgbClr val="343433"/>
-                </a:solidFill>
-                <a:latin typeface="Futura light"/>
-              </a:rPr>
-              <a:t>GreenWings</a:t>
-            </a:r>
-            <a:endParaRPr lang="en-US" sz="1500" dirty="0">
+            <a:pPr marL="0" indent="0">
+              <a:buNone/>
+            </a:pPr>
+            <a:endParaRPr lang="it-IT" dirty="0">
               <a:solidFill>
                 <a:srgbClr val="343433"/>
               </a:solidFill>
@@ -4023,7 +4110,7 @@
               <a:buAutoNum type="arabicPeriod"/>
             </a:pPr>
             <a:r>
-              <a:rPr lang="en-US" sz="1500" dirty="0">
+              <a:rPr lang="en-US" dirty="0">
                 <a:solidFill>
                   <a:srgbClr val="343433"/>
                 </a:solidFill>
@@ -4032,7 +4119,36 @@
               <a:t>To let people know about </a:t>
             </a:r>
             <a:r>
-              <a:rPr lang="en-US" sz="1500" dirty="0" err="1">
+              <a:rPr lang="en-US" dirty="0" err="1">
+                <a:solidFill>
+                  <a:srgbClr val="343433"/>
+                </a:solidFill>
+                <a:latin typeface="Futura light"/>
+              </a:rPr>
+              <a:t>GreenWings</a:t>
+            </a:r>
+            <a:endParaRPr lang="en-US" dirty="0">
+              <a:solidFill>
+                <a:srgbClr val="343433"/>
+              </a:solidFill>
+              <a:latin typeface="Futura light"/>
+            </a:endParaRPr>
+          </a:p>
+          <a:p>
+            <a:pPr marL="0" indent="0">
+              <a:buNone/>
+            </a:pPr>
+            <a:r>
+              <a:rPr lang="en-US" dirty="0">
+                <a:solidFill>
+                  <a:srgbClr val="343433"/>
+                </a:solidFill>
+                <a:latin typeface="Futura light"/>
+              </a:rPr>
+              <a:t>2. To let people know about </a:t>
+            </a:r>
+            <a:r>
+              <a:rPr lang="en-US" dirty="0" err="1">
                 <a:solidFill>
                   <a:srgbClr val="343433"/>
                 </a:solidFill>
@@ -4041,7 +4157,7 @@
               <a:t>Redbull</a:t>
             </a:r>
             <a:r>
-              <a:rPr lang="en-US" sz="1500" dirty="0">
+              <a:rPr lang="en-US" dirty="0">
                 <a:solidFill>
                   <a:srgbClr val="343433"/>
                 </a:solidFill>
@@ -4051,33 +4167,31 @@
             </a:r>
           </a:p>
           <a:p>
-            <a:pPr marL="514350" indent="-514350">
-              <a:buFont typeface="+mj-lt"/>
-              <a:buAutoNum type="arabicPeriod"/>
-            </a:pPr>
-            <a:r>
-              <a:rPr lang="en-US" sz="1500" dirty="0">
-                <a:solidFill>
-                  <a:srgbClr val="343433"/>
-                </a:solidFill>
-                <a:latin typeface="Futura light"/>
-              </a:rPr>
-              <a:t>To show how the Greenwings works and how easy it is to use it</a:t>
-            </a:r>
-          </a:p>
-          <a:p>
-            <a:pPr marL="514350" indent="-514350">
-              <a:buFont typeface="+mj-lt"/>
-              <a:buAutoNum type="arabicPeriod"/>
-            </a:pPr>
-            <a:r>
-              <a:rPr lang="it-IT" sz="1500" dirty="0">
-                <a:solidFill>
-                  <a:srgbClr val="343433"/>
-                </a:solidFill>
-                <a:latin typeface="Futura light"/>
-              </a:rPr>
-              <a:t>To create a community</a:t>
+            <a:pPr marL="0" indent="0">
+              <a:buNone/>
+            </a:pPr>
+            <a:r>
+              <a:rPr lang="en-US" dirty="0">
+                <a:solidFill>
+                  <a:srgbClr val="343433"/>
+                </a:solidFill>
+                <a:latin typeface="Futura light"/>
+              </a:rPr>
+              <a:t>3. To show how the Greenwings works and how easy it is to use it</a:t>
+            </a:r>
+          </a:p>
+          <a:p>
+            <a:pPr marL="0" indent="0">
+              <a:buNone/>
+            </a:pPr>
+            <a:r>
+              <a:rPr lang="it-IT" dirty="0">
+                <a:solidFill>
+                  <a:srgbClr val="343433"/>
+                </a:solidFill>
+                <a:latin typeface="Futura light"/>
+              </a:rPr>
+              <a:t>4. To create a community</a:t>
             </a:r>
           </a:p>
           <a:p>
@@ -4184,26 +4298,11 @@
           <a:lstStyle/>
           <a:p>
             <a:r>
-              <a:rPr lang="it-IT" sz="4000" b="1" spc="-100" dirty="0" err="1">
-                <a:latin typeface="Futura"/>
-              </a:rPr>
-              <a:t>Objectives</a:t>
-            </a:r>
-            <a:r>
               <a:rPr lang="it-IT" sz="4000" b="1" spc="-100" dirty="0">
                 <a:latin typeface="Futura"/>
               </a:rPr>
-              <a:t> 1 and 2: </a:t>
-            </a:r>
-            <a:r>
-              <a:rPr lang="it-IT" sz="4000" b="1" spc="-100" dirty="0" err="1">
-                <a:latin typeface="Futura"/>
-              </a:rPr>
-              <a:t>implementation</a:t>
-            </a:r>
-            <a:endParaRPr lang="it-IT" sz="4000" b="1" spc="-100" dirty="0">
-              <a:latin typeface="Futura"/>
-            </a:endParaRPr>
+              <a:t>OBJECTIVES 1 AND 2: IMPLEMENTATION</a:t>
+            </a:r>
           </a:p>
         </p:txBody>
       </p:sp>
@@ -4235,11 +4334,11 @@
           </a:bodyPr>
           <a:lstStyle/>
           <a:p>
-            <a:pPr marL="0" indent="0">
-              <a:buNone/>
-            </a:pPr>
-            <a:r>
-              <a:rPr lang="en-US" sz="1500" dirty="0">
+            <a:pPr marL="0" indent="0" algn="just">
+              <a:buNone/>
+            </a:pPr>
+            <a:r>
+              <a:rPr lang="en-US" sz="2000" dirty="0">
                 <a:solidFill>
                   <a:srgbClr val="343433"/>
                 </a:solidFill>
@@ -4248,7 +4347,7 @@
               <a:t>Pre-event sponsorship with the collaboration of an </a:t>
             </a:r>
             <a:r>
-              <a:rPr lang="en-US" sz="1500" b="1" dirty="0">
+              <a:rPr lang="en-US" sz="2000" b="1" dirty="0">
                 <a:solidFill>
                   <a:srgbClr val="343433"/>
                 </a:solidFill>
@@ -4257,7 +4356,7 @@
               <a:t>opinion</a:t>
             </a:r>
             <a:r>
-              <a:rPr lang="en-US" sz="1500" dirty="0">
+              <a:rPr lang="en-US" sz="2000" dirty="0">
                 <a:solidFill>
                   <a:srgbClr val="343433"/>
                 </a:solidFill>
@@ -4266,7 +4365,7 @@
               <a:t> </a:t>
             </a:r>
             <a:r>
-              <a:rPr lang="en-US" sz="1500" b="1" dirty="0">
+              <a:rPr lang="en-US" sz="2000" b="1" dirty="0">
                 <a:solidFill>
                   <a:srgbClr val="343433"/>
                 </a:solidFill>
@@ -4275,7 +4374,7 @@
               <a:t>leader</a:t>
             </a:r>
             <a:r>
-              <a:rPr lang="en-US" sz="1500" dirty="0">
+              <a:rPr lang="en-US" sz="2000" dirty="0">
                 <a:solidFill>
                   <a:srgbClr val="343433"/>
                 </a:solidFill>
@@ -4284,7 +4383,7 @@
               <a:t> (ex: Alex Bellini, who has already collaborated with </a:t>
             </a:r>
             <a:r>
-              <a:rPr lang="en-US" sz="1500" dirty="0" err="1">
+              <a:rPr lang="en-US" sz="2000" dirty="0" err="1">
                 <a:solidFill>
                   <a:srgbClr val="343433"/>
                 </a:solidFill>
@@ -4293,7 +4392,7 @@
               <a:t>Redbull</a:t>
             </a:r>
             <a:r>
-              <a:rPr lang="en-US" sz="1500" dirty="0">
+              <a:rPr lang="en-US" sz="2000" dirty="0">
                 <a:solidFill>
                   <a:srgbClr val="343433"/>
                 </a:solidFill>
@@ -4303,11 +4402,11 @@
             </a:r>
           </a:p>
           <a:p>
-            <a:pPr marL="0" indent="0">
-              <a:buNone/>
-            </a:pPr>
-            <a:r>
-              <a:rPr lang="en-US" sz="1500" dirty="0">
+            <a:pPr marL="0" indent="0" algn="just">
+              <a:buNone/>
+            </a:pPr>
+            <a:r>
+              <a:rPr lang="en-US" sz="2000" dirty="0">
                 <a:solidFill>
                   <a:srgbClr val="343433"/>
                 </a:solidFill>
@@ -4316,7 +4415,7 @@
               <a:t>The objective let people known about the </a:t>
             </a:r>
             <a:r>
-              <a:rPr lang="en-US" sz="1500" b="1" dirty="0">
+              <a:rPr lang="en-US" sz="2000" b="1" dirty="0">
                 <a:solidFill>
                   <a:srgbClr val="343433"/>
                 </a:solidFill>
@@ -4325,7 +4424,7 @@
               <a:t>position of </a:t>
             </a:r>
             <a:r>
-              <a:rPr lang="en-US" sz="1500" b="1" dirty="0" err="1">
+              <a:rPr lang="en-US" sz="2000" b="1" dirty="0" err="1">
                 <a:solidFill>
                   <a:srgbClr val="343433"/>
                 </a:solidFill>
@@ -4334,7 +4433,7 @@
               <a:t>Redbull</a:t>
             </a:r>
             <a:r>
-              <a:rPr lang="en-US" sz="1500" b="1" dirty="0">
+              <a:rPr lang="en-US" sz="2000" b="1" dirty="0">
                 <a:solidFill>
                   <a:srgbClr val="343433"/>
                 </a:solidFill>
@@ -4343,7 +4442,7 @@
               <a:t> </a:t>
             </a:r>
             <a:r>
-              <a:rPr lang="en-US" sz="1500" dirty="0">
+              <a:rPr lang="en-US" sz="2000" dirty="0">
                 <a:solidFill>
                   <a:srgbClr val="343433"/>
                 </a:solidFill>
@@ -4352,7 +4451,7 @@
               <a:t>on the theme of </a:t>
             </a:r>
             <a:r>
-              <a:rPr lang="en-US" sz="1500" b="1" dirty="0">
+              <a:rPr lang="en-US" sz="2000" b="1" dirty="0">
                 <a:solidFill>
                   <a:srgbClr val="343433"/>
                 </a:solidFill>
@@ -4362,11 +4461,11 @@
             </a:r>
           </a:p>
           <a:p>
-            <a:pPr marL="0" indent="0">
-              <a:buNone/>
-            </a:pPr>
-            <a:r>
-              <a:rPr lang="en-US" sz="1500" dirty="0" err="1">
+            <a:pPr marL="0" indent="0" algn="just">
+              <a:buNone/>
+            </a:pPr>
+            <a:r>
+              <a:rPr lang="en-US" sz="2000" dirty="0" err="1">
                 <a:solidFill>
                   <a:srgbClr val="343433"/>
                 </a:solidFill>
@@ -4375,7 +4474,7 @@
               <a:t>Redbull</a:t>
             </a:r>
             <a:r>
-              <a:rPr lang="en-US" sz="1500" dirty="0">
+              <a:rPr lang="en-US" sz="2000" dirty="0">
                 <a:solidFill>
                   <a:srgbClr val="343433"/>
                 </a:solidFill>
@@ -4384,7 +4483,7 @@
               <a:t> wants to promote a more </a:t>
             </a:r>
             <a:r>
-              <a:rPr lang="en-US" sz="1500" b="1" dirty="0">
+              <a:rPr lang="en-US" sz="2000" b="1" dirty="0">
                 <a:solidFill>
                   <a:srgbClr val="343433"/>
                 </a:solidFill>
@@ -4393,7 +4492,7 @@
               <a:t>sustainable lifestyle</a:t>
             </a:r>
             <a:r>
-              <a:rPr lang="en-US" sz="1500" dirty="0">
+              <a:rPr lang="en-US" sz="2000" dirty="0">
                 <a:solidFill>
                   <a:srgbClr val="343433"/>
                 </a:solidFill>
@@ -4403,11 +4502,11 @@
             </a:r>
           </a:p>
           <a:p>
-            <a:pPr marL="0" indent="0">
-              <a:buNone/>
-            </a:pPr>
-            <a:r>
-              <a:rPr lang="en-US" sz="1500" dirty="0">
+            <a:pPr marL="0" indent="0" algn="just">
+              <a:buNone/>
+            </a:pPr>
+            <a:r>
+              <a:rPr lang="en-US" sz="2000" dirty="0">
                 <a:solidFill>
                   <a:srgbClr val="343433"/>
                 </a:solidFill>
@@ -4416,7 +4515,7 @@
               <a:t>To raise </a:t>
             </a:r>
             <a:r>
-              <a:rPr lang="en-US" sz="1500" b="1" dirty="0">
+              <a:rPr lang="en-US" sz="2000" b="1" dirty="0">
                 <a:solidFill>
                   <a:srgbClr val="343433"/>
                 </a:solidFill>
@@ -4425,7 +4524,7 @@
               <a:t>awareness</a:t>
             </a:r>
             <a:r>
-              <a:rPr lang="en-US" sz="1500" dirty="0">
+              <a:rPr lang="en-US" sz="2000" dirty="0">
                 <a:solidFill>
                   <a:srgbClr val="343433"/>
                 </a:solidFill>
@@ -4434,7 +4533,7 @@
               <a:t> about the issue, making some </a:t>
             </a:r>
             <a:r>
-              <a:rPr lang="en-US" sz="1500" b="1" dirty="0">
+              <a:rPr lang="en-US" sz="2000" b="1" dirty="0">
                 <a:solidFill>
                   <a:srgbClr val="343433"/>
                 </a:solidFill>
@@ -4443,7 +4542,7 @@
               <a:t>videos</a:t>
             </a:r>
             <a:r>
-              <a:rPr lang="en-US" sz="1500" dirty="0">
+              <a:rPr lang="en-US" sz="2000" dirty="0">
                 <a:solidFill>
                   <a:srgbClr val="343433"/>
                 </a:solidFill>
@@ -4452,7 +4551,7 @@
               <a:t> can be a good idea, where the opinion leader will tell briefly and in an engaging way about the existence of the </a:t>
             </a:r>
             <a:r>
-              <a:rPr lang="en-US" sz="1500" dirty="0" err="1">
+              <a:rPr lang="en-US" sz="2000" dirty="0" err="1">
                 <a:solidFill>
                   <a:srgbClr val="343433"/>
                 </a:solidFill>
@@ -4461,7 +4560,7 @@
               <a:t>GreenWings</a:t>
             </a:r>
             <a:r>
-              <a:rPr lang="en-US" sz="1500" dirty="0">
+              <a:rPr lang="en-US" sz="2000" dirty="0">
                 <a:solidFill>
                   <a:srgbClr val="343433"/>
                 </a:solidFill>
@@ -4470,7 +4569,7 @@
               <a:t> app that allows you to </a:t>
             </a:r>
             <a:r>
-              <a:rPr lang="en-US" sz="1500" b="1" dirty="0">
+              <a:rPr lang="en-US" sz="2000" b="1" dirty="0">
                 <a:solidFill>
                   <a:srgbClr val="343433"/>
                 </a:solidFill>
@@ -4479,7 +4578,7 @@
               <a:t>interact</a:t>
             </a:r>
             <a:r>
-              <a:rPr lang="en-US" sz="1500" dirty="0">
+              <a:rPr lang="en-US" sz="2000" dirty="0">
                 <a:solidFill>
                   <a:srgbClr val="343433"/>
                 </a:solidFill>
@@ -4488,7 +4587,7 @@
               <a:t> with </a:t>
             </a:r>
             <a:r>
-              <a:rPr lang="en-US" sz="1500" dirty="0" err="1">
+              <a:rPr lang="en-US" sz="2000" dirty="0" err="1">
                 <a:solidFill>
                   <a:srgbClr val="343433"/>
                 </a:solidFill>
@@ -4497,7 +4596,7 @@
               <a:t>GreenWings</a:t>
             </a:r>
             <a:r>
-              <a:rPr lang="en-US" sz="1500" dirty="0">
+              <a:rPr lang="en-US" sz="2000" dirty="0">
                 <a:solidFill>
                   <a:srgbClr val="343433"/>
                 </a:solidFill>
@@ -4506,7 +4605,7 @@
               <a:t> tool. The videos can be spread through the app and/or through the </a:t>
             </a:r>
             <a:r>
-              <a:rPr lang="en-US" sz="1500" dirty="0" err="1">
+              <a:rPr lang="en-US" sz="2000" dirty="0" err="1">
                 <a:solidFill>
                   <a:srgbClr val="343433"/>
                 </a:solidFill>
@@ -4515,7 +4614,7 @@
               <a:t>Instragam</a:t>
             </a:r>
             <a:r>
-              <a:rPr lang="en-US" sz="1500" dirty="0">
+              <a:rPr lang="en-US" sz="2000" dirty="0">
                 <a:solidFill>
                   <a:srgbClr val="343433"/>
                 </a:solidFill>
@@ -4632,6 +4731,60 @@
       </p:grpSpPr>
       <p:sp>
         <p:nvSpPr>
+          <p:cNvPr id="5" name="Titolo 1">
+            <a:extLst>
+              <a:ext uri="{FF2B5EF4-FFF2-40B4-BE49-F238E27FC236}">
+                <a16:creationId xmlns:a16="http://schemas.microsoft.com/office/drawing/2014/main" id="{072C6F9C-6637-4DBF-9EBA-0AFD6B4208BE}"/>
+              </a:ext>
+            </a:extLst>
+          </p:cNvPr>
+          <p:cNvSpPr txBox="1">
+            <a:spLocks noGrp="1"/>
+          </p:cNvSpPr>
+          <p:nvPr>
+            <p:ph type="title"/>
+          </p:nvPr>
+        </p:nvSpPr>
+        <p:spPr>
+          <a:prstGeom prst="rect">
+            <a:avLst/>
+          </a:prstGeom>
+        </p:spPr>
+        <p:txBody>
+          <a:bodyPr vert="horz" lIns="91440" tIns="45720" rIns="91440" bIns="45720" rtlCol="0" anchor="ctr">
+            <a:normAutofit/>
+          </a:bodyPr>
+          <a:lstStyle>
+            <a:lvl1pPr algn="l" defTabSz="914400" rtl="0" eaLnBrk="1" latinLnBrk="0" hangingPunct="1">
+              <a:lnSpc>
+                <a:spcPct val="90000"/>
+              </a:lnSpc>
+              <a:spcBef>
+                <a:spcPct val="0"/>
+              </a:spcBef>
+              <a:buNone/>
+              <a:defRPr sz="4400" kern="1200">
+                <a:solidFill>
+                  <a:schemeClr val="tx1"/>
+                </a:solidFill>
+                <a:latin typeface="+mj-lt"/>
+                <a:ea typeface="+mj-ea"/>
+                <a:cs typeface="+mj-cs"/>
+              </a:defRPr>
+            </a:lvl1pPr>
+          </a:lstStyle>
+          <a:p>
+            <a:r>
+              <a:rPr lang="it-IT" sz="4000" b="1" spc="-100" dirty="0">
+                <a:latin typeface="Futura"/>
+              </a:rPr>
+              <a:t>OBJECTIVE 3: IMPLEMENTATION</a:t>
+            </a:r>
+          </a:p>
+        </p:txBody>
+      </p:sp>
+      <p:sp>
+        <p:nvSpPr>
           <p:cNvPr id="3" name="Segnaposto contenuto 2">
             <a:extLst>
               <a:ext uri="{FF2B5EF4-FFF2-40B4-BE49-F238E27FC236}">
@@ -5087,79 +5240,6 @@
           </a:prstGeom>
         </p:spPr>
       </p:pic>
-      <p:sp>
-        <p:nvSpPr>
-          <p:cNvPr id="5" name="Titolo 1">
-            <a:extLst>
-              <a:ext uri="{FF2B5EF4-FFF2-40B4-BE49-F238E27FC236}">
-                <a16:creationId xmlns:a16="http://schemas.microsoft.com/office/drawing/2014/main" id="{072C6F9C-6637-4DBF-9EBA-0AFD6B4208BE}"/>
-              </a:ext>
-            </a:extLst>
-          </p:cNvPr>
-          <p:cNvSpPr txBox="1">
-            <a:spLocks noGrp="1"/>
-          </p:cNvSpPr>
-          <p:nvPr>
-            <p:ph type="title"/>
-          </p:nvPr>
-        </p:nvSpPr>
-        <p:spPr>
-          <a:xfrm>
-            <a:off x="838200" y="365125"/>
-            <a:ext cx="10515600" cy="1325563"/>
-          </a:xfrm>
-          <a:prstGeom prst="rect">
-            <a:avLst/>
-          </a:prstGeom>
-        </p:spPr>
-        <p:txBody>
-          <a:bodyPr vert="horz" lIns="91440" tIns="45720" rIns="91440" bIns="45720" rtlCol="0" anchor="ctr">
-            <a:normAutofit/>
-          </a:bodyPr>
-          <a:lstStyle>
-            <a:lvl1pPr algn="l" defTabSz="914400" rtl="0" eaLnBrk="1" latinLnBrk="0" hangingPunct="1">
-              <a:lnSpc>
-                <a:spcPct val="90000"/>
-              </a:lnSpc>
-              <a:spcBef>
-                <a:spcPct val="0"/>
-              </a:spcBef>
-              <a:buNone/>
-              <a:defRPr sz="4400" kern="1200">
-                <a:solidFill>
-                  <a:schemeClr val="tx1"/>
-                </a:solidFill>
-                <a:latin typeface="+mj-lt"/>
-                <a:ea typeface="+mj-ea"/>
-                <a:cs typeface="+mj-cs"/>
-              </a:defRPr>
-            </a:lvl1pPr>
-          </a:lstStyle>
-          <a:p>
-            <a:r>
-              <a:rPr lang="it-IT" sz="4000" b="1" spc="-100" dirty="0" err="1">
-                <a:latin typeface="Futura"/>
-              </a:rPr>
-              <a:t>Objective</a:t>
-            </a:r>
-            <a:r>
-              <a:rPr lang="it-IT" sz="4000" b="1" spc="-100" dirty="0">
-                <a:latin typeface="Futura"/>
-              </a:rPr>
-              <a:t> 3: </a:t>
-            </a:r>
-            <a:r>
-              <a:rPr lang="it-IT" sz="4000" b="1" spc="-100" dirty="0" err="1">
-                <a:latin typeface="Futura"/>
-              </a:rPr>
-              <a:t>implementation</a:t>
-            </a:r>
-            <a:endParaRPr lang="it-IT" sz="4000" b="1" spc="-100" dirty="0">
-              <a:latin typeface="Futura"/>
-            </a:endParaRPr>
-          </a:p>
-        </p:txBody>
-      </p:sp>
     </p:spTree>
     <p:extLst>
       <p:ext uri="{BB962C8B-B14F-4D97-AF65-F5344CB8AC3E}">
@@ -5192,6 +5272,60 @@
       </p:grpSpPr>
       <p:sp>
         <p:nvSpPr>
+          <p:cNvPr id="5" name="Titolo 1">
+            <a:extLst>
+              <a:ext uri="{FF2B5EF4-FFF2-40B4-BE49-F238E27FC236}">
+                <a16:creationId xmlns:a16="http://schemas.microsoft.com/office/drawing/2014/main" id="{072C6F9C-6637-4DBF-9EBA-0AFD6B4208BE}"/>
+              </a:ext>
+            </a:extLst>
+          </p:cNvPr>
+          <p:cNvSpPr txBox="1">
+            <a:spLocks noGrp="1"/>
+          </p:cNvSpPr>
+          <p:nvPr>
+            <p:ph type="title"/>
+          </p:nvPr>
+        </p:nvSpPr>
+        <p:spPr>
+          <a:prstGeom prst="rect">
+            <a:avLst/>
+          </a:prstGeom>
+        </p:spPr>
+        <p:txBody>
+          <a:bodyPr vert="horz" lIns="91440" tIns="45720" rIns="91440" bIns="45720" rtlCol="0" anchor="ctr">
+            <a:normAutofit/>
+          </a:bodyPr>
+          <a:lstStyle>
+            <a:lvl1pPr algn="l" defTabSz="914400" rtl="0" eaLnBrk="1" latinLnBrk="0" hangingPunct="1">
+              <a:lnSpc>
+                <a:spcPct val="90000"/>
+              </a:lnSpc>
+              <a:spcBef>
+                <a:spcPct val="0"/>
+              </a:spcBef>
+              <a:buNone/>
+              <a:defRPr sz="4400" kern="1200">
+                <a:solidFill>
+                  <a:schemeClr val="tx1"/>
+                </a:solidFill>
+                <a:latin typeface="+mj-lt"/>
+                <a:ea typeface="+mj-ea"/>
+                <a:cs typeface="+mj-cs"/>
+              </a:defRPr>
+            </a:lvl1pPr>
+          </a:lstStyle>
+          <a:p>
+            <a:r>
+              <a:rPr lang="it-IT" sz="4000" b="1" spc="-100" dirty="0">
+                <a:latin typeface="Futura"/>
+              </a:rPr>
+              <a:t>OBJECTIVE 4: IMPLEMENTATION</a:t>
+            </a:r>
+          </a:p>
+        </p:txBody>
+      </p:sp>
+      <p:sp>
+        <p:nvSpPr>
           <p:cNvPr id="3" name="Segnaposto contenuto 2">
             <a:extLst>
               <a:ext uri="{FF2B5EF4-FFF2-40B4-BE49-F238E27FC236}">
@@ -5528,79 +5662,6 @@
           </a:prstGeom>
         </p:spPr>
       </p:pic>
-      <p:sp>
-        <p:nvSpPr>
-          <p:cNvPr id="5" name="Titolo 1">
-            <a:extLst>
-              <a:ext uri="{FF2B5EF4-FFF2-40B4-BE49-F238E27FC236}">
-                <a16:creationId xmlns:a16="http://schemas.microsoft.com/office/drawing/2014/main" id="{072C6F9C-6637-4DBF-9EBA-0AFD6B4208BE}"/>
-              </a:ext>
-            </a:extLst>
-          </p:cNvPr>
-          <p:cNvSpPr txBox="1">
-            <a:spLocks noGrp="1"/>
-          </p:cNvSpPr>
-          <p:nvPr>
-            <p:ph type="title"/>
-          </p:nvPr>
-        </p:nvSpPr>
-        <p:spPr>
-          <a:xfrm>
-            <a:off x="838200" y="365125"/>
-            <a:ext cx="10515600" cy="1325563"/>
-          </a:xfrm>
-          <a:prstGeom prst="rect">
-            <a:avLst/>
-          </a:prstGeom>
-        </p:spPr>
-        <p:txBody>
-          <a:bodyPr vert="horz" lIns="91440" tIns="45720" rIns="91440" bIns="45720" rtlCol="0" anchor="ctr">
-            <a:normAutofit/>
-          </a:bodyPr>
-          <a:lstStyle>
-            <a:lvl1pPr algn="l" defTabSz="914400" rtl="0" eaLnBrk="1" latinLnBrk="0" hangingPunct="1">
-              <a:lnSpc>
-                <a:spcPct val="90000"/>
-              </a:lnSpc>
-              <a:spcBef>
-                <a:spcPct val="0"/>
-              </a:spcBef>
-              <a:buNone/>
-              <a:defRPr sz="4400" kern="1200">
-                <a:solidFill>
-                  <a:schemeClr val="tx1"/>
-                </a:solidFill>
-                <a:latin typeface="+mj-lt"/>
-                <a:ea typeface="+mj-ea"/>
-                <a:cs typeface="+mj-cs"/>
-              </a:defRPr>
-            </a:lvl1pPr>
-          </a:lstStyle>
-          <a:p>
-            <a:r>
-              <a:rPr lang="it-IT" sz="4000" b="1" spc="-100" dirty="0" err="1">
-                <a:latin typeface="Futura"/>
-              </a:rPr>
-              <a:t>Objective</a:t>
-            </a:r>
-            <a:r>
-              <a:rPr lang="it-IT" sz="4000" b="1" spc="-100" dirty="0">
-                <a:latin typeface="Futura"/>
-              </a:rPr>
-              <a:t> 4: </a:t>
-            </a:r>
-            <a:r>
-              <a:rPr lang="it-IT" sz="4000" b="1" spc="-100" dirty="0" err="1">
-                <a:latin typeface="Futura"/>
-              </a:rPr>
-              <a:t>implementation</a:t>
-            </a:r>
-            <a:endParaRPr lang="it-IT" sz="4000" b="1" spc="-100" dirty="0">
-              <a:latin typeface="Futura"/>
-            </a:endParaRPr>
-          </a:p>
-        </p:txBody>
-      </p:sp>
     </p:spTree>
     <p:extLst>
       <p:ext uri="{BB962C8B-B14F-4D97-AF65-F5344CB8AC3E}">
@@ -5789,7 +5850,7 @@
             <a:r>
               <a:rPr lang="it-IT" sz="30000" b="1" i="0" u="none" strike="noStrike" dirty="0">
                 <a:solidFill>
-                  <a:srgbClr val="FFFEFE"/>
+                  <a:srgbClr val="0F0069"/>
                 </a:solidFill>
                 <a:effectLst/>
                 <a:latin typeface="Futura"/>
@@ -5799,7 +5860,7 @@
             <a:r>
               <a:rPr lang="it-IT" sz="10000" b="1" i="0" u="none" strike="noStrike" dirty="0">
                 <a:solidFill>
-                  <a:srgbClr val="FFFEFE"/>
+                  <a:srgbClr val="0F0069"/>
                 </a:solidFill>
                 <a:effectLst/>
                 <a:latin typeface="Futura"/>
@@ -5807,6 +5868,9 @@
               <a:t>SUSTAINABILITY</a:t>
             </a:r>
             <a:endParaRPr lang="it-IT" sz="10000" b="1" dirty="0">
+              <a:solidFill>
+                <a:srgbClr val="0F0069"/>
+              </a:solidFill>
               <a:latin typeface="Futura"/>
             </a:endParaRPr>
           </a:p>
@@ -6130,7 +6194,7 @@
             <a:r>
               <a:rPr lang="it-IT" sz="30000" b="1" dirty="0">
                 <a:solidFill>
-                  <a:srgbClr val="FFFEFE"/>
+                  <a:srgbClr val="0F0069"/>
                 </a:solidFill>
                 <a:latin typeface="Futura"/>
               </a:rPr>
@@ -6139,15 +6203,12 @@
             <a:r>
               <a:rPr lang="it-IT" sz="10000" b="1" dirty="0">
                 <a:solidFill>
-                  <a:srgbClr val="FFFEFE"/>
+                  <a:srgbClr val="0F0069"/>
                 </a:solidFill>
                 <a:latin typeface="Futura"/>
               </a:rPr>
               <a:t>INNOVATION</a:t>
             </a:r>
-            <a:endParaRPr lang="it-IT" sz="10000" b="1" dirty="0">
-              <a:latin typeface="Futura"/>
-            </a:endParaRPr>
           </a:p>
         </p:txBody>
       </p:sp>
@@ -6352,7 +6413,7 @@
             <a:r>
               <a:rPr lang="it-IT" sz="30000" b="1" dirty="0">
                 <a:solidFill>
-                  <a:srgbClr val="FFFEFE"/>
+                  <a:srgbClr val="0F0069"/>
                 </a:solidFill>
                 <a:latin typeface="Futura"/>
               </a:rPr>
@@ -6361,15 +6422,12 @@
             <a:r>
               <a:rPr lang="it-IT" sz="10000" b="1" dirty="0">
                 <a:solidFill>
-                  <a:srgbClr val="FFFEFE"/>
+                  <a:srgbClr val="0F0069"/>
                 </a:solidFill>
                 <a:latin typeface="Futura"/>
               </a:rPr>
               <a:t>DIGITAL</a:t>
             </a:r>
-            <a:endParaRPr lang="it-IT" sz="10000" b="1" dirty="0">
-              <a:latin typeface="Futura"/>
-            </a:endParaRPr>
           </a:p>
         </p:txBody>
       </p:sp>
@@ -6599,7 +6657,7 @@
             <a:r>
               <a:rPr lang="it-IT" sz="30000" b="1" dirty="0">
                 <a:solidFill>
-                  <a:srgbClr val="FFFEFE"/>
+                  <a:srgbClr val="0F0069"/>
                 </a:solidFill>
                 <a:latin typeface="Futura"/>
               </a:rPr>
@@ -6608,15 +6666,12 @@
             <a:r>
               <a:rPr lang="it-IT" sz="10000" b="1" dirty="0">
                 <a:solidFill>
-                  <a:srgbClr val="FFFEFE"/>
+                  <a:srgbClr val="0F0069"/>
                 </a:solidFill>
                 <a:latin typeface="Futura"/>
               </a:rPr>
               <a:t>INTERNATIONAL</a:t>
             </a:r>
-            <a:endParaRPr lang="it-IT" sz="10000" b="1" dirty="0">
-              <a:latin typeface="Futura"/>
-            </a:endParaRPr>
           </a:p>
         </p:txBody>
       </p:sp>
@@ -6963,7 +7018,7 @@
             <a:r>
               <a:rPr lang="it-IT" sz="30000" b="1" dirty="0">
                 <a:solidFill>
-                  <a:srgbClr val="FFFEFE"/>
+                  <a:srgbClr val="0F0069"/>
                 </a:solidFill>
                 <a:latin typeface="Futura"/>
               </a:rPr>
@@ -6972,15 +7027,12 @@
             <a:r>
               <a:rPr lang="it-IT" sz="10000" b="1" dirty="0">
                 <a:solidFill>
-                  <a:srgbClr val="FFFEFE"/>
+                  <a:srgbClr val="0F0069"/>
                 </a:solidFill>
                 <a:latin typeface="Futura"/>
               </a:rPr>
               <a:t>EXPERIENCE</a:t>
             </a:r>
-            <a:endParaRPr lang="it-IT" sz="10000" b="1" dirty="0">
-              <a:latin typeface="Futura"/>
-            </a:endParaRPr>
           </a:p>
         </p:txBody>
       </p:sp>
@@ -8052,6 +8104,14 @@
 <file path=ppt/slides/slide3.xml><?xml version="1.0" encoding="utf-8"?>
 <p:sld xmlns:a="http://schemas.openxmlformats.org/drawingml/2006/main" xmlns:r="http://schemas.openxmlformats.org/officeDocument/2006/relationships" xmlns:p="http://schemas.openxmlformats.org/presentationml/2006/main">
   <p:cSld>
+    <p:bg>
+      <p:bgPr>
+        <a:solidFill>
+          <a:schemeClr val="bg1"/>
+        </a:solidFill>
+        <a:effectLst/>
+      </p:bgPr>
+    </p:bg>
     <p:spTree>
       <p:nvGrpSpPr>
         <p:cNvPr id="1" name=""/>
@@ -8066,6 +8126,66 @@
           <a:chExt cx="0" cy="0"/>
         </a:xfrm>
       </p:grpSpPr>
+      <p:sp useBgFill="1">
+        <p:nvSpPr>
+          <p:cNvPr id="71" name="Rectangle 70">
+            <a:extLst>
+              <a:ext uri="{FF2B5EF4-FFF2-40B4-BE49-F238E27FC236}">
+                <a16:creationId xmlns:a16="http://schemas.microsoft.com/office/drawing/2014/main" id="{79BB35BC-D5C2-4C8B-A22A-A71E6191913B}"/>
+              </a:ext>
+              <a:ext uri="{C183D7F6-B498-43B3-948B-1728B52AA6E4}">
+                <adec:decorative xmlns:adec="http://schemas.microsoft.com/office/drawing/2017/decorative" val="1"/>
+              </a:ext>
+            </a:extLst>
+          </p:cNvPr>
+          <p:cNvSpPr>
+            <a:spLocks noGrp="1" noRot="1" noChangeAspect="1" noMove="1" noResize="1" noEditPoints="1" noAdjustHandles="1" noChangeArrowheads="1" noChangeShapeType="1" noTextEdit="1"/>
+          </p:cNvSpPr>
+          <p:nvPr>
+            <p:extLst>
+              <p:ext uri="{386F3935-93C4-4BCD-93E2-E3B085C9AB24}">
+                <p16:designElem xmlns:p16="http://schemas.microsoft.com/office/powerpoint/2015/main" val="1"/>
+              </p:ext>
+            </p:extLst>
+          </p:nvPr>
+        </p:nvSpPr>
+        <p:spPr>
+          <a:xfrm>
+            <a:off x="0" y="0"/>
+            <a:ext cx="12188952" cy="6858000"/>
+          </a:xfrm>
+          <a:prstGeom prst="rect">
+            <a:avLst/>
+          </a:prstGeom>
+          <a:ln>
+            <a:noFill/>
+          </a:ln>
+        </p:spPr>
+        <p:style>
+          <a:lnRef idx="2">
+            <a:schemeClr val="accent1">
+              <a:shade val="50000"/>
+            </a:schemeClr>
+          </a:lnRef>
+          <a:fillRef idx="1">
+            <a:schemeClr val="accent1"/>
+          </a:fillRef>
+          <a:effectRef idx="0">
+            <a:schemeClr val="accent1"/>
+          </a:effectRef>
+          <a:fontRef idx="minor">
+            <a:schemeClr val="lt1"/>
+          </a:fontRef>
+        </p:style>
+        <p:txBody>
+          <a:bodyPr rtlCol="0" anchor="ctr"/>
+          <a:lstStyle/>
+          <a:p>
+            <a:pPr algn="ctr"/>
+            <a:endParaRPr lang="en-US"/>
+          </a:p>
+        </p:txBody>
+      </p:sp>
       <p:sp>
         <p:nvSpPr>
           <p:cNvPr id="2" name="Titolo 1">
@@ -8082,23 +8202,420 @@
             <p:ph type="title"/>
           </p:nvPr>
         </p:nvSpPr>
-        <p:spPr/>
+        <p:spPr>
+          <a:xfrm>
+            <a:off x="5999438" y="339539"/>
+            <a:ext cx="4840010" cy="1807305"/>
+          </a:xfrm>
+        </p:spPr>
         <p:txBody>
-          <a:bodyPr/>
+          <a:bodyPr>
+            <a:normAutofit/>
+          </a:bodyPr>
           <a:lstStyle/>
           <a:p>
             <a:r>
-              <a:rPr lang="it-IT" b="1" spc="-100">
+              <a:rPr lang="it-IT" b="1" spc="-100" dirty="0">
                 <a:latin typeface="Futura"/>
               </a:rPr>
               <a:t>OUR PROJECT</a:t>
             </a:r>
-            <a:endParaRPr lang="it-IT" b="1" spc="-100" dirty="0">
-              <a:latin typeface="Futura"/>
-            </a:endParaRPr>
           </a:p>
         </p:txBody>
       </p:sp>
+      <p:pic>
+        <p:nvPicPr>
+          <p:cNvPr id="4098" name="Picture 2">
+            <a:extLst>
+              <a:ext uri="{FF2B5EF4-FFF2-40B4-BE49-F238E27FC236}">
+                <a16:creationId xmlns:a16="http://schemas.microsoft.com/office/drawing/2014/main" id="{B8298F82-68AB-4B00-8ECA-CCF07EF6A33B}"/>
+              </a:ext>
+            </a:extLst>
+          </p:cNvPr>
+          <p:cNvPicPr>
+            <a:picLocks noChangeAspect="1" noChangeArrowheads="1"/>
+          </p:cNvPicPr>
+          <p:nvPr/>
+        </p:nvPicPr>
+        <p:blipFill rotWithShape="1">
+          <a:blip r:embed="rId2">
+            <a:extLst>
+              <a:ext uri="{28A0092B-C50C-407E-A947-70E740481C1C}">
+                <a14:useLocalDpi xmlns:a14="http://schemas.microsoft.com/office/drawing/2010/main" val="0"/>
+              </a:ext>
+            </a:extLst>
+          </a:blip>
+          <a:srcRect r="10811"/>
+          <a:stretch/>
+        </p:blipFill>
+        <p:spPr bwMode="auto">
+          <a:xfrm>
+            <a:off x="20" y="10"/>
+            <a:ext cx="6116549" cy="6857990"/>
+          </a:xfrm>
+          <a:custGeom>
+            <a:avLst/>
+            <a:gdLst/>
+            <a:ahLst/>
+            <a:cxnLst/>
+            <a:rect l="l" t="t" r="r" b="b"/>
+            <a:pathLst>
+              <a:path w="6116569" h="6879321">
+                <a:moveTo>
+                  <a:pt x="0" y="0"/>
+                </a:moveTo>
+                <a:lnTo>
+                  <a:pt x="2935851" y="0"/>
+                </a:lnTo>
+                <a:cubicBezTo>
+                  <a:pt x="3035710" y="10660"/>
+                  <a:pt x="3138421" y="17767"/>
+                  <a:pt x="3238280" y="31980"/>
+                </a:cubicBezTo>
+                <a:cubicBezTo>
+                  <a:pt x="3817462" y="106602"/>
+                  <a:pt x="3127009" y="277163"/>
+                  <a:pt x="3660541" y="550772"/>
+                </a:cubicBezTo>
+                <a:cubicBezTo>
+                  <a:pt x="3706191" y="575645"/>
+                  <a:pt x="3757546" y="579199"/>
+                  <a:pt x="3808902" y="589860"/>
+                </a:cubicBezTo>
+                <a:cubicBezTo>
+                  <a:pt x="4008620" y="625393"/>
+                  <a:pt x="4211192" y="618286"/>
+                  <a:pt x="4413762" y="625393"/>
+                </a:cubicBezTo>
+                <a:cubicBezTo>
+                  <a:pt x="4465118" y="628946"/>
+                  <a:pt x="4525033" y="625393"/>
+                  <a:pt x="4567830" y="721333"/>
+                </a:cubicBezTo>
+                <a:cubicBezTo>
+                  <a:pt x="4425175" y="724888"/>
+                  <a:pt x="4305344" y="731994"/>
+                  <a:pt x="4171247" y="792401"/>
+                </a:cubicBezTo>
+                <a:cubicBezTo>
+                  <a:pt x="4239722" y="859916"/>
+                  <a:pt x="4322462" y="795955"/>
+                  <a:pt x="4376671" y="842148"/>
+                </a:cubicBezTo>
+                <a:cubicBezTo>
+                  <a:pt x="4428027" y="888342"/>
+                  <a:pt x="4470824" y="891896"/>
+                  <a:pt x="4527887" y="813722"/>
+                </a:cubicBezTo>
+                <a:cubicBezTo>
+                  <a:pt x="4556417" y="774634"/>
+                  <a:pt x="4604920" y="778187"/>
+                  <a:pt x="4633452" y="799508"/>
+                </a:cubicBezTo>
+                <a:cubicBezTo>
+                  <a:pt x="4781813" y="913216"/>
+                  <a:pt x="4778960" y="909662"/>
+                  <a:pt x="4947293" y="870576"/>
+                </a:cubicBezTo>
+                <a:cubicBezTo>
+                  <a:pt x="5055712" y="845701"/>
+                  <a:pt x="5166983" y="806615"/>
+                  <a:pt x="5263988" y="820828"/>
+                </a:cubicBezTo>
+                <a:cubicBezTo>
+                  <a:pt x="5275401" y="867022"/>
+                  <a:pt x="5263988" y="888342"/>
+                  <a:pt x="5249723" y="895449"/>
+                </a:cubicBezTo>
+                <a:cubicBezTo>
+                  <a:pt x="5021475" y="1005604"/>
+                  <a:pt x="4975825" y="1122864"/>
+                  <a:pt x="4744723" y="1197485"/>
+                </a:cubicBezTo>
+                <a:cubicBezTo>
+                  <a:pt x="4724751" y="1268552"/>
+                  <a:pt x="4807491" y="1275660"/>
+                  <a:pt x="4767548" y="1346727"/>
+                </a:cubicBezTo>
+                <a:cubicBezTo>
+                  <a:pt x="4693367" y="1407134"/>
+                  <a:pt x="4610627" y="1346727"/>
+                  <a:pt x="4539299" y="1421348"/>
+                </a:cubicBezTo>
+                <a:cubicBezTo>
+                  <a:pt x="4550712" y="1471094"/>
+                  <a:pt x="4610627" y="1432008"/>
+                  <a:pt x="4607773" y="1485309"/>
+                </a:cubicBezTo>
+                <a:cubicBezTo>
+                  <a:pt x="4604920" y="1517288"/>
+                  <a:pt x="4593508" y="1527948"/>
+                  <a:pt x="4579242" y="1535055"/>
+                </a:cubicBezTo>
+                <a:cubicBezTo>
+                  <a:pt x="4776107" y="1538608"/>
+                  <a:pt x="5383820" y="1574142"/>
+                  <a:pt x="5278255" y="1609676"/>
+                </a:cubicBezTo>
+                <a:cubicBezTo>
+                  <a:pt x="5418057" y="1698511"/>
+                  <a:pt x="5623481" y="1609676"/>
+                  <a:pt x="5771843" y="1630997"/>
+                </a:cubicBezTo>
+                <a:cubicBezTo>
+                  <a:pt x="5925911" y="1652316"/>
+                  <a:pt x="6171278" y="1719830"/>
+                  <a:pt x="6105656" y="1748257"/>
+                </a:cubicBezTo>
+                <a:cubicBezTo>
+                  <a:pt x="6031475" y="1780238"/>
+                  <a:pt x="5766136" y="2146235"/>
+                  <a:pt x="5691955" y="2167555"/>
+                </a:cubicBezTo>
+                <a:cubicBezTo>
+                  <a:pt x="5606362" y="2188875"/>
+                  <a:pt x="5589243" y="2217302"/>
+                  <a:pt x="5475118" y="2348776"/>
+                </a:cubicBezTo>
+                <a:cubicBezTo>
+                  <a:pt x="5398085" y="2437610"/>
+                  <a:pt x="5709074" y="2238623"/>
+                  <a:pt x="5826051" y="2291922"/>
+                </a:cubicBezTo>
+                <a:cubicBezTo>
+                  <a:pt x="5868848" y="2309690"/>
+                  <a:pt x="5552153" y="2554872"/>
+                  <a:pt x="5552153" y="2597513"/>
+                </a:cubicBezTo>
+                <a:cubicBezTo>
+                  <a:pt x="5549300" y="2640153"/>
+                  <a:pt x="5577831" y="2647260"/>
+                  <a:pt x="5603508" y="2647260"/>
+                </a:cubicBezTo>
+                <a:cubicBezTo>
+                  <a:pt x="5660571" y="2647260"/>
+                  <a:pt x="5640599" y="2686346"/>
+                  <a:pt x="5700515" y="2679240"/>
+                </a:cubicBezTo>
+                <a:cubicBezTo>
+                  <a:pt x="5523622" y="2800055"/>
+                  <a:pt x="5418057" y="2778734"/>
+                  <a:pt x="5246870" y="2888889"/>
+                </a:cubicBezTo>
+                <a:cubicBezTo>
+                  <a:pt x="5164130" y="2942189"/>
+                  <a:pt x="4921615" y="3119857"/>
+                  <a:pt x="4836022" y="3169605"/>
+                </a:cubicBezTo>
+                <a:cubicBezTo>
+                  <a:pt x="4801785" y="3187371"/>
+                  <a:pt x="4758988" y="3173158"/>
+                  <a:pt x="4736163" y="3233565"/>
+                </a:cubicBezTo>
+                <a:cubicBezTo>
+                  <a:pt x="4770400" y="3279759"/>
+                  <a:pt x="4816050" y="3254885"/>
+                  <a:pt x="4853141" y="3233565"/>
+                </a:cubicBezTo>
+                <a:cubicBezTo>
+                  <a:pt x="4944440" y="3176711"/>
+                  <a:pt x="4935881" y="3190925"/>
+                  <a:pt x="4944440" y="3226459"/>
+                </a:cubicBezTo>
+                <a:cubicBezTo>
+                  <a:pt x="4972972" y="3350827"/>
+                  <a:pt x="5044300" y="3308186"/>
+                  <a:pt x="5109921" y="3283313"/>
+                </a:cubicBezTo>
+                <a:cubicBezTo>
+                  <a:pt x="5303932" y="3208692"/>
+                  <a:pt x="5500797" y="3215799"/>
+                  <a:pt x="5694809" y="3141178"/>
+                </a:cubicBezTo>
+                <a:cubicBezTo>
+                  <a:pt x="5714781" y="3134070"/>
+                  <a:pt x="5612068" y="3283313"/>
+                  <a:pt x="5566419" y="3301079"/>
+                </a:cubicBezTo>
+                <a:cubicBezTo>
+                  <a:pt x="5515063" y="3322399"/>
+                  <a:pt x="5452294" y="3311739"/>
+                  <a:pt x="5415203" y="3397020"/>
+                </a:cubicBezTo>
+                <a:cubicBezTo>
+                  <a:pt x="5477972" y="3414787"/>
+                  <a:pt x="5552153" y="3372147"/>
+                  <a:pt x="5612068" y="3432554"/>
+                </a:cubicBezTo>
+                <a:cubicBezTo>
+                  <a:pt x="5469413" y="3528494"/>
+                  <a:pt x="5329610" y="3535601"/>
+                  <a:pt x="5206927" y="3599562"/>
+                </a:cubicBezTo>
+                <a:cubicBezTo>
+                  <a:pt x="5192661" y="3706163"/>
+                  <a:pt x="5272548" y="3663523"/>
+                  <a:pt x="5301079" y="3723930"/>
+                </a:cubicBezTo>
+                <a:cubicBezTo>
+                  <a:pt x="5072830" y="3844745"/>
+                  <a:pt x="4564977" y="4232062"/>
+                  <a:pt x="4507915" y="4306683"/>
+                </a:cubicBezTo>
+                <a:cubicBezTo>
+                  <a:pt x="4390937" y="4463031"/>
+                  <a:pt x="3900202" y="4562525"/>
+                  <a:pt x="3982942" y="4587399"/>
+                </a:cubicBezTo>
+                <a:cubicBezTo>
+                  <a:pt x="4051417" y="4608719"/>
+                  <a:pt x="4119891" y="4587399"/>
+                  <a:pt x="4185513" y="4541205"/>
+                </a:cubicBezTo>
+                <a:cubicBezTo>
+                  <a:pt x="4291078" y="4466584"/>
+                  <a:pt x="5010062" y="4523438"/>
+                  <a:pt x="5212633" y="4455924"/>
+                </a:cubicBezTo>
+                <a:cubicBezTo>
+                  <a:pt x="5241164" y="4445264"/>
+                  <a:pt x="5283960" y="4409730"/>
+                  <a:pt x="5312492" y="4473691"/>
+                </a:cubicBezTo>
+                <a:cubicBezTo>
+                  <a:pt x="5098508" y="4704659"/>
+                  <a:pt x="4833169" y="4654913"/>
+                  <a:pt x="4596361" y="4818368"/>
+                </a:cubicBezTo>
+                <a:cubicBezTo>
+                  <a:pt x="4684807" y="4917861"/>
+                  <a:pt x="4776107" y="4907202"/>
+                  <a:pt x="4873113" y="4885882"/>
+                </a:cubicBezTo>
+                <a:cubicBezTo>
+                  <a:pt x="4895938" y="4878775"/>
+                  <a:pt x="4930175" y="4871668"/>
+                  <a:pt x="4935881" y="4914309"/>
+                </a:cubicBezTo>
+                <a:cubicBezTo>
+                  <a:pt x="4941587" y="4967609"/>
+                  <a:pt x="4898790" y="4978270"/>
+                  <a:pt x="4873113" y="5003143"/>
+                </a:cubicBezTo>
+                <a:cubicBezTo>
+                  <a:pt x="4833169" y="5038676"/>
+                  <a:pt x="4773254" y="4999590"/>
+                  <a:pt x="4721898" y="5095530"/>
+                </a:cubicBezTo>
+                <a:cubicBezTo>
+                  <a:pt x="4873113" y="5067104"/>
+                  <a:pt x="4998650" y="5020910"/>
+                  <a:pt x="5132745" y="4949842"/>
+                </a:cubicBezTo>
+                <a:cubicBezTo>
+                  <a:pt x="5121333" y="5006696"/>
+                  <a:pt x="5081390" y="5035123"/>
+                  <a:pt x="5101362" y="5081317"/>
+                </a:cubicBezTo>
+                <a:cubicBezTo>
+                  <a:pt x="5118480" y="5116850"/>
+                  <a:pt x="5164130" y="5131063"/>
+                  <a:pt x="5138452" y="5198578"/>
+                </a:cubicBezTo>
+                <a:cubicBezTo>
+                  <a:pt x="5067125" y="5273199"/>
+                  <a:pt x="4967265" y="5258986"/>
+                  <a:pt x="4904497" y="5362033"/>
+                </a:cubicBezTo>
+                <a:cubicBezTo>
+                  <a:pt x="4818903" y="5507721"/>
+                  <a:pt x="4684807" y="5564575"/>
+                  <a:pt x="4579242" y="5674729"/>
+                </a:cubicBezTo>
+                <a:cubicBezTo>
+                  <a:pt x="4545005" y="5713816"/>
+                  <a:pt x="4313903" y="5841738"/>
+                  <a:pt x="4253988" y="5884379"/>
+                </a:cubicBezTo>
+                <a:cubicBezTo>
+                  <a:pt x="4168395" y="5944786"/>
+                  <a:pt x="4071389" y="5966106"/>
+                  <a:pt x="3985795" y="6069153"/>
+                </a:cubicBezTo>
+                <a:cubicBezTo>
+                  <a:pt x="4065682" y="6086921"/>
+                  <a:pt x="4134157" y="5990979"/>
+                  <a:pt x="4231163" y="6030066"/>
+                </a:cubicBezTo>
+                <a:cubicBezTo>
+                  <a:pt x="4074242" y="6133114"/>
+                  <a:pt x="3931586" y="6182861"/>
+                  <a:pt x="3814609" y="6317889"/>
+                </a:cubicBezTo>
+                <a:cubicBezTo>
+                  <a:pt x="3800343" y="6335656"/>
+                  <a:pt x="3771812" y="6332102"/>
+                  <a:pt x="3751840" y="6339209"/>
+                </a:cubicBezTo>
+                <a:cubicBezTo>
+                  <a:pt x="3529298" y="6406723"/>
+                  <a:pt x="3309608" y="6467130"/>
+                  <a:pt x="3089919" y="6563071"/>
+                </a:cubicBezTo>
+                <a:cubicBezTo>
+                  <a:pt x="3041416" y="6584392"/>
+                  <a:pt x="2955823" y="6595052"/>
+                  <a:pt x="2961529" y="6662566"/>
+                </a:cubicBezTo>
+                <a:cubicBezTo>
+                  <a:pt x="2972941" y="6765613"/>
+                  <a:pt x="3055681" y="6687439"/>
+                  <a:pt x="3107038" y="6673226"/>
+                </a:cubicBezTo>
+                <a:cubicBezTo>
+                  <a:pt x="3269664" y="6634138"/>
+                  <a:pt x="3432292" y="6570178"/>
+                  <a:pt x="3594919" y="6591499"/>
+                </a:cubicBezTo>
+                <a:cubicBezTo>
+                  <a:pt x="3483648" y="6637693"/>
+                  <a:pt x="3372376" y="6680332"/>
+                  <a:pt x="3261106" y="6726527"/>
+                </a:cubicBezTo>
+                <a:cubicBezTo>
+                  <a:pt x="3386642" y="6705206"/>
+                  <a:pt x="3495061" y="6786934"/>
+                  <a:pt x="3620597" y="6740740"/>
+                </a:cubicBezTo>
+                <a:cubicBezTo>
+                  <a:pt x="3660541" y="6726527"/>
+                  <a:pt x="3700484" y="6765613"/>
+                  <a:pt x="3703337" y="6826020"/>
+                </a:cubicBezTo>
+                <a:cubicBezTo>
+                  <a:pt x="3706191" y="6847340"/>
+                  <a:pt x="3700484" y="6865108"/>
+                  <a:pt x="3689072" y="6879321"/>
+                </a:cubicBezTo>
+                <a:lnTo>
+                  <a:pt x="0" y="6879321"/>
+                </a:lnTo>
+                <a:close/>
+              </a:path>
+            </a:pathLst>
+          </a:custGeom>
+          <a:noFill/>
+          <a:extLst>
+            <a:ext uri="{909E8E84-426E-40DD-AFC4-6F175D3DCCD1}">
+              <a14:hiddenFill xmlns:a14="http://schemas.microsoft.com/office/drawing/2010/main">
+                <a:solidFill>
+                  <a:srgbClr val="FFFFFF"/>
+                </a:solidFill>
+              </a14:hiddenFill>
+            </a:ext>
+          </a:extLst>
+        </p:spPr>
+      </p:pic>
       <p:sp>
         <p:nvSpPr>
           <p:cNvPr id="3" name="Segnaposto contenuto 2">
@@ -8117,17 +8634,17 @@
         </p:nvSpPr>
         <p:spPr>
           <a:xfrm>
-            <a:off x="838200" y="1553251"/>
-            <a:ext cx="8957553" cy="4828094"/>
+            <a:off x="5915025" y="1637971"/>
+            <a:ext cx="5924549" cy="5020003"/>
           </a:xfrm>
         </p:spPr>
         <p:txBody>
           <a:bodyPr>
-            <a:normAutofit fontScale="77500" lnSpcReduction="20000"/>
+            <a:normAutofit fontScale="92500" lnSpcReduction="20000"/>
           </a:bodyPr>
           <a:lstStyle/>
           <a:p>
-            <a:pPr marL="0" indent="0" algn="just" rtl="0">
+            <a:pPr marL="0" indent="0" rtl="0">
               <a:spcBef>
                 <a:spcPts val="0"/>
               </a:spcBef>
@@ -8137,19 +8654,26 @@
               <a:buNone/>
             </a:pPr>
             <a:r>
-              <a:rPr lang="en-US" sz="1800" b="0" i="0" u="none" strike="noStrike">
-                <a:effectLst/>
-                <a:latin typeface="Futura light"/>
-              </a:rPr>
-              <a:t>“Redbull gives you wings”, this means it gives you the energy to tackle anything and also reach your dreams. Each one of us is dreaming about a sustainable planet, where people recycle, reduce and reuse, Redbull wants to make this dream a reality, increasing the consumer awareness on this topic and exalting the importance of the circular economy.</a:t>
-            </a:r>
-            <a:endParaRPr lang="en-US" b="0">
-              <a:effectLst/>
-              <a:latin typeface="Futura light"/>
-            </a:endParaRPr>
-          </a:p>
-          <a:p>
-            <a:pPr marL="0" indent="0" algn="just" rtl="0">
+              <a:rPr lang="en-US" sz="800" b="1" dirty="0">
+                <a:latin typeface="Futura"/>
+              </a:rPr>
+              <a:t>“</a:t>
+            </a:r>
+            <a:r>
+              <a:rPr lang="en-US" sz="1400" b="1" dirty="0" err="1">
+                <a:latin typeface="Futura"/>
+              </a:rPr>
+              <a:t>Redbull</a:t>
+            </a:r>
+            <a:r>
+              <a:rPr lang="en-US" sz="1400" b="1" dirty="0">
+                <a:latin typeface="Futura"/>
+              </a:rPr>
+              <a:t> gives you wings”</a:t>
+            </a:r>
+          </a:p>
+          <a:p>
+            <a:pPr marL="0" indent="0" rtl="0">
               <a:spcBef>
                 <a:spcPts val="0"/>
               </a:spcBef>
@@ -8158,32 +8682,12 @@
               </a:spcAft>
               <a:buNone/>
             </a:pPr>
-            <a:br>
-              <a:rPr lang="en-US" b="0">
-                <a:effectLst/>
-                <a:latin typeface="Futura light"/>
-              </a:rPr>
-            </a:br>
-            <a:r>
-              <a:rPr lang="en-US" sz="1800" b="1">
-                <a:latin typeface="Futura medium"/>
-              </a:rPr>
-              <a:t>GreenWings</a:t>
-            </a:r>
-            <a:r>
-              <a:rPr lang="en-US" sz="1800" b="0" i="0" u="none" strike="noStrike">
-                <a:effectLst/>
-                <a:latin typeface="Futura light"/>
-              </a:rPr>
-              <a:t> takes you into an experiential trip during which the user can feel the importance of waste. </a:t>
-            </a:r>
-            <a:endParaRPr lang="en-US" b="0">
-              <a:effectLst/>
+            <a:endParaRPr lang="en-US" sz="1400" dirty="0">
               <a:latin typeface="Futura light"/>
             </a:endParaRPr>
           </a:p>
           <a:p>
-            <a:pPr marL="0" indent="0" algn="just" rtl="0">
+            <a:pPr marL="0" indent="0" rtl="0">
               <a:spcBef>
                 <a:spcPts val="0"/>
               </a:spcBef>
@@ -8192,26 +8696,40 @@
               </a:spcAft>
               <a:buNone/>
             </a:pPr>
-            <a:br>
-              <a:rPr lang="en-US" b="0">
+            <a:r>
+              <a:rPr lang="en-US" sz="1400" dirty="0">
+                <a:latin typeface="Futura light"/>
+              </a:rPr>
+              <a:t>T</a:t>
+            </a:r>
+            <a:r>
+              <a:rPr lang="en-US" sz="1400" b="0" i="0" u="none" strike="noStrike" dirty="0">
                 <a:effectLst/>
                 <a:latin typeface="Futura light"/>
               </a:rPr>
-            </a:br>
-            <a:r>
-              <a:rPr lang="en-US" sz="1800" b="0" i="0" u="none" strike="noStrike">
+              <a:t>his means it gives you the energy to tackle anything and also reach your dreams. Each one of us is dreaming about a sustainable planet, where people recycle, reduce and reuse, </a:t>
+            </a:r>
+            <a:r>
+              <a:rPr lang="en-US" sz="1400" b="0" i="0" u="none" strike="noStrike" dirty="0" err="1">
                 <a:effectLst/>
                 <a:latin typeface="Futura light"/>
               </a:rPr>
-              <a:t>In our project we want to treat waste as it should be!</a:t>
-            </a:r>
-            <a:endParaRPr lang="en-US" b="0">
+              <a:t>Redbull</a:t>
+            </a:r>
+            <a:r>
+              <a:rPr lang="en-US" sz="1400" b="0" i="0" u="none" strike="noStrike" dirty="0">
+                <a:effectLst/>
+                <a:latin typeface="Futura light"/>
+              </a:rPr>
+              <a:t> wants to make this dream a reality, increasing the consumer awareness on this topic and exalting the importance of the circular economy.</a:t>
+            </a:r>
+            <a:endParaRPr lang="en-US" sz="1400" b="0" dirty="0">
               <a:effectLst/>
               <a:latin typeface="Futura light"/>
             </a:endParaRPr>
           </a:p>
           <a:p>
-            <a:pPr marL="0" indent="0" algn="just" rtl="0">
+            <a:pPr marL="0" indent="0" rtl="0">
               <a:spcBef>
                 <a:spcPts val="0"/>
               </a:spcBef>
@@ -8220,13 +8738,31 @@
               </a:spcAft>
               <a:buNone/>
             </a:pPr>
-            <a:endParaRPr lang="en-US" sz="1800" b="0" i="0" u="none" strike="noStrike">
-              <a:effectLst/>
+            <a:br>
+              <a:rPr lang="en-US" sz="1400" b="0" dirty="0">
+                <a:effectLst/>
+                <a:latin typeface="Futura light"/>
+              </a:rPr>
+            </a:br>
+            <a:r>
+              <a:rPr lang="en-US" sz="1400" b="1" dirty="0" err="1">
+                <a:latin typeface="Futura medium"/>
+              </a:rPr>
+              <a:t>GreenWings</a:t>
+            </a:r>
+            <a:r>
+              <a:rPr lang="en-US" sz="1400" b="0" i="0" u="none" strike="noStrike" dirty="0">
+                <a:effectLst/>
+                <a:latin typeface="Futura light"/>
+              </a:rPr>
+              <a:t> takes you into an experiential trip during which the user can feel the importance of waste. </a:t>
+            </a:r>
+            <a:endParaRPr lang="en-US" sz="1400" dirty="0">
               <a:latin typeface="Futura light"/>
             </a:endParaRPr>
           </a:p>
           <a:p>
-            <a:pPr marL="0" indent="0" algn="just" rtl="0">
+            <a:pPr marL="0" indent="0" rtl="0">
               <a:spcBef>
                 <a:spcPts val="0"/>
               </a:spcBef>
@@ -8235,20 +8771,13 @@
               </a:spcAft>
               <a:buNone/>
             </a:pPr>
-            <a:r>
-              <a:rPr lang="en-US" sz="1800" b="0" i="0" u="none" strike="noStrike">
-                <a:effectLst/>
-                <a:latin typeface="Futura light"/>
-              </a:rPr>
-              <a:t>Waste is part of the everyday life of each human being and if well-treated it could become very useful. Paper, plastic, aluminium, glass, they are all reusable to generate something again and satisfy new needs.</a:t>
-            </a:r>
-            <a:endParaRPr lang="en-US" b="0">
+            <a:endParaRPr lang="en-US" sz="1400" b="1" i="0" u="none" strike="noStrike" dirty="0">
               <a:effectLst/>
               <a:latin typeface="Futura light"/>
             </a:endParaRPr>
           </a:p>
           <a:p>
-            <a:pPr marL="0" indent="0" algn="just" rtl="0">
+            <a:pPr marL="0" indent="0" rtl="0">
               <a:spcBef>
                 <a:spcPts val="0"/>
               </a:spcBef>
@@ -8257,13 +8786,20 @@
               </a:spcAft>
               <a:buNone/>
             </a:pPr>
-            <a:endParaRPr lang="en-US" sz="1800" b="0" i="0" u="none" strike="noStrike">
+            <a:r>
+              <a:rPr lang="en-US" sz="1400" b="1" i="0" u="none" strike="noStrike" dirty="0">
+                <a:effectLst/>
+                <a:latin typeface="Futura light"/>
+              </a:rPr>
+              <a:t>In our project we want to treat waste as it should be!</a:t>
+            </a:r>
+            <a:endParaRPr lang="en-US" sz="1400" b="1" dirty="0">
               <a:effectLst/>
               <a:latin typeface="Futura light"/>
             </a:endParaRPr>
           </a:p>
           <a:p>
-            <a:pPr marL="0" indent="0" algn="just" rtl="0">
+            <a:pPr marL="0" indent="0" rtl="0">
               <a:spcBef>
                 <a:spcPts val="0"/>
               </a:spcBef>
@@ -8272,20 +8808,13 @@
               </a:spcAft>
               <a:buNone/>
             </a:pPr>
-            <a:r>
-              <a:rPr lang="en-US" sz="1800" b="0" i="0" u="none" strike="noStrike">
-                <a:effectLst/>
-                <a:latin typeface="Futura light"/>
-              </a:rPr>
-              <a:t>The problem is that many people are unaware of the thousands of possible applications of these materials and do not treat waste with the respect it deserves.</a:t>
-            </a:r>
-            <a:endParaRPr lang="en-US" b="0">
+            <a:endParaRPr lang="en-US" sz="1400" b="0" i="0" u="none" strike="noStrike" dirty="0">
               <a:effectLst/>
               <a:latin typeface="Futura light"/>
             </a:endParaRPr>
           </a:p>
           <a:p>
-            <a:pPr marL="0" indent="0" algn="just" rtl="0">
+            <a:pPr marL="0" indent="0" rtl="0">
               <a:spcBef>
                 <a:spcPts val="0"/>
               </a:spcBef>
@@ -8294,28 +8823,34 @@
               </a:spcAft>
               <a:buNone/>
             </a:pPr>
-            <a:br>
-              <a:rPr lang="en-US" b="0">
+            <a:r>
+              <a:rPr lang="en-US" sz="1400" b="0" i="0" u="none" strike="noStrike" dirty="0">
                 <a:effectLst/>
                 <a:latin typeface="Futura light"/>
               </a:rPr>
-            </a:br>
-            <a:r>
-              <a:rPr lang="en-US" sz="1800" b="1">
-                <a:latin typeface="Futura medium"/>
-              </a:rPr>
-              <a:t>GreenWings</a:t>
-            </a:r>
-            <a:r>
-              <a:rPr lang="en-US" sz="1800" b="0" i="0" u="none" strike="noStrike">
+              <a:t>Waste is part of the everyday life of each human being and if well-treated it could become very useful. Paper, plastic, </a:t>
+            </a:r>
+            <a:r>
+              <a:rPr lang="en-US" sz="1400" b="0" i="0" u="none" strike="noStrike" dirty="0" err="1">
                 <a:effectLst/>
                 <a:latin typeface="Futura light"/>
               </a:rPr>
-              <a:t> has 3 major goals:</a:t>
-            </a:r>
-          </a:p>
-          <a:p>
-            <a:pPr marL="0" indent="0" algn="just" rtl="0">
+              <a:t>aluminium</a:t>
+            </a:r>
+            <a:r>
+              <a:rPr lang="en-US" sz="1400" b="0" i="0" u="none" strike="noStrike" dirty="0">
+                <a:effectLst/>
+                <a:latin typeface="Futura light"/>
+              </a:rPr>
+              <a:t>, glass, they are all reusable to generate something again and satisfy new needs.</a:t>
+            </a:r>
+            <a:endParaRPr lang="en-US" sz="1400" b="0" dirty="0">
+              <a:effectLst/>
+              <a:latin typeface="Futura light"/>
+            </a:endParaRPr>
+          </a:p>
+          <a:p>
+            <a:pPr marL="0" indent="0" rtl="0">
               <a:spcBef>
                 <a:spcPts val="0"/>
               </a:spcBef>
@@ -8324,13 +8859,80 @@
               </a:spcAft>
               <a:buNone/>
             </a:pPr>
-            <a:endParaRPr lang="en-US" b="0">
+            <a:endParaRPr lang="en-US" sz="1400" b="0" i="0" u="none" strike="noStrike" dirty="0">
               <a:effectLst/>
               <a:latin typeface="Futura light"/>
             </a:endParaRPr>
           </a:p>
           <a:p>
-            <a:pPr algn="just" rtl="0" fontAlgn="base">
+            <a:pPr marL="0" indent="0" rtl="0">
+              <a:spcBef>
+                <a:spcPts val="0"/>
+              </a:spcBef>
+              <a:spcAft>
+                <a:spcPts val="0"/>
+              </a:spcAft>
+              <a:buNone/>
+            </a:pPr>
+            <a:r>
+              <a:rPr lang="en-US" sz="1400" b="0" i="0" u="none" strike="noStrike" dirty="0">
+                <a:effectLst/>
+                <a:latin typeface="Futura light"/>
+              </a:rPr>
+              <a:t>The problem is that many people are unaware of the thousands of possible applications of these materials and do not treat waste with the respect it deserves.</a:t>
+            </a:r>
+            <a:endParaRPr lang="en-US" sz="1400" b="0" dirty="0">
+              <a:effectLst/>
+              <a:latin typeface="Futura light"/>
+            </a:endParaRPr>
+          </a:p>
+          <a:p>
+            <a:pPr marL="0" indent="0" rtl="0">
+              <a:spcBef>
+                <a:spcPts val="0"/>
+              </a:spcBef>
+              <a:spcAft>
+                <a:spcPts val="0"/>
+              </a:spcAft>
+              <a:buNone/>
+            </a:pPr>
+            <a:br>
+              <a:rPr lang="en-US" sz="1400" b="0" dirty="0">
+                <a:effectLst/>
+                <a:latin typeface="Futura light"/>
+              </a:rPr>
+            </a:br>
+            <a:r>
+              <a:rPr lang="en-US" sz="1400" b="1" dirty="0" err="1">
+                <a:latin typeface="Futura medium"/>
+              </a:rPr>
+              <a:t>GreenWings</a:t>
+            </a:r>
+            <a:r>
+              <a:rPr lang="en-US" sz="1400" b="0" i="0" u="none" strike="noStrike" dirty="0">
+                <a:effectLst/>
+                <a:latin typeface="Futura light"/>
+              </a:rPr>
+              <a:t> has 3 major goals:</a:t>
+            </a:r>
+          </a:p>
+          <a:p>
+            <a:pPr marL="0" indent="0" rtl="0">
+              <a:spcBef>
+                <a:spcPts val="0"/>
+              </a:spcBef>
+              <a:spcAft>
+                <a:spcPts val="0"/>
+              </a:spcAft>
+              <a:buNone/>
+            </a:pPr>
+            <a:endParaRPr lang="en-US" sz="1400" b="0" dirty="0">
+              <a:effectLst/>
+              <a:latin typeface="Futura light"/>
+            </a:endParaRPr>
+          </a:p>
+          <a:p>
+            <a:pPr rtl="0" fontAlgn="base">
               <a:spcBef>
                 <a:spcPts val="0"/>
               </a:spcBef>
@@ -8341,7 +8943,7 @@
               <a:buChar char="•"/>
             </a:pPr>
             <a:r>
-              <a:rPr lang="en-US" sz="1800" b="0" i="0" u="none" strike="noStrike">
+              <a:rPr lang="en-US" sz="1400" b="0" i="0" u="none" strike="noStrike" dirty="0">
                 <a:effectLst/>
                 <a:latin typeface="Futura light"/>
               </a:rPr>
@@ -8349,7 +8951,7 @@
             </a:r>
           </a:p>
           <a:p>
-            <a:pPr algn="just" rtl="0" fontAlgn="base">
+            <a:pPr rtl="0" fontAlgn="base">
               <a:spcBef>
                 <a:spcPts val="0"/>
               </a:spcBef>
@@ -8360,7 +8962,7 @@
               <a:buChar char="•"/>
             </a:pPr>
             <a:r>
-              <a:rPr lang="en-US" sz="1800" b="0" i="0" u="none" strike="noStrike">
+              <a:rPr lang="en-US" sz="1400" b="0" i="0" u="none" strike="noStrike" dirty="0">
                 <a:effectLst/>
                 <a:latin typeface="Futura light"/>
               </a:rPr>
@@ -8368,7 +8970,7 @@
             </a:r>
           </a:p>
           <a:p>
-            <a:pPr algn="just" rtl="0" fontAlgn="base">
+            <a:pPr rtl="0" fontAlgn="base">
               <a:spcBef>
                 <a:spcPts val="0"/>
               </a:spcBef>
@@ -8379,7 +8981,7 @@
               <a:buChar char="•"/>
             </a:pPr>
             <a:r>
-              <a:rPr lang="en-US" sz="1800" b="0" i="0" u="none" strike="noStrike">
+              <a:rPr lang="en-US" sz="1400" b="0" i="0" u="none" strike="noStrike" dirty="0">
                 <a:effectLst/>
                 <a:latin typeface="Futura light"/>
               </a:rPr>
@@ -8387,7 +8989,7 @@
             </a:r>
           </a:p>
           <a:p>
-            <a:pPr marL="0" indent="0" algn="just" rtl="0">
+            <a:pPr marL="0" indent="0" rtl="0">
               <a:spcBef>
                 <a:spcPts val="0"/>
               </a:spcBef>
@@ -8397,13 +8999,13 @@
               <a:buNone/>
             </a:pPr>
             <a:br>
-              <a:rPr lang="en-US" b="0">
+              <a:rPr lang="en-US" sz="1400" b="0" dirty="0">
                 <a:effectLst/>
                 <a:latin typeface="Futura light"/>
               </a:rPr>
             </a:br>
             <a:r>
-              <a:rPr lang="en-US" sz="1800" b="0" i="0" u="none" strike="noStrike">
+              <a:rPr lang="en-US" sz="1400" b="0" i="0" u="none" strike="noStrike" dirty="0">
                 <a:effectLst/>
                 <a:latin typeface="Futura light"/>
               </a:rPr>
@@ -8411,7 +9013,7 @@
             </a:r>
           </a:p>
           <a:p>
-            <a:pPr marL="0" indent="0" algn="just" rtl="0">
+            <a:pPr marL="0" indent="0" rtl="0">
               <a:spcBef>
                 <a:spcPts val="0"/>
               </a:spcBef>
@@ -8420,13 +9022,13 @@
               </a:spcAft>
               <a:buNone/>
             </a:pPr>
-            <a:endParaRPr lang="en-US" b="0">
+            <a:endParaRPr lang="en-US" sz="1400" b="0" dirty="0">
               <a:effectLst/>
               <a:latin typeface="Futura light"/>
             </a:endParaRPr>
           </a:p>
           <a:p>
-            <a:pPr algn="just" rtl="0" fontAlgn="base">
+            <a:pPr rtl="0" fontAlgn="base">
               <a:spcBef>
                 <a:spcPts val="0"/>
               </a:spcBef>
@@ -8437,7 +9039,7 @@
               <a:buChar char="•"/>
             </a:pPr>
             <a:r>
-              <a:rPr lang="en-US" sz="1800" b="0" i="0" u="none" strike="noStrike">
+              <a:rPr lang="en-US" sz="1400" b="0" i="0" u="none" strike="noStrike" dirty="0">
                 <a:effectLst/>
                 <a:latin typeface="Futura light"/>
               </a:rPr>
@@ -8445,7 +9047,7 @@
             </a:r>
           </a:p>
           <a:p>
-            <a:pPr algn="just" rtl="0" fontAlgn="base">
+            <a:pPr rtl="0" fontAlgn="base">
               <a:spcBef>
                 <a:spcPts val="0"/>
               </a:spcBef>
@@ -8456,7 +9058,7 @@
               <a:buChar char="•"/>
             </a:pPr>
             <a:r>
-              <a:rPr lang="en-US" sz="1800" b="0" i="0" u="none" strike="noStrike">
+              <a:rPr lang="en-US" sz="1400" b="0" i="0" u="none" strike="noStrike" dirty="0">
                 <a:effectLst/>
                 <a:latin typeface="Futura light"/>
               </a:rPr>
@@ -8464,7 +9066,7 @@
             </a:r>
           </a:p>
           <a:p>
-            <a:pPr algn="just" rtl="0" fontAlgn="base">
+            <a:pPr rtl="0" fontAlgn="base">
               <a:spcBef>
                 <a:spcPts val="0"/>
               </a:spcBef>
@@ -8475,7 +9077,7 @@
               <a:buChar char="•"/>
             </a:pPr>
             <a:r>
-              <a:rPr lang="en-US" sz="1800" b="0" i="0" u="none" strike="noStrike">
+              <a:rPr lang="en-US" sz="1400" b="0" i="0" u="none" strike="noStrike" dirty="0">
                 <a:effectLst/>
                 <a:latin typeface="Futura light"/>
               </a:rPr>
@@ -8486,7 +9088,7 @@
             <a:pPr marL="0" indent="0">
               <a:buNone/>
             </a:pPr>
-            <a:endParaRPr lang="it-IT" dirty="0"/>
+            <a:endParaRPr lang="it-IT" sz="800" dirty="0"/>
           </a:p>
         </p:txBody>
       </p:sp>
@@ -8505,7 +9107,7 @@
           <p:nvPr/>
         </p:nvPicPr>
         <p:blipFill>
-          <a:blip r:embed="rId2"/>
+          <a:blip r:embed="rId3"/>
           <a:stretch>
             <a:fillRect/>
           </a:stretch>
@@ -8514,37 +9116,6 @@
           <a:xfrm>
             <a:off x="11060784" y="0"/>
             <a:ext cx="1131216" cy="848412"/>
-          </a:xfrm>
-          <a:prstGeom prst="rect">
-            <a:avLst/>
-          </a:prstGeom>
-        </p:spPr>
-      </p:pic>
-      <p:pic>
-        <p:nvPicPr>
-          <p:cNvPr id="13" name="Immagine 12">
-            <a:extLst>
-              <a:ext uri="{FF2B5EF4-FFF2-40B4-BE49-F238E27FC236}">
-                <a16:creationId xmlns:a16="http://schemas.microsoft.com/office/drawing/2014/main" id="{EFEF8477-5965-42CF-BC98-D8CE9294E349}"/>
-              </a:ext>
-            </a:extLst>
-          </p:cNvPr>
-          <p:cNvPicPr>
-            <a:picLocks noChangeAspect="1"/>
-          </p:cNvPicPr>
-          <p:nvPr/>
-        </p:nvPicPr>
-        <p:blipFill rotWithShape="1">
-          <a:blip r:embed="rId3">
-            <a:alphaModFix amt="20000"/>
-          </a:blip>
-          <a:srcRect t="9439" r="-1" b="11446"/>
-          <a:stretch/>
-        </p:blipFill>
-        <p:spPr>
-          <a:xfrm>
-            <a:off x="3883412" y="10"/>
-            <a:ext cx="8668512" cy="6857990"/>
           </a:xfrm>
           <a:prstGeom prst="rect">
             <a:avLst/>
@@ -8567,6 +9138,14 @@
 <file path=ppt/slides/slide4.xml><?xml version="1.0" encoding="utf-8"?>
 <p:sld xmlns:a="http://schemas.openxmlformats.org/drawingml/2006/main" xmlns:r="http://schemas.openxmlformats.org/officeDocument/2006/relationships" xmlns:p="http://schemas.openxmlformats.org/presentationml/2006/main">
   <p:cSld>
+    <p:bg>
+      <p:bgPr>
+        <a:solidFill>
+          <a:schemeClr val="tx1"/>
+        </a:solidFill>
+        <a:effectLst/>
+      </p:bgPr>
+    </p:bg>
     <p:spTree>
       <p:nvGrpSpPr>
         <p:cNvPr id="1" name=""/>
@@ -8597,13 +9176,23 @@
             <p:ph type="title"/>
           </p:nvPr>
         </p:nvSpPr>
-        <p:spPr/>
+        <p:spPr>
+          <a:xfrm>
+            <a:off x="97277" y="116109"/>
+            <a:ext cx="5712824" cy="1325563"/>
+          </a:xfrm>
+        </p:spPr>
         <p:txBody>
-          <a:bodyPr/>
+          <a:bodyPr>
+            <a:normAutofit/>
+          </a:bodyPr>
           <a:lstStyle/>
           <a:p>
             <a:r>
               <a:rPr lang="it-IT" b="1" spc="-100" dirty="0">
+                <a:solidFill>
+                  <a:schemeClr val="bg1"/>
+                </a:solidFill>
                 <a:latin typeface="Futura"/>
               </a:rPr>
               <a:t>DESIGN AND TECHNICAL ASPECTS</a:t>
@@ -8629,494 +9218,1078 @@
         </p:nvSpPr>
         <p:spPr>
           <a:xfrm>
-            <a:off x="838200" y="1524000"/>
-            <a:ext cx="7498976" cy="4652963"/>
+            <a:off x="97277" y="1441673"/>
+            <a:ext cx="5998723" cy="5416328"/>
           </a:xfrm>
         </p:spPr>
         <p:txBody>
-          <a:bodyPr>
-            <a:normAutofit fontScale="92500" lnSpcReduction="20000"/>
+          <a:bodyPr anchor="t">
+            <a:normAutofit lnSpcReduction="10000"/>
           </a:bodyPr>
           <a:lstStyle/>
           <a:p>
-            <a:pPr marL="0" indent="0" algn="just" rtl="0">
+            <a:pPr marL="0" indent="0" rtl="0">
+              <a:spcBef>
+                <a:spcPts val="0"/>
+              </a:spcBef>
+              <a:spcAft>
+                <a:spcPts val="600"/>
+              </a:spcAft>
+              <a:buNone/>
+            </a:pPr>
+            <a:r>
+              <a:rPr lang="en-US" sz="1200" b="1" dirty="0" err="1">
+                <a:solidFill>
+                  <a:schemeClr val="bg1"/>
+                </a:solidFill>
+                <a:latin typeface="Futura medium"/>
+              </a:rPr>
+              <a:t>GreenWings</a:t>
+            </a:r>
+            <a:r>
+              <a:rPr lang="en-US" sz="1200" b="0" i="0" u="none" strike="noStrike" dirty="0">
+                <a:solidFill>
+                  <a:schemeClr val="bg1"/>
+                </a:solidFill>
+                <a:effectLst/>
+                <a:latin typeface="Futura light"/>
+              </a:rPr>
+              <a:t> </a:t>
+            </a:r>
+            <a:r>
+              <a:rPr lang="en-US" sz="1200" dirty="0">
+                <a:solidFill>
+                  <a:schemeClr val="bg1"/>
+                </a:solidFill>
+                <a:latin typeface="Futura light"/>
+              </a:rPr>
+              <a:t>was conceived as a large object that is noticeable even from long distances. In fact it is quite impressive, with a height of 1.8 meters and a width of 1 meter.</a:t>
+            </a:r>
+          </a:p>
+          <a:p>
+            <a:pPr marL="0" indent="0" rtl="0">
+              <a:spcBef>
+                <a:spcPts val="0"/>
+              </a:spcBef>
+              <a:spcAft>
+                <a:spcPts val="600"/>
+              </a:spcAft>
+              <a:buNone/>
+            </a:pPr>
+            <a:endParaRPr lang="en-US" sz="1200" dirty="0">
+              <a:solidFill>
+                <a:schemeClr val="bg1"/>
+              </a:solidFill>
+              <a:latin typeface="Futura light"/>
+            </a:endParaRPr>
+          </a:p>
+          <a:p>
+            <a:pPr marL="0" indent="0" rtl="0">
+              <a:spcBef>
+                <a:spcPts val="0"/>
+              </a:spcBef>
+              <a:spcAft>
+                <a:spcPts val="600"/>
+              </a:spcAft>
+              <a:buNone/>
+            </a:pPr>
+            <a:r>
+              <a:rPr lang="en-US" sz="1200" dirty="0">
+                <a:solidFill>
+                  <a:schemeClr val="bg1"/>
+                </a:solidFill>
+                <a:latin typeface="Futura light"/>
+              </a:rPr>
+              <a:t>It is built completely with recycled materials: </a:t>
+            </a:r>
+            <a:r>
+              <a:rPr lang="en-US" sz="1200" dirty="0" err="1">
+                <a:solidFill>
+                  <a:schemeClr val="bg1"/>
+                </a:solidFill>
+                <a:latin typeface="Futura light"/>
+              </a:rPr>
+              <a:t>resysta</a:t>
+            </a:r>
+            <a:r>
+              <a:rPr lang="en-US" sz="1200" dirty="0">
+                <a:solidFill>
+                  <a:schemeClr val="bg1"/>
+                </a:solidFill>
+                <a:latin typeface="Futura light"/>
+              </a:rPr>
+              <a:t>, </a:t>
+            </a:r>
+            <a:r>
+              <a:rPr lang="en-US" sz="1200" dirty="0" err="1">
+                <a:solidFill>
+                  <a:schemeClr val="bg1"/>
+                </a:solidFill>
+                <a:latin typeface="Futura light"/>
+              </a:rPr>
+              <a:t>aluminium</a:t>
+            </a:r>
+            <a:r>
+              <a:rPr lang="en-US" sz="1200" dirty="0">
+                <a:solidFill>
+                  <a:schemeClr val="bg1"/>
+                </a:solidFill>
+                <a:latin typeface="Futura light"/>
+              </a:rPr>
+              <a:t>, glass and ecological polystyrene. </a:t>
+            </a:r>
+            <a:r>
+              <a:rPr lang="en-US" sz="1200" dirty="0" err="1">
+                <a:solidFill>
+                  <a:schemeClr val="bg1"/>
+                </a:solidFill>
+                <a:latin typeface="Futura light"/>
+              </a:rPr>
+              <a:t>Resysta</a:t>
+            </a:r>
+            <a:r>
+              <a:rPr lang="en-US" sz="1200" dirty="0">
+                <a:solidFill>
+                  <a:schemeClr val="bg1"/>
+                </a:solidFill>
+                <a:latin typeface="Futura light"/>
+              </a:rPr>
+              <a:t> is an extremely durable material made up of 60% rice husk, 22% common salt and 18% mineral oil and maintains the visual appearance of the wood. This is the material that will give to </a:t>
+            </a:r>
+            <a:r>
+              <a:rPr lang="en-US" sz="1200" b="1" dirty="0" err="1">
+                <a:solidFill>
+                  <a:schemeClr val="bg1"/>
+                </a:solidFill>
+                <a:latin typeface="Futura medium"/>
+              </a:rPr>
+              <a:t>GreenWings</a:t>
+            </a:r>
+            <a:r>
+              <a:rPr lang="en-US" sz="1200" dirty="0">
+                <a:solidFill>
+                  <a:schemeClr val="bg1"/>
+                </a:solidFill>
+                <a:latin typeface="Futura light"/>
+              </a:rPr>
+              <a:t> a premium design in the complete respect of the planet. </a:t>
+            </a:r>
+          </a:p>
+          <a:p>
+            <a:pPr marL="0" indent="0" rtl="0">
+              <a:spcBef>
+                <a:spcPts val="0"/>
+              </a:spcBef>
+              <a:spcAft>
+                <a:spcPts val="600"/>
+              </a:spcAft>
+              <a:buNone/>
+            </a:pPr>
+            <a:endParaRPr lang="en-US" sz="1200" dirty="0">
+              <a:solidFill>
+                <a:schemeClr val="bg1"/>
+              </a:solidFill>
+              <a:latin typeface="Futura light"/>
+            </a:endParaRPr>
+          </a:p>
+          <a:p>
+            <a:pPr marL="0" indent="0" rtl="0">
+              <a:spcBef>
+                <a:spcPts val="0"/>
+              </a:spcBef>
+              <a:spcAft>
+                <a:spcPts val="600"/>
+              </a:spcAft>
+              <a:buNone/>
+            </a:pPr>
+            <a:r>
+              <a:rPr lang="en-US" sz="1200" dirty="0">
+                <a:solidFill>
+                  <a:schemeClr val="bg1"/>
+                </a:solidFill>
+                <a:latin typeface="Futura light"/>
+              </a:rPr>
+              <a:t>The machine is attractive and intuitive, by approaching it is possible to see an hole with a roller and a very large screen. The roller technology is already used in more than 40 countries, examples of it are:</a:t>
+            </a:r>
+          </a:p>
+          <a:p>
+            <a:pPr marL="0" indent="0" rtl="0">
+              <a:spcBef>
+                <a:spcPts val="0"/>
+              </a:spcBef>
+              <a:spcAft>
+                <a:spcPts val="600"/>
+              </a:spcAft>
+              <a:buNone/>
+            </a:pPr>
+            <a:endParaRPr lang="en-US" sz="1200" dirty="0">
+              <a:solidFill>
+                <a:schemeClr val="bg1"/>
+              </a:solidFill>
+              <a:latin typeface="Futura light"/>
+            </a:endParaRPr>
+          </a:p>
+          <a:p>
+            <a:pPr>
+              <a:spcBef>
+                <a:spcPts val="0"/>
+              </a:spcBef>
+              <a:spcAft>
+                <a:spcPts val="600"/>
+              </a:spcAft>
+            </a:pPr>
+            <a:r>
+              <a:rPr lang="en-US" sz="1200" dirty="0" err="1">
+                <a:solidFill>
+                  <a:schemeClr val="bg1"/>
+                </a:solidFill>
+                <a:latin typeface="Futura light"/>
+              </a:rPr>
+              <a:t>Palpa</a:t>
+            </a:r>
+            <a:r>
+              <a:rPr lang="en-US" sz="1200" dirty="0">
+                <a:solidFill>
+                  <a:schemeClr val="bg1"/>
+                </a:solidFill>
+                <a:latin typeface="Futura light"/>
+              </a:rPr>
+              <a:t> company, a Finnish company that manages the return system of beverage packages;</a:t>
+            </a:r>
+          </a:p>
+          <a:p>
+            <a:pPr>
+              <a:spcBef>
+                <a:spcPts val="0"/>
+              </a:spcBef>
+              <a:spcAft>
+                <a:spcPts val="600"/>
+              </a:spcAft>
+            </a:pPr>
+            <a:r>
+              <a:rPr lang="en-US" sz="1200" dirty="0">
+                <a:solidFill>
+                  <a:schemeClr val="bg1"/>
+                </a:solidFill>
+                <a:latin typeface="Futura light"/>
+              </a:rPr>
+              <a:t>TOMRA company in Germany and Norway;</a:t>
+            </a:r>
+          </a:p>
+          <a:p>
+            <a:pPr>
+              <a:spcBef>
+                <a:spcPts val="0"/>
+              </a:spcBef>
+              <a:spcAft>
+                <a:spcPts val="600"/>
+              </a:spcAft>
+            </a:pPr>
+            <a:r>
+              <a:rPr lang="en-US" sz="1200" dirty="0">
+                <a:solidFill>
+                  <a:schemeClr val="bg1"/>
+                </a:solidFill>
+                <a:latin typeface="Futura light"/>
+              </a:rPr>
+              <a:t>Recycle N Save in in </a:t>
+            </a:r>
+            <a:r>
+              <a:rPr lang="en-US" sz="1200" dirty="0" err="1">
+                <a:solidFill>
+                  <a:schemeClr val="bg1"/>
+                </a:solidFill>
+                <a:latin typeface="Futura light"/>
+              </a:rPr>
+              <a:t>SIngapore</a:t>
+            </a:r>
+            <a:r>
+              <a:rPr lang="en-US" sz="1200" dirty="0">
+                <a:solidFill>
+                  <a:schemeClr val="bg1"/>
+                </a:solidFill>
+                <a:latin typeface="Futura light"/>
+              </a:rPr>
+              <a:t>.</a:t>
+            </a:r>
+          </a:p>
+          <a:p>
+            <a:pPr marL="0" indent="0" rtl="0">
+              <a:spcBef>
+                <a:spcPts val="0"/>
+              </a:spcBef>
+              <a:spcAft>
+                <a:spcPts val="600"/>
+              </a:spcAft>
+              <a:buNone/>
+            </a:pPr>
+            <a:endParaRPr lang="en-US" sz="1200" dirty="0">
+              <a:solidFill>
+                <a:schemeClr val="bg1"/>
+              </a:solidFill>
+              <a:latin typeface="Futura light"/>
+            </a:endParaRPr>
+          </a:p>
+          <a:p>
+            <a:pPr marL="0" indent="0" rtl="0">
+              <a:spcBef>
+                <a:spcPts val="0"/>
+              </a:spcBef>
+              <a:spcAft>
+                <a:spcPts val="600"/>
+              </a:spcAft>
+              <a:buNone/>
+            </a:pPr>
+            <a:r>
+              <a:rPr lang="en-US" sz="1200" dirty="0">
+                <a:solidFill>
+                  <a:schemeClr val="bg1"/>
+                </a:solidFill>
+                <a:latin typeface="Futura light"/>
+              </a:rPr>
+              <a:t>Those technological systems are the ones  we want to implement in </a:t>
+            </a:r>
+            <a:r>
+              <a:rPr lang="en-US" sz="1200" b="1" dirty="0" err="1">
+                <a:solidFill>
+                  <a:schemeClr val="bg1"/>
+                </a:solidFill>
+                <a:latin typeface="Futura medium"/>
+              </a:rPr>
+              <a:t>GreenWings</a:t>
+            </a:r>
+            <a:r>
+              <a:rPr lang="en-US" sz="1200" dirty="0">
+                <a:solidFill>
+                  <a:schemeClr val="bg1"/>
+                </a:solidFill>
+                <a:latin typeface="Futura light"/>
+              </a:rPr>
+              <a:t>. In this way, the recycling tool will ensure that the waste inserted respects some standards. </a:t>
+            </a:r>
+          </a:p>
+          <a:p>
+            <a:pPr marL="0" indent="0" rtl="0">
+              <a:spcBef>
+                <a:spcPts val="0"/>
+              </a:spcBef>
+              <a:spcAft>
+                <a:spcPts val="600"/>
+              </a:spcAft>
+              <a:buNone/>
+            </a:pPr>
+            <a:endParaRPr lang="en-US" sz="1200" dirty="0">
+              <a:solidFill>
+                <a:schemeClr val="bg1"/>
+              </a:solidFill>
+              <a:latin typeface="Futura light"/>
+            </a:endParaRPr>
+          </a:p>
+          <a:p>
+            <a:pPr marL="0" indent="0" rtl="0">
+              <a:spcBef>
+                <a:spcPts val="0"/>
+              </a:spcBef>
+              <a:spcAft>
+                <a:spcPts val="600"/>
+              </a:spcAft>
+              <a:buNone/>
+            </a:pPr>
+            <a:r>
+              <a:rPr lang="en-US" sz="1200" dirty="0">
+                <a:solidFill>
+                  <a:schemeClr val="bg1"/>
+                </a:solidFill>
+                <a:latin typeface="Futura light"/>
+              </a:rPr>
+              <a:t>Each inserted waste is read and analyzed with a sensor, if the trash is respecting the desired </a:t>
+            </a:r>
+            <a:r>
+              <a:rPr lang="en-US" sz="1200" dirty="0" err="1">
+                <a:solidFill>
+                  <a:schemeClr val="bg1"/>
+                </a:solidFill>
+                <a:latin typeface="Futura light"/>
+              </a:rPr>
+              <a:t>criterias</a:t>
+            </a:r>
+            <a:r>
+              <a:rPr lang="en-US" sz="1200" dirty="0">
+                <a:solidFill>
+                  <a:schemeClr val="bg1"/>
+                </a:solidFill>
+                <a:latin typeface="Futura light"/>
+              </a:rPr>
+              <a:t> the process continues, otherwise the rectangular hole, below the circular one, gives the trash back.</a:t>
+            </a:r>
+          </a:p>
+          <a:p>
+            <a:pPr marL="0" indent="0" rtl="0">
+              <a:spcBef>
+                <a:spcPts val="0"/>
+              </a:spcBef>
+              <a:spcAft>
+                <a:spcPts val="600"/>
+              </a:spcAft>
+              <a:buNone/>
+            </a:pPr>
+            <a:br>
+              <a:rPr lang="en-US" sz="600" dirty="0">
+                <a:latin typeface="Futura light"/>
+              </a:rPr>
+            </a:br>
+            <a:endParaRPr lang="it-IT" sz="600" dirty="0">
+              <a:latin typeface="Futura light"/>
+            </a:endParaRPr>
+          </a:p>
+        </p:txBody>
+      </p:sp>
+      <p:sp>
+        <p:nvSpPr>
+          <p:cNvPr id="15" name="Oval 14">
+            <a:extLst>
+              <a:ext uri="{FF2B5EF4-FFF2-40B4-BE49-F238E27FC236}">
+                <a16:creationId xmlns:a16="http://schemas.microsoft.com/office/drawing/2014/main" id="{C99A8FB7-A79B-4BC9-9D56-B79587F6AA3E}"/>
+              </a:ext>
+              <a:ext uri="{C183D7F6-B498-43B3-948B-1728B52AA6E4}">
+                <adec:decorative xmlns:adec="http://schemas.microsoft.com/office/drawing/2017/decorative" val="1"/>
+              </a:ext>
+            </a:extLst>
+          </p:cNvPr>
+          <p:cNvSpPr>
+            <a:spLocks noGrp="1" noRot="1" noChangeAspect="1" noMove="1" noResize="1" noEditPoints="1" noAdjustHandles="1" noChangeArrowheads="1" noChangeShapeType="1" noTextEdit="1"/>
+          </p:cNvSpPr>
+          <p:nvPr>
+            <p:extLst>
+              <p:ext uri="{386F3935-93C4-4BCD-93E2-E3B085C9AB24}">
+                <p16:designElem xmlns:p16="http://schemas.microsoft.com/office/powerpoint/2015/main" val="1"/>
+              </p:ext>
+            </p:extLst>
+          </p:nvPr>
+        </p:nvSpPr>
+        <p:spPr>
+          <a:xfrm>
+            <a:off x="5804761" y="2650637"/>
+            <a:ext cx="3118104" cy="3118104"/>
+          </a:xfrm>
+          <a:prstGeom prst="ellipse">
+            <a:avLst/>
+          </a:prstGeom>
+          <a:solidFill>
+            <a:srgbClr val="FFFFFF">
+              <a:alpha val="80000"/>
+            </a:srgbClr>
+          </a:solidFill>
+          <a:ln>
+            <a:noFill/>
+          </a:ln>
+        </p:spPr>
+        <p:style>
+          <a:lnRef idx="2">
+            <a:schemeClr val="accent1">
+              <a:shade val="50000"/>
+            </a:schemeClr>
+          </a:lnRef>
+          <a:fillRef idx="1">
+            <a:schemeClr val="accent1"/>
+          </a:fillRef>
+          <a:effectRef idx="0">
+            <a:schemeClr val="accent1"/>
+          </a:effectRef>
+          <a:fontRef idx="minor">
+            <a:schemeClr val="lt1"/>
+          </a:fontRef>
+        </p:style>
+        <p:txBody>
+          <a:bodyPr rtlCol="0" anchor="ctr"/>
+          <a:lstStyle/>
+          <a:p>
+            <a:pPr marL="0" marR="0" lvl="0" indent="0" algn="ctr" defTabSz="914400" rtl="0" eaLnBrk="1" fontAlgn="auto" latinLnBrk="0" hangingPunct="1">
+              <a:lnSpc>
+                <a:spcPct val="100000"/>
+              </a:lnSpc>
               <a:spcBef>
                 <a:spcPts val="0"/>
               </a:spcBef>
               <a:spcAft>
                 <a:spcPts val="0"/>
               </a:spcAft>
-              <a:buNone/>
-            </a:pPr>
-            <a:r>
-              <a:rPr lang="en-US" sz="1600" b="1" dirty="0" err="1">
-                <a:solidFill>
-                  <a:srgbClr val="343433"/>
-                </a:solidFill>
-                <a:latin typeface="Futura medium"/>
-              </a:rPr>
-              <a:t>GreenWings</a:t>
-            </a:r>
-            <a:r>
-              <a:rPr lang="en-US" sz="1600" b="0" i="0" u="none" strike="noStrike" dirty="0">
-                <a:solidFill>
-                  <a:srgbClr val="343433"/>
-                </a:solidFill>
-                <a:effectLst/>
-                <a:latin typeface="Futura light"/>
-              </a:rPr>
-              <a:t> </a:t>
-            </a:r>
-            <a:r>
-              <a:rPr lang="en-US" sz="1500" dirty="0">
-                <a:solidFill>
-                  <a:srgbClr val="343433"/>
-                </a:solidFill>
-                <a:latin typeface="Futura light"/>
-              </a:rPr>
-              <a:t>was conceived as a large object that is noticeable even from long distances. In fact it is quite impressive, with a height of 1.8 meters and a width of 1 meter.</a:t>
-            </a:r>
-          </a:p>
-          <a:p>
-            <a:pPr marL="0" indent="0" algn="just" rtl="0">
+              <a:buClrTx/>
+              <a:buSzTx/>
+              <a:buFontTx/>
+              <a:buNone/>
+              <a:tabLst/>
+              <a:defRPr/>
+            </a:pPr>
+            <a:endParaRPr kumimoji="0" lang="en-US" sz="1800" b="0" i="0" u="none" strike="noStrike" kern="1200" cap="none" spc="0" normalizeH="0" baseline="0" noProof="0">
+              <a:ln>
+                <a:noFill/>
+              </a:ln>
+              <a:solidFill>
+                <a:prstClr val="white"/>
+              </a:solidFill>
+              <a:effectLst/>
+              <a:uLnTx/>
+              <a:uFillTx/>
+              <a:latin typeface="Calibri" panose="020F0502020204030204"/>
+              <a:ea typeface="+mn-ea"/>
+              <a:cs typeface="+mn-cs"/>
+            </a:endParaRPr>
+          </a:p>
+        </p:txBody>
+      </p:sp>
+      <p:sp>
+        <p:nvSpPr>
+          <p:cNvPr id="17" name="Freeform: Shape 16">
+            <a:extLst>
+              <a:ext uri="{FF2B5EF4-FFF2-40B4-BE49-F238E27FC236}">
+                <a16:creationId xmlns:a16="http://schemas.microsoft.com/office/drawing/2014/main" id="{B23893E2-3349-46D7-A7AA-B9E447957FB1}"/>
+              </a:ext>
+              <a:ext uri="{C183D7F6-B498-43B3-948B-1728B52AA6E4}">
+                <adec:decorative xmlns:adec="http://schemas.microsoft.com/office/drawing/2017/decorative" val="1"/>
+              </a:ext>
+            </a:extLst>
+          </p:cNvPr>
+          <p:cNvSpPr>
+            <a:spLocks noGrp="1" noRot="1" noChangeAspect="1" noMove="1" noResize="1" noEditPoints="1" noAdjustHandles="1" noChangeArrowheads="1" noChangeShapeType="1" noTextEdit="1"/>
+          </p:cNvSpPr>
+          <p:nvPr>
+            <p:extLst>
+              <p:ext uri="{386F3935-93C4-4BCD-93E2-E3B085C9AB24}">
+                <p16:designElem xmlns:p16="http://schemas.microsoft.com/office/powerpoint/2015/main" val="1"/>
+              </p:ext>
+            </p:extLst>
+          </p:nvPr>
+        </p:nvSpPr>
+        <p:spPr>
+          <a:xfrm>
+            <a:off x="7996859" y="0"/>
+            <a:ext cx="4198060" cy="3650200"/>
+          </a:xfrm>
+          <a:custGeom>
+            <a:avLst/>
+            <a:gdLst>
+              <a:gd name="connsiteX0" fmla="*/ 262846 w 4198060"/>
+              <a:gd name="connsiteY0" fmla="*/ 0 h 3650200"/>
+              <a:gd name="connsiteX1" fmla="*/ 4198060 w 4198060"/>
+              <a:gd name="connsiteY1" fmla="*/ 0 h 3650200"/>
+              <a:gd name="connsiteX2" fmla="*/ 4198060 w 4198060"/>
+              <a:gd name="connsiteY2" fmla="*/ 3021648 h 3650200"/>
+              <a:gd name="connsiteX3" fmla="*/ 4142653 w 4198060"/>
+              <a:gd name="connsiteY3" fmla="*/ 3072005 h 3650200"/>
+              <a:gd name="connsiteX4" fmla="*/ 2532040 w 4198060"/>
+              <a:gd name="connsiteY4" fmla="*/ 3650200 h 3650200"/>
+              <a:gd name="connsiteX5" fmla="*/ 0 w 4198060"/>
+              <a:gd name="connsiteY5" fmla="*/ 1118160 h 3650200"/>
+              <a:gd name="connsiteX6" fmla="*/ 198981 w 4198060"/>
+              <a:gd name="connsiteY6" fmla="*/ 132576 h 3650200"/>
+            </a:gdLst>
+            <a:ahLst/>
+            <a:cxnLst>
+              <a:cxn ang="0">
+                <a:pos x="connsiteX0" y="connsiteY0"/>
+              </a:cxn>
+              <a:cxn ang="0">
+                <a:pos x="connsiteX1" y="connsiteY1"/>
+              </a:cxn>
+              <a:cxn ang="0">
+                <a:pos x="connsiteX2" y="connsiteY2"/>
+              </a:cxn>
+              <a:cxn ang="0">
+                <a:pos x="connsiteX3" y="connsiteY3"/>
+              </a:cxn>
+              <a:cxn ang="0">
+                <a:pos x="connsiteX4" y="connsiteY4"/>
+              </a:cxn>
+              <a:cxn ang="0">
+                <a:pos x="connsiteX5" y="connsiteY5"/>
+              </a:cxn>
+              <a:cxn ang="0">
+                <a:pos x="connsiteX6" y="connsiteY6"/>
+              </a:cxn>
+            </a:cxnLst>
+            <a:rect l="l" t="t" r="r" b="b"/>
+            <a:pathLst>
+              <a:path w="4198060" h="3650200">
+                <a:moveTo>
+                  <a:pt x="262846" y="0"/>
+                </a:moveTo>
+                <a:lnTo>
+                  <a:pt x="4198060" y="0"/>
+                </a:lnTo>
+                <a:lnTo>
+                  <a:pt x="4198060" y="3021648"/>
+                </a:lnTo>
+                <a:lnTo>
+                  <a:pt x="4142653" y="3072005"/>
+                </a:lnTo>
+                <a:cubicBezTo>
+                  <a:pt x="3704967" y="3433216"/>
+                  <a:pt x="3143843" y="3650200"/>
+                  <a:pt x="2532040" y="3650200"/>
+                </a:cubicBezTo>
+                <a:cubicBezTo>
+                  <a:pt x="1133633" y="3650200"/>
+                  <a:pt x="0" y="2516567"/>
+                  <a:pt x="0" y="1118160"/>
+                </a:cubicBezTo>
+                <a:cubicBezTo>
+                  <a:pt x="0" y="768558"/>
+                  <a:pt x="70852" y="435505"/>
+                  <a:pt x="198981" y="132576"/>
+                </a:cubicBezTo>
+                <a:close/>
+              </a:path>
+            </a:pathLst>
+          </a:custGeom>
+          <a:solidFill>
+            <a:srgbClr val="FFFFFF">
+              <a:alpha val="80000"/>
+            </a:srgbClr>
+          </a:solidFill>
+          <a:ln>
+            <a:noFill/>
+          </a:ln>
+        </p:spPr>
+        <p:style>
+          <a:lnRef idx="2">
+            <a:schemeClr val="accent1">
+              <a:shade val="50000"/>
+            </a:schemeClr>
+          </a:lnRef>
+          <a:fillRef idx="1">
+            <a:schemeClr val="accent1"/>
+          </a:fillRef>
+          <a:effectRef idx="0">
+            <a:schemeClr val="accent1"/>
+          </a:effectRef>
+          <a:fontRef idx="minor">
+            <a:schemeClr val="lt1"/>
+          </a:fontRef>
+        </p:style>
+        <p:txBody>
+          <a:bodyPr wrap="square" rtlCol="0" anchor="ctr">
+            <a:noAutofit/>
+          </a:bodyPr>
+          <a:lstStyle/>
+          <a:p>
+            <a:pPr marL="0" marR="0" lvl="0" indent="0" algn="ctr" defTabSz="914400" rtl="0" eaLnBrk="1" fontAlgn="auto" latinLnBrk="0" hangingPunct="1">
+              <a:lnSpc>
+                <a:spcPct val="100000"/>
+              </a:lnSpc>
               <a:spcBef>
                 <a:spcPts val="0"/>
               </a:spcBef>
               <a:spcAft>
                 <a:spcPts val="0"/>
               </a:spcAft>
-              <a:buNone/>
-            </a:pPr>
-            <a:endParaRPr lang="en-US" sz="1500" dirty="0">
+              <a:buClrTx/>
+              <a:buSzTx/>
+              <a:buFontTx/>
+              <a:buNone/>
+              <a:tabLst/>
+              <a:defRPr/>
+            </a:pPr>
+            <a:endParaRPr kumimoji="0" lang="en-US" sz="1800" b="0" i="0" u="none" strike="noStrike" kern="1200" cap="none" spc="0" normalizeH="0" baseline="0" noProof="0">
+              <a:ln>
+                <a:noFill/>
+              </a:ln>
               <a:solidFill>
-                <a:srgbClr val="343433"/>
+                <a:prstClr val="white"/>
               </a:solidFill>
-              <a:latin typeface="Futura light"/>
+              <a:effectLst/>
+              <a:uLnTx/>
+              <a:uFillTx/>
+              <a:latin typeface="Calibri" panose="020F0502020204030204"/>
+              <a:ea typeface="+mn-ea"/>
+              <a:cs typeface="+mn-cs"/>
             </a:endParaRPr>
           </a:p>
-          <a:p>
-            <a:pPr marL="0" indent="0" algn="just" rtl="0">
+        </p:txBody>
+      </p:sp>
+      <p:pic>
+        <p:nvPicPr>
+          <p:cNvPr id="10" name="Immagine 9">
+            <a:extLst>
+              <a:ext uri="{FF2B5EF4-FFF2-40B4-BE49-F238E27FC236}">
+                <a16:creationId xmlns:a16="http://schemas.microsoft.com/office/drawing/2014/main" id="{558C196C-C205-4862-9FBF-30033CDDDB20}"/>
+              </a:ext>
+            </a:extLst>
+          </p:cNvPr>
+          <p:cNvPicPr>
+            <a:picLocks noChangeAspect="1"/>
+          </p:cNvPicPr>
+          <p:nvPr/>
+        </p:nvPicPr>
+        <p:blipFill rotWithShape="1">
+          <a:blip r:embed="rId2"/>
+          <a:srcRect l="18256" r="25493" b="-2"/>
+          <a:stretch/>
+        </p:blipFill>
+        <p:spPr>
+          <a:xfrm>
+            <a:off x="5969353" y="2815228"/>
+            <a:ext cx="2788920" cy="2788920"/>
+          </a:xfrm>
+          <a:custGeom>
+            <a:avLst/>
+            <a:gdLst/>
+            <a:ahLst/>
+            <a:cxnLst/>
+            <a:rect l="l" t="t" r="r" b="b"/>
+            <a:pathLst>
+              <a:path w="2880360" h="2880360">
+                <a:moveTo>
+                  <a:pt x="1440180" y="0"/>
+                </a:moveTo>
+                <a:cubicBezTo>
+                  <a:pt x="2235569" y="0"/>
+                  <a:pt x="2880360" y="644791"/>
+                  <a:pt x="2880360" y="1440180"/>
+                </a:cubicBezTo>
+                <a:cubicBezTo>
+                  <a:pt x="2880360" y="2235569"/>
+                  <a:pt x="2235569" y="2880360"/>
+                  <a:pt x="1440180" y="2880360"/>
+                </a:cubicBezTo>
+                <a:cubicBezTo>
+                  <a:pt x="644791" y="2880360"/>
+                  <a:pt x="0" y="2235569"/>
+                  <a:pt x="0" y="1440180"/>
+                </a:cubicBezTo>
+                <a:cubicBezTo>
+                  <a:pt x="0" y="644791"/>
+                  <a:pt x="644791" y="0"/>
+                  <a:pt x="1440180" y="0"/>
+                </a:cubicBezTo>
+                <a:close/>
+              </a:path>
+            </a:pathLst>
+          </a:custGeom>
+        </p:spPr>
+      </p:pic>
+      <p:pic>
+        <p:nvPicPr>
+          <p:cNvPr id="8" name="Immagine 7" descr="Immagine che contiene testo, scatola, archivio&#10;&#10;Descrizione generata automaticamente">
+            <a:extLst>
+              <a:ext uri="{FF2B5EF4-FFF2-40B4-BE49-F238E27FC236}">
+                <a16:creationId xmlns:a16="http://schemas.microsoft.com/office/drawing/2014/main" id="{A0AC00DF-2FC5-4826-84D1-44D0FD308BBA}"/>
+              </a:ext>
+            </a:extLst>
+          </p:cNvPr>
+          <p:cNvPicPr>
+            <a:picLocks noChangeAspect="1"/>
+          </p:cNvPicPr>
+          <p:nvPr/>
+        </p:nvPicPr>
+        <p:blipFill rotWithShape="1">
+          <a:blip r:embed="rId3">
+            <a:extLst>
+              <a:ext uri="{28A0092B-C50C-407E-A947-70E740481C1C}">
+                <a14:useLocalDpi xmlns:a14="http://schemas.microsoft.com/office/drawing/2010/main" val="0"/>
+              </a:ext>
+            </a:extLst>
+          </a:blip>
+          <a:srcRect l="18112" r="16798" b="-2"/>
+          <a:stretch/>
+        </p:blipFill>
+        <p:spPr>
+          <a:xfrm>
+            <a:off x="8160603" y="2"/>
+            <a:ext cx="4034316" cy="3486455"/>
+          </a:xfrm>
+          <a:custGeom>
+            <a:avLst/>
+            <a:gdLst/>
+            <a:ahLst/>
+            <a:cxnLst/>
+            <a:rect l="l" t="t" r="r" b="b"/>
+            <a:pathLst>
+              <a:path w="4034316" h="3486455">
+                <a:moveTo>
+                  <a:pt x="280681" y="0"/>
+                </a:moveTo>
+                <a:lnTo>
+                  <a:pt x="4034316" y="0"/>
+                </a:lnTo>
+                <a:lnTo>
+                  <a:pt x="4034316" y="2800630"/>
+                </a:lnTo>
+                <a:lnTo>
+                  <a:pt x="3874752" y="2945652"/>
+                </a:lnTo>
+                <a:cubicBezTo>
+                  <a:pt x="3465371" y="3283503"/>
+                  <a:pt x="2940535" y="3486455"/>
+                  <a:pt x="2368296" y="3486455"/>
+                </a:cubicBezTo>
+                <a:cubicBezTo>
+                  <a:pt x="1060322" y="3486455"/>
+                  <a:pt x="0" y="2426133"/>
+                  <a:pt x="0" y="1118159"/>
+                </a:cubicBezTo>
+                <a:cubicBezTo>
+                  <a:pt x="0" y="791166"/>
+                  <a:pt x="66270" y="479650"/>
+                  <a:pt x="186113" y="196311"/>
+                </a:cubicBezTo>
+                <a:close/>
+              </a:path>
+            </a:pathLst>
+          </a:custGeom>
+        </p:spPr>
+      </p:pic>
+      <p:sp>
+        <p:nvSpPr>
+          <p:cNvPr id="19" name="Freeform: Shape 18">
+            <a:extLst>
+              <a:ext uri="{FF2B5EF4-FFF2-40B4-BE49-F238E27FC236}">
+                <a16:creationId xmlns:a16="http://schemas.microsoft.com/office/drawing/2014/main" id="{2B7592FE-10D1-4664-B623-353F47C8DF7F}"/>
+              </a:ext>
+              <a:ext uri="{C183D7F6-B498-43B3-948B-1728B52AA6E4}">
+                <adec:decorative xmlns:adec="http://schemas.microsoft.com/office/drawing/2017/decorative" val="1"/>
+              </a:ext>
+            </a:extLst>
+          </p:cNvPr>
+          <p:cNvSpPr>
+            <a:spLocks noGrp="1" noRot="1" noChangeAspect="1" noMove="1" noResize="1" noEditPoints="1" noAdjustHandles="1" noChangeArrowheads="1" noChangeShapeType="1" noTextEdit="1"/>
+          </p:cNvSpPr>
+          <p:nvPr>
+            <p:extLst>
+              <p:ext uri="{386F3935-93C4-4BCD-93E2-E3B085C9AB24}">
+                <p16:designElem xmlns:p16="http://schemas.microsoft.com/office/powerpoint/2015/main" val="1"/>
+              </p:ext>
+            </p:extLst>
+          </p:nvPr>
+        </p:nvSpPr>
+        <p:spPr>
+          <a:xfrm>
+            <a:off x="8888132" y="4032250"/>
+            <a:ext cx="3303868" cy="2825750"/>
+          </a:xfrm>
+          <a:custGeom>
+            <a:avLst/>
+            <a:gdLst>
+              <a:gd name="connsiteX0" fmla="*/ 1888600 w 3303868"/>
+              <a:gd name="connsiteY0" fmla="*/ 0 h 2825750"/>
+              <a:gd name="connsiteX1" fmla="*/ 3224042 w 3303868"/>
+              <a:gd name="connsiteY1" fmla="*/ 553158 h 2825750"/>
+              <a:gd name="connsiteX2" fmla="*/ 3303868 w 3303868"/>
+              <a:gd name="connsiteY2" fmla="*/ 640989 h 2825750"/>
+              <a:gd name="connsiteX3" fmla="*/ 3303868 w 3303868"/>
+              <a:gd name="connsiteY3" fmla="*/ 2825750 h 2825750"/>
+              <a:gd name="connsiteX4" fmla="*/ 250380 w 3303868"/>
+              <a:gd name="connsiteY4" fmla="*/ 2825750 h 2825750"/>
+              <a:gd name="connsiteX5" fmla="*/ 227944 w 3303868"/>
+              <a:gd name="connsiteY5" fmla="*/ 2788819 h 2825750"/>
+              <a:gd name="connsiteX6" fmla="*/ 0 w 3303868"/>
+              <a:gd name="connsiteY6" fmla="*/ 1888600 h 2825750"/>
+              <a:gd name="connsiteX7" fmla="*/ 1888600 w 3303868"/>
+              <a:gd name="connsiteY7" fmla="*/ 0 h 2825750"/>
+            </a:gdLst>
+            <a:ahLst/>
+            <a:cxnLst>
+              <a:cxn ang="0">
+                <a:pos x="connsiteX0" y="connsiteY0"/>
+              </a:cxn>
+              <a:cxn ang="0">
+                <a:pos x="connsiteX1" y="connsiteY1"/>
+              </a:cxn>
+              <a:cxn ang="0">
+                <a:pos x="connsiteX2" y="connsiteY2"/>
+              </a:cxn>
+              <a:cxn ang="0">
+                <a:pos x="connsiteX3" y="connsiteY3"/>
+              </a:cxn>
+              <a:cxn ang="0">
+                <a:pos x="connsiteX4" y="connsiteY4"/>
+              </a:cxn>
+              <a:cxn ang="0">
+                <a:pos x="connsiteX5" y="connsiteY5"/>
+              </a:cxn>
+              <a:cxn ang="0">
+                <a:pos x="connsiteX6" y="connsiteY6"/>
+              </a:cxn>
+              <a:cxn ang="0">
+                <a:pos x="connsiteX7" y="connsiteY7"/>
+              </a:cxn>
+            </a:cxnLst>
+            <a:rect l="l" t="t" r="r" b="b"/>
+            <a:pathLst>
+              <a:path w="3303868" h="2825750">
+                <a:moveTo>
+                  <a:pt x="1888600" y="0"/>
+                </a:moveTo>
+                <a:cubicBezTo>
+                  <a:pt x="2410123" y="0"/>
+                  <a:pt x="2882273" y="211389"/>
+                  <a:pt x="3224042" y="553158"/>
+                </a:cubicBezTo>
+                <a:lnTo>
+                  <a:pt x="3303868" y="640989"/>
+                </a:lnTo>
+                <a:lnTo>
+                  <a:pt x="3303868" y="2825750"/>
+                </a:lnTo>
+                <a:lnTo>
+                  <a:pt x="250380" y="2825750"/>
+                </a:lnTo>
+                <a:lnTo>
+                  <a:pt x="227944" y="2788819"/>
+                </a:lnTo>
+                <a:cubicBezTo>
+                  <a:pt x="82574" y="2521217"/>
+                  <a:pt x="0" y="2214552"/>
+                  <a:pt x="0" y="1888600"/>
+                </a:cubicBezTo>
+                <a:cubicBezTo>
+                  <a:pt x="0" y="845555"/>
+                  <a:pt x="845555" y="0"/>
+                  <a:pt x="1888600" y="0"/>
+                </a:cubicBezTo>
+                <a:close/>
+              </a:path>
+            </a:pathLst>
+          </a:custGeom>
+          <a:solidFill>
+            <a:srgbClr val="FFFFFF">
+              <a:alpha val="80000"/>
+            </a:srgbClr>
+          </a:solidFill>
+          <a:ln>
+            <a:noFill/>
+          </a:ln>
+        </p:spPr>
+        <p:style>
+          <a:lnRef idx="2">
+            <a:schemeClr val="accent1">
+              <a:shade val="50000"/>
+            </a:schemeClr>
+          </a:lnRef>
+          <a:fillRef idx="1">
+            <a:schemeClr val="accent1"/>
+          </a:fillRef>
+          <a:effectRef idx="0">
+            <a:schemeClr val="accent1"/>
+          </a:effectRef>
+          <a:fontRef idx="minor">
+            <a:schemeClr val="lt1"/>
+          </a:fontRef>
+        </p:style>
+        <p:txBody>
+          <a:bodyPr wrap="square" rtlCol="0" anchor="ctr">
+            <a:noAutofit/>
+          </a:bodyPr>
+          <a:lstStyle/>
+          <a:p>
+            <a:pPr marL="0" marR="0" lvl="0" indent="0" algn="ctr" defTabSz="914400" rtl="0" eaLnBrk="1" fontAlgn="auto" latinLnBrk="0" hangingPunct="1">
+              <a:lnSpc>
+                <a:spcPct val="100000"/>
+              </a:lnSpc>
               <a:spcBef>
                 <a:spcPts val="0"/>
               </a:spcBef>
               <a:spcAft>
                 <a:spcPts val="0"/>
               </a:spcAft>
-              <a:buNone/>
-            </a:pPr>
-            <a:r>
-              <a:rPr lang="en-US" sz="1500" dirty="0">
-                <a:solidFill>
-                  <a:srgbClr val="343433"/>
-                </a:solidFill>
-                <a:latin typeface="Futura light"/>
-              </a:rPr>
-              <a:t>It is built completely with recycled materials: </a:t>
-            </a:r>
-            <a:r>
-              <a:rPr lang="en-US" sz="1500" dirty="0" err="1">
-                <a:solidFill>
-                  <a:srgbClr val="343433"/>
-                </a:solidFill>
-                <a:latin typeface="Futura light"/>
-              </a:rPr>
-              <a:t>resysta</a:t>
-            </a:r>
-            <a:r>
-              <a:rPr lang="en-US" sz="1500" dirty="0">
-                <a:solidFill>
-                  <a:srgbClr val="343433"/>
-                </a:solidFill>
-                <a:latin typeface="Futura light"/>
-              </a:rPr>
-              <a:t>, </a:t>
-            </a:r>
-            <a:r>
-              <a:rPr lang="en-US" sz="1500" dirty="0" err="1">
-                <a:solidFill>
-                  <a:srgbClr val="343433"/>
-                </a:solidFill>
-                <a:latin typeface="Futura light"/>
-              </a:rPr>
-              <a:t>aluminium</a:t>
-            </a:r>
-            <a:r>
-              <a:rPr lang="en-US" sz="1500" dirty="0">
-                <a:solidFill>
-                  <a:srgbClr val="343433"/>
-                </a:solidFill>
-                <a:latin typeface="Futura light"/>
-              </a:rPr>
-              <a:t>, glass and ecological polystyrene. </a:t>
-            </a:r>
-            <a:r>
-              <a:rPr lang="en-US" sz="1500" dirty="0" err="1">
-                <a:solidFill>
-                  <a:srgbClr val="343433"/>
-                </a:solidFill>
-                <a:latin typeface="Futura light"/>
-              </a:rPr>
-              <a:t>Resysta</a:t>
-            </a:r>
-            <a:r>
-              <a:rPr lang="en-US" sz="1500" dirty="0">
-                <a:solidFill>
-                  <a:srgbClr val="343433"/>
-                </a:solidFill>
-                <a:latin typeface="Futura light"/>
-              </a:rPr>
-              <a:t> is an extremely durable material made up of 60% rice husk, 22% common salt and 18% mineral oil and maintains the visual appearance of the wood. This is the material that will give to </a:t>
-            </a:r>
-            <a:r>
-              <a:rPr lang="en-US" sz="1400" b="1" dirty="0" err="1">
-                <a:solidFill>
-                  <a:srgbClr val="343433"/>
-                </a:solidFill>
-                <a:latin typeface="Futura medium"/>
-              </a:rPr>
-              <a:t>GreenWings</a:t>
-            </a:r>
-            <a:r>
-              <a:rPr lang="en-US" sz="1500" dirty="0">
-                <a:solidFill>
-                  <a:srgbClr val="343433"/>
-                </a:solidFill>
-                <a:latin typeface="Futura light"/>
-              </a:rPr>
-              <a:t> a premium design in the complete respect of the planet. </a:t>
-            </a:r>
-          </a:p>
-          <a:p>
-            <a:pPr marL="0" indent="0" algn="just" rtl="0">
-              <a:spcBef>
-                <a:spcPts val="0"/>
-              </a:spcBef>
-              <a:spcAft>
-                <a:spcPts val="0"/>
-              </a:spcAft>
-              <a:buNone/>
-            </a:pPr>
-            <a:endParaRPr lang="en-US" sz="1500" dirty="0">
+              <a:buClrTx/>
+              <a:buSzTx/>
+              <a:buFontTx/>
+              <a:buNone/>
+              <a:tabLst/>
+              <a:defRPr/>
+            </a:pPr>
+            <a:endParaRPr kumimoji="0" lang="en-US" sz="1800" b="0" i="0" u="none" strike="noStrike" kern="1200" cap="none" spc="0" normalizeH="0" baseline="0" noProof="0">
+              <a:ln>
+                <a:noFill/>
+              </a:ln>
               <a:solidFill>
-                <a:srgbClr val="343433"/>
+                <a:prstClr val="white"/>
               </a:solidFill>
-              <a:latin typeface="Futura light"/>
-            </a:endParaRPr>
-          </a:p>
-          <a:p>
-            <a:pPr marL="0" indent="0" algn="just" rtl="0">
-              <a:spcBef>
-                <a:spcPts val="0"/>
-              </a:spcBef>
-              <a:spcAft>
-                <a:spcPts val="0"/>
-              </a:spcAft>
-              <a:buNone/>
-            </a:pPr>
-            <a:r>
-              <a:rPr lang="en-US" sz="1500" dirty="0">
-                <a:solidFill>
-                  <a:srgbClr val="343433"/>
-                </a:solidFill>
-                <a:latin typeface="Futura light"/>
-              </a:rPr>
-              <a:t>The machine is attractive and intuitive, by approaching it is possible to see an hole with a roller and a very large screen. The roller technology is already used in more than 40 countries, examples of it are:</a:t>
-            </a:r>
-          </a:p>
-          <a:p>
-            <a:pPr marL="0" indent="0" algn="just" rtl="0">
-              <a:spcBef>
-                <a:spcPts val="0"/>
-              </a:spcBef>
-              <a:spcAft>
-                <a:spcPts val="0"/>
-              </a:spcAft>
-              <a:buNone/>
-            </a:pPr>
-            <a:endParaRPr lang="en-US" sz="1500" dirty="0">
-              <a:solidFill>
-                <a:srgbClr val="343433"/>
-              </a:solidFill>
-              <a:latin typeface="Futura light"/>
-            </a:endParaRPr>
-          </a:p>
-          <a:p>
-            <a:pPr algn="just">
-              <a:spcBef>
-                <a:spcPts val="0"/>
-              </a:spcBef>
-            </a:pPr>
-            <a:r>
-              <a:rPr lang="en-US" sz="1500" dirty="0" err="1">
-                <a:solidFill>
-                  <a:srgbClr val="343433"/>
-                </a:solidFill>
-                <a:latin typeface="Futura light"/>
-              </a:rPr>
-              <a:t>Palpa</a:t>
-            </a:r>
-            <a:r>
-              <a:rPr lang="en-US" sz="1500" dirty="0">
-                <a:solidFill>
-                  <a:srgbClr val="343433"/>
-                </a:solidFill>
-                <a:latin typeface="Futura light"/>
-              </a:rPr>
-              <a:t> company, a Finnish company that manages the return system of beverage packages;</a:t>
-            </a:r>
-          </a:p>
-          <a:p>
-            <a:pPr algn="just">
-              <a:spcBef>
-                <a:spcPts val="0"/>
-              </a:spcBef>
-            </a:pPr>
-            <a:r>
-              <a:rPr lang="en-US" sz="1500" dirty="0">
-                <a:solidFill>
-                  <a:srgbClr val="343433"/>
-                </a:solidFill>
-                <a:latin typeface="Futura light"/>
-              </a:rPr>
-              <a:t>TOMRA company in Germany and Norway;</a:t>
-            </a:r>
-          </a:p>
-          <a:p>
-            <a:pPr algn="just">
-              <a:spcBef>
-                <a:spcPts val="0"/>
-              </a:spcBef>
-            </a:pPr>
-            <a:r>
-              <a:rPr lang="en-US" sz="1500" dirty="0">
-                <a:solidFill>
-                  <a:srgbClr val="343433"/>
-                </a:solidFill>
-                <a:latin typeface="Futura light"/>
-              </a:rPr>
-              <a:t>Recycle N Save in in </a:t>
-            </a:r>
-            <a:r>
-              <a:rPr lang="en-US" sz="1500" dirty="0" err="1">
-                <a:solidFill>
-                  <a:srgbClr val="343433"/>
-                </a:solidFill>
-                <a:latin typeface="Futura light"/>
-              </a:rPr>
-              <a:t>SIngapore</a:t>
-            </a:r>
-            <a:r>
-              <a:rPr lang="en-US" sz="1500" dirty="0">
-                <a:solidFill>
-                  <a:srgbClr val="343433"/>
-                </a:solidFill>
-                <a:latin typeface="Futura light"/>
-              </a:rPr>
-              <a:t>.</a:t>
-            </a:r>
-          </a:p>
-          <a:p>
-            <a:pPr marL="0" indent="0" algn="just" rtl="0">
-              <a:spcBef>
-                <a:spcPts val="0"/>
-              </a:spcBef>
-              <a:spcAft>
-                <a:spcPts val="0"/>
-              </a:spcAft>
-              <a:buNone/>
-            </a:pPr>
-            <a:endParaRPr lang="en-US" sz="1500" dirty="0">
-              <a:solidFill>
-                <a:srgbClr val="343433"/>
-              </a:solidFill>
-              <a:latin typeface="Futura light"/>
-            </a:endParaRPr>
-          </a:p>
-          <a:p>
-            <a:pPr marL="0" indent="0" algn="just" rtl="0">
-              <a:spcBef>
-                <a:spcPts val="0"/>
-              </a:spcBef>
-              <a:spcAft>
-                <a:spcPts val="0"/>
-              </a:spcAft>
-              <a:buNone/>
-            </a:pPr>
-            <a:r>
-              <a:rPr lang="en-US" sz="1500" dirty="0">
-                <a:solidFill>
-                  <a:srgbClr val="343433"/>
-                </a:solidFill>
-                <a:latin typeface="Futura light"/>
-              </a:rPr>
-              <a:t>Those technological systems are the ones  we want to implement in </a:t>
-            </a:r>
-            <a:r>
-              <a:rPr lang="en-US" sz="1600" b="1" dirty="0" err="1">
-                <a:solidFill>
-                  <a:srgbClr val="343433"/>
-                </a:solidFill>
-                <a:latin typeface="Futura medium"/>
-              </a:rPr>
-              <a:t>GreenWings</a:t>
-            </a:r>
-            <a:r>
-              <a:rPr lang="en-US" sz="1500" dirty="0">
-                <a:solidFill>
-                  <a:srgbClr val="343433"/>
-                </a:solidFill>
-                <a:latin typeface="Futura light"/>
-              </a:rPr>
-              <a:t>. </a:t>
-            </a:r>
-          </a:p>
-          <a:p>
-            <a:pPr marL="0" indent="0" algn="just" rtl="0">
-              <a:spcBef>
-                <a:spcPts val="0"/>
-              </a:spcBef>
-              <a:spcAft>
-                <a:spcPts val="0"/>
-              </a:spcAft>
-              <a:buNone/>
-            </a:pPr>
-            <a:endParaRPr lang="en-US" sz="1500" dirty="0">
-              <a:solidFill>
-                <a:srgbClr val="343433"/>
-              </a:solidFill>
-              <a:latin typeface="Futura light"/>
-            </a:endParaRPr>
-          </a:p>
-          <a:p>
-            <a:pPr marL="0" indent="0" algn="just" rtl="0">
-              <a:spcBef>
-                <a:spcPts val="0"/>
-              </a:spcBef>
-              <a:spcAft>
-                <a:spcPts val="0"/>
-              </a:spcAft>
-              <a:buNone/>
-            </a:pPr>
-            <a:r>
-              <a:rPr lang="en-US" sz="1500" dirty="0">
-                <a:solidFill>
-                  <a:srgbClr val="343433"/>
-                </a:solidFill>
-                <a:latin typeface="Futura light"/>
-              </a:rPr>
-              <a:t>Through these devices </a:t>
-            </a:r>
-            <a:r>
-              <a:rPr lang="en-US" sz="1600" b="1" dirty="0" err="1">
-                <a:solidFill>
-                  <a:srgbClr val="343433"/>
-                </a:solidFill>
-                <a:latin typeface="Futura medium"/>
-              </a:rPr>
-              <a:t>GreenWings</a:t>
-            </a:r>
-            <a:r>
-              <a:rPr lang="en-US" sz="1600" b="0" i="0" u="none" strike="noStrike" dirty="0">
-                <a:solidFill>
-                  <a:srgbClr val="343433"/>
-                </a:solidFill>
-                <a:effectLst/>
-                <a:latin typeface="Futura light"/>
-              </a:rPr>
-              <a:t> </a:t>
-            </a:r>
-            <a:r>
-              <a:rPr lang="en-US" sz="1500" dirty="0">
-                <a:solidFill>
-                  <a:srgbClr val="343433"/>
-                </a:solidFill>
-                <a:latin typeface="Futura light"/>
-              </a:rPr>
-              <a:t>will ensure that the waste inserted respects some standards. </a:t>
-            </a:r>
-          </a:p>
-          <a:p>
-            <a:pPr marL="0" indent="0" algn="just" rtl="0">
-              <a:spcBef>
-                <a:spcPts val="0"/>
-              </a:spcBef>
-              <a:spcAft>
-                <a:spcPts val="0"/>
-              </a:spcAft>
-              <a:buNone/>
-            </a:pPr>
-            <a:endParaRPr lang="en-US" sz="1500" dirty="0">
-              <a:solidFill>
-                <a:srgbClr val="343433"/>
-              </a:solidFill>
-              <a:latin typeface="Futura light"/>
-            </a:endParaRPr>
-          </a:p>
-          <a:p>
-            <a:pPr marL="0" indent="0" algn="just" rtl="0">
-              <a:spcBef>
-                <a:spcPts val="0"/>
-              </a:spcBef>
-              <a:spcAft>
-                <a:spcPts val="0"/>
-              </a:spcAft>
-              <a:buNone/>
-            </a:pPr>
-            <a:r>
-              <a:rPr lang="en-US" sz="1500" dirty="0">
-                <a:solidFill>
-                  <a:srgbClr val="343433"/>
-                </a:solidFill>
-                <a:latin typeface="Futura light"/>
-              </a:rPr>
-              <a:t>Each inserted waste is read and analyzed with a sensor, if the trash is respecting the desired </a:t>
-            </a:r>
-            <a:r>
-              <a:rPr lang="en-US" sz="1500" dirty="0" err="1">
-                <a:solidFill>
-                  <a:srgbClr val="343433"/>
-                </a:solidFill>
-                <a:latin typeface="Futura light"/>
-              </a:rPr>
-              <a:t>criterias</a:t>
-            </a:r>
-            <a:r>
-              <a:rPr lang="en-US" sz="1500" dirty="0">
-                <a:solidFill>
-                  <a:srgbClr val="343433"/>
-                </a:solidFill>
-                <a:latin typeface="Futura light"/>
-              </a:rPr>
-              <a:t> the process continues, otherwise the rectangular hole below the circular one gives the trash back.</a:t>
-            </a:r>
-          </a:p>
-          <a:p>
-            <a:pPr marL="0" indent="0" algn="just" rtl="0">
-              <a:spcBef>
-                <a:spcPts val="0"/>
-              </a:spcBef>
-              <a:spcAft>
-                <a:spcPts val="0"/>
-              </a:spcAft>
-              <a:buNone/>
-            </a:pPr>
-            <a:br>
-              <a:rPr lang="en-US" sz="1500" dirty="0">
-                <a:solidFill>
-                  <a:srgbClr val="343433"/>
-                </a:solidFill>
-                <a:latin typeface="Futura light"/>
-              </a:rPr>
-            </a:br>
-            <a:endParaRPr lang="it-IT" sz="1500" dirty="0">
-              <a:solidFill>
-                <a:srgbClr val="343433"/>
-              </a:solidFill>
-              <a:latin typeface="Futura light"/>
+              <a:effectLst/>
+              <a:uLnTx/>
+              <a:uFillTx/>
+              <a:latin typeface="Calibri" panose="020F0502020204030204"/>
+              <a:ea typeface="+mn-ea"/>
+              <a:cs typeface="+mn-cs"/>
             </a:endParaRPr>
           </a:p>
         </p:txBody>
       </p:sp>
+      <p:pic>
+        <p:nvPicPr>
+          <p:cNvPr id="9" name="Immagine 8" descr="Immagine che contiene testo&#10;&#10;Descrizione generata automaticamente">
+            <a:extLst>
+              <a:ext uri="{FF2B5EF4-FFF2-40B4-BE49-F238E27FC236}">
+                <a16:creationId xmlns:a16="http://schemas.microsoft.com/office/drawing/2014/main" id="{173B17E8-F046-4826-9ED0-7F9C51DB668C}"/>
+              </a:ext>
+            </a:extLst>
+          </p:cNvPr>
+          <p:cNvPicPr>
+            <a:picLocks noChangeAspect="1"/>
+          </p:cNvPicPr>
+          <p:nvPr/>
+        </p:nvPicPr>
+        <p:blipFill rotWithShape="1">
+          <a:blip r:embed="rId4">
+            <a:extLst>
+              <a:ext uri="{28A0092B-C50C-407E-A947-70E740481C1C}">
+                <a14:useLocalDpi xmlns:a14="http://schemas.microsoft.com/office/drawing/2010/main" val="0"/>
+              </a:ext>
+            </a:extLst>
+          </a:blip>
+          <a:srcRect l="9078" r="24566" b="2"/>
+          <a:stretch/>
+        </p:blipFill>
+        <p:spPr>
+          <a:xfrm>
+            <a:off x="9053088" y="4197217"/>
+            <a:ext cx="3138912" cy="2660795"/>
+          </a:xfrm>
+          <a:custGeom>
+            <a:avLst/>
+            <a:gdLst/>
+            <a:ahLst/>
+            <a:cxnLst/>
+            <a:rect l="l" t="t" r="r" b="b"/>
+            <a:pathLst>
+              <a:path w="3138912" h="2660795">
+                <a:moveTo>
+                  <a:pt x="1723644" y="0"/>
+                </a:moveTo>
+                <a:cubicBezTo>
+                  <a:pt x="2259111" y="0"/>
+                  <a:pt x="2737550" y="244172"/>
+                  <a:pt x="3053691" y="627247"/>
+                </a:cubicBezTo>
+                <a:lnTo>
+                  <a:pt x="3138912" y="741211"/>
+                </a:lnTo>
+                <a:lnTo>
+                  <a:pt x="3138912" y="2660795"/>
+                </a:lnTo>
+                <a:lnTo>
+                  <a:pt x="278239" y="2660795"/>
+                </a:lnTo>
+                <a:lnTo>
+                  <a:pt x="208035" y="2545235"/>
+                </a:lnTo>
+                <a:cubicBezTo>
+                  <a:pt x="75362" y="2301006"/>
+                  <a:pt x="0" y="2021126"/>
+                  <a:pt x="0" y="1723644"/>
+                </a:cubicBezTo>
+                <a:cubicBezTo>
+                  <a:pt x="0" y="771702"/>
+                  <a:pt x="771702" y="0"/>
+                  <a:pt x="1723644" y="0"/>
+                </a:cubicBezTo>
+                <a:close/>
+              </a:path>
+            </a:pathLst>
+          </a:custGeom>
+        </p:spPr>
+      </p:pic>
       <p:pic>
         <p:nvPicPr>
           <p:cNvPr id="4" name="Immagine 3">
@@ -9132,7 +10305,7 @@
           <p:nvPr/>
         </p:nvPicPr>
         <p:blipFill>
-          <a:blip r:embed="rId2"/>
+          <a:blip r:embed="rId5"/>
           <a:stretch>
             <a:fillRect/>
           </a:stretch>
@@ -9147,54 +10320,6 @@
           </a:prstGeom>
         </p:spPr>
       </p:pic>
-      <p:pic>
-        <p:nvPicPr>
-          <p:cNvPr id="1026" name="Picture 2">
-            <a:extLst>
-              <a:ext uri="{FF2B5EF4-FFF2-40B4-BE49-F238E27FC236}">
-                <a16:creationId xmlns:a16="http://schemas.microsoft.com/office/drawing/2014/main" id="{282DD4A9-F96E-463E-8711-FA332BEA4CA5}"/>
-              </a:ext>
-            </a:extLst>
-          </p:cNvPr>
-          <p:cNvPicPr>
-            <a:picLocks noChangeAspect="1" noChangeArrowheads="1"/>
-          </p:cNvPicPr>
-          <p:nvPr/>
-        </p:nvPicPr>
-        <p:blipFill>
-          <a:blip r:embed="rId3">
-            <a:alphaModFix amt="20000"/>
-            <a:extLst>
-              <a:ext uri="{28A0092B-C50C-407E-A947-70E740481C1C}">
-                <a14:useLocalDpi xmlns:a14="http://schemas.microsoft.com/office/drawing/2010/main" val="0"/>
-              </a:ext>
-            </a:extLst>
-          </a:blip>
-          <a:srcRect/>
-          <a:stretch>
-            <a:fillRect/>
-          </a:stretch>
-        </p:blipFill>
-        <p:spPr bwMode="auto">
-          <a:xfrm>
-            <a:off x="6410227" y="1081575"/>
-            <a:ext cx="5781773" cy="5776425"/>
-          </a:xfrm>
-          <a:prstGeom prst="rect">
-            <a:avLst/>
-          </a:prstGeom>
-          <a:noFill/>
-          <a:extLst>
-            <a:ext uri="{909E8E84-426E-40DD-AFC4-6F175D3DCCD1}">
-              <a14:hiddenFill xmlns:a14="http://schemas.microsoft.com/office/drawing/2010/main">
-                <a:solidFill>
-                  <a:srgbClr val="FFFFFF"/>
-                </a:solidFill>
-              </a14:hiddenFill>
-            </a:ext>
-          </a:extLst>
-        </p:spPr>
-      </p:pic>
     </p:spTree>
     <p:extLst>
       <p:ext uri="{BB962C8B-B14F-4D97-AF65-F5344CB8AC3E}">
@@ -9203,7 +10328,7 @@
     </p:extLst>
   </p:cSld>
   <p:clrMapOvr>
-    <a:masterClrMapping/>
+    <a:overrideClrMapping bg1="dk1" tx1="lt1" bg2="dk2" tx2="lt2" accent1="accent1" accent2="accent2" accent3="accent3" accent4="accent4" accent5="accent5" accent6="accent6" hlink="hlink" folHlink="folHlink"/>
   </p:clrMapOvr>
 </p:sld>
 </file>
@@ -9211,6 +10336,14 @@
 <file path=ppt/slides/slide5.xml><?xml version="1.0" encoding="utf-8"?>
 <p:sld xmlns:a="http://schemas.openxmlformats.org/drawingml/2006/main" xmlns:r="http://schemas.openxmlformats.org/officeDocument/2006/relationships" xmlns:p="http://schemas.openxmlformats.org/presentationml/2006/main">
   <p:cSld>
+    <p:bg>
+      <p:bgPr>
+        <a:solidFill>
+          <a:schemeClr val="tx1"/>
+        </a:solidFill>
+        <a:effectLst/>
+      </p:bgPr>
+    </p:bg>
     <p:spTree>
       <p:nvGrpSpPr>
         <p:cNvPr id="1" name=""/>
@@ -9241,13 +10374,23 @@
             <p:ph type="title"/>
           </p:nvPr>
         </p:nvSpPr>
-        <p:spPr/>
+        <p:spPr>
+          <a:xfrm>
+            <a:off x="6096000" y="618076"/>
+            <a:ext cx="5034783" cy="1325563"/>
+          </a:xfrm>
+        </p:spPr>
         <p:txBody>
-          <a:bodyPr/>
+          <a:bodyPr>
+            <a:normAutofit/>
+          </a:bodyPr>
           <a:lstStyle/>
           <a:p>
             <a:r>
-              <a:rPr lang="it-IT" b="1" spc="-100" dirty="0">
+              <a:rPr lang="it-IT" sz="4100" b="1" spc="-100" dirty="0">
+                <a:solidFill>
+                  <a:schemeClr val="bg1"/>
+                </a:solidFill>
                 <a:latin typeface="Futura"/>
               </a:rPr>
               <a:t>DESIGN AND TECHNICAL ASPECTS</a:t>
@@ -9255,6 +10398,396 @@
           </a:p>
         </p:txBody>
       </p:sp>
+      <p:sp>
+        <p:nvSpPr>
+          <p:cNvPr id="34" name="Freeform: Shape 33">
+            <a:extLst>
+              <a:ext uri="{FF2B5EF4-FFF2-40B4-BE49-F238E27FC236}">
+                <a16:creationId xmlns:a16="http://schemas.microsoft.com/office/drawing/2014/main" id="{DCFD1A13-2B88-47B7-AAE9-AD6F3296EE2F}"/>
+              </a:ext>
+              <a:ext uri="{C183D7F6-B498-43B3-948B-1728B52AA6E4}">
+                <adec:decorative xmlns:adec="http://schemas.microsoft.com/office/drawing/2017/decorative" val="1"/>
+              </a:ext>
+            </a:extLst>
+          </p:cNvPr>
+          <p:cNvSpPr>
+            <a:spLocks noGrp="1" noRot="1" noChangeAspect="1" noMove="1" noResize="1" noEditPoints="1" noAdjustHandles="1" noChangeArrowheads="1" noChangeShapeType="1" noTextEdit="1"/>
+          </p:cNvSpPr>
+          <p:nvPr>
+            <p:extLst>
+              <p:ext uri="{386F3935-93C4-4BCD-93E2-E3B085C9AB24}">
+                <p16:designElem xmlns:p16="http://schemas.microsoft.com/office/powerpoint/2015/main" val="1"/>
+              </p:ext>
+            </p:extLst>
+          </p:nvPr>
+        </p:nvSpPr>
+        <p:spPr>
+          <a:xfrm flipH="1">
+            <a:off x="0" y="0"/>
+            <a:ext cx="6172782" cy="6858000"/>
+          </a:xfrm>
+          <a:custGeom>
+            <a:avLst/>
+            <a:gdLst>
+              <a:gd name="connsiteX0" fmla="*/ 6172782 w 6172782"/>
+              <a:gd name="connsiteY0" fmla="*/ 0 h 6858000"/>
+              <a:gd name="connsiteX1" fmla="*/ 69075 w 6172782"/>
+              <a:gd name="connsiteY1" fmla="*/ 0 h 6858000"/>
+              <a:gd name="connsiteX2" fmla="*/ 35131 w 6172782"/>
+              <a:gd name="connsiteY2" fmla="*/ 267128 h 6858000"/>
+              <a:gd name="connsiteX3" fmla="*/ 0 w 6172782"/>
+              <a:gd name="connsiteY3" fmla="*/ 962845 h 6858000"/>
+              <a:gd name="connsiteX4" fmla="*/ 3276103 w 6172782"/>
+              <a:gd name="connsiteY4" fmla="*/ 6782205 h 6858000"/>
+              <a:gd name="connsiteX5" fmla="*/ 3407923 w 6172782"/>
+              <a:gd name="connsiteY5" fmla="*/ 6858000 h 6858000"/>
+              <a:gd name="connsiteX6" fmla="*/ 6172782 w 6172782"/>
+              <a:gd name="connsiteY6" fmla="*/ 6858000 h 6858000"/>
+            </a:gdLst>
+            <a:ahLst/>
+            <a:cxnLst>
+              <a:cxn ang="0">
+                <a:pos x="connsiteX0" y="connsiteY0"/>
+              </a:cxn>
+              <a:cxn ang="0">
+                <a:pos x="connsiteX1" y="connsiteY1"/>
+              </a:cxn>
+              <a:cxn ang="0">
+                <a:pos x="connsiteX2" y="connsiteY2"/>
+              </a:cxn>
+              <a:cxn ang="0">
+                <a:pos x="connsiteX3" y="connsiteY3"/>
+              </a:cxn>
+              <a:cxn ang="0">
+                <a:pos x="connsiteX4" y="connsiteY4"/>
+              </a:cxn>
+              <a:cxn ang="0">
+                <a:pos x="connsiteX5" y="connsiteY5"/>
+              </a:cxn>
+              <a:cxn ang="0">
+                <a:pos x="connsiteX6" y="connsiteY6"/>
+              </a:cxn>
+            </a:cxnLst>
+            <a:rect l="l" t="t" r="r" b="b"/>
+            <a:pathLst>
+              <a:path w="6172782" h="6858000">
+                <a:moveTo>
+                  <a:pt x="6172782" y="0"/>
+                </a:moveTo>
+                <a:lnTo>
+                  <a:pt x="69075" y="0"/>
+                </a:lnTo>
+                <a:lnTo>
+                  <a:pt x="35131" y="267128"/>
+                </a:lnTo>
+                <a:cubicBezTo>
+                  <a:pt x="11901" y="495874"/>
+                  <a:pt x="0" y="727970"/>
+                  <a:pt x="0" y="962845"/>
+                </a:cubicBezTo>
+                <a:cubicBezTo>
+                  <a:pt x="0" y="3429034"/>
+                  <a:pt x="1312002" y="5588789"/>
+                  <a:pt x="3276103" y="6782205"/>
+                </a:cubicBezTo>
+                <a:lnTo>
+                  <a:pt x="3407923" y="6858000"/>
+                </a:lnTo>
+                <a:lnTo>
+                  <a:pt x="6172782" y="6858000"/>
+                </a:lnTo>
+                <a:close/>
+              </a:path>
+            </a:pathLst>
+          </a:custGeom>
+          <a:solidFill>
+            <a:srgbClr val="FFFFFF">
+              <a:alpha val="80000"/>
+            </a:srgbClr>
+          </a:solidFill>
+          <a:ln>
+            <a:noFill/>
+          </a:ln>
+        </p:spPr>
+        <p:style>
+          <a:lnRef idx="2">
+            <a:schemeClr val="accent1">
+              <a:shade val="50000"/>
+            </a:schemeClr>
+          </a:lnRef>
+          <a:fillRef idx="1">
+            <a:schemeClr val="accent1"/>
+          </a:fillRef>
+          <a:effectRef idx="0">
+            <a:schemeClr val="accent1"/>
+          </a:effectRef>
+          <a:fontRef idx="minor">
+            <a:schemeClr val="lt1"/>
+          </a:fontRef>
+        </p:style>
+        <p:txBody>
+          <a:bodyPr wrap="square" rtlCol="0" anchor="ctr">
+            <a:noAutofit/>
+          </a:bodyPr>
+          <a:lstStyle/>
+          <a:p>
+            <a:pPr marL="0" marR="0" lvl="0" indent="0" algn="ctr" defTabSz="914400" rtl="0" eaLnBrk="1" fontAlgn="auto" latinLnBrk="0" hangingPunct="1">
+              <a:lnSpc>
+                <a:spcPct val="100000"/>
+              </a:lnSpc>
+              <a:spcBef>
+                <a:spcPts val="0"/>
+              </a:spcBef>
+              <a:spcAft>
+                <a:spcPts val="0"/>
+              </a:spcAft>
+              <a:buClrTx/>
+              <a:buSzTx/>
+              <a:buFontTx/>
+              <a:buNone/>
+              <a:tabLst/>
+              <a:defRPr/>
+            </a:pPr>
+            <a:endParaRPr kumimoji="0" lang="en-US" sz="1800" b="0" i="0" u="none" strike="noStrike" kern="1200" cap="none" spc="0" normalizeH="0" baseline="0" noProof="0">
+              <a:ln>
+                <a:noFill/>
+              </a:ln>
+              <a:solidFill>
+                <a:prstClr val="white"/>
+              </a:solidFill>
+              <a:effectLst/>
+              <a:uLnTx/>
+              <a:uFillTx/>
+              <a:latin typeface="Calibri" panose="020F0502020204030204"/>
+              <a:ea typeface="+mn-ea"/>
+              <a:cs typeface="+mn-cs"/>
+            </a:endParaRPr>
+          </a:p>
+        </p:txBody>
+      </p:sp>
+      <p:sp>
+        <p:nvSpPr>
+          <p:cNvPr id="36" name="Freeform: Shape 35">
+            <a:extLst>
+              <a:ext uri="{FF2B5EF4-FFF2-40B4-BE49-F238E27FC236}">
+                <a16:creationId xmlns:a16="http://schemas.microsoft.com/office/drawing/2014/main" id="{F5CE4102-C93A-420A-98A7-5A7DD0C5C5B1}"/>
+              </a:ext>
+              <a:ext uri="{C183D7F6-B498-43B3-948B-1728B52AA6E4}">
+                <adec:decorative xmlns:adec="http://schemas.microsoft.com/office/drawing/2017/decorative" val="1"/>
+              </a:ext>
+            </a:extLst>
+          </p:cNvPr>
+          <p:cNvSpPr>
+            <a:spLocks noGrp="1" noRot="1" noChangeAspect="1" noMove="1" noResize="1" noEditPoints="1" noAdjustHandles="1" noChangeArrowheads="1" noChangeShapeType="1" noTextEdit="1"/>
+          </p:cNvSpPr>
+          <p:nvPr>
+            <p:extLst>
+              <p:ext uri="{386F3935-93C4-4BCD-93E2-E3B085C9AB24}">
+                <p16:designElem xmlns:p16="http://schemas.microsoft.com/office/powerpoint/2015/main" val="1"/>
+              </p:ext>
+            </p:extLst>
+          </p:nvPr>
+        </p:nvSpPr>
+        <p:spPr>
+          <a:xfrm flipH="1">
+            <a:off x="0" y="0"/>
+            <a:ext cx="6024154" cy="6858000"/>
+          </a:xfrm>
+          <a:custGeom>
+            <a:avLst/>
+            <a:gdLst>
+              <a:gd name="connsiteX0" fmla="*/ 70374 w 6024154"/>
+              <a:gd name="connsiteY0" fmla="*/ 0 h 6858000"/>
+              <a:gd name="connsiteX1" fmla="*/ 6024154 w 6024154"/>
+              <a:gd name="connsiteY1" fmla="*/ 0 h 6858000"/>
+              <a:gd name="connsiteX2" fmla="*/ 6024154 w 6024154"/>
+              <a:gd name="connsiteY2" fmla="*/ 6858000 h 6858000"/>
+              <a:gd name="connsiteX3" fmla="*/ 3587167 w 6024154"/>
+              <a:gd name="connsiteY3" fmla="*/ 6858000 h 6858000"/>
+              <a:gd name="connsiteX4" fmla="*/ 3474220 w 6024154"/>
+              <a:gd name="connsiteY4" fmla="*/ 6800152 h 6858000"/>
+              <a:gd name="connsiteX5" fmla="*/ 0 w 6024154"/>
+              <a:gd name="connsiteY5" fmla="*/ 962844 h 6858000"/>
+              <a:gd name="connsiteX6" fmla="*/ 34274 w 6024154"/>
+              <a:gd name="connsiteY6" fmla="*/ 284091 h 6858000"/>
+            </a:gdLst>
+            <a:ahLst/>
+            <a:cxnLst>
+              <a:cxn ang="0">
+                <a:pos x="connsiteX0" y="connsiteY0"/>
+              </a:cxn>
+              <a:cxn ang="0">
+                <a:pos x="connsiteX1" y="connsiteY1"/>
+              </a:cxn>
+              <a:cxn ang="0">
+                <a:pos x="connsiteX2" y="connsiteY2"/>
+              </a:cxn>
+              <a:cxn ang="0">
+                <a:pos x="connsiteX3" y="connsiteY3"/>
+              </a:cxn>
+              <a:cxn ang="0">
+                <a:pos x="connsiteX4" y="connsiteY4"/>
+              </a:cxn>
+              <a:cxn ang="0">
+                <a:pos x="connsiteX5" y="connsiteY5"/>
+              </a:cxn>
+              <a:cxn ang="0">
+                <a:pos x="connsiteX6" y="connsiteY6"/>
+              </a:cxn>
+            </a:cxnLst>
+            <a:rect l="l" t="t" r="r" b="b"/>
+            <a:pathLst>
+              <a:path w="6024154" h="6858000">
+                <a:moveTo>
+                  <a:pt x="70374" y="0"/>
+                </a:moveTo>
+                <a:lnTo>
+                  <a:pt x="6024154" y="0"/>
+                </a:lnTo>
+                <a:lnTo>
+                  <a:pt x="6024154" y="6858000"/>
+                </a:lnTo>
+                <a:lnTo>
+                  <a:pt x="3587167" y="6858000"/>
+                </a:lnTo>
+                <a:lnTo>
+                  <a:pt x="3474220" y="6800152"/>
+                </a:lnTo>
+                <a:cubicBezTo>
+                  <a:pt x="1404818" y="5675986"/>
+                  <a:pt x="0" y="3483472"/>
+                  <a:pt x="0" y="962844"/>
+                </a:cubicBezTo>
+                <a:cubicBezTo>
+                  <a:pt x="0" y="733696"/>
+                  <a:pt x="11610" y="507260"/>
+                  <a:pt x="34274" y="284091"/>
+                </a:cubicBezTo>
+                <a:close/>
+              </a:path>
+            </a:pathLst>
+          </a:custGeom>
+          <a:solidFill>
+            <a:schemeClr val="tx1"/>
+          </a:solidFill>
+          <a:ln>
+            <a:noFill/>
+          </a:ln>
+        </p:spPr>
+        <p:style>
+          <a:lnRef idx="2">
+            <a:schemeClr val="accent1">
+              <a:shade val="50000"/>
+            </a:schemeClr>
+          </a:lnRef>
+          <a:fillRef idx="1">
+            <a:schemeClr val="accent1"/>
+          </a:fillRef>
+          <a:effectRef idx="0">
+            <a:schemeClr val="accent1"/>
+          </a:effectRef>
+          <a:fontRef idx="minor">
+            <a:schemeClr val="lt1"/>
+          </a:fontRef>
+        </p:style>
+        <p:txBody>
+          <a:bodyPr rtlCol="0" anchor="ctr"/>
+          <a:lstStyle/>
+          <a:p>
+            <a:pPr marL="0" marR="0" lvl="0" indent="0" algn="ctr" defTabSz="914400" rtl="0" eaLnBrk="1" fontAlgn="auto" latinLnBrk="0" hangingPunct="1">
+              <a:lnSpc>
+                <a:spcPct val="100000"/>
+              </a:lnSpc>
+              <a:spcBef>
+                <a:spcPts val="0"/>
+              </a:spcBef>
+              <a:spcAft>
+                <a:spcPts val="0"/>
+              </a:spcAft>
+              <a:buClrTx/>
+              <a:buSzTx/>
+              <a:buFontTx/>
+              <a:buNone/>
+              <a:tabLst/>
+              <a:defRPr/>
+            </a:pPr>
+            <a:endParaRPr kumimoji="0" lang="en-US" sz="1800" b="0" i="0" u="none" strike="noStrike" kern="1200" cap="none" spc="0" normalizeH="0" baseline="0" noProof="0">
+              <a:ln>
+                <a:noFill/>
+              </a:ln>
+              <a:solidFill>
+                <a:prstClr val="white"/>
+              </a:solidFill>
+              <a:effectLst/>
+              <a:uLnTx/>
+              <a:uFillTx/>
+              <a:latin typeface="Calibri" panose="020F0502020204030204"/>
+              <a:ea typeface="+mn-ea"/>
+              <a:cs typeface="+mn-cs"/>
+            </a:endParaRPr>
+          </a:p>
+        </p:txBody>
+      </p:sp>
+      <p:pic>
+        <p:nvPicPr>
+          <p:cNvPr id="29" name="Immagine 28">
+            <a:extLst>
+              <a:ext uri="{FF2B5EF4-FFF2-40B4-BE49-F238E27FC236}">
+                <a16:creationId xmlns:a16="http://schemas.microsoft.com/office/drawing/2014/main" id="{A9F01039-C731-4F3A-BA80-0FF0CA45FB28}"/>
+              </a:ext>
+            </a:extLst>
+          </p:cNvPr>
+          <p:cNvPicPr>
+            <a:picLocks noChangeAspect="1"/>
+          </p:cNvPicPr>
+          <p:nvPr/>
+        </p:nvPicPr>
+        <p:blipFill>
+          <a:blip r:embed="rId2"/>
+          <a:stretch>
+            <a:fillRect/>
+          </a:stretch>
+        </p:blipFill>
+        <p:spPr>
+          <a:xfrm>
+            <a:off x="429767" y="450403"/>
+            <a:ext cx="4811267" cy="2670253"/>
+          </a:xfrm>
+          <a:prstGeom prst="rect">
+            <a:avLst/>
+          </a:prstGeom>
+        </p:spPr>
+      </p:pic>
+      <p:pic>
+        <p:nvPicPr>
+          <p:cNvPr id="28" name="Immagine 27">
+            <a:extLst>
+              <a:ext uri="{FF2B5EF4-FFF2-40B4-BE49-F238E27FC236}">
+                <a16:creationId xmlns:a16="http://schemas.microsoft.com/office/drawing/2014/main" id="{7F699A0E-ECD3-44C3-B3EB-49799E3EDC28}"/>
+              </a:ext>
+            </a:extLst>
+          </p:cNvPr>
+          <p:cNvPicPr>
+            <a:picLocks noChangeAspect="1"/>
+          </p:cNvPicPr>
+          <p:nvPr/>
+        </p:nvPicPr>
+        <p:blipFill>
+          <a:blip r:embed="rId3"/>
+          <a:stretch>
+            <a:fillRect/>
+          </a:stretch>
+        </p:blipFill>
+        <p:spPr>
+          <a:xfrm>
+            <a:off x="1863176" y="3737345"/>
+            <a:ext cx="2773986" cy="2323213"/>
+          </a:xfrm>
+          <a:prstGeom prst="rect">
+            <a:avLst/>
+          </a:prstGeom>
+        </p:spPr>
+      </p:pic>
       <p:sp>
         <p:nvSpPr>
           <p:cNvPr id="3" name="Segnaposto contenuto 2">
@@ -9273,13 +10806,13 @@
         </p:nvSpPr>
         <p:spPr>
           <a:xfrm>
-            <a:off x="838200" y="1608808"/>
-            <a:ext cx="7099169" cy="4351338"/>
+            <a:off x="6102383" y="1943639"/>
+            <a:ext cx="5659850" cy="4671169"/>
           </a:xfrm>
         </p:spPr>
         <p:txBody>
-          <a:bodyPr>
-            <a:normAutofit lnSpcReduction="10000"/>
+          <a:bodyPr anchor="t">
+            <a:normAutofit fontScale="92500" lnSpcReduction="10000"/>
           </a:bodyPr>
           <a:lstStyle/>
           <a:p>
@@ -9288,14 +10821,14 @@
                 <a:spcPts val="0"/>
               </a:spcBef>
               <a:spcAft>
-                <a:spcPts val="0"/>
+                <a:spcPts val="600"/>
               </a:spcAft>
               <a:buNone/>
             </a:pPr>
             <a:r>
-              <a:rPr lang="en-US" sz="1400" dirty="0">
-                <a:solidFill>
-                  <a:srgbClr val="343433"/>
+              <a:rPr lang="en-US" sz="1300" dirty="0">
+                <a:solidFill>
+                  <a:schemeClr val="bg1"/>
                 </a:solidFill>
                 <a:latin typeface="Futura light"/>
               </a:rPr>
@@ -9308,13 +10841,13 @@
                 <a:spcPts val="0"/>
               </a:spcBef>
               <a:spcAft>
-                <a:spcPts val="0"/>
+                <a:spcPts val="600"/>
               </a:spcAft>
               <a:buNone/>
             </a:pPr>
-            <a:endParaRPr lang="en-US" sz="1400" dirty="0">
+            <a:endParaRPr lang="en-US" sz="1300" dirty="0">
               <a:solidFill>
-                <a:srgbClr val="343433"/>
+                <a:schemeClr val="bg1"/>
               </a:solidFill>
               <a:latin typeface="Futura light"/>
             </a:endParaRPr>
@@ -9325,14 +10858,14 @@
                 <a:spcPts val="0"/>
               </a:spcBef>
               <a:spcAft>
-                <a:spcPts val="0"/>
+                <a:spcPts val="600"/>
               </a:spcAft>
               <a:buNone/>
             </a:pPr>
             <a:r>
-              <a:rPr lang="en-US" sz="1400" dirty="0">
-                <a:solidFill>
-                  <a:srgbClr val="343433"/>
+              <a:rPr lang="en-US" sz="1300" dirty="0">
+                <a:solidFill>
+                  <a:schemeClr val="bg1"/>
                 </a:solidFill>
                 <a:latin typeface="Futura light"/>
               </a:rPr>
@@ -9345,40 +10878,40 @@
                 <a:spcPts val="0"/>
               </a:spcBef>
               <a:spcAft>
-                <a:spcPts val="0"/>
+                <a:spcPts val="600"/>
               </a:spcAft>
               <a:buNone/>
             </a:pPr>
             <a:br>
-              <a:rPr lang="en-US" sz="1400" dirty="0">
-                <a:solidFill>
-                  <a:srgbClr val="343433"/>
+              <a:rPr lang="en-US" sz="1300" dirty="0">
+                <a:solidFill>
+                  <a:schemeClr val="bg1"/>
                 </a:solidFill>
                 <a:latin typeface="Futura light"/>
               </a:rPr>
             </a:br>
             <a:r>
-              <a:rPr lang="en-US" sz="1400" b="1" dirty="0" err="1">
-                <a:solidFill>
-                  <a:srgbClr val="343433"/>
+              <a:rPr lang="en-US" sz="1300" b="1" dirty="0" err="1">
+                <a:solidFill>
+                  <a:schemeClr val="bg1"/>
                 </a:solidFill>
                 <a:latin typeface="Futura medium"/>
               </a:rPr>
               <a:t>GreenWings</a:t>
             </a:r>
             <a:r>
-              <a:rPr lang="en-US" sz="1400" b="1" dirty="0">
-                <a:solidFill>
-                  <a:srgbClr val="343433"/>
+              <a:rPr lang="en-US" sz="1300" b="1" dirty="0">
+                <a:solidFill>
+                  <a:schemeClr val="bg1"/>
                 </a:solidFill>
                 <a:latin typeface="Futura medium"/>
               </a:rPr>
               <a:t> </a:t>
             </a:r>
             <a:r>
-              <a:rPr lang="en-US" sz="1400" dirty="0">
-                <a:solidFill>
-                  <a:srgbClr val="343433"/>
+              <a:rPr lang="en-US" sz="1300" dirty="0">
+                <a:solidFill>
+                  <a:schemeClr val="bg1"/>
                 </a:solidFill>
                 <a:latin typeface="Futura light"/>
               </a:rPr>
@@ -9391,49 +10924,49 @@
                 <a:spcPts val="0"/>
               </a:spcBef>
               <a:spcAft>
-                <a:spcPts val="0"/>
+                <a:spcPts val="600"/>
               </a:spcAft>
               <a:buNone/>
             </a:pPr>
             <a:br>
-              <a:rPr lang="en-US" sz="1400" dirty="0">
-                <a:solidFill>
-                  <a:srgbClr val="343433"/>
+              <a:rPr lang="en-US" sz="1300" dirty="0">
+                <a:solidFill>
+                  <a:schemeClr val="bg1"/>
                 </a:solidFill>
                 <a:latin typeface="Futura light"/>
               </a:rPr>
             </a:br>
             <a:r>
-              <a:rPr lang="en-US" sz="1400" dirty="0">
-                <a:solidFill>
-                  <a:srgbClr val="343433"/>
+              <a:rPr lang="en-US" sz="1300" dirty="0">
+                <a:solidFill>
+                  <a:schemeClr val="bg1"/>
                 </a:solidFill>
                 <a:latin typeface="Futura light"/>
               </a:rPr>
               <a:t>But it’s not all, the interaction is also doubled!  </a:t>
             </a:r>
             <a:r>
-              <a:rPr lang="en-US" sz="1400" b="1" dirty="0" err="1">
-                <a:solidFill>
-                  <a:srgbClr val="343433"/>
+              <a:rPr lang="en-US" sz="1300" b="1" dirty="0" err="1">
+                <a:solidFill>
+                  <a:schemeClr val="bg1"/>
                 </a:solidFill>
                 <a:latin typeface="Futura medium"/>
               </a:rPr>
               <a:t>GreenWings</a:t>
             </a:r>
             <a:r>
-              <a:rPr lang="en-US" sz="1400" b="1" dirty="0">
-                <a:solidFill>
-                  <a:srgbClr val="343433"/>
+              <a:rPr lang="en-US" sz="1300" b="1" dirty="0">
+                <a:solidFill>
+                  <a:schemeClr val="bg1"/>
                 </a:solidFill>
                 <a:latin typeface="Futura medium"/>
               </a:rPr>
               <a:t> </a:t>
             </a:r>
             <a:r>
-              <a:rPr lang="en-US" sz="1400" dirty="0">
-                <a:solidFill>
-                  <a:srgbClr val="343433"/>
+              <a:rPr lang="en-US" sz="1300" dirty="0">
+                <a:solidFill>
+                  <a:schemeClr val="bg1"/>
                 </a:solidFill>
                 <a:latin typeface="Futura light"/>
               </a:rPr>
@@ -9446,40 +10979,40 @@
                 <a:spcPts val="0"/>
               </a:spcBef>
               <a:spcAft>
-                <a:spcPts val="0"/>
+                <a:spcPts val="600"/>
               </a:spcAft>
               <a:buNone/>
             </a:pPr>
             <a:br>
-              <a:rPr lang="en-US" sz="1400" dirty="0">
-                <a:solidFill>
-                  <a:srgbClr val="343433"/>
+              <a:rPr lang="en-US" sz="1300" dirty="0">
+                <a:solidFill>
+                  <a:schemeClr val="bg1"/>
                 </a:solidFill>
                 <a:latin typeface="Futura light"/>
               </a:rPr>
             </a:br>
             <a:r>
-              <a:rPr lang="en-US" sz="1400" dirty="0">
-                <a:solidFill>
-                  <a:srgbClr val="343433"/>
+              <a:rPr lang="en-US" sz="1300" dirty="0">
+                <a:solidFill>
+                  <a:schemeClr val="bg1"/>
                 </a:solidFill>
                 <a:latin typeface="Futura light"/>
               </a:rPr>
               <a:t>To conclude, on both lateral sides there is the logo of </a:t>
             </a:r>
             <a:r>
-              <a:rPr lang="en-US" sz="1400" dirty="0" err="1">
-                <a:solidFill>
-                  <a:srgbClr val="343433"/>
+              <a:rPr lang="en-US" sz="1300" dirty="0" err="1">
+                <a:solidFill>
+                  <a:schemeClr val="bg1"/>
                 </a:solidFill>
                 <a:latin typeface="Futura light"/>
               </a:rPr>
               <a:t>redbull</a:t>
             </a:r>
             <a:r>
-              <a:rPr lang="en-US" sz="1400" dirty="0">
-                <a:solidFill>
-                  <a:srgbClr val="343433"/>
+              <a:rPr lang="en-US" sz="1300" dirty="0">
+                <a:solidFill>
+                  <a:schemeClr val="bg1"/>
                 </a:solidFill>
                 <a:latin typeface="Futura light"/>
               </a:rPr>
@@ -9487,27 +11020,21 @@
             </a:r>
           </a:p>
           <a:p>
-            <a:pPr marL="0" indent="0" algn="just" rtl="0">
+            <a:pPr marL="0" indent="0" rtl="0">
               <a:spcBef>
                 <a:spcPts val="0"/>
               </a:spcBef>
               <a:spcAft>
-                <a:spcPts val="0"/>
+                <a:spcPts val="600"/>
               </a:spcAft>
               <a:buNone/>
             </a:pPr>
             <a:br>
-              <a:rPr lang="en-US" sz="1400" dirty="0">
-                <a:solidFill>
-                  <a:srgbClr val="343433"/>
-                </a:solidFill>
+              <a:rPr lang="en-US" sz="700" dirty="0">
                 <a:latin typeface="Futura light"/>
               </a:rPr>
             </a:br>
-            <a:endParaRPr lang="it-IT" sz="1400" dirty="0">
-              <a:solidFill>
-                <a:srgbClr val="343433"/>
-              </a:solidFill>
+            <a:endParaRPr lang="it-IT" sz="700" dirty="0">
               <a:latin typeface="Futura light"/>
             </a:endParaRPr>
           </a:p>
@@ -9528,7 +11055,7 @@
           <p:nvPr/>
         </p:nvPicPr>
         <p:blipFill>
-          <a:blip r:embed="rId2"/>
+          <a:blip r:embed="rId4"/>
           <a:stretch>
             <a:fillRect/>
           </a:stretch>
@@ -9551,7 +11078,7 @@
     </p:extLst>
   </p:cSld>
   <p:clrMapOvr>
-    <a:masterClrMapping/>
+    <a:overrideClrMapping bg1="dk1" tx1="lt1" bg2="dk2" tx2="lt2" accent1="accent1" accent2="accent2" accent3="accent3" accent4="accent4" accent5="accent5" accent6="accent6" hlink="hlink" folHlink="folHlink"/>
   </p:clrMapOvr>
 </p:sld>
 </file>
@@ -9575,337 +11102,10 @@
       </p:grpSpPr>
       <p:sp>
         <p:nvSpPr>
-          <p:cNvPr id="2" name="Titolo 1">
-            <a:extLst>
-              <a:ext uri="{FF2B5EF4-FFF2-40B4-BE49-F238E27FC236}">
-                <a16:creationId xmlns:a16="http://schemas.microsoft.com/office/drawing/2014/main" id="{9661D018-2E43-4365-B471-EFD7EA89EEB2}"/>
-              </a:ext>
-            </a:extLst>
-          </p:cNvPr>
-          <p:cNvSpPr>
-            <a:spLocks noGrp="1"/>
-          </p:cNvSpPr>
-          <p:nvPr>
-            <p:ph type="title"/>
-          </p:nvPr>
-        </p:nvSpPr>
-        <p:spPr/>
-        <p:txBody>
-          <a:bodyPr/>
-          <a:lstStyle/>
-          <a:p>
-            <a:r>
-              <a:rPr lang="it-IT" b="1" spc="-100" dirty="0">
-                <a:latin typeface="Futura"/>
-              </a:rPr>
-              <a:t>HOW IT WORKS – THE WORKFLOW</a:t>
-            </a:r>
-          </a:p>
-        </p:txBody>
-      </p:sp>
-      <p:sp>
-        <p:nvSpPr>
-          <p:cNvPr id="3" name="Segnaposto contenuto 2">
-            <a:extLst>
-              <a:ext uri="{FF2B5EF4-FFF2-40B4-BE49-F238E27FC236}">
-                <a16:creationId xmlns:a16="http://schemas.microsoft.com/office/drawing/2014/main" id="{B201C97D-ECBA-4564-AACA-3F88722EB828}"/>
-              </a:ext>
-            </a:extLst>
-          </p:cNvPr>
-          <p:cNvSpPr>
-            <a:spLocks noGrp="1"/>
-          </p:cNvSpPr>
-          <p:nvPr>
-            <p:ph idx="1"/>
-          </p:nvPr>
-        </p:nvSpPr>
-        <p:spPr>
-          <a:xfrm>
-            <a:off x="838200" y="1825625"/>
-            <a:ext cx="11097638" cy="4351338"/>
-          </a:xfrm>
-        </p:spPr>
-        <p:txBody>
-          <a:bodyPr numCol="2">
-            <a:normAutofit/>
-          </a:bodyPr>
-          <a:lstStyle/>
-          <a:p>
-            <a:pPr marL="0" indent="0" algn="just">
-              <a:buNone/>
-            </a:pPr>
-            <a:r>
-              <a:rPr lang="en-US" sz="1500" dirty="0">
-                <a:solidFill>
-                  <a:srgbClr val="343433"/>
-                </a:solidFill>
-                <a:latin typeface="Futura light"/>
-              </a:rPr>
-              <a:t>Our item is designed for any type of user at an event, of any size. The object is immediately visible and its design encourages the user to get closer. Thanks to a very intuitive interface, the person will immediately know what he has to do: first, introduce the waste inside the hole that will be in front of him.</a:t>
-            </a:r>
-          </a:p>
-          <a:p>
-            <a:pPr marL="0" indent="0" algn="just">
-              <a:buNone/>
-            </a:pPr>
-            <a:r>
-              <a:rPr lang="en-US" sz="1500" dirty="0">
-                <a:solidFill>
-                  <a:srgbClr val="343433"/>
-                </a:solidFill>
-                <a:latin typeface="Futura light"/>
-              </a:rPr>
-              <a:t>Then, after the machine has recognized the item, he will be asked to confirm the type of garbage, if the garbage respects the standards to be recycled, it will be transported to the appropriate bin.</a:t>
-            </a:r>
-          </a:p>
-          <a:p>
-            <a:pPr marL="0" indent="0" algn="just">
-              <a:buNone/>
-            </a:pPr>
-            <a:r>
-              <a:rPr lang="en-US" sz="1500" dirty="0">
-                <a:solidFill>
-                  <a:srgbClr val="343433"/>
-                </a:solidFill>
-                <a:latin typeface="Futura light"/>
-              </a:rPr>
-              <a:t>While this process happens, the customer will be able to continue interacting with the interface.</a:t>
-            </a:r>
-          </a:p>
-          <a:p>
-            <a:pPr marL="0" indent="0" algn="just">
-              <a:buNone/>
-            </a:pPr>
-            <a:endParaRPr lang="en-US" sz="1500" dirty="0">
-              <a:solidFill>
-                <a:srgbClr val="343433"/>
-              </a:solidFill>
-              <a:latin typeface="Futura light"/>
-            </a:endParaRPr>
-          </a:p>
-          <a:p>
-            <a:pPr marL="0" indent="0" algn="just">
-              <a:buNone/>
-            </a:pPr>
-            <a:r>
-              <a:rPr lang="en-US" sz="1500" dirty="0">
-                <a:solidFill>
-                  <a:srgbClr val="343433"/>
-                </a:solidFill>
-                <a:latin typeface="Futura light"/>
-              </a:rPr>
-              <a:t>Each piece of trash he introduces is associated with “Wings” (our tokens), which can be redeemed immediately, by participating in charitable donations for the improvement of the environment, or collected through an app to win extraordinary experiences.</a:t>
-            </a:r>
-          </a:p>
-          <a:p>
-            <a:pPr marL="0" indent="0">
-              <a:buNone/>
-            </a:pPr>
-            <a:endParaRPr lang="it-IT" dirty="0"/>
-          </a:p>
-        </p:txBody>
-      </p:sp>
-      <p:pic>
-        <p:nvPicPr>
-          <p:cNvPr id="6" name="Elemento grafico 5" descr="Badge 1 con riempimento a tinta unita">
-            <a:extLst>
-              <a:ext uri="{FF2B5EF4-FFF2-40B4-BE49-F238E27FC236}">
-                <a16:creationId xmlns:a16="http://schemas.microsoft.com/office/drawing/2014/main" id="{A1C4922B-A909-4AFE-8FF9-E75E6D6871A9}"/>
-              </a:ext>
-            </a:extLst>
-          </p:cNvPr>
-          <p:cNvPicPr>
-            <a:picLocks noChangeAspect="1"/>
-          </p:cNvPicPr>
-          <p:nvPr/>
-        </p:nvPicPr>
-        <p:blipFill>
-          <a:blip r:embed="rId2">
-            <a:extLst>
-              <a:ext uri="{28A0092B-C50C-407E-A947-70E740481C1C}">
-                <a14:useLocalDpi xmlns:a14="http://schemas.microsoft.com/office/drawing/2010/main" val="0"/>
-              </a:ext>
-              <a:ext uri="{96DAC541-7B7A-43D3-8B79-37D633B846F1}">
-                <asvg:svgBlip xmlns:asvg="http://schemas.microsoft.com/office/drawing/2016/SVG/main" r:embed="rId3"/>
-              </a:ext>
-            </a:extLst>
-          </a:blip>
-          <a:stretch>
-            <a:fillRect/>
-          </a:stretch>
-        </p:blipFill>
-        <p:spPr>
-          <a:xfrm>
-            <a:off x="7023370" y="1825625"/>
-            <a:ext cx="717159" cy="717159"/>
-          </a:xfrm>
-          <a:prstGeom prst="rect">
-            <a:avLst/>
-          </a:prstGeom>
-        </p:spPr>
-      </p:pic>
-      <p:pic>
-        <p:nvPicPr>
-          <p:cNvPr id="8" name="Elemento grafico 7" descr="Badge con riempimento a tinta unita">
-            <a:extLst>
-              <a:ext uri="{FF2B5EF4-FFF2-40B4-BE49-F238E27FC236}">
-                <a16:creationId xmlns:a16="http://schemas.microsoft.com/office/drawing/2014/main" id="{2987D311-E33F-4ED3-AFE2-78E60E002249}"/>
-              </a:ext>
-            </a:extLst>
-          </p:cNvPr>
-          <p:cNvPicPr>
-            <a:picLocks noChangeAspect="1"/>
-          </p:cNvPicPr>
-          <p:nvPr/>
-        </p:nvPicPr>
-        <p:blipFill>
-          <a:blip r:embed="rId4">
-            <a:extLst>
-              <a:ext uri="{28A0092B-C50C-407E-A947-70E740481C1C}">
-                <a14:useLocalDpi xmlns:a14="http://schemas.microsoft.com/office/drawing/2010/main" val="0"/>
-              </a:ext>
-              <a:ext uri="{96DAC541-7B7A-43D3-8B79-37D633B846F1}">
-                <asvg:svgBlip xmlns:asvg="http://schemas.microsoft.com/office/drawing/2016/SVG/main" r:embed="rId5"/>
-              </a:ext>
-            </a:extLst>
-          </a:blip>
-          <a:stretch>
-            <a:fillRect/>
-          </a:stretch>
-        </p:blipFill>
-        <p:spPr>
-          <a:xfrm>
-            <a:off x="7023370" y="2677721"/>
-            <a:ext cx="717159" cy="717159"/>
-          </a:xfrm>
-          <a:prstGeom prst="rect">
-            <a:avLst/>
-          </a:prstGeom>
-        </p:spPr>
-      </p:pic>
-      <p:pic>
-        <p:nvPicPr>
-          <p:cNvPr id="10" name="Elemento grafico 9" descr="Badge 3 con riempimento a tinta unita">
-            <a:extLst>
-              <a:ext uri="{FF2B5EF4-FFF2-40B4-BE49-F238E27FC236}">
-                <a16:creationId xmlns:a16="http://schemas.microsoft.com/office/drawing/2014/main" id="{79AFCFB5-D639-4EB5-AB46-380C29DCD39A}"/>
-              </a:ext>
-            </a:extLst>
-          </p:cNvPr>
-          <p:cNvPicPr>
-            <a:picLocks noChangeAspect="1"/>
-          </p:cNvPicPr>
-          <p:nvPr/>
-        </p:nvPicPr>
-        <p:blipFill>
-          <a:blip r:embed="rId6">
-            <a:extLst>
-              <a:ext uri="{28A0092B-C50C-407E-A947-70E740481C1C}">
-                <a14:useLocalDpi xmlns:a14="http://schemas.microsoft.com/office/drawing/2010/main" val="0"/>
-              </a:ext>
-              <a:ext uri="{96DAC541-7B7A-43D3-8B79-37D633B846F1}">
-                <asvg:svgBlip xmlns:asvg="http://schemas.microsoft.com/office/drawing/2016/SVG/main" r:embed="rId7"/>
-              </a:ext>
-            </a:extLst>
-          </a:blip>
-          <a:stretch>
-            <a:fillRect/>
-          </a:stretch>
-        </p:blipFill>
-        <p:spPr>
-          <a:xfrm>
-            <a:off x="7023370" y="3529817"/>
-            <a:ext cx="717159" cy="717159"/>
-          </a:xfrm>
-          <a:prstGeom prst="rect">
-            <a:avLst/>
-          </a:prstGeom>
-        </p:spPr>
-      </p:pic>
-      <p:pic>
-        <p:nvPicPr>
-          <p:cNvPr id="12" name="Elemento grafico 11" descr="Badge 4 con riempimento a tinta unita">
-            <a:extLst>
-              <a:ext uri="{FF2B5EF4-FFF2-40B4-BE49-F238E27FC236}">
-                <a16:creationId xmlns:a16="http://schemas.microsoft.com/office/drawing/2014/main" id="{6B9B0C0C-9C12-4E58-A4CE-57E877504D42}"/>
-              </a:ext>
-            </a:extLst>
-          </p:cNvPr>
-          <p:cNvPicPr>
-            <a:picLocks noChangeAspect="1"/>
-          </p:cNvPicPr>
-          <p:nvPr/>
-        </p:nvPicPr>
-        <p:blipFill>
-          <a:blip r:embed="rId8">
-            <a:extLst>
-              <a:ext uri="{28A0092B-C50C-407E-A947-70E740481C1C}">
-                <a14:useLocalDpi xmlns:a14="http://schemas.microsoft.com/office/drawing/2010/main" val="0"/>
-              </a:ext>
-              <a:ext uri="{96DAC541-7B7A-43D3-8B79-37D633B846F1}">
-                <asvg:svgBlip xmlns:asvg="http://schemas.microsoft.com/office/drawing/2016/SVG/main" r:embed="rId9"/>
-              </a:ext>
-            </a:extLst>
-          </a:blip>
-          <a:stretch>
-            <a:fillRect/>
-          </a:stretch>
-        </p:blipFill>
-        <p:spPr>
-          <a:xfrm>
-            <a:off x="7023370" y="4381913"/>
-            <a:ext cx="717159" cy="717159"/>
-          </a:xfrm>
-          <a:prstGeom prst="rect">
-            <a:avLst/>
-          </a:prstGeom>
-        </p:spPr>
-      </p:pic>
-      <p:pic>
-        <p:nvPicPr>
-          <p:cNvPr id="14" name="Elemento grafico 13" descr="Badge 5 con riempimento a tinta unita">
-            <a:extLst>
-              <a:ext uri="{FF2B5EF4-FFF2-40B4-BE49-F238E27FC236}">
-                <a16:creationId xmlns:a16="http://schemas.microsoft.com/office/drawing/2014/main" id="{9E66D1F0-CD50-4C2F-B64A-743FF6064FD8}"/>
-              </a:ext>
-            </a:extLst>
-          </p:cNvPr>
-          <p:cNvPicPr>
-            <a:picLocks noChangeAspect="1"/>
-          </p:cNvPicPr>
-          <p:nvPr/>
-        </p:nvPicPr>
-        <p:blipFill>
-          <a:blip r:embed="rId10">
-            <a:extLst>
-              <a:ext uri="{28A0092B-C50C-407E-A947-70E740481C1C}">
-                <a14:useLocalDpi xmlns:a14="http://schemas.microsoft.com/office/drawing/2010/main" val="0"/>
-              </a:ext>
-              <a:ext uri="{96DAC541-7B7A-43D3-8B79-37D633B846F1}">
-                <asvg:svgBlip xmlns:asvg="http://schemas.microsoft.com/office/drawing/2016/SVG/main" r:embed="rId11"/>
-              </a:ext>
-            </a:extLst>
-          </a:blip>
-          <a:stretch>
-            <a:fillRect/>
-          </a:stretch>
-        </p:blipFill>
-        <p:spPr>
-          <a:xfrm>
-            <a:off x="7023370" y="5181870"/>
-            <a:ext cx="717159" cy="717159"/>
-          </a:xfrm>
-          <a:prstGeom prst="rect">
-            <a:avLst/>
-          </a:prstGeom>
-        </p:spPr>
-      </p:pic>
-      <p:sp>
-        <p:nvSpPr>
-          <p:cNvPr id="15" name="CasellaDiTesto 14">
-            <a:extLst>
-              <a:ext uri="{FF2B5EF4-FFF2-40B4-BE49-F238E27FC236}">
-                <a16:creationId xmlns:a16="http://schemas.microsoft.com/office/drawing/2014/main" id="{6A599DB0-23C6-4EFA-AB22-0B599B48966F}"/>
+          <p:cNvPr id="7" name="CasellaDiTesto 6">
+            <a:extLst>
+              <a:ext uri="{FF2B5EF4-FFF2-40B4-BE49-F238E27FC236}">
+                <a16:creationId xmlns:a16="http://schemas.microsoft.com/office/drawing/2014/main" id="{C58D20E9-2BD7-4272-A993-CC87AD7FC5EF}"/>
               </a:ext>
             </a:extLst>
           </p:cNvPr>
@@ -9914,8 +11114,8 @@
         </p:nvSpPr>
         <p:spPr>
           <a:xfrm>
-            <a:off x="7898860" y="2013626"/>
-            <a:ext cx="3454940" cy="3970318"/>
+            <a:off x="838200" y="2367171"/>
+            <a:ext cx="4560216" cy="2492990"/>
           </a:xfrm>
           <a:prstGeom prst="rect">
             <a:avLst/>
@@ -9923,213 +11123,199 @@
           <a:noFill/>
         </p:spPr>
         <p:txBody>
-          <a:bodyPr wrap="square" rtlCol="0">
+          <a:bodyPr wrap="square">
             <a:spAutoFit/>
           </a:bodyPr>
           <a:lstStyle/>
           <a:p>
-            <a:pPr algn="just"/>
-            <a:r>
-              <a:rPr lang="it-IT" b="1" dirty="0" err="1">
-                <a:latin typeface="Futura medium"/>
-              </a:rPr>
-              <a:t>Get</a:t>
-            </a:r>
-            <a:r>
-              <a:rPr lang="it-IT" b="1" dirty="0">
-                <a:latin typeface="Futura medium"/>
-              </a:rPr>
-              <a:t> </a:t>
-            </a:r>
-            <a:r>
-              <a:rPr lang="it-IT" b="1" dirty="0" err="1">
-                <a:latin typeface="Futura medium"/>
-              </a:rPr>
-              <a:t>closer</a:t>
-            </a:r>
-            <a:r>
-              <a:rPr lang="it-IT" b="1" dirty="0">
-                <a:latin typeface="Futura medium"/>
-              </a:rPr>
-              <a:t> to </a:t>
-            </a:r>
-            <a:r>
-              <a:rPr lang="it-IT" b="1" dirty="0" err="1">
-                <a:latin typeface="Futura medium"/>
-              </a:rPr>
-              <a:t>GreenWings</a:t>
-            </a:r>
-            <a:endParaRPr lang="it-IT" b="1" dirty="0">
-              <a:latin typeface="Futura medium"/>
-            </a:endParaRPr>
-          </a:p>
-          <a:p>
-            <a:pPr algn="just"/>
-            <a:endParaRPr lang="it-IT" b="1" dirty="0">
-              <a:latin typeface="Futura medium"/>
-            </a:endParaRPr>
-          </a:p>
-          <a:p>
-            <a:pPr algn="just"/>
-            <a:endParaRPr lang="it-IT" b="1" dirty="0">
-              <a:latin typeface="Futura medium"/>
-            </a:endParaRPr>
-          </a:p>
-          <a:p>
-            <a:pPr algn="just"/>
-            <a:r>
-              <a:rPr lang="it-IT" b="1" dirty="0">
-                <a:latin typeface="Futura medium"/>
-              </a:rPr>
-              <a:t>Introduce </a:t>
-            </a:r>
-            <a:r>
-              <a:rPr lang="it-IT" b="1" dirty="0" err="1">
-                <a:latin typeface="Futura medium"/>
-              </a:rPr>
-              <a:t>waste</a:t>
-            </a:r>
-            <a:endParaRPr lang="it-IT" b="1" dirty="0">
-              <a:latin typeface="Futura medium"/>
-            </a:endParaRPr>
-          </a:p>
-          <a:p>
-            <a:pPr algn="just"/>
-            <a:endParaRPr lang="it-IT" b="1" dirty="0">
-              <a:latin typeface="Futura medium"/>
-            </a:endParaRPr>
-          </a:p>
-          <a:p>
-            <a:pPr algn="just"/>
-            <a:endParaRPr lang="it-IT" b="1" dirty="0">
-              <a:latin typeface="Futura medium"/>
-            </a:endParaRPr>
-          </a:p>
-          <a:p>
-            <a:pPr algn="just"/>
-            <a:r>
-              <a:rPr lang="it-IT" b="1" dirty="0">
-                <a:latin typeface="Futura medium"/>
-              </a:rPr>
-              <a:t>Follow the </a:t>
-            </a:r>
-            <a:r>
-              <a:rPr lang="it-IT" b="1" dirty="0" err="1">
-                <a:latin typeface="Futura medium"/>
-              </a:rPr>
-              <a:t>instruction</a:t>
-            </a:r>
-            <a:r>
-              <a:rPr lang="it-IT" b="1" dirty="0">
-                <a:latin typeface="Futura medium"/>
-              </a:rPr>
-              <a:t> of the </a:t>
-            </a:r>
-            <a:r>
-              <a:rPr lang="it-IT" b="1" dirty="0" err="1">
-                <a:latin typeface="Futura medium"/>
-              </a:rPr>
-              <a:t>interface</a:t>
-            </a:r>
-            <a:endParaRPr lang="it-IT" b="1" dirty="0">
-              <a:latin typeface="Futura medium"/>
-            </a:endParaRPr>
-          </a:p>
-          <a:p>
-            <a:pPr algn="just"/>
-            <a:endParaRPr lang="it-IT" b="1" dirty="0">
-              <a:latin typeface="Futura medium"/>
-            </a:endParaRPr>
-          </a:p>
-          <a:p>
-            <a:pPr algn="just"/>
-            <a:r>
-              <a:rPr lang="it-IT" b="1" dirty="0" err="1">
-                <a:latin typeface="Futura medium"/>
-              </a:rPr>
-              <a:t>Collect</a:t>
-            </a:r>
-            <a:r>
-              <a:rPr lang="it-IT" b="1" dirty="0">
-                <a:latin typeface="Futura medium"/>
-              </a:rPr>
-              <a:t> Wings or donate</a:t>
-            </a:r>
-          </a:p>
-          <a:p>
-            <a:pPr algn="just"/>
-            <a:endParaRPr lang="it-IT" b="1" dirty="0">
-              <a:latin typeface="Futura medium"/>
-            </a:endParaRPr>
-          </a:p>
-          <a:p>
-            <a:pPr algn="just"/>
-            <a:endParaRPr lang="it-IT" b="1" dirty="0">
-              <a:latin typeface="Futura medium"/>
-            </a:endParaRPr>
-          </a:p>
-          <a:p>
-            <a:pPr algn="just"/>
-            <a:r>
-              <a:rPr lang="it-IT" b="1" dirty="0" err="1">
-                <a:latin typeface="Futura medium"/>
-              </a:rPr>
-              <a:t>Well</a:t>
-            </a:r>
-            <a:r>
-              <a:rPr lang="it-IT" b="1" dirty="0">
-                <a:latin typeface="Futura medium"/>
-              </a:rPr>
-              <a:t> </a:t>
-            </a:r>
-            <a:r>
-              <a:rPr lang="it-IT" b="1" dirty="0" err="1">
-                <a:latin typeface="Futura medium"/>
-              </a:rPr>
-              <a:t>done</a:t>
-            </a:r>
-            <a:r>
-              <a:rPr lang="it-IT" b="1" dirty="0">
-                <a:latin typeface="Futura medium"/>
-              </a:rPr>
-              <a:t>! </a:t>
-            </a:r>
-          </a:p>
-          <a:p>
-            <a:pPr algn="just"/>
-            <a:r>
-              <a:rPr lang="it-IT" b="1" dirty="0" err="1">
-                <a:latin typeface="Futura medium"/>
-              </a:rPr>
-              <a:t>You</a:t>
-            </a:r>
-            <a:r>
-              <a:rPr lang="it-IT" b="1" dirty="0">
-                <a:latin typeface="Futura medium"/>
-              </a:rPr>
-              <a:t> are a </a:t>
-            </a:r>
-            <a:r>
-              <a:rPr lang="it-IT" b="1" dirty="0" err="1">
-                <a:latin typeface="Futura medium"/>
-              </a:rPr>
-              <a:t>recyclist</a:t>
-            </a:r>
-            <a:r>
-              <a:rPr lang="it-IT" b="1" dirty="0">
-                <a:latin typeface="Futura medium"/>
-              </a:rPr>
-              <a:t>!</a:t>
-            </a:r>
+            <a:pPr rtl="0">
+              <a:spcBef>
+                <a:spcPts val="0"/>
+              </a:spcBef>
+              <a:spcAft>
+                <a:spcPts val="0"/>
+              </a:spcAft>
+            </a:pPr>
+            <a:r>
+              <a:rPr lang="en-US" sz="1200" dirty="0">
+                <a:solidFill>
+                  <a:srgbClr val="343433"/>
+                </a:solidFill>
+                <a:latin typeface="Futura light"/>
+              </a:rPr>
+              <a:t>Our item is designed for any type of user at an event, of any size. The object is immediately visible and its design encourages the user to get closer. Thanks to a very intuitive interface, the person will immediately know what he has to do: first, introduce the waste inside the hole that will be in front of him.</a:t>
+            </a:r>
+          </a:p>
+          <a:p>
+            <a:pPr rtl="0">
+              <a:spcBef>
+                <a:spcPts val="0"/>
+              </a:spcBef>
+              <a:spcAft>
+                <a:spcPts val="0"/>
+              </a:spcAft>
+            </a:pPr>
+            <a:r>
+              <a:rPr lang="en-US" sz="1200" dirty="0">
+                <a:solidFill>
+                  <a:srgbClr val="343433"/>
+                </a:solidFill>
+                <a:latin typeface="Futura light"/>
+              </a:rPr>
+              <a:t>Then, after the machine has recognized the item, he will be asked to confirm the type of garbage, if the garbage respects the standards to be recycled, it will be transported to the appropriate bin.</a:t>
+            </a:r>
+          </a:p>
+          <a:p>
+            <a:br>
+              <a:rPr lang="en-US" dirty="0"/>
+            </a:br>
+            <a:endParaRPr lang="it-IT" dirty="0"/>
           </a:p>
         </p:txBody>
       </p:sp>
       <p:sp>
         <p:nvSpPr>
-          <p:cNvPr id="16" name="Rettangolo 15">
-            <a:extLst>
-              <a:ext uri="{FF2B5EF4-FFF2-40B4-BE49-F238E27FC236}">
-                <a16:creationId xmlns:a16="http://schemas.microsoft.com/office/drawing/2014/main" id="{04AC57BB-F059-43E7-8224-478183CE0EA3}"/>
+          <p:cNvPr id="9" name="CasellaDiTesto 8">
+            <a:extLst>
+              <a:ext uri="{FF2B5EF4-FFF2-40B4-BE49-F238E27FC236}">
+                <a16:creationId xmlns:a16="http://schemas.microsoft.com/office/drawing/2014/main" id="{D4D7D011-D5F0-4FDA-8A2A-6A51E5BD5FAE}"/>
+              </a:ext>
+            </a:extLst>
+          </p:cNvPr>
+          <p:cNvSpPr txBox="1"/>
+          <p:nvPr/>
+        </p:nvSpPr>
+        <p:spPr>
+          <a:xfrm>
+            <a:off x="6733095" y="2367171"/>
+            <a:ext cx="4211424" cy="2123658"/>
+          </a:xfrm>
+          <a:prstGeom prst="rect">
+            <a:avLst/>
+          </a:prstGeom>
+          <a:noFill/>
+        </p:spPr>
+        <p:txBody>
+          <a:bodyPr wrap="square">
+            <a:spAutoFit/>
+          </a:bodyPr>
+          <a:lstStyle/>
+          <a:p>
+            <a:pPr rtl="0">
+              <a:spcBef>
+                <a:spcPts val="0"/>
+              </a:spcBef>
+              <a:spcAft>
+                <a:spcPts val="0"/>
+              </a:spcAft>
+            </a:pPr>
+            <a:r>
+              <a:rPr lang="en-US" sz="1200" dirty="0">
+                <a:solidFill>
+                  <a:srgbClr val="343433"/>
+                </a:solidFill>
+                <a:latin typeface="Futura light"/>
+              </a:rPr>
+              <a:t>While this process happens, the customer will be able to continue interacting with the interface.</a:t>
+            </a:r>
+          </a:p>
+          <a:p>
+            <a:pPr rtl="0">
+              <a:spcBef>
+                <a:spcPts val="0"/>
+              </a:spcBef>
+              <a:spcAft>
+                <a:spcPts val="0"/>
+              </a:spcAft>
+            </a:pPr>
+            <a:br>
+              <a:rPr lang="en-US" sz="1200" dirty="0">
+                <a:solidFill>
+                  <a:srgbClr val="343433"/>
+                </a:solidFill>
+                <a:latin typeface="Futura light"/>
+              </a:rPr>
+            </a:br>
+            <a:r>
+              <a:rPr lang="en-US" sz="1200" dirty="0">
+                <a:solidFill>
+                  <a:srgbClr val="343433"/>
+                </a:solidFill>
+                <a:latin typeface="Futura light"/>
+              </a:rPr>
+              <a:t>Each piece of trash he introduces is associated with “wings” (our tokens), which can be redeemed immediately, by participating in charitable donations for the improvement of the environment, or collected through an app to win extraordinary experiences.</a:t>
+            </a:r>
+          </a:p>
+          <a:p>
+            <a:br>
+              <a:rPr lang="en-US" dirty="0"/>
+            </a:br>
+            <a:endParaRPr lang="it-IT" dirty="0"/>
+          </a:p>
+        </p:txBody>
+      </p:sp>
+      <p:sp>
+        <p:nvSpPr>
+          <p:cNvPr id="10" name="Titolo 1">
+            <a:extLst>
+              <a:ext uri="{FF2B5EF4-FFF2-40B4-BE49-F238E27FC236}">
+                <a16:creationId xmlns:a16="http://schemas.microsoft.com/office/drawing/2014/main" id="{B051CD57-8334-4AD8-BC8B-7175B3D9741F}"/>
+              </a:ext>
+            </a:extLst>
+          </p:cNvPr>
+          <p:cNvSpPr txBox="1">
+            <a:spLocks/>
+          </p:cNvSpPr>
+          <p:nvPr/>
+        </p:nvSpPr>
+        <p:spPr>
+          <a:xfrm>
+            <a:off x="734239" y="409062"/>
+            <a:ext cx="10515600" cy="1325563"/>
+          </a:xfrm>
+          <a:prstGeom prst="rect">
+            <a:avLst/>
+          </a:prstGeom>
+        </p:spPr>
+        <p:txBody>
+          <a:bodyPr vert="horz" lIns="91440" tIns="45720" rIns="91440" bIns="45720" rtlCol="0" anchor="ctr">
+            <a:normAutofit/>
+          </a:bodyPr>
+          <a:lstStyle>
+            <a:lvl1pPr algn="l" defTabSz="914400" rtl="0" eaLnBrk="1" latinLnBrk="0" hangingPunct="1">
+              <a:lnSpc>
+                <a:spcPct val="90000"/>
+              </a:lnSpc>
+              <a:spcBef>
+                <a:spcPct val="0"/>
+              </a:spcBef>
+              <a:buNone/>
+              <a:defRPr sz="4400" kern="1200">
+                <a:solidFill>
+                  <a:schemeClr val="tx1"/>
+                </a:solidFill>
+                <a:latin typeface="+mj-lt"/>
+                <a:ea typeface="+mj-ea"/>
+                <a:cs typeface="+mj-cs"/>
+              </a:defRPr>
+            </a:lvl1pPr>
+          </a:lstStyle>
+          <a:p>
+            <a:r>
+              <a:rPr lang="it-IT" b="1" spc="-100" dirty="0">
+                <a:latin typeface="Futura"/>
+              </a:rPr>
+              <a:t>HOW IT WORKS – THE WORKFLOW</a:t>
+            </a:r>
+          </a:p>
+        </p:txBody>
+      </p:sp>
+      <p:sp>
+        <p:nvSpPr>
+          <p:cNvPr id="13" name="Rettangolo 12">
+            <a:extLst>
+              <a:ext uri="{FF2B5EF4-FFF2-40B4-BE49-F238E27FC236}">
+                <a16:creationId xmlns:a16="http://schemas.microsoft.com/office/drawing/2014/main" id="{0AE86301-D748-4925-B5DD-8AEA7CA0BD3D}"/>
               </a:ext>
             </a:extLst>
           </p:cNvPr>
@@ -10138,16 +11324,18 @@
         </p:nvSpPr>
         <p:spPr>
           <a:xfrm>
-            <a:off x="6799634" y="1605064"/>
-            <a:ext cx="4688732" cy="4659549"/>
+            <a:off x="169682" y="4666268"/>
+            <a:ext cx="11821213" cy="1826607"/>
           </a:xfrm>
           <a:prstGeom prst="rect">
             <a:avLst/>
           </a:prstGeom>
-          <a:noFill/>
-          <a:ln w="38100">
+          <a:solidFill>
+            <a:srgbClr val="0F0069"/>
+          </a:solidFill>
+          <a:ln>
             <a:solidFill>
-              <a:schemeClr val="tx1"/>
+              <a:srgbClr val="0F0069"/>
             </a:solidFill>
           </a:ln>
         </p:spPr>
@@ -10178,10 +11366,10 @@
       </p:sp>
       <p:pic>
         <p:nvPicPr>
-          <p:cNvPr id="17" name="Immagine 16">
-            <a:extLst>
-              <a:ext uri="{FF2B5EF4-FFF2-40B4-BE49-F238E27FC236}">
-                <a16:creationId xmlns:a16="http://schemas.microsoft.com/office/drawing/2014/main" id="{051B22F0-CAE0-400F-A181-572DDB1FD93D}"/>
+          <p:cNvPr id="14" name="Elemento grafico 13" descr="Badge 1 con riempimento a tinta unita">
+            <a:extLst>
+              <a:ext uri="{FF2B5EF4-FFF2-40B4-BE49-F238E27FC236}">
+                <a16:creationId xmlns:a16="http://schemas.microsoft.com/office/drawing/2014/main" id="{51EF265F-8167-409B-BA3F-41CBAEB5CCB3}"/>
               </a:ext>
             </a:extLst>
           </p:cNvPr>
@@ -10191,7 +11379,598 @@
           <p:nvPr/>
         </p:nvPicPr>
         <p:blipFill>
-          <a:blip r:embed="rId12"/>
+          <a:blip r:embed="rId2">
+            <a:extLst>
+              <a:ext uri="{28A0092B-C50C-407E-A947-70E740481C1C}">
+                <a14:useLocalDpi xmlns:a14="http://schemas.microsoft.com/office/drawing/2010/main" val="0"/>
+              </a:ext>
+              <a:ext uri="{96DAC541-7B7A-43D3-8B79-37D633B846F1}">
+                <asvg:svgBlip xmlns:asvg="http://schemas.microsoft.com/office/drawing/2016/SVG/main" r:embed="rId3"/>
+              </a:ext>
+            </a:extLst>
+          </a:blip>
+          <a:stretch>
+            <a:fillRect/>
+          </a:stretch>
+        </p:blipFill>
+        <p:spPr>
+          <a:xfrm>
+            <a:off x="1066470" y="4862411"/>
+            <a:ext cx="717159" cy="717159"/>
+          </a:xfrm>
+          <a:prstGeom prst="rect">
+            <a:avLst/>
+          </a:prstGeom>
+        </p:spPr>
+      </p:pic>
+      <p:pic>
+        <p:nvPicPr>
+          <p:cNvPr id="15" name="Elemento grafico 14" descr="Badge con riempimento a tinta unita">
+            <a:extLst>
+              <a:ext uri="{FF2B5EF4-FFF2-40B4-BE49-F238E27FC236}">
+                <a16:creationId xmlns:a16="http://schemas.microsoft.com/office/drawing/2014/main" id="{22F80A73-7713-4F60-B164-097EA1EB3941}"/>
+              </a:ext>
+            </a:extLst>
+          </p:cNvPr>
+          <p:cNvPicPr>
+            <a:picLocks noChangeAspect="1"/>
+          </p:cNvPicPr>
+          <p:nvPr/>
+        </p:nvPicPr>
+        <p:blipFill>
+          <a:blip r:embed="rId4">
+            <a:extLst>
+              <a:ext uri="{28A0092B-C50C-407E-A947-70E740481C1C}">
+                <a14:useLocalDpi xmlns:a14="http://schemas.microsoft.com/office/drawing/2010/main" val="0"/>
+              </a:ext>
+              <a:ext uri="{96DAC541-7B7A-43D3-8B79-37D633B846F1}">
+                <asvg:svgBlip xmlns:asvg="http://schemas.microsoft.com/office/drawing/2016/SVG/main" r:embed="rId5"/>
+              </a:ext>
+            </a:extLst>
+          </a:blip>
+          <a:stretch>
+            <a:fillRect/>
+          </a:stretch>
+        </p:blipFill>
+        <p:spPr>
+          <a:xfrm>
+            <a:off x="3385220" y="4862411"/>
+            <a:ext cx="717159" cy="717159"/>
+          </a:xfrm>
+          <a:prstGeom prst="rect">
+            <a:avLst/>
+          </a:prstGeom>
+        </p:spPr>
+      </p:pic>
+      <p:pic>
+        <p:nvPicPr>
+          <p:cNvPr id="16" name="Elemento grafico 15" descr="Badge 3 con riempimento a tinta unita">
+            <a:extLst>
+              <a:ext uri="{FF2B5EF4-FFF2-40B4-BE49-F238E27FC236}">
+                <a16:creationId xmlns:a16="http://schemas.microsoft.com/office/drawing/2014/main" id="{F2CD27BC-A71B-4CED-982A-AFCFF421F0DC}"/>
+              </a:ext>
+            </a:extLst>
+          </p:cNvPr>
+          <p:cNvPicPr>
+            <a:picLocks noChangeAspect="1"/>
+          </p:cNvPicPr>
+          <p:nvPr/>
+        </p:nvPicPr>
+        <p:blipFill>
+          <a:blip r:embed="rId6">
+            <a:extLst>
+              <a:ext uri="{28A0092B-C50C-407E-A947-70E740481C1C}">
+                <a14:useLocalDpi xmlns:a14="http://schemas.microsoft.com/office/drawing/2010/main" val="0"/>
+              </a:ext>
+              <a:ext uri="{96DAC541-7B7A-43D3-8B79-37D633B846F1}">
+                <asvg:svgBlip xmlns:asvg="http://schemas.microsoft.com/office/drawing/2016/SVG/main" r:embed="rId7"/>
+              </a:ext>
+            </a:extLst>
+          </a:blip>
+          <a:stretch>
+            <a:fillRect/>
+          </a:stretch>
+        </p:blipFill>
+        <p:spPr>
+          <a:xfrm>
+            <a:off x="5537526" y="4862411"/>
+            <a:ext cx="717159" cy="717159"/>
+          </a:xfrm>
+          <a:prstGeom prst="rect">
+            <a:avLst/>
+          </a:prstGeom>
+        </p:spPr>
+      </p:pic>
+      <p:pic>
+        <p:nvPicPr>
+          <p:cNvPr id="17" name="Elemento grafico 16" descr="Badge 4 con riempimento a tinta unita">
+            <a:extLst>
+              <a:ext uri="{FF2B5EF4-FFF2-40B4-BE49-F238E27FC236}">
+                <a16:creationId xmlns:a16="http://schemas.microsoft.com/office/drawing/2014/main" id="{58708228-FF4F-429D-B8F5-79D816EEF24A}"/>
+              </a:ext>
+            </a:extLst>
+          </p:cNvPr>
+          <p:cNvPicPr>
+            <a:picLocks noChangeAspect="1"/>
+          </p:cNvPicPr>
+          <p:nvPr/>
+        </p:nvPicPr>
+        <p:blipFill>
+          <a:blip r:embed="rId8">
+            <a:extLst>
+              <a:ext uri="{28A0092B-C50C-407E-A947-70E740481C1C}">
+                <a14:useLocalDpi xmlns:a14="http://schemas.microsoft.com/office/drawing/2010/main" val="0"/>
+              </a:ext>
+              <a:ext uri="{96DAC541-7B7A-43D3-8B79-37D633B846F1}">
+                <asvg:svgBlip xmlns:asvg="http://schemas.microsoft.com/office/drawing/2016/SVG/main" r:embed="rId9"/>
+              </a:ext>
+            </a:extLst>
+          </a:blip>
+          <a:stretch>
+            <a:fillRect/>
+          </a:stretch>
+        </p:blipFill>
+        <p:spPr>
+          <a:xfrm>
+            <a:off x="7849860" y="4914730"/>
+            <a:ext cx="717159" cy="717159"/>
+          </a:xfrm>
+          <a:prstGeom prst="rect">
+            <a:avLst/>
+          </a:prstGeom>
+        </p:spPr>
+      </p:pic>
+      <p:pic>
+        <p:nvPicPr>
+          <p:cNvPr id="18" name="Elemento grafico 17" descr="Badge 5 con riempimento a tinta unita">
+            <a:extLst>
+              <a:ext uri="{FF2B5EF4-FFF2-40B4-BE49-F238E27FC236}">
+                <a16:creationId xmlns:a16="http://schemas.microsoft.com/office/drawing/2014/main" id="{94CFB914-85BC-4EE9-B902-AA267F4502E4}"/>
+              </a:ext>
+            </a:extLst>
+          </p:cNvPr>
+          <p:cNvPicPr>
+            <a:picLocks noChangeAspect="1"/>
+          </p:cNvPicPr>
+          <p:nvPr/>
+        </p:nvPicPr>
+        <p:blipFill>
+          <a:blip r:embed="rId10">
+            <a:extLst>
+              <a:ext uri="{28A0092B-C50C-407E-A947-70E740481C1C}">
+                <a14:useLocalDpi xmlns:a14="http://schemas.microsoft.com/office/drawing/2010/main" val="0"/>
+              </a:ext>
+              <a:ext uri="{96DAC541-7B7A-43D3-8B79-37D633B846F1}">
+                <asvg:svgBlip xmlns:asvg="http://schemas.microsoft.com/office/drawing/2016/SVG/main" r:embed="rId11"/>
+              </a:ext>
+            </a:extLst>
+          </a:blip>
+          <a:stretch>
+            <a:fillRect/>
+          </a:stretch>
+        </p:blipFill>
+        <p:spPr>
+          <a:xfrm>
+            <a:off x="11524681" y="8415558"/>
+            <a:ext cx="84284" cy="84284"/>
+          </a:xfrm>
+          <a:prstGeom prst="rect">
+            <a:avLst/>
+          </a:prstGeom>
+        </p:spPr>
+      </p:pic>
+      <p:sp>
+        <p:nvSpPr>
+          <p:cNvPr id="20" name="CasellaDiTesto 19">
+            <a:extLst>
+              <a:ext uri="{FF2B5EF4-FFF2-40B4-BE49-F238E27FC236}">
+                <a16:creationId xmlns:a16="http://schemas.microsoft.com/office/drawing/2014/main" id="{59058343-2122-429C-A9E5-423DF099EDB9}"/>
+              </a:ext>
+            </a:extLst>
+          </p:cNvPr>
+          <p:cNvSpPr txBox="1"/>
+          <p:nvPr/>
+        </p:nvSpPr>
+        <p:spPr>
+          <a:xfrm>
+            <a:off x="329939" y="5581829"/>
+            <a:ext cx="11620696" cy="523220"/>
+          </a:xfrm>
+          <a:prstGeom prst="rect">
+            <a:avLst/>
+          </a:prstGeom>
+          <a:noFill/>
+        </p:spPr>
+        <p:txBody>
+          <a:bodyPr wrap="square">
+            <a:spAutoFit/>
+          </a:bodyPr>
+          <a:lstStyle/>
+          <a:p>
+            <a:pPr algn="just"/>
+            <a:r>
+              <a:rPr lang="it-IT" sz="1400" b="1" dirty="0" err="1">
+                <a:solidFill>
+                  <a:schemeClr val="bg1"/>
+                </a:solidFill>
+                <a:latin typeface="Futura medium"/>
+              </a:rPr>
+              <a:t>Get</a:t>
+            </a:r>
+            <a:r>
+              <a:rPr lang="it-IT" sz="1400" b="1" dirty="0">
+                <a:solidFill>
+                  <a:schemeClr val="bg1"/>
+                </a:solidFill>
+                <a:latin typeface="Futura medium"/>
+              </a:rPr>
+              <a:t> </a:t>
+            </a:r>
+            <a:r>
+              <a:rPr lang="it-IT" sz="1400" b="1" dirty="0" err="1">
+                <a:solidFill>
+                  <a:schemeClr val="bg1"/>
+                </a:solidFill>
+                <a:latin typeface="Futura medium"/>
+              </a:rPr>
+              <a:t>closer</a:t>
+            </a:r>
+            <a:r>
+              <a:rPr lang="it-IT" sz="1400" b="1" dirty="0">
+                <a:solidFill>
+                  <a:schemeClr val="bg1"/>
+                </a:solidFill>
+                <a:latin typeface="Futura medium"/>
+              </a:rPr>
+              <a:t> to </a:t>
+            </a:r>
+            <a:r>
+              <a:rPr lang="it-IT" sz="1400" b="1" dirty="0" err="1">
+                <a:solidFill>
+                  <a:schemeClr val="bg1"/>
+                </a:solidFill>
+                <a:latin typeface="Futura medium"/>
+              </a:rPr>
+              <a:t>GreenWings</a:t>
+            </a:r>
+            <a:r>
+              <a:rPr lang="it-IT" sz="1400" b="1" dirty="0">
+                <a:solidFill>
+                  <a:schemeClr val="bg1"/>
+                </a:solidFill>
+                <a:latin typeface="Futura medium"/>
+              </a:rPr>
+              <a:t>         Introduce </a:t>
+            </a:r>
+            <a:r>
+              <a:rPr lang="it-IT" sz="1400" b="1" dirty="0" err="1">
+                <a:solidFill>
+                  <a:schemeClr val="bg1"/>
+                </a:solidFill>
+                <a:latin typeface="Futura medium"/>
+              </a:rPr>
+              <a:t>waste</a:t>
+            </a:r>
+            <a:r>
+              <a:rPr lang="it-IT" sz="1400" b="1" dirty="0">
+                <a:solidFill>
+                  <a:schemeClr val="bg1"/>
+                </a:solidFill>
+                <a:latin typeface="Futura medium"/>
+              </a:rPr>
+              <a:t>            Follow the </a:t>
+            </a:r>
+            <a:r>
+              <a:rPr lang="it-IT" sz="1400" b="1" dirty="0" err="1">
+                <a:solidFill>
+                  <a:schemeClr val="bg1"/>
+                </a:solidFill>
+                <a:latin typeface="Futura medium"/>
+              </a:rPr>
+              <a:t>instruction</a:t>
+            </a:r>
+            <a:r>
+              <a:rPr lang="it-IT" sz="1400" b="1" dirty="0">
+                <a:solidFill>
+                  <a:schemeClr val="bg1"/>
+                </a:solidFill>
+                <a:latin typeface="Futura medium"/>
+              </a:rPr>
+              <a:t>       </a:t>
+            </a:r>
+            <a:r>
+              <a:rPr lang="it-IT" sz="1400" b="1" dirty="0" err="1">
+                <a:solidFill>
+                  <a:schemeClr val="bg1"/>
+                </a:solidFill>
+                <a:latin typeface="Futura medium"/>
+              </a:rPr>
+              <a:t>Collect</a:t>
+            </a:r>
+            <a:r>
+              <a:rPr lang="it-IT" sz="1400" b="1" dirty="0">
+                <a:solidFill>
+                  <a:schemeClr val="bg1"/>
+                </a:solidFill>
+                <a:latin typeface="Futura medium"/>
+              </a:rPr>
+              <a:t> Wings or donate                    </a:t>
+            </a:r>
+            <a:r>
+              <a:rPr lang="it-IT" sz="1400" b="1" dirty="0" err="1">
+                <a:solidFill>
+                  <a:schemeClr val="bg1"/>
+                </a:solidFill>
+                <a:latin typeface="Futura medium"/>
+              </a:rPr>
+              <a:t>Well</a:t>
+            </a:r>
+            <a:r>
+              <a:rPr lang="it-IT" sz="1400" b="1" dirty="0">
+                <a:solidFill>
+                  <a:schemeClr val="bg1"/>
+                </a:solidFill>
+                <a:latin typeface="Futura medium"/>
+              </a:rPr>
+              <a:t> </a:t>
+            </a:r>
+            <a:r>
+              <a:rPr lang="it-IT" sz="1400" b="1" dirty="0" err="1">
+                <a:solidFill>
+                  <a:schemeClr val="bg1"/>
+                </a:solidFill>
+                <a:latin typeface="Futura medium"/>
+              </a:rPr>
+              <a:t>done</a:t>
+            </a:r>
+            <a:r>
+              <a:rPr lang="it-IT" sz="1400" b="1" dirty="0">
+                <a:solidFill>
+                  <a:schemeClr val="bg1"/>
+                </a:solidFill>
+                <a:latin typeface="Futura medium"/>
+              </a:rPr>
+              <a:t>! </a:t>
+            </a:r>
+          </a:p>
+          <a:p>
+            <a:pPr algn="just"/>
+            <a:r>
+              <a:rPr lang="it-IT" sz="1400" b="1" dirty="0">
+                <a:solidFill>
+                  <a:schemeClr val="bg1"/>
+                </a:solidFill>
+                <a:latin typeface="Futura medium"/>
+              </a:rPr>
+              <a:t>                                                                                                    in the </a:t>
+            </a:r>
+            <a:r>
+              <a:rPr lang="it-IT" sz="1400" b="1" dirty="0" err="1">
+                <a:solidFill>
+                  <a:schemeClr val="bg1"/>
+                </a:solidFill>
+                <a:latin typeface="Futura medium"/>
+              </a:rPr>
+              <a:t>interface</a:t>
+            </a:r>
+            <a:r>
+              <a:rPr lang="it-IT" sz="1400" b="1" dirty="0">
+                <a:solidFill>
+                  <a:schemeClr val="bg1"/>
+                </a:solidFill>
+                <a:latin typeface="Futura medium"/>
+              </a:rPr>
+              <a:t>                                                                   </a:t>
+            </a:r>
+            <a:r>
+              <a:rPr lang="it-IT" sz="1400" b="1" dirty="0" err="1">
+                <a:solidFill>
+                  <a:schemeClr val="bg1"/>
+                </a:solidFill>
+                <a:latin typeface="Futura medium"/>
+              </a:rPr>
+              <a:t>You</a:t>
+            </a:r>
+            <a:r>
+              <a:rPr lang="it-IT" sz="1400" b="1" dirty="0">
+                <a:solidFill>
+                  <a:schemeClr val="bg1"/>
+                </a:solidFill>
+                <a:latin typeface="Futura medium"/>
+              </a:rPr>
+              <a:t> are a </a:t>
+            </a:r>
+            <a:r>
+              <a:rPr lang="it-IT" sz="1400" b="1" dirty="0" err="1">
+                <a:solidFill>
+                  <a:schemeClr val="bg1"/>
+                </a:solidFill>
+                <a:latin typeface="Futura medium"/>
+              </a:rPr>
+              <a:t>recyclist</a:t>
+            </a:r>
+            <a:r>
+              <a:rPr lang="it-IT" sz="1400" b="1" dirty="0">
+                <a:latin typeface="Futura medium"/>
+              </a:rPr>
+              <a:t>!</a:t>
+            </a:r>
+            <a:endParaRPr lang="it-IT" sz="1400" dirty="0"/>
+          </a:p>
+        </p:txBody>
+      </p:sp>
+      <p:pic>
+        <p:nvPicPr>
+          <p:cNvPr id="22" name="Elemento grafico 21" descr="Badge 5 con riempimento a tinta unita">
+            <a:extLst>
+              <a:ext uri="{FF2B5EF4-FFF2-40B4-BE49-F238E27FC236}">
+                <a16:creationId xmlns:a16="http://schemas.microsoft.com/office/drawing/2014/main" id="{BE0A4C67-FCD7-4AC2-A668-1A03C1CAE2CA}"/>
+              </a:ext>
+            </a:extLst>
+          </p:cNvPr>
+          <p:cNvPicPr>
+            <a:picLocks noChangeAspect="1"/>
+          </p:cNvPicPr>
+          <p:nvPr/>
+        </p:nvPicPr>
+        <p:blipFill>
+          <a:blip r:embed="rId10">
+            <a:extLst>
+              <a:ext uri="{28A0092B-C50C-407E-A947-70E740481C1C}">
+                <a14:useLocalDpi xmlns:a14="http://schemas.microsoft.com/office/drawing/2010/main" val="0"/>
+              </a:ext>
+              <a:ext uri="{96DAC541-7B7A-43D3-8B79-37D633B846F1}">
+                <asvg:svgBlip xmlns:asvg="http://schemas.microsoft.com/office/drawing/2016/SVG/main" r:embed="rId11"/>
+              </a:ext>
+            </a:extLst>
+          </a:blip>
+          <a:stretch>
+            <a:fillRect/>
+          </a:stretch>
+        </p:blipFill>
+        <p:spPr>
+          <a:xfrm>
+            <a:off x="13823337" y="8415558"/>
+            <a:ext cx="84284" cy="84284"/>
+          </a:xfrm>
+          <a:prstGeom prst="rect">
+            <a:avLst/>
+          </a:prstGeom>
+        </p:spPr>
+      </p:pic>
+      <p:pic>
+        <p:nvPicPr>
+          <p:cNvPr id="24" name="Elemento grafico 23" descr="Badge 5 con riempimento a tinta unita">
+            <a:extLst>
+              <a:ext uri="{FF2B5EF4-FFF2-40B4-BE49-F238E27FC236}">
+                <a16:creationId xmlns:a16="http://schemas.microsoft.com/office/drawing/2014/main" id="{6267DE20-3841-4DDD-B186-CE7820FEE7D2}"/>
+              </a:ext>
+            </a:extLst>
+          </p:cNvPr>
+          <p:cNvPicPr>
+            <a:picLocks noChangeAspect="1"/>
+          </p:cNvPicPr>
+          <p:nvPr/>
+        </p:nvPicPr>
+        <p:blipFill>
+          <a:blip r:embed="rId10">
+            <a:extLst>
+              <a:ext uri="{28A0092B-C50C-407E-A947-70E740481C1C}">
+                <a14:useLocalDpi xmlns:a14="http://schemas.microsoft.com/office/drawing/2010/main" val="0"/>
+              </a:ext>
+              <a:ext uri="{96DAC541-7B7A-43D3-8B79-37D633B846F1}">
+                <asvg:svgBlip xmlns:asvg="http://schemas.microsoft.com/office/drawing/2016/SVG/main" r:embed="rId11"/>
+              </a:ext>
+            </a:extLst>
+          </a:blip>
+          <a:stretch>
+            <a:fillRect/>
+          </a:stretch>
+        </p:blipFill>
+        <p:spPr>
+          <a:xfrm>
+            <a:off x="16062582" y="8415558"/>
+            <a:ext cx="84284" cy="84284"/>
+          </a:xfrm>
+          <a:prstGeom prst="rect">
+            <a:avLst/>
+          </a:prstGeom>
+        </p:spPr>
+      </p:pic>
+      <p:pic>
+        <p:nvPicPr>
+          <p:cNvPr id="26" name="Elemento grafico 25" descr="Badge 5 con riempimento a tinta unita">
+            <a:extLst>
+              <a:ext uri="{FF2B5EF4-FFF2-40B4-BE49-F238E27FC236}">
+                <a16:creationId xmlns:a16="http://schemas.microsoft.com/office/drawing/2014/main" id="{FDE94046-8963-4022-823E-F14202340AB0}"/>
+              </a:ext>
+            </a:extLst>
+          </p:cNvPr>
+          <p:cNvPicPr>
+            <a:picLocks noChangeAspect="1"/>
+          </p:cNvPicPr>
+          <p:nvPr/>
+        </p:nvPicPr>
+        <p:blipFill>
+          <a:blip r:embed="rId10">
+            <a:extLst>
+              <a:ext uri="{28A0092B-C50C-407E-A947-70E740481C1C}">
+                <a14:useLocalDpi xmlns:a14="http://schemas.microsoft.com/office/drawing/2010/main" val="0"/>
+              </a:ext>
+              <a:ext uri="{96DAC541-7B7A-43D3-8B79-37D633B846F1}">
+                <asvg:svgBlip xmlns:asvg="http://schemas.microsoft.com/office/drawing/2016/SVG/main" r:embed="rId11"/>
+              </a:ext>
+            </a:extLst>
+          </a:blip>
+          <a:stretch>
+            <a:fillRect/>
+          </a:stretch>
+        </p:blipFill>
+        <p:spPr>
+          <a:xfrm>
+            <a:off x="18296667" y="8415558"/>
+            <a:ext cx="84284" cy="84284"/>
+          </a:xfrm>
+          <a:prstGeom prst="rect">
+            <a:avLst/>
+          </a:prstGeom>
+        </p:spPr>
+      </p:pic>
+      <p:pic>
+        <p:nvPicPr>
+          <p:cNvPr id="28" name="Elemento grafico 27" descr="Badge 5 con riempimento a tinta unita">
+            <a:extLst>
+              <a:ext uri="{FF2B5EF4-FFF2-40B4-BE49-F238E27FC236}">
+                <a16:creationId xmlns:a16="http://schemas.microsoft.com/office/drawing/2014/main" id="{4F8EDEE2-E8A6-4090-95EC-422010DA79D3}"/>
+              </a:ext>
+            </a:extLst>
+          </p:cNvPr>
+          <p:cNvPicPr>
+            <a:picLocks noChangeAspect="1"/>
+          </p:cNvPicPr>
+          <p:nvPr/>
+        </p:nvPicPr>
+        <p:blipFill>
+          <a:blip r:embed="rId12">
+            <a:extLst>
+              <a:ext uri="{28A0092B-C50C-407E-A947-70E740481C1C}">
+                <a14:useLocalDpi xmlns:a14="http://schemas.microsoft.com/office/drawing/2010/main" val="0"/>
+              </a:ext>
+              <a:ext uri="{96DAC541-7B7A-43D3-8B79-37D633B846F1}">
+                <asvg:svgBlip xmlns:asvg="http://schemas.microsoft.com/office/drawing/2016/SVG/main" r:embed="rId13"/>
+              </a:ext>
+            </a:extLst>
+          </a:blip>
+          <a:stretch>
+            <a:fillRect/>
+          </a:stretch>
+        </p:blipFill>
+        <p:spPr>
+          <a:xfrm>
+            <a:off x="10282579" y="4889700"/>
+            <a:ext cx="717159" cy="717159"/>
+          </a:xfrm>
+          <a:prstGeom prst="rect">
+            <a:avLst/>
+          </a:prstGeom>
+        </p:spPr>
+      </p:pic>
+      <p:pic>
+        <p:nvPicPr>
+          <p:cNvPr id="29" name="Immagine 28">
+            <a:extLst>
+              <a:ext uri="{FF2B5EF4-FFF2-40B4-BE49-F238E27FC236}">
+                <a16:creationId xmlns:a16="http://schemas.microsoft.com/office/drawing/2014/main" id="{A38D9943-F5B3-4E2C-8873-AC76ABD9087C}"/>
+              </a:ext>
+            </a:extLst>
+          </p:cNvPr>
+          <p:cNvPicPr>
+            <a:picLocks noChangeAspect="1"/>
+          </p:cNvPicPr>
+          <p:nvPr/>
+        </p:nvPicPr>
+        <p:blipFill>
+          <a:blip r:embed="rId14"/>
           <a:stretch>
             <a:fillRect/>
           </a:stretch>
@@ -10209,7 +11988,7 @@
     </p:spTree>
     <p:extLst>
       <p:ext uri="{BB962C8B-B14F-4D97-AF65-F5344CB8AC3E}">
-        <p14:creationId xmlns:p14="http://schemas.microsoft.com/office/powerpoint/2010/main" val="2239013437"/>
+        <p14:creationId xmlns:p14="http://schemas.microsoft.com/office/powerpoint/2010/main" val="3356605129"/>
       </p:ext>
     </p:extLst>
   </p:cSld>
@@ -10236,6 +12015,54 @@
           <a:chExt cx="0" cy="0"/>
         </a:xfrm>
       </p:grpSpPr>
+      <p:pic>
+        <p:nvPicPr>
+          <p:cNvPr id="1026" name="Picture 2" descr="Inicio">
+            <a:extLst>
+              <a:ext uri="{FF2B5EF4-FFF2-40B4-BE49-F238E27FC236}">
+                <a16:creationId xmlns:a16="http://schemas.microsoft.com/office/drawing/2014/main" id="{00B949A3-0A3B-4005-A228-27599C166534}"/>
+              </a:ext>
+            </a:extLst>
+          </p:cNvPr>
+          <p:cNvPicPr>
+            <a:picLocks noChangeAspect="1" noChangeArrowheads="1"/>
+          </p:cNvPicPr>
+          <p:nvPr/>
+        </p:nvPicPr>
+        <p:blipFill>
+          <a:blip r:embed="rId2">
+            <a:alphaModFix amt="20000"/>
+            <a:extLst>
+              <a:ext uri="{28A0092B-C50C-407E-A947-70E740481C1C}">
+                <a14:useLocalDpi xmlns:a14="http://schemas.microsoft.com/office/drawing/2010/main" val="0"/>
+              </a:ext>
+            </a:extLst>
+          </a:blip>
+          <a:srcRect/>
+          <a:stretch>
+            <a:fillRect/>
+          </a:stretch>
+        </p:blipFill>
+        <p:spPr bwMode="auto">
+          <a:xfrm>
+            <a:off x="26611" y="3429000"/>
+            <a:ext cx="7199722" cy="3599861"/>
+          </a:xfrm>
+          <a:prstGeom prst="rect">
+            <a:avLst/>
+          </a:prstGeom>
+          <a:noFill/>
+          <a:extLst>
+            <a:ext uri="{909E8E84-426E-40DD-AFC4-6F175D3DCCD1}">
+              <a14:hiddenFill xmlns:a14="http://schemas.microsoft.com/office/drawing/2010/main">
+                <a:solidFill>
+                  <a:srgbClr val="FFFFFF"/>
+                </a:solidFill>
+              </a14:hiddenFill>
+            </a:ext>
+          </a:extLst>
+        </p:spPr>
+      </p:pic>
       <p:sp>
         <p:nvSpPr>
           <p:cNvPr id="2" name="Titolo 1">
@@ -10266,151 +12093,6 @@
           </a:p>
         </p:txBody>
       </p:sp>
-      <p:sp>
-        <p:nvSpPr>
-          <p:cNvPr id="3" name="Segnaposto contenuto 2">
-            <a:extLst>
-              <a:ext uri="{FF2B5EF4-FFF2-40B4-BE49-F238E27FC236}">
-                <a16:creationId xmlns:a16="http://schemas.microsoft.com/office/drawing/2014/main" id="{2BFE635A-5A54-4B1B-BBFC-3EFFADC51855}"/>
-              </a:ext>
-            </a:extLst>
-          </p:cNvPr>
-          <p:cNvSpPr>
-            <a:spLocks noGrp="1"/>
-          </p:cNvSpPr>
-          <p:nvPr>
-            <p:ph idx="1"/>
-          </p:nvPr>
-        </p:nvSpPr>
-        <p:spPr/>
-        <p:txBody>
-          <a:bodyPr>
-            <a:normAutofit fontScale="85000" lnSpcReduction="20000"/>
-          </a:bodyPr>
-          <a:lstStyle/>
-          <a:p>
-            <a:pPr marL="0" indent="0" algn="just">
-              <a:buNone/>
-            </a:pPr>
-            <a:r>
-              <a:rPr lang="en-US" b="1" dirty="0">
-                <a:latin typeface="Futura"/>
-              </a:rPr>
-              <a:t>Customer centered methodologies to push people to be actively sustainable</a:t>
-            </a:r>
-          </a:p>
-          <a:p>
-            <a:pPr marL="0" indent="0" algn="just">
-              <a:buNone/>
-            </a:pPr>
-            <a:endParaRPr lang="it-IT" dirty="0"/>
-          </a:p>
-          <a:p>
-            <a:pPr marL="0" indent="0" algn="just">
-              <a:buNone/>
-            </a:pPr>
-            <a:r>
-              <a:rPr lang="en-US" sz="2100" dirty="0">
-                <a:solidFill>
-                  <a:srgbClr val="343433"/>
-                </a:solidFill>
-                <a:latin typeface="Futura light"/>
-              </a:rPr>
-              <a:t>We believe that every project should be born from listening to people, their needs and their requirements.</a:t>
-            </a:r>
-          </a:p>
-          <a:p>
-            <a:pPr marL="0" indent="0" algn="just">
-              <a:buNone/>
-            </a:pPr>
-            <a:r>
-              <a:rPr lang="en-US" sz="2100" dirty="0">
-                <a:solidFill>
-                  <a:srgbClr val="343433"/>
-                </a:solidFill>
-                <a:latin typeface="Futura light"/>
-              </a:rPr>
-              <a:t>For this reason, since the first phase of ideation, we have adopted a customer-centered approach, putting ourselves in the shoes of the user and trying to simplify  the flow and eliminate as many usability barriers as possible.</a:t>
-            </a:r>
-          </a:p>
-          <a:p>
-            <a:pPr marL="0" indent="0" algn="just">
-              <a:buNone/>
-            </a:pPr>
-            <a:endParaRPr lang="en-US" sz="2100" dirty="0">
-              <a:solidFill>
-                <a:srgbClr val="343433"/>
-              </a:solidFill>
-              <a:latin typeface="Futura light"/>
-            </a:endParaRPr>
-          </a:p>
-          <a:p>
-            <a:pPr marL="0" indent="0" algn="just">
-              <a:buNone/>
-            </a:pPr>
-            <a:r>
-              <a:rPr lang="en-US" sz="2100" dirty="0">
-                <a:solidFill>
-                  <a:srgbClr val="343433"/>
-                </a:solidFill>
-                <a:latin typeface="Futura light"/>
-              </a:rPr>
-              <a:t>But in addition to ease of use, our goal is another, much higher.</a:t>
-            </a:r>
-          </a:p>
-          <a:p>
-            <a:pPr marL="0" indent="0" algn="just">
-              <a:buNone/>
-            </a:pPr>
-            <a:r>
-              <a:rPr lang="en-US" sz="2100" dirty="0">
-                <a:solidFill>
-                  <a:srgbClr val="343433"/>
-                </a:solidFill>
-                <a:latin typeface="Futura light"/>
-              </a:rPr>
-              <a:t>The object we have designed should not only encourage people to recycle, but should establish in them a constant need to act personally to improve the situation of the planet. </a:t>
-            </a:r>
-          </a:p>
-          <a:p>
-            <a:pPr marL="0" indent="0" algn="just">
-              <a:buNone/>
-            </a:pPr>
-            <a:endParaRPr lang="en-US" sz="2100" dirty="0">
-              <a:solidFill>
-                <a:srgbClr val="343433"/>
-              </a:solidFill>
-              <a:latin typeface="Futura light"/>
-            </a:endParaRPr>
-          </a:p>
-          <a:p>
-            <a:pPr marL="0" indent="0" algn="just">
-              <a:buNone/>
-            </a:pPr>
-            <a:r>
-              <a:rPr lang="en-US" sz="2100" dirty="0">
-                <a:solidFill>
-                  <a:srgbClr val="343433"/>
-                </a:solidFill>
-                <a:latin typeface="Futura light"/>
-              </a:rPr>
-              <a:t>And this is encouraged with our rewards, designed specifically for this purpose.</a:t>
-            </a:r>
-          </a:p>
-          <a:p>
-            <a:pPr marL="0" indent="0">
-              <a:buNone/>
-            </a:pPr>
-            <a:endParaRPr lang="en-US" dirty="0"/>
-          </a:p>
-          <a:p>
-            <a:pPr marL="0" indent="0">
-              <a:buNone/>
-            </a:pPr>
-            <a:endParaRPr lang="it-IT" dirty="0"/>
-          </a:p>
-        </p:txBody>
-      </p:sp>
       <p:pic>
         <p:nvPicPr>
           <p:cNvPr id="4" name="Immagine 3">
@@ -10426,7 +12108,7 @@
           <p:nvPr/>
         </p:nvPicPr>
         <p:blipFill>
-          <a:blip r:embed="rId2"/>
+          <a:blip r:embed="rId3"/>
           <a:stretch>
             <a:fillRect/>
           </a:stretch>
@@ -10441,37 +12123,194 @@
           </a:prstGeom>
         </p:spPr>
       </p:pic>
-      <p:pic>
-        <p:nvPicPr>
-          <p:cNvPr id="7" name="Immagine 6">
-            <a:extLst>
-              <a:ext uri="{FF2B5EF4-FFF2-40B4-BE49-F238E27FC236}">
-                <a16:creationId xmlns:a16="http://schemas.microsoft.com/office/drawing/2014/main" id="{499D3B28-816A-4031-88EE-97D2D201BD9F}"/>
-              </a:ext>
-            </a:extLst>
-          </p:cNvPr>
-          <p:cNvPicPr>
-            <a:picLocks noChangeAspect="1"/>
-          </p:cNvPicPr>
+      <p:sp>
+        <p:nvSpPr>
+          <p:cNvPr id="7" name="CasellaDiTesto 6">
+            <a:extLst>
+              <a:ext uri="{FF2B5EF4-FFF2-40B4-BE49-F238E27FC236}">
+                <a16:creationId xmlns:a16="http://schemas.microsoft.com/office/drawing/2014/main" id="{2650BDE5-57DE-40E0-AC59-4ACCF02F0B71}"/>
+              </a:ext>
+            </a:extLst>
+          </p:cNvPr>
+          <p:cNvSpPr txBox="1"/>
           <p:nvPr/>
-        </p:nvPicPr>
-        <p:blipFill rotWithShape="1">
-          <a:blip r:embed="rId3">
-            <a:alphaModFix amt="20000"/>
-          </a:blip>
-          <a:srcRect t="9439" r="-1" b="11446"/>
-          <a:stretch/>
-        </p:blipFill>
+        </p:nvSpPr>
         <p:spPr>
           <a:xfrm>
-            <a:off x="3883412" y="10"/>
-            <a:ext cx="8668512" cy="6857990"/>
+            <a:off x="838200" y="2055813"/>
+            <a:ext cx="2594530" cy="1200329"/>
           </a:xfrm>
           <a:prstGeom prst="rect">
             <a:avLst/>
           </a:prstGeom>
+          <a:noFill/>
         </p:spPr>
-      </p:pic>
+        <p:txBody>
+          <a:bodyPr wrap="square">
+            <a:spAutoFit/>
+          </a:bodyPr>
+          <a:lstStyle/>
+          <a:p>
+            <a:pPr marL="0" indent="0">
+              <a:buNone/>
+            </a:pPr>
+            <a:r>
+              <a:rPr lang="en-US" b="1" dirty="0">
+                <a:solidFill>
+                  <a:srgbClr val="0F0069"/>
+                </a:solidFill>
+                <a:latin typeface="Futura"/>
+              </a:rPr>
+              <a:t>Customer centered methodologies to push people to be actively sustainable!</a:t>
+            </a:r>
+          </a:p>
+        </p:txBody>
+      </p:sp>
+      <p:sp>
+        <p:nvSpPr>
+          <p:cNvPr id="9" name="CasellaDiTesto 8">
+            <a:extLst>
+              <a:ext uri="{FF2B5EF4-FFF2-40B4-BE49-F238E27FC236}">
+                <a16:creationId xmlns:a16="http://schemas.microsoft.com/office/drawing/2014/main" id="{E1CAAC27-F2D4-452B-889B-12A0854A0C6B}"/>
+              </a:ext>
+            </a:extLst>
+          </p:cNvPr>
+          <p:cNvSpPr txBox="1"/>
+          <p:nvPr/>
+        </p:nvSpPr>
+        <p:spPr>
+          <a:xfrm>
+            <a:off x="3820214" y="2055813"/>
+            <a:ext cx="3589254" cy="3416320"/>
+          </a:xfrm>
+          <a:prstGeom prst="rect">
+            <a:avLst/>
+          </a:prstGeom>
+          <a:noFill/>
+        </p:spPr>
+        <p:txBody>
+          <a:bodyPr wrap="square">
+            <a:spAutoFit/>
+          </a:bodyPr>
+          <a:lstStyle/>
+          <a:p>
+            <a:pPr marL="0" indent="0" algn="just">
+              <a:buNone/>
+            </a:pPr>
+            <a:r>
+              <a:rPr lang="en-US" sz="1800" dirty="0">
+                <a:solidFill>
+                  <a:srgbClr val="343433"/>
+                </a:solidFill>
+                <a:latin typeface="Futura light"/>
+              </a:rPr>
+              <a:t>We believe that every project should be born from listening to people, their needs and their requirements.</a:t>
+            </a:r>
+          </a:p>
+          <a:p>
+            <a:pPr marL="0" indent="0" algn="just">
+              <a:buNone/>
+            </a:pPr>
+            <a:r>
+              <a:rPr lang="en-US" sz="1800" dirty="0">
+                <a:solidFill>
+                  <a:srgbClr val="343433"/>
+                </a:solidFill>
+                <a:latin typeface="Futura light"/>
+              </a:rPr>
+              <a:t>For this reason, since the first phase of ideation, we have adopted a customer-centered approach, putting ourselves in the shoes of the user and trying to simplify  the flow and eliminate as many usability barriers as possible.</a:t>
+            </a:r>
+          </a:p>
+        </p:txBody>
+      </p:sp>
+      <p:sp>
+        <p:nvSpPr>
+          <p:cNvPr id="11" name="CasellaDiTesto 10">
+            <a:extLst>
+              <a:ext uri="{FF2B5EF4-FFF2-40B4-BE49-F238E27FC236}">
+                <a16:creationId xmlns:a16="http://schemas.microsoft.com/office/drawing/2014/main" id="{3BA63B7F-BE83-4E51-9957-7055E7E1AF29}"/>
+              </a:ext>
+            </a:extLst>
+          </p:cNvPr>
+          <p:cNvSpPr txBox="1"/>
+          <p:nvPr/>
+        </p:nvSpPr>
+        <p:spPr>
+          <a:xfrm>
+            <a:off x="7816785" y="2055813"/>
+            <a:ext cx="3809607" cy="4247317"/>
+          </a:xfrm>
+          <a:prstGeom prst="rect">
+            <a:avLst/>
+          </a:prstGeom>
+          <a:noFill/>
+        </p:spPr>
+        <p:txBody>
+          <a:bodyPr wrap="square">
+            <a:spAutoFit/>
+          </a:bodyPr>
+          <a:lstStyle/>
+          <a:p>
+            <a:pPr marL="0" indent="0" algn="just">
+              <a:buNone/>
+            </a:pPr>
+            <a:r>
+              <a:rPr lang="en-US" sz="1800" dirty="0">
+                <a:solidFill>
+                  <a:srgbClr val="343433"/>
+                </a:solidFill>
+                <a:latin typeface="Futura light"/>
+              </a:rPr>
+              <a:t>But in addition to ease of use, our goal is another, much higher.</a:t>
+            </a:r>
+          </a:p>
+          <a:p>
+            <a:pPr marL="0" indent="0" algn="just">
+              <a:buNone/>
+            </a:pPr>
+            <a:r>
+              <a:rPr lang="en-US" sz="1800" dirty="0">
+                <a:solidFill>
+                  <a:srgbClr val="343433"/>
+                </a:solidFill>
+                <a:latin typeface="Futura light"/>
+              </a:rPr>
+              <a:t>The object we have designed should not only encourage people to recycle, but should establish in them a constant need to act personally to improve the situation of the planet. </a:t>
+            </a:r>
+          </a:p>
+          <a:p>
+            <a:pPr marL="0" indent="0" algn="just">
+              <a:buNone/>
+            </a:pPr>
+            <a:endParaRPr lang="en-US" sz="1800" dirty="0">
+              <a:solidFill>
+                <a:srgbClr val="343433"/>
+              </a:solidFill>
+              <a:latin typeface="Futura light"/>
+            </a:endParaRPr>
+          </a:p>
+          <a:p>
+            <a:pPr marL="0" indent="0" algn="just">
+              <a:buNone/>
+            </a:pPr>
+            <a:r>
+              <a:rPr lang="en-US" sz="1800" dirty="0">
+                <a:solidFill>
+                  <a:srgbClr val="343433"/>
+                </a:solidFill>
+                <a:latin typeface="Futura light"/>
+              </a:rPr>
+              <a:t>And this is encouraged with our rewards, designed specifically for this purpose.</a:t>
+            </a:r>
+          </a:p>
+          <a:p>
+            <a:pPr marL="0" indent="0">
+              <a:buNone/>
+            </a:pPr>
+            <a:endParaRPr lang="en-US" dirty="0"/>
+          </a:p>
+        </p:txBody>
+      </p:sp>
     </p:spTree>
     <p:extLst>
       <p:ext uri="{BB962C8B-B14F-4D97-AF65-F5344CB8AC3E}">
@@ -10538,200 +12377,150 @@
           </a:p>
         </p:txBody>
       </p:sp>
-      <p:sp>
-        <p:nvSpPr>
-          <p:cNvPr id="3" name="Segnaposto contenuto 2">
-            <a:extLst>
-              <a:ext uri="{FF2B5EF4-FFF2-40B4-BE49-F238E27FC236}">
-                <a16:creationId xmlns:a16="http://schemas.microsoft.com/office/drawing/2014/main" id="{AC2384D2-A3B3-4ED6-ADDE-AD5EE7937719}"/>
-              </a:ext>
-            </a:extLst>
-          </p:cNvPr>
-          <p:cNvSpPr>
-            <a:spLocks noGrp="1"/>
-          </p:cNvSpPr>
-          <p:nvPr>
-            <p:ph idx="1"/>
-          </p:nvPr>
-        </p:nvSpPr>
-        <p:spPr>
+      <p:pic>
+        <p:nvPicPr>
+          <p:cNvPr id="2050" name="Picture 2" descr="RED BULL PONTE READY 2021 VERANO">
+            <a:extLst>
+              <a:ext uri="{FF2B5EF4-FFF2-40B4-BE49-F238E27FC236}">
+                <a16:creationId xmlns:a16="http://schemas.microsoft.com/office/drawing/2014/main" id="{4726D70E-50DE-4A4B-8D71-AE2E51B94DFF}"/>
+              </a:ext>
+            </a:extLst>
+          </p:cNvPr>
+          <p:cNvPicPr>
+            <a:picLocks noChangeAspect="1" noChangeArrowheads="1"/>
+          </p:cNvPicPr>
+          <p:nvPr/>
+        </p:nvPicPr>
+        <p:blipFill>
+          <a:blip r:embed="rId2">
+            <a:alphaModFix amt="5000"/>
+            <a:extLst>
+              <a:ext uri="{28A0092B-C50C-407E-A947-70E740481C1C}">
+                <a14:useLocalDpi xmlns:a14="http://schemas.microsoft.com/office/drawing/2010/main" val="0"/>
+              </a:ext>
+            </a:extLst>
+          </a:blip>
+          <a:srcRect/>
+          <a:stretch>
+            <a:fillRect/>
+          </a:stretch>
+        </p:blipFill>
+        <p:spPr bwMode="auto">
           <a:xfrm>
-            <a:off x="838200" y="1825625"/>
-            <a:ext cx="10515600" cy="3796962"/>
+            <a:off x="6184183" y="2017784"/>
+            <a:ext cx="2439060" cy="2439060"/>
           </a:xfrm>
+          <a:prstGeom prst="rect">
+            <a:avLst/>
+          </a:prstGeom>
+          <a:noFill/>
+          <a:extLst>
+            <a:ext uri="{909E8E84-426E-40DD-AFC4-6F175D3DCCD1}">
+              <a14:hiddenFill xmlns:a14="http://schemas.microsoft.com/office/drawing/2010/main">
+                <a:solidFill>
+                  <a:srgbClr val="FFFFFF"/>
+                </a:solidFill>
+              </a14:hiddenFill>
+            </a:ext>
+          </a:extLst>
         </p:spPr>
-        <p:txBody>
-          <a:bodyPr>
-            <a:normAutofit fontScale="25000" lnSpcReduction="20000"/>
-          </a:bodyPr>
-          <a:lstStyle/>
-          <a:p>
-            <a:pPr marL="0" indent="0" algn="just">
-              <a:buNone/>
-            </a:pPr>
-            <a:r>
-              <a:rPr lang="en-US" sz="9600" b="1" dirty="0" err="1">
-                <a:latin typeface="Futura"/>
-              </a:rPr>
-              <a:t>GreenWings</a:t>
-            </a:r>
-            <a:r>
-              <a:rPr lang="en-US" sz="9600" b="1" dirty="0">
-                <a:latin typeface="Futura"/>
-              </a:rPr>
-              <a:t>’ reward system relies on tokens. We call them “wings” and they are the core of the recycle tool’s interaction. Wings work as a coin during the entire </a:t>
-            </a:r>
-            <a:r>
-              <a:rPr lang="en-US" sz="9600" b="1" dirty="0" err="1">
-                <a:latin typeface="Futura"/>
-              </a:rPr>
-              <a:t>Redbull</a:t>
-            </a:r>
-            <a:r>
-              <a:rPr lang="en-US" sz="9600" b="1" dirty="0">
-                <a:latin typeface="Futura"/>
-              </a:rPr>
-              <a:t> event and you get them by using the recycling tool. </a:t>
-            </a:r>
-          </a:p>
-          <a:p>
-            <a:pPr marL="0" indent="0" algn="just">
-              <a:buNone/>
-            </a:pPr>
-            <a:endParaRPr lang="en-US" sz="9600" b="1" dirty="0">
-              <a:latin typeface="Futura"/>
-            </a:endParaRPr>
-          </a:p>
-          <a:p>
-            <a:pPr marL="0" indent="0" algn="just">
-              <a:buNone/>
-            </a:pPr>
-            <a:r>
-              <a:rPr lang="en-US" sz="7200" dirty="0">
-                <a:solidFill>
-                  <a:srgbClr val="343433"/>
-                </a:solidFill>
-                <a:latin typeface="Futura light"/>
-              </a:rPr>
-              <a:t>The idea is that every piece of trash has a value which  is given back to the user in the form of “wings”. Every time waste is inserted in the hole you get wings. “Wings” are cumulative but in order to use them in heaps it’s necessary to download an app. We’ll talk about the app later on this presentation, first just focus on how the wings work and can be used.</a:t>
-            </a:r>
-          </a:p>
-          <a:p>
-            <a:pPr marL="0" indent="0" algn="just">
-              <a:buNone/>
-            </a:pPr>
-            <a:endParaRPr lang="en-US" sz="7200" dirty="0">
-              <a:solidFill>
-                <a:srgbClr val="343433"/>
-              </a:solidFill>
-              <a:latin typeface="Futura light"/>
-            </a:endParaRPr>
-          </a:p>
-          <a:p>
-            <a:pPr marL="0" indent="0" algn="just">
-              <a:buNone/>
-            </a:pPr>
-            <a:r>
-              <a:rPr lang="en-US" sz="7200" dirty="0">
-                <a:solidFill>
-                  <a:srgbClr val="343433"/>
-                </a:solidFill>
-                <a:latin typeface="Futura light"/>
-              </a:rPr>
-              <a:t>“Wings” are used for many purposes, but sustainability is always taken into consideration. This means that you can use tokens to:</a:t>
-            </a:r>
-          </a:p>
-          <a:p>
-            <a:pPr algn="just"/>
-            <a:r>
-              <a:rPr lang="en-US" sz="7200" dirty="0">
-                <a:solidFill>
-                  <a:srgbClr val="343433"/>
-                </a:solidFill>
-                <a:latin typeface="Futura light"/>
-              </a:rPr>
-              <a:t>obtain discounts for participating in subsequent </a:t>
-            </a:r>
-            <a:r>
-              <a:rPr lang="en-US" sz="7200" dirty="0" err="1">
-                <a:solidFill>
-                  <a:srgbClr val="343433"/>
-                </a:solidFill>
-                <a:latin typeface="Futura light"/>
-              </a:rPr>
-              <a:t>Redbull</a:t>
-            </a:r>
-            <a:r>
-              <a:rPr lang="en-US" sz="7200" dirty="0">
-                <a:solidFill>
-                  <a:srgbClr val="343433"/>
-                </a:solidFill>
-                <a:latin typeface="Futura light"/>
-              </a:rPr>
-              <a:t> events;</a:t>
-            </a:r>
-          </a:p>
-          <a:p>
-            <a:pPr algn="just"/>
-            <a:r>
-              <a:rPr lang="en-US" sz="7200" dirty="0">
-                <a:solidFill>
-                  <a:srgbClr val="343433"/>
-                </a:solidFill>
-                <a:latin typeface="Futura light"/>
-              </a:rPr>
-              <a:t>get a </a:t>
-            </a:r>
-            <a:r>
-              <a:rPr lang="en-US" sz="7200" dirty="0" err="1">
-                <a:solidFill>
-                  <a:srgbClr val="343433"/>
-                </a:solidFill>
-                <a:latin typeface="Futura light"/>
-              </a:rPr>
-              <a:t>Redbull</a:t>
-            </a:r>
-            <a:r>
-              <a:rPr lang="en-US" sz="7200" dirty="0">
-                <a:solidFill>
-                  <a:srgbClr val="343433"/>
-                </a:solidFill>
-                <a:latin typeface="Futura light"/>
-              </a:rPr>
-              <a:t> gadget made with recycled materials and phrases that motivate people to take more sustainable attitudes (bag, cloth bag, keychain), things to use every day;</a:t>
-            </a:r>
-          </a:p>
-          <a:p>
-            <a:pPr algn="just"/>
-            <a:r>
-              <a:rPr lang="en-US" sz="7200" dirty="0">
-                <a:solidFill>
-                  <a:srgbClr val="343433"/>
-                </a:solidFill>
-                <a:latin typeface="Futura light"/>
-              </a:rPr>
-              <a:t>obtain discounts on the purchase of cans.</a:t>
-            </a:r>
-          </a:p>
-          <a:p>
-            <a:pPr marL="0" indent="0">
-              <a:buNone/>
-            </a:pPr>
-            <a:endParaRPr lang="en-US" sz="7200" dirty="0">
-              <a:solidFill>
-                <a:srgbClr val="343433"/>
-              </a:solidFill>
-              <a:latin typeface="Futura light"/>
-            </a:endParaRPr>
-          </a:p>
-          <a:p>
-            <a:pPr marL="0" indent="0">
-              <a:buNone/>
-            </a:pPr>
-            <a:endParaRPr lang="it-IT" dirty="0"/>
-          </a:p>
-        </p:txBody>
-      </p:sp>
+      </p:pic>
+      <p:pic>
+        <p:nvPicPr>
+          <p:cNvPr id="2052" name="Picture 4" descr="RED BULL PONTE READY 2021 VERANO">
+            <a:extLst>
+              <a:ext uri="{FF2B5EF4-FFF2-40B4-BE49-F238E27FC236}">
+                <a16:creationId xmlns:a16="http://schemas.microsoft.com/office/drawing/2014/main" id="{7471DB4F-3111-4736-B79E-0AF85B89EE1F}"/>
+              </a:ext>
+            </a:extLst>
+          </p:cNvPr>
+          <p:cNvPicPr>
+            <a:picLocks noChangeAspect="1" noChangeArrowheads="1"/>
+          </p:cNvPicPr>
+          <p:nvPr/>
+        </p:nvPicPr>
+        <p:blipFill>
+          <a:blip r:embed="rId2">
+            <a:alphaModFix amt="5000"/>
+            <a:extLst>
+              <a:ext uri="{28A0092B-C50C-407E-A947-70E740481C1C}">
+                <a14:useLocalDpi xmlns:a14="http://schemas.microsoft.com/office/drawing/2010/main" val="0"/>
+              </a:ext>
+            </a:extLst>
+          </a:blip>
+          <a:srcRect/>
+          <a:stretch>
+            <a:fillRect/>
+          </a:stretch>
+        </p:blipFill>
+        <p:spPr bwMode="auto">
+          <a:xfrm>
+            <a:off x="8798926" y="848412"/>
+            <a:ext cx="3217391" cy="3217391"/>
+          </a:xfrm>
+          <a:prstGeom prst="rect">
+            <a:avLst/>
+          </a:prstGeom>
+          <a:noFill/>
+          <a:extLst>
+            <a:ext uri="{909E8E84-426E-40DD-AFC4-6F175D3DCCD1}">
+              <a14:hiddenFill xmlns:a14="http://schemas.microsoft.com/office/drawing/2010/main">
+                <a:solidFill>
+                  <a:srgbClr val="FFFFFF"/>
+                </a:solidFill>
+              </a14:hiddenFill>
+            </a:ext>
+          </a:extLst>
+        </p:spPr>
+      </p:pic>
+      <p:pic>
+        <p:nvPicPr>
+          <p:cNvPr id="2060" name="Picture 12" descr="RED BULL PONTE READY 2021 VERANO">
+            <a:extLst>
+              <a:ext uri="{FF2B5EF4-FFF2-40B4-BE49-F238E27FC236}">
+                <a16:creationId xmlns:a16="http://schemas.microsoft.com/office/drawing/2014/main" id="{19DCCFF1-AA27-4550-98D2-841FE16E41BE}"/>
+              </a:ext>
+            </a:extLst>
+          </p:cNvPr>
+          <p:cNvPicPr>
+            <a:picLocks noChangeAspect="1" noChangeArrowheads="1"/>
+          </p:cNvPicPr>
+          <p:nvPr/>
+        </p:nvPicPr>
+        <p:blipFill>
+          <a:blip r:embed="rId2">
+            <a:alphaModFix amt="5000"/>
+            <a:extLst>
+              <a:ext uri="{28A0092B-C50C-407E-A947-70E740481C1C}">
+                <a14:useLocalDpi xmlns:a14="http://schemas.microsoft.com/office/drawing/2010/main" val="0"/>
+              </a:ext>
+            </a:extLst>
+          </a:blip>
+          <a:srcRect/>
+          <a:stretch>
+            <a:fillRect/>
+          </a:stretch>
+        </p:blipFill>
+        <p:spPr bwMode="auto">
+          <a:xfrm>
+            <a:off x="7992937" y="4243552"/>
+            <a:ext cx="2249323" cy="2249323"/>
+          </a:xfrm>
+          <a:prstGeom prst="rect">
+            <a:avLst/>
+          </a:prstGeom>
+          <a:noFill/>
+          <a:extLst>
+            <a:ext uri="{909E8E84-426E-40DD-AFC4-6F175D3DCCD1}">
+              <a14:hiddenFill xmlns:a14="http://schemas.microsoft.com/office/drawing/2010/main">
+                <a:solidFill>
+                  <a:srgbClr val="FFFFFF"/>
+                </a:solidFill>
+              </a14:hiddenFill>
+            </a:ext>
+          </a:extLst>
+        </p:spPr>
+      </p:pic>
       <p:pic>
         <p:nvPicPr>
           <p:cNvPr id="4" name="Immagine 3">
@@ -10747,7 +12536,7 @@
           <p:nvPr/>
         </p:nvPicPr>
         <p:blipFill>
-          <a:blip r:embed="rId2"/>
+          <a:blip r:embed="rId3"/>
           <a:stretch>
             <a:fillRect/>
           </a:stretch>
@@ -10762,102 +12551,254 @@
           </a:prstGeom>
         </p:spPr>
       </p:pic>
-      <p:pic>
-        <p:nvPicPr>
-          <p:cNvPr id="9" name="Immagine 8">
-            <a:extLst>
-              <a:ext uri="{FF2B5EF4-FFF2-40B4-BE49-F238E27FC236}">
-                <a16:creationId xmlns:a16="http://schemas.microsoft.com/office/drawing/2014/main" id="{D99EFDFD-EFE6-475C-B417-CDF7408CC130}"/>
-              </a:ext>
-            </a:extLst>
-          </p:cNvPr>
-          <p:cNvPicPr>
-            <a:picLocks noChangeAspect="1"/>
-          </p:cNvPicPr>
+      <p:sp>
+        <p:nvSpPr>
+          <p:cNvPr id="9" name="CasellaDiTesto 8">
+            <a:extLst>
+              <a:ext uri="{FF2B5EF4-FFF2-40B4-BE49-F238E27FC236}">
+                <a16:creationId xmlns:a16="http://schemas.microsoft.com/office/drawing/2014/main" id="{B7BDD8A5-6192-421A-90C8-11C3B9948A3D}"/>
+              </a:ext>
+            </a:extLst>
+          </p:cNvPr>
+          <p:cNvSpPr txBox="1"/>
           <p:nvPr/>
-        </p:nvPicPr>
-        <p:blipFill>
-          <a:blip r:embed="rId3">
-            <a:alphaModFix amt="20000"/>
-          </a:blip>
-          <a:stretch>
-            <a:fillRect/>
-          </a:stretch>
-        </p:blipFill>
+        </p:nvSpPr>
         <p:spPr>
           <a:xfrm>
-            <a:off x="7920747" y="3208357"/>
-            <a:ext cx="3852153" cy="3852153"/>
+            <a:off x="737686" y="1776404"/>
+            <a:ext cx="2872780" cy="2862322"/>
           </a:xfrm>
           <a:prstGeom prst="rect">
             <a:avLst/>
           </a:prstGeom>
+          <a:noFill/>
         </p:spPr>
-      </p:pic>
-      <p:pic>
-        <p:nvPicPr>
-          <p:cNvPr id="14" name="Immagine 13">
-            <a:extLst>
-              <a:ext uri="{FF2B5EF4-FFF2-40B4-BE49-F238E27FC236}">
-                <a16:creationId xmlns:a16="http://schemas.microsoft.com/office/drawing/2014/main" id="{510BE686-709A-4C2F-8620-4082304CACEE}"/>
-              </a:ext>
-            </a:extLst>
-          </p:cNvPr>
-          <p:cNvPicPr>
-            <a:picLocks noChangeAspect="1"/>
-          </p:cNvPicPr>
+        <p:txBody>
+          <a:bodyPr wrap="square">
+            <a:spAutoFit/>
+          </a:bodyPr>
+          <a:lstStyle/>
+          <a:p>
+            <a:pPr marL="0" indent="0" algn="just">
+              <a:buNone/>
+            </a:pPr>
+            <a:r>
+              <a:rPr lang="en-US" sz="1800" b="1" dirty="0" err="1">
+                <a:solidFill>
+                  <a:srgbClr val="0F0069"/>
+                </a:solidFill>
+                <a:latin typeface="Futura"/>
+              </a:rPr>
+              <a:t>GreenWings</a:t>
+            </a:r>
+            <a:r>
+              <a:rPr lang="en-US" sz="1800" b="1" dirty="0">
+                <a:solidFill>
+                  <a:srgbClr val="0F0069"/>
+                </a:solidFill>
+                <a:latin typeface="Futura"/>
+              </a:rPr>
+              <a:t>’ reward system relies on tokens. We call them “wings” and they are the core of the recycle tool’s interaction. Wings work as a coin during the entire </a:t>
+            </a:r>
+            <a:r>
+              <a:rPr lang="en-US" sz="1800" b="1" dirty="0" err="1">
+                <a:solidFill>
+                  <a:srgbClr val="0F0069"/>
+                </a:solidFill>
+                <a:latin typeface="Futura"/>
+              </a:rPr>
+              <a:t>Redbull</a:t>
+            </a:r>
+            <a:r>
+              <a:rPr lang="en-US" sz="1800" b="1" dirty="0">
+                <a:solidFill>
+                  <a:srgbClr val="0F0069"/>
+                </a:solidFill>
+                <a:latin typeface="Futura"/>
+              </a:rPr>
+              <a:t> event and you get them by using the recycling tool. </a:t>
+            </a:r>
+          </a:p>
+        </p:txBody>
+      </p:sp>
+      <p:sp>
+        <p:nvSpPr>
+          <p:cNvPr id="11" name="CasellaDiTesto 10">
+            <a:extLst>
+              <a:ext uri="{FF2B5EF4-FFF2-40B4-BE49-F238E27FC236}">
+                <a16:creationId xmlns:a16="http://schemas.microsoft.com/office/drawing/2014/main" id="{286C9E3B-9F5F-4F1E-99D8-98E939609C51}"/>
+              </a:ext>
+            </a:extLst>
+          </p:cNvPr>
+          <p:cNvSpPr txBox="1"/>
           <p:nvPr/>
-        </p:nvPicPr>
-        <p:blipFill>
-          <a:blip r:embed="rId3">
-            <a:alphaModFix amt="20000"/>
-          </a:blip>
-          <a:stretch>
-            <a:fillRect/>
-          </a:stretch>
-        </p:blipFill>
+        </p:nvSpPr>
         <p:spPr>
           <a:xfrm>
-            <a:off x="7190768" y="336226"/>
-            <a:ext cx="3852153" cy="3852153"/>
+            <a:off x="3940604" y="1799422"/>
+            <a:ext cx="3061355" cy="4247317"/>
           </a:xfrm>
           <a:prstGeom prst="rect">
             <a:avLst/>
           </a:prstGeom>
+          <a:noFill/>
         </p:spPr>
-      </p:pic>
-      <p:pic>
-        <p:nvPicPr>
-          <p:cNvPr id="15" name="Immagine 14">
-            <a:extLst>
-              <a:ext uri="{FF2B5EF4-FFF2-40B4-BE49-F238E27FC236}">
-                <a16:creationId xmlns:a16="http://schemas.microsoft.com/office/drawing/2014/main" id="{81D6531A-E8E1-4E1A-A6F1-73F8177C969A}"/>
-              </a:ext>
-            </a:extLst>
-          </p:cNvPr>
-          <p:cNvPicPr>
-            <a:picLocks noChangeAspect="1"/>
-          </p:cNvPicPr>
+        <p:txBody>
+          <a:bodyPr wrap="square">
+            <a:spAutoFit/>
+          </a:bodyPr>
+          <a:lstStyle/>
+          <a:p>
+            <a:pPr marL="0" indent="0" algn="just">
+              <a:buNone/>
+            </a:pPr>
+            <a:r>
+              <a:rPr lang="en-US" sz="1800" dirty="0">
+                <a:solidFill>
+                  <a:srgbClr val="343433"/>
+                </a:solidFill>
+                <a:latin typeface="Futura light"/>
+              </a:rPr>
+              <a:t>The idea is that every piece of trash has a value which  is given back to the user in the form of “wings”. Every time waste is inserted in the hole you get wings. “Wings” are cumulative but in order to use them in heaps it’s necessary to download an app. We’ll talk about the app later on this presentation, first just focus on how the wings work and can be used.</a:t>
+            </a:r>
+          </a:p>
+        </p:txBody>
+      </p:sp>
+      <p:sp>
+        <p:nvSpPr>
+          <p:cNvPr id="13" name="CasellaDiTesto 12">
+            <a:extLst>
+              <a:ext uri="{FF2B5EF4-FFF2-40B4-BE49-F238E27FC236}">
+                <a16:creationId xmlns:a16="http://schemas.microsoft.com/office/drawing/2014/main" id="{586E5C4A-F5DF-47E5-9544-811DAFD35AC5}"/>
+              </a:ext>
+            </a:extLst>
+          </p:cNvPr>
+          <p:cNvSpPr txBox="1"/>
           <p:nvPr/>
-        </p:nvPicPr>
-        <p:blipFill>
-          <a:blip r:embed="rId3">
-            <a:alphaModFix amt="20000"/>
-          </a:blip>
-          <a:stretch>
-            <a:fillRect/>
-          </a:stretch>
-        </p:blipFill>
+        </p:nvSpPr>
         <p:spPr>
           <a:xfrm>
-            <a:off x="5994670" y="2015682"/>
-            <a:ext cx="3852153" cy="3852153"/>
+            <a:off x="7655713" y="1803645"/>
+            <a:ext cx="4231487" cy="4247317"/>
           </a:xfrm>
           <a:prstGeom prst="rect">
             <a:avLst/>
           </a:prstGeom>
+          <a:noFill/>
         </p:spPr>
-      </p:pic>
+        <p:txBody>
+          <a:bodyPr wrap="square">
+            <a:spAutoFit/>
+          </a:bodyPr>
+          <a:lstStyle/>
+          <a:p>
+            <a:pPr marL="0" indent="0" algn="just">
+              <a:buNone/>
+            </a:pPr>
+            <a:r>
+              <a:rPr lang="en-US" sz="1800" dirty="0">
+                <a:solidFill>
+                  <a:srgbClr val="343433"/>
+                </a:solidFill>
+                <a:latin typeface="Futura light"/>
+              </a:rPr>
+              <a:t>“Wings” are used for many purposes, but sustainability is always taken into consideration. This means that you can use tokens to:</a:t>
+            </a:r>
+          </a:p>
+          <a:p>
+            <a:pPr marL="0" indent="0" algn="just">
+              <a:buNone/>
+            </a:pPr>
+            <a:endParaRPr lang="en-US" sz="1800" dirty="0">
+              <a:solidFill>
+                <a:srgbClr val="343433"/>
+              </a:solidFill>
+              <a:latin typeface="Futura light"/>
+            </a:endParaRPr>
+          </a:p>
+          <a:p>
+            <a:pPr marL="285750" indent="-285750" algn="just">
+              <a:buFont typeface="Arial" panose="020B0604020202020204" pitchFamily="34" charset="0"/>
+              <a:buChar char="•"/>
+            </a:pPr>
+            <a:r>
+              <a:rPr lang="en-US" sz="1800" dirty="0">
+                <a:solidFill>
+                  <a:srgbClr val="343433"/>
+                </a:solidFill>
+                <a:latin typeface="Futura light"/>
+              </a:rPr>
+              <a:t>obtain discounts for participating in subsequent </a:t>
+            </a:r>
+            <a:r>
+              <a:rPr lang="en-US" sz="1800" dirty="0" err="1">
+                <a:solidFill>
+                  <a:srgbClr val="343433"/>
+                </a:solidFill>
+                <a:latin typeface="Futura light"/>
+              </a:rPr>
+              <a:t>Redbull</a:t>
+            </a:r>
+            <a:r>
+              <a:rPr lang="en-US" sz="1800" dirty="0">
+                <a:solidFill>
+                  <a:srgbClr val="343433"/>
+                </a:solidFill>
+                <a:latin typeface="Futura light"/>
+              </a:rPr>
+              <a:t> events;</a:t>
+            </a:r>
+          </a:p>
+          <a:p>
+            <a:pPr marL="285750" indent="-285750" algn="just">
+              <a:buFont typeface="Arial" panose="020B0604020202020204" pitchFamily="34" charset="0"/>
+              <a:buChar char="•"/>
+            </a:pPr>
+            <a:r>
+              <a:rPr lang="en-US" sz="1800" dirty="0">
+                <a:solidFill>
+                  <a:srgbClr val="343433"/>
+                </a:solidFill>
+                <a:latin typeface="Futura light"/>
+              </a:rPr>
+              <a:t>get a </a:t>
+            </a:r>
+            <a:r>
+              <a:rPr lang="en-US" sz="1800" dirty="0" err="1">
+                <a:solidFill>
+                  <a:srgbClr val="343433"/>
+                </a:solidFill>
+                <a:latin typeface="Futura light"/>
+              </a:rPr>
+              <a:t>Redbull</a:t>
+            </a:r>
+            <a:r>
+              <a:rPr lang="en-US" sz="1800" dirty="0">
+                <a:solidFill>
+                  <a:srgbClr val="343433"/>
+                </a:solidFill>
+                <a:latin typeface="Futura light"/>
+              </a:rPr>
+              <a:t> gadget made with recycled materials and phrases that motivate people to take more sustainable attitudes (bag, cloth bag, keychain), things to use every day;</a:t>
+            </a:r>
+          </a:p>
+          <a:p>
+            <a:pPr marL="285750" indent="-285750" algn="just">
+              <a:buFont typeface="Arial" panose="020B0604020202020204" pitchFamily="34" charset="0"/>
+              <a:buChar char="•"/>
+            </a:pPr>
+            <a:r>
+              <a:rPr lang="en-US" sz="1800" dirty="0">
+                <a:solidFill>
+                  <a:srgbClr val="343433"/>
+                </a:solidFill>
+                <a:latin typeface="Futura light"/>
+              </a:rPr>
+              <a:t>obtain discounts on the purchase of cans.</a:t>
+            </a:r>
+          </a:p>
+        </p:txBody>
+      </p:sp>
     </p:spTree>
     <p:extLst>
       <p:ext uri="{BB962C8B-B14F-4D97-AF65-F5344CB8AC3E}">
@@ -10888,6 +12829,54 @@
           <a:chExt cx="0" cy="0"/>
         </a:xfrm>
       </p:grpSpPr>
+      <p:pic>
+        <p:nvPicPr>
+          <p:cNvPr id="3074" name="Picture 2" descr="Red Bull Home Champ - Strava-Herausforderungen">
+            <a:extLst>
+              <a:ext uri="{FF2B5EF4-FFF2-40B4-BE49-F238E27FC236}">
+                <a16:creationId xmlns:a16="http://schemas.microsoft.com/office/drawing/2014/main" id="{18FF0372-61CE-4479-81F5-6965EBC57582}"/>
+              </a:ext>
+            </a:extLst>
+          </p:cNvPr>
+          <p:cNvPicPr>
+            <a:picLocks noChangeAspect="1" noChangeArrowheads="1"/>
+          </p:cNvPicPr>
+          <p:nvPr/>
+        </p:nvPicPr>
+        <p:blipFill>
+          <a:blip r:embed="rId2">
+            <a:alphaModFix amt="20000"/>
+            <a:extLst>
+              <a:ext uri="{28A0092B-C50C-407E-A947-70E740481C1C}">
+                <a14:useLocalDpi xmlns:a14="http://schemas.microsoft.com/office/drawing/2010/main" val="0"/>
+              </a:ext>
+            </a:extLst>
+          </a:blip>
+          <a:srcRect/>
+          <a:stretch>
+            <a:fillRect/>
+          </a:stretch>
+        </p:blipFill>
+        <p:spPr bwMode="auto">
+          <a:xfrm>
+            <a:off x="4558768" y="2506660"/>
+            <a:ext cx="7252232" cy="4351339"/>
+          </a:xfrm>
+          <a:prstGeom prst="rect">
+            <a:avLst/>
+          </a:prstGeom>
+          <a:noFill/>
+          <a:extLst>
+            <a:ext uri="{909E8E84-426E-40DD-AFC4-6F175D3DCCD1}">
+              <a14:hiddenFill xmlns:a14="http://schemas.microsoft.com/office/drawing/2010/main">
+                <a:solidFill>
+                  <a:srgbClr val="FFFFFF"/>
+                </a:solidFill>
+              </a14:hiddenFill>
+            </a:ext>
+          </a:extLst>
+        </p:spPr>
+      </p:pic>
       <p:sp>
         <p:nvSpPr>
           <p:cNvPr id="2" name="Titolo 1">
@@ -10944,7 +12933,7 @@
         <p:spPr>
           <a:xfrm>
             <a:off x="838200" y="1825625"/>
-            <a:ext cx="10662501" cy="4351338"/>
+            <a:ext cx="11218682" cy="4537468"/>
           </a:xfrm>
         </p:spPr>
         <p:txBody>
@@ -11240,6 +13229,31 @@
             <a:pPr marL="0" indent="0" algn="just">
               <a:buNone/>
             </a:pPr>
+            <a:endParaRPr lang="en-US" dirty="0">
+              <a:solidFill>
+                <a:srgbClr val="343433"/>
+              </a:solidFill>
+              <a:latin typeface="Futura light"/>
+            </a:endParaRPr>
+          </a:p>
+          <a:p>
+            <a:pPr marL="0" indent="0" algn="just">
+              <a:buNone/>
+            </a:pPr>
+            <a:r>
+              <a:rPr lang="en-US" sz="2800" dirty="0">
+                <a:solidFill>
+                  <a:srgbClr val="343433"/>
+                </a:solidFill>
+                <a:latin typeface="Futura light"/>
+              </a:rPr>
+              <a:t>Making donations to sustainable programs compulsory is part of our strategy to push people taking sustainable actions and support the planet.  Our fear is that with no restrictions, people would accumulate without ever donating and the aim of the entire tool wouldn’t be understood.</a:t>
+            </a:r>
+          </a:p>
+          <a:p>
+            <a:pPr marL="0" indent="0" algn="just">
+              <a:buNone/>
+            </a:pPr>
             <a:endParaRPr lang="en-US" sz="2800" dirty="0">
               <a:solidFill>
                 <a:srgbClr val="343433"/>
@@ -11258,7 +13272,7 @@
                 </a:solidFill>
                 <a:latin typeface="Futura light"/>
               </a:rPr>
-              <a:t>Making donations to sustainable programs compulsory is part of our strategy to push people taking sustainable actions and support the planet.  Our fear is that with no restrictions, people would accumulate without ever donating and the aim of the entire tool wouldn’t be understood.</a:t>
+              <a:t>Of course, there is also the option to just donate in the app!</a:t>
             </a:r>
           </a:p>
           <a:p>
@@ -11276,21 +13290,12 @@
             <a:pPr marL="0" indent="0" algn="just">
               <a:buNone/>
             </a:pPr>
-            <a:r>
-              <a:rPr lang="en-US" sz="2800" dirty="0">
-                <a:solidFill>
-                  <a:srgbClr val="343433"/>
-                </a:solidFill>
-                <a:latin typeface="Futura light"/>
-              </a:rPr>
-              <a:t>Of course, there is also the option to just donate in the app!</a:t>
-            </a:r>
-          </a:p>
-          <a:p>
-            <a:pPr marL="0" indent="0">
-              <a:buNone/>
-            </a:pPr>
-            <a:endParaRPr lang="it-IT" dirty="0"/>
+            <a:endParaRPr lang="en-US" sz="2800" dirty="0">
+              <a:solidFill>
+                <a:srgbClr val="343433"/>
+              </a:solidFill>
+              <a:latin typeface="Futura light"/>
+            </a:endParaRPr>
           </a:p>
         </p:txBody>
       </p:sp>
@@ -11309,7 +13314,7 @@
           <p:nvPr/>
         </p:nvPicPr>
         <p:blipFill>
-          <a:blip r:embed="rId2"/>
+          <a:blip r:embed="rId3"/>
           <a:stretch>
             <a:fillRect/>
           </a:stretch>

--- a/WingsforSustainability.pptx
+++ b/WingsforSustainability.pptx
@@ -281,7 +281,7 @@
           <a:p>
             <a:fld id="{83C2BA9B-A13F-4F46-B0DE-B784ED721FD6}" type="datetimeFigureOut">
               <a:rPr lang="it-IT" smtClean="0"/>
-              <a:t>25/09/2021</a:t>
+              <a:t>25/09/21</a:t>
             </a:fld>
             <a:endParaRPr lang="it-IT"/>
           </a:p>
@@ -335,7 +335,7 @@
           <a:p>
             <a:fld id="{28D14469-8B4E-4EA8-9ED3-82FDF925EB0A}" type="slidenum">
               <a:rPr lang="it-IT" smtClean="0"/>
-              <a:t>‹N›</a:t>
+              <a:t>‹#›</a:t>
             </a:fld>
             <a:endParaRPr lang="it-IT"/>
           </a:p>
@@ -479,7 +479,7 @@
           <a:p>
             <a:fld id="{83C2BA9B-A13F-4F46-B0DE-B784ED721FD6}" type="datetimeFigureOut">
               <a:rPr lang="it-IT" smtClean="0"/>
-              <a:t>25/09/2021</a:t>
+              <a:t>25/09/21</a:t>
             </a:fld>
             <a:endParaRPr lang="it-IT"/>
           </a:p>
@@ -533,7 +533,7 @@
           <a:p>
             <a:fld id="{28D14469-8B4E-4EA8-9ED3-82FDF925EB0A}" type="slidenum">
               <a:rPr lang="it-IT" smtClean="0"/>
-              <a:t>‹N›</a:t>
+              <a:t>‹#›</a:t>
             </a:fld>
             <a:endParaRPr lang="it-IT"/>
           </a:p>
@@ -687,7 +687,7 @@
           <a:p>
             <a:fld id="{83C2BA9B-A13F-4F46-B0DE-B784ED721FD6}" type="datetimeFigureOut">
               <a:rPr lang="it-IT" smtClean="0"/>
-              <a:t>25/09/2021</a:t>
+              <a:t>25/09/21</a:t>
             </a:fld>
             <a:endParaRPr lang="it-IT"/>
           </a:p>
@@ -741,7 +741,7 @@
           <a:p>
             <a:fld id="{28D14469-8B4E-4EA8-9ED3-82FDF925EB0A}" type="slidenum">
               <a:rPr lang="it-IT" smtClean="0"/>
-              <a:t>‹N›</a:t>
+              <a:t>‹#›</a:t>
             </a:fld>
             <a:endParaRPr lang="it-IT"/>
           </a:p>
@@ -885,7 +885,7 @@
           <a:p>
             <a:fld id="{83C2BA9B-A13F-4F46-B0DE-B784ED721FD6}" type="datetimeFigureOut">
               <a:rPr lang="it-IT" smtClean="0"/>
-              <a:t>25/09/2021</a:t>
+              <a:t>25/09/21</a:t>
             </a:fld>
             <a:endParaRPr lang="it-IT"/>
           </a:p>
@@ -939,7 +939,7 @@
           <a:p>
             <a:fld id="{28D14469-8B4E-4EA8-9ED3-82FDF925EB0A}" type="slidenum">
               <a:rPr lang="it-IT" smtClean="0"/>
-              <a:t>‹N›</a:t>
+              <a:t>‹#›</a:t>
             </a:fld>
             <a:endParaRPr lang="it-IT"/>
           </a:p>
@@ -1160,7 +1160,7 @@
           <a:p>
             <a:fld id="{83C2BA9B-A13F-4F46-B0DE-B784ED721FD6}" type="datetimeFigureOut">
               <a:rPr lang="it-IT" smtClean="0"/>
-              <a:t>25/09/2021</a:t>
+              <a:t>25/09/21</a:t>
             </a:fld>
             <a:endParaRPr lang="it-IT"/>
           </a:p>
@@ -1214,7 +1214,7 @@
           <a:p>
             <a:fld id="{28D14469-8B4E-4EA8-9ED3-82FDF925EB0A}" type="slidenum">
               <a:rPr lang="it-IT" smtClean="0"/>
-              <a:t>‹N›</a:t>
+              <a:t>‹#›</a:t>
             </a:fld>
             <a:endParaRPr lang="it-IT"/>
           </a:p>
@@ -1425,7 +1425,7 @@
           <a:p>
             <a:fld id="{83C2BA9B-A13F-4F46-B0DE-B784ED721FD6}" type="datetimeFigureOut">
               <a:rPr lang="it-IT" smtClean="0"/>
-              <a:t>25/09/2021</a:t>
+              <a:t>25/09/21</a:t>
             </a:fld>
             <a:endParaRPr lang="it-IT"/>
           </a:p>
@@ -1479,7 +1479,7 @@
           <a:p>
             <a:fld id="{28D14469-8B4E-4EA8-9ED3-82FDF925EB0A}" type="slidenum">
               <a:rPr lang="it-IT" smtClean="0"/>
-              <a:t>‹N›</a:t>
+              <a:t>‹#›</a:t>
             </a:fld>
             <a:endParaRPr lang="it-IT"/>
           </a:p>
@@ -1837,7 +1837,7 @@
           <a:p>
             <a:fld id="{83C2BA9B-A13F-4F46-B0DE-B784ED721FD6}" type="datetimeFigureOut">
               <a:rPr lang="it-IT" smtClean="0"/>
-              <a:t>25/09/2021</a:t>
+              <a:t>25/09/21</a:t>
             </a:fld>
             <a:endParaRPr lang="it-IT"/>
           </a:p>
@@ -1891,7 +1891,7 @@
           <a:p>
             <a:fld id="{28D14469-8B4E-4EA8-9ED3-82FDF925EB0A}" type="slidenum">
               <a:rPr lang="it-IT" smtClean="0"/>
-              <a:t>‹N›</a:t>
+              <a:t>‹#›</a:t>
             </a:fld>
             <a:endParaRPr lang="it-IT"/>
           </a:p>
@@ -1978,7 +1978,7 @@
           <a:p>
             <a:fld id="{83C2BA9B-A13F-4F46-B0DE-B784ED721FD6}" type="datetimeFigureOut">
               <a:rPr lang="it-IT" smtClean="0"/>
-              <a:t>25/09/2021</a:t>
+              <a:t>25/09/21</a:t>
             </a:fld>
             <a:endParaRPr lang="it-IT"/>
           </a:p>
@@ -2032,7 +2032,7 @@
           <a:p>
             <a:fld id="{28D14469-8B4E-4EA8-9ED3-82FDF925EB0A}" type="slidenum">
               <a:rPr lang="it-IT" smtClean="0"/>
-              <a:t>‹N›</a:t>
+              <a:t>‹#›</a:t>
             </a:fld>
             <a:endParaRPr lang="it-IT"/>
           </a:p>
@@ -2091,7 +2091,7 @@
           <a:p>
             <a:fld id="{83C2BA9B-A13F-4F46-B0DE-B784ED721FD6}" type="datetimeFigureOut">
               <a:rPr lang="it-IT" smtClean="0"/>
-              <a:t>25/09/2021</a:t>
+              <a:t>25/09/21</a:t>
             </a:fld>
             <a:endParaRPr lang="it-IT"/>
           </a:p>
@@ -2145,7 +2145,7 @@
           <a:p>
             <a:fld id="{28D14469-8B4E-4EA8-9ED3-82FDF925EB0A}" type="slidenum">
               <a:rPr lang="it-IT" smtClean="0"/>
-              <a:t>‹N›</a:t>
+              <a:t>‹#›</a:t>
             </a:fld>
             <a:endParaRPr lang="it-IT"/>
           </a:p>
@@ -2402,7 +2402,7 @@
           <a:p>
             <a:fld id="{83C2BA9B-A13F-4F46-B0DE-B784ED721FD6}" type="datetimeFigureOut">
               <a:rPr lang="it-IT" smtClean="0"/>
-              <a:t>25/09/2021</a:t>
+              <a:t>25/09/21</a:t>
             </a:fld>
             <a:endParaRPr lang="it-IT"/>
           </a:p>
@@ -2456,7 +2456,7 @@
           <a:p>
             <a:fld id="{28D14469-8B4E-4EA8-9ED3-82FDF925EB0A}" type="slidenum">
               <a:rPr lang="it-IT" smtClean="0"/>
-              <a:t>‹N›</a:t>
+              <a:t>‹#›</a:t>
             </a:fld>
             <a:endParaRPr lang="it-IT"/>
           </a:p>
@@ -2690,7 +2690,7 @@
           <a:p>
             <a:fld id="{83C2BA9B-A13F-4F46-B0DE-B784ED721FD6}" type="datetimeFigureOut">
               <a:rPr lang="it-IT" smtClean="0"/>
-              <a:t>25/09/2021</a:t>
+              <a:t>25/09/21</a:t>
             </a:fld>
             <a:endParaRPr lang="it-IT"/>
           </a:p>
@@ -2744,7 +2744,7 @@
           <a:p>
             <a:fld id="{28D14469-8B4E-4EA8-9ED3-82FDF925EB0A}" type="slidenum">
               <a:rPr lang="it-IT" smtClean="0"/>
-              <a:t>‹N›</a:t>
+              <a:t>‹#›</a:t>
             </a:fld>
             <a:endParaRPr lang="it-IT"/>
           </a:p>
@@ -2934,7 +2934,7 @@
           <a:p>
             <a:fld id="{83C2BA9B-A13F-4F46-B0DE-B784ED721FD6}" type="datetimeFigureOut">
               <a:rPr lang="it-IT" smtClean="0"/>
-              <a:t>25/09/2021</a:t>
+              <a:t>25/09/21</a:t>
             </a:fld>
             <a:endParaRPr lang="it-IT"/>
           </a:p>
@@ -3024,7 +3024,7 @@
           <a:p>
             <a:fld id="{28D14469-8B4E-4EA8-9ED3-82FDF925EB0A}" type="slidenum">
               <a:rPr lang="it-IT" smtClean="0"/>
-              <a:t>‹N›</a:t>
+              <a:t>‹#›</a:t>
             </a:fld>
             <a:endParaRPr lang="it-IT"/>
           </a:p>
@@ -5741,7 +5741,7 @@
         </p:spPr>
         <p:txBody>
           <a:bodyPr>
-            <a:normAutofit/>
+            <a:normAutofit fontScale="92500"/>
           </a:bodyPr>
           <a:lstStyle/>
           <a:p>
@@ -6721,6 +6721,14 @@
 <file path=ppt/slides/slide2.xml><?xml version="1.0" encoding="utf-8"?>
 <p:sld xmlns:a="http://schemas.openxmlformats.org/drawingml/2006/main" xmlns:r="http://schemas.openxmlformats.org/officeDocument/2006/relationships" xmlns:p="http://schemas.openxmlformats.org/presentationml/2006/main">
   <p:cSld>
+    <p:bg>
+      <p:bgPr>
+        <a:solidFill>
+          <a:schemeClr val="bg1"/>
+        </a:solidFill>
+        <a:effectLst/>
+      </p:bgPr>
+    </p:bg>
     <p:spTree>
       <p:nvGrpSpPr>
         <p:cNvPr id="1" name=""/>
@@ -6735,6 +6743,66 @@
           <a:chExt cx="0" cy="0"/>
         </a:xfrm>
       </p:grpSpPr>
+      <p:sp useBgFill="1">
+        <p:nvSpPr>
+          <p:cNvPr id="137" name="Rectangle 136">
+            <a:extLst>
+              <a:ext uri="{FF2B5EF4-FFF2-40B4-BE49-F238E27FC236}">
+                <a16:creationId xmlns:a16="http://schemas.microsoft.com/office/drawing/2014/main" id="{C1B53AB1-10EE-4094-BAA1-C7C140976C0D}"/>
+              </a:ext>
+              <a:ext uri="{C183D7F6-B498-43B3-948B-1728B52AA6E4}">
+                <adec:decorative xmlns:adec="http://schemas.microsoft.com/office/drawing/2017/decorative" val="1"/>
+              </a:ext>
+            </a:extLst>
+          </p:cNvPr>
+          <p:cNvSpPr>
+            <a:spLocks noGrp="1" noRot="1" noChangeAspect="1" noMove="1" noResize="1" noEditPoints="1" noAdjustHandles="1" noChangeArrowheads="1" noChangeShapeType="1" noTextEdit="1"/>
+          </p:cNvSpPr>
+          <p:nvPr>
+            <p:extLst>
+              <p:ext uri="{386F3935-93C4-4BCD-93E2-E3B085C9AB24}">
+                <p16:designElem xmlns:p16="http://schemas.microsoft.com/office/powerpoint/2015/main" val="1"/>
+              </p:ext>
+            </p:extLst>
+          </p:nvPr>
+        </p:nvSpPr>
+        <p:spPr>
+          <a:xfrm>
+            <a:off x="-1" y="0"/>
+            <a:ext cx="12188952" cy="6858000"/>
+          </a:xfrm>
+          <a:prstGeom prst="rect">
+            <a:avLst/>
+          </a:prstGeom>
+          <a:ln>
+            <a:noFill/>
+          </a:ln>
+        </p:spPr>
+        <p:style>
+          <a:lnRef idx="2">
+            <a:schemeClr val="accent1">
+              <a:shade val="50000"/>
+            </a:schemeClr>
+          </a:lnRef>
+          <a:fillRef idx="1">
+            <a:schemeClr val="accent1"/>
+          </a:fillRef>
+          <a:effectRef idx="0">
+            <a:schemeClr val="accent1"/>
+          </a:effectRef>
+          <a:fontRef idx="minor">
+            <a:schemeClr val="lt1"/>
+          </a:fontRef>
+        </p:style>
+        <p:txBody>
+          <a:bodyPr rtlCol="0" anchor="ctr"/>
+          <a:lstStyle/>
+          <a:p>
+            <a:pPr algn="ctr"/>
+            <a:endParaRPr lang="en-US"/>
+          </a:p>
+        </p:txBody>
+      </p:sp>
       <p:sp>
         <p:nvSpPr>
           <p:cNvPr id="2" name="Titolo 1">
@@ -6751,15 +6819,123 @@
             <p:ph type="title"/>
           </p:nvPr>
         </p:nvSpPr>
-        <p:spPr/>
+        <p:spPr>
+          <a:xfrm>
+            <a:off x="5144290" y="16390"/>
+            <a:ext cx="6337427" cy="1664043"/>
+          </a:xfrm>
+        </p:spPr>
         <p:txBody>
-          <a:bodyPr/>
+          <a:bodyPr>
+            <a:normAutofit/>
+          </a:bodyPr>
           <a:lstStyle/>
           <a:p>
-            <a:endParaRPr lang="it-IT"/>
+            <a:r>
+              <a:rPr lang="it-IT" sz="4000" b="1" spc="-100" dirty="0">
+                <a:latin typeface="Futura"/>
+              </a:rPr>
+              <a:t>THE PROBLEM</a:t>
+            </a:r>
+            <a:endParaRPr lang="it-IT" sz="4000" b="1" dirty="0">
+              <a:latin typeface="FUTURA MEDIUM" panose="020B0602020204020303" pitchFamily="34" charset="-79"/>
+              <a:cs typeface="FUTURA MEDIUM" panose="020B0602020204020303" pitchFamily="34" charset="-79"/>
+            </a:endParaRPr>
           </a:p>
         </p:txBody>
       </p:sp>
+      <p:pic>
+        <p:nvPicPr>
+          <p:cNvPr id="1026" name="Picture 2" descr="Yaco Services">
+            <a:extLst>
+              <a:ext uri="{FF2B5EF4-FFF2-40B4-BE49-F238E27FC236}">
+                <a16:creationId xmlns:a16="http://schemas.microsoft.com/office/drawing/2014/main" id="{8EF7FDA0-3347-2547-8156-E7B444F8AF62}"/>
+              </a:ext>
+            </a:extLst>
+          </p:cNvPr>
+          <p:cNvPicPr>
+            <a:picLocks noChangeAspect="1" noChangeArrowheads="1"/>
+          </p:cNvPicPr>
+          <p:nvPr/>
+        </p:nvPicPr>
+        <p:blipFill>
+          <a:blip r:embed="rId2">
+            <a:extLst>
+              <a:ext uri="{28A0092B-C50C-407E-A947-70E740481C1C}">
+                <a14:useLocalDpi xmlns:a14="http://schemas.microsoft.com/office/drawing/2010/main" val="0"/>
+              </a:ext>
+            </a:extLst>
+          </a:blip>
+          <a:stretch>
+            <a:fillRect/>
+          </a:stretch>
+        </p:blipFill>
+        <p:spPr bwMode="auto">
+          <a:xfrm>
+            <a:off x="1568002" y="3429000"/>
+            <a:ext cx="1742485" cy="3168155"/>
+          </a:xfrm>
+          <a:prstGeom prst="rect">
+            <a:avLst/>
+          </a:prstGeom>
+          <a:noFill/>
+          <a:extLst>
+            <a:ext uri="{909E8E84-426E-40DD-AFC4-6F175D3DCCD1}">
+              <a14:hiddenFill xmlns:a14="http://schemas.microsoft.com/office/drawing/2010/main">
+                <a:solidFill>
+                  <a:srgbClr val="FFFFFF"/>
+                </a:solidFill>
+              </a14:hiddenFill>
+            </a:ext>
+          </a:extLst>
+        </p:spPr>
+      </p:pic>
+      <p:pic>
+        <p:nvPicPr>
+          <p:cNvPr id="1028" name="Picture 4" descr="TOMRA Designs New Compact Reverse Vending Machine for Scotland | Waste  Management World">
+            <a:extLst>
+              <a:ext uri="{FF2B5EF4-FFF2-40B4-BE49-F238E27FC236}">
+                <a16:creationId xmlns:a16="http://schemas.microsoft.com/office/drawing/2014/main" id="{F2C92388-D1AF-B343-B968-08986B514DF9}"/>
+              </a:ext>
+            </a:extLst>
+          </p:cNvPr>
+          <p:cNvPicPr>
+            <a:picLocks noChangeAspect="1" noChangeArrowheads="1"/>
+          </p:cNvPicPr>
+          <p:nvPr/>
+        </p:nvPicPr>
+        <p:blipFill>
+          <a:blip r:embed="rId3">
+            <a:extLst>
+              <a:ext uri="{28A0092B-C50C-407E-A947-70E740481C1C}">
+                <a14:useLocalDpi xmlns:a14="http://schemas.microsoft.com/office/drawing/2010/main" val="0"/>
+              </a:ext>
+            </a:extLst>
+          </a:blip>
+          <a:stretch>
+            <a:fillRect/>
+          </a:stretch>
+        </p:blipFill>
+        <p:spPr bwMode="auto">
+          <a:xfrm>
+            <a:off x="441434" y="560173"/>
+            <a:ext cx="3995623" cy="2667078"/>
+          </a:xfrm>
+          <a:prstGeom prst="rect">
+            <a:avLst/>
+          </a:prstGeom>
+          <a:noFill/>
+          <a:extLst>
+            <a:ext uri="{909E8E84-426E-40DD-AFC4-6F175D3DCCD1}">
+              <a14:hiddenFill xmlns:a14="http://schemas.microsoft.com/office/drawing/2010/main">
+                <a:solidFill>
+                  <a:srgbClr val="FFFFFF"/>
+                </a:solidFill>
+              </a14:hiddenFill>
+            </a:ext>
+          </a:extLst>
+        </p:spPr>
+      </p:pic>
       <p:sp>
         <p:nvSpPr>
           <p:cNvPr id="3" name="Segnaposto contenuto 2">
@@ -6776,12 +6952,189 @@
             <p:ph idx="1"/>
           </p:nvPr>
         </p:nvSpPr>
-        <p:spPr/>
+        <p:spPr>
+          <a:xfrm>
+            <a:off x="4755046" y="1210272"/>
+            <a:ext cx="6995520" cy="5386883"/>
+          </a:xfrm>
+        </p:spPr>
         <p:txBody>
-          <a:bodyPr/>
+          <a:bodyPr>
+            <a:normAutofit fontScale="85000" lnSpcReduction="20000"/>
+          </a:bodyPr>
           <a:lstStyle/>
           <a:p>
-            <a:endParaRPr lang="it-IT"/>
+            <a:r>
+              <a:rPr lang="en-GB" sz="1600" dirty="0">
+                <a:latin typeface="Futura Medium" panose="020B0602020204020303" pitchFamily="34" charset="-79"/>
+                <a:cs typeface="Futura Medium" panose="020B0602020204020303" pitchFamily="34" charset="-79"/>
+              </a:rPr>
+              <a:t>The recycling of all types of packaging is one of the ecological proposals on which Europe focus most insistently. </a:t>
+            </a:r>
+          </a:p>
+          <a:p>
+            <a:r>
+              <a:rPr lang="en-GB" sz="1600" dirty="0">
+                <a:latin typeface="Futura Medium" panose="020B0602020204020303" pitchFamily="34" charset="-79"/>
+                <a:cs typeface="Futura Medium" panose="020B0602020204020303" pitchFamily="34" charset="-79"/>
+              </a:rPr>
+              <a:t>The EU has proposed to member states to reach the goal of recycling 55% of urban waste by 2025. And for packaging, more concretely, it propose an average of 65%: 50% of plastic, 50% of </a:t>
+            </a:r>
+            <a:r>
+              <a:rPr lang="en-GB" sz="1600" dirty="0" err="1">
+                <a:latin typeface="Futura Medium" panose="020B0602020204020303" pitchFamily="34" charset="-79"/>
+                <a:cs typeface="Futura Medium" panose="020B0602020204020303" pitchFamily="34" charset="-79"/>
+              </a:rPr>
+              <a:t>alluminum</a:t>
+            </a:r>
+            <a:r>
+              <a:rPr lang="en-GB" sz="1600" dirty="0">
+                <a:latin typeface="Futura Medium" panose="020B0602020204020303" pitchFamily="34" charset="-79"/>
+                <a:cs typeface="Futura Medium" panose="020B0602020204020303" pitchFamily="34" charset="-79"/>
+              </a:rPr>
+              <a:t>, 70% of steel, 75% of paper and cardboard. </a:t>
+            </a:r>
+          </a:p>
+          <a:p>
+            <a:pPr marL="0" indent="0">
+              <a:buNone/>
+            </a:pPr>
+            <a:endParaRPr lang="en-GB" sz="1600" dirty="0">
+              <a:latin typeface="Futura Medium" panose="020B0602020204020303" pitchFamily="34" charset="-79"/>
+              <a:cs typeface="Futura Medium" panose="020B0602020204020303" pitchFamily="34" charset="-79"/>
+            </a:endParaRPr>
+          </a:p>
+          <a:p>
+            <a:r>
+              <a:rPr lang="en-GB" sz="1600" dirty="0">
+                <a:latin typeface="Futura Medium" panose="020B0602020204020303" pitchFamily="34" charset="-79"/>
+                <a:cs typeface="Futura Medium" panose="020B0602020204020303" pitchFamily="34" charset="-79"/>
+              </a:rPr>
+              <a:t>To reach this goal it seems that the collaboration between public and private initiative is the solution that is establishing itself in the most convincing way. Among the most satisfying projects, we can find </a:t>
+            </a:r>
+            <a:r>
+              <a:rPr lang="en-GB" sz="1600" b="1" i="1" dirty="0">
+                <a:latin typeface="Futura Medium" panose="020B0602020204020303" pitchFamily="34" charset="-79"/>
+                <a:cs typeface="Futura Medium" panose="020B0602020204020303" pitchFamily="34" charset="-79"/>
+              </a:rPr>
+              <a:t>the reverse vending machine</a:t>
+            </a:r>
+            <a:r>
+              <a:rPr lang="en-GB" sz="1600" dirty="0">
+                <a:latin typeface="Futura Medium" panose="020B0602020204020303" pitchFamily="34" charset="-79"/>
+                <a:cs typeface="Futura Medium" panose="020B0602020204020303" pitchFamily="34" charset="-79"/>
+              </a:rPr>
+              <a:t>, also known as </a:t>
+            </a:r>
+            <a:r>
+              <a:rPr lang="en-GB" sz="1600" b="1" dirty="0">
+                <a:latin typeface="Futura Medium" panose="020B0602020204020303" pitchFamily="34" charset="-79"/>
+                <a:cs typeface="Futura Medium" panose="020B0602020204020303" pitchFamily="34" charset="-79"/>
+              </a:rPr>
+              <a:t>automatic empty collector </a:t>
+            </a:r>
+            <a:r>
+              <a:rPr lang="en-GB" sz="1600" dirty="0">
+                <a:latin typeface="Futura Medium" panose="020B0602020204020303" pitchFamily="34" charset="-79"/>
+                <a:cs typeface="Futura Medium" panose="020B0602020204020303" pitchFamily="34" charset="-79"/>
+              </a:rPr>
+              <a:t>or, more briefly</a:t>
+            </a:r>
+            <a:r>
+              <a:rPr lang="en-GB" sz="1600" b="1" dirty="0">
+                <a:latin typeface="Futura Medium" panose="020B0602020204020303" pitchFamily="34" charset="-79"/>
+                <a:cs typeface="Futura Medium" panose="020B0602020204020303" pitchFamily="34" charset="-79"/>
+              </a:rPr>
+              <a:t>, intelligent bin</a:t>
+            </a:r>
+            <a:r>
+              <a:rPr lang="en-GB" sz="1600" dirty="0">
+                <a:latin typeface="Futura Medium" panose="020B0602020204020303" pitchFamily="34" charset="-79"/>
+                <a:cs typeface="Futura Medium" panose="020B0602020204020303" pitchFamily="34" charset="-79"/>
+              </a:rPr>
+              <a:t>, which is making its way more and more because it offers a highly efficient method of identifying the value of each returned container and providing a refund to the customer.</a:t>
+            </a:r>
+          </a:p>
+          <a:p>
+            <a:r>
+              <a:rPr lang="en-GB" sz="1600" dirty="0">
+                <a:latin typeface="Futura Medium" panose="020B0602020204020303" pitchFamily="34" charset="-79"/>
+                <a:cs typeface="Futura Medium" panose="020B0602020204020303" pitchFamily="34" charset="-79"/>
+              </a:rPr>
+              <a:t>These technologies stimulate consumers versus a more widespread ecological awareness by introducing the idea of ​​restitution and reward.</a:t>
+            </a:r>
+          </a:p>
+          <a:p>
+            <a:pPr marL="0" indent="0">
+              <a:buNone/>
+            </a:pPr>
+            <a:endParaRPr lang="en-GB" sz="1600" dirty="0">
+              <a:latin typeface="Futura Medium" panose="020B0602020204020303" pitchFamily="34" charset="-79"/>
+              <a:cs typeface="Futura Medium" panose="020B0602020204020303" pitchFamily="34" charset="-79"/>
+            </a:endParaRPr>
+          </a:p>
+          <a:p>
+            <a:r>
+              <a:rPr lang="en-GB" sz="1600" dirty="0">
+                <a:latin typeface="Futura Medium" panose="020B0602020204020303" pitchFamily="34" charset="-79"/>
+                <a:cs typeface="Futura Medium" panose="020B0602020204020303" pitchFamily="34" charset="-79"/>
+              </a:rPr>
+              <a:t>These machines have spread throughout Europe, especially in the North, where for example, thanks to this, Norway has been able to achieve the highest recycling rate (97% of all plastics and general waste). </a:t>
+            </a:r>
+          </a:p>
+          <a:p>
+            <a:r>
+              <a:rPr lang="en-GB" sz="1600" dirty="0">
+                <a:latin typeface="Futura Medium" panose="020B0602020204020303" pitchFamily="34" charset="-79"/>
+                <a:cs typeface="Futura Medium" panose="020B0602020204020303" pitchFamily="34" charset="-79"/>
+              </a:rPr>
+              <a:t>Now it seems that this system is also spreading to Southern Europe: in Spain, where the promoter of this recycling system is the </a:t>
+            </a:r>
+            <a:r>
+              <a:rPr lang="en-GB" sz="1600" dirty="0" err="1">
+                <a:latin typeface="Futura Medium" panose="020B0602020204020303" pitchFamily="34" charset="-79"/>
+                <a:cs typeface="Futura Medium" panose="020B0602020204020303" pitchFamily="34" charset="-79"/>
+              </a:rPr>
+              <a:t>Ecoembes</a:t>
+            </a:r>
+            <a:r>
+              <a:rPr lang="en-GB" sz="1600" dirty="0">
+                <a:latin typeface="Futura Medium" panose="020B0602020204020303" pitchFamily="34" charset="-79"/>
+                <a:cs typeface="Futura Medium" panose="020B0602020204020303" pitchFamily="34" charset="-79"/>
+              </a:rPr>
+              <a:t> company and in Italy where the first company that implemented these machines is RD Italia.  </a:t>
+            </a:r>
+          </a:p>
+          <a:p>
+            <a:pPr marL="0" indent="0">
+              <a:buNone/>
+            </a:pPr>
+            <a:endParaRPr lang="en-GB" sz="1600" dirty="0">
+              <a:latin typeface="Futura Medium" panose="020B0602020204020303" pitchFamily="34" charset="-79"/>
+              <a:cs typeface="Futura Medium" panose="020B0602020204020303" pitchFamily="34" charset="-79"/>
+            </a:endParaRPr>
+          </a:p>
+          <a:p>
+            <a:r>
+              <a:rPr lang="en-GB" sz="1600" dirty="0" err="1">
+                <a:latin typeface="Futura Medium" panose="020B0602020204020303" pitchFamily="34" charset="-79"/>
+                <a:cs typeface="Futura Medium" panose="020B0602020204020303" pitchFamily="34" charset="-79"/>
+              </a:rPr>
+              <a:t>RedBull</a:t>
+            </a:r>
+            <a:r>
+              <a:rPr lang="en-GB" sz="1600" dirty="0">
+                <a:latin typeface="Futura Medium" panose="020B0602020204020303" pitchFamily="34" charset="-79"/>
+                <a:cs typeface="Futura Medium" panose="020B0602020204020303" pitchFamily="34" charset="-79"/>
+              </a:rPr>
+              <a:t> Italia is trying to introduce these technologies at their events to sensibilize people about waste. But now.. Let’s see our project to make this possible!</a:t>
+            </a:r>
+          </a:p>
+          <a:p>
+            <a:endParaRPr lang="it-IT" sz="700" dirty="0"/>
+          </a:p>
+          <a:p>
+            <a:endParaRPr lang="it-IT" sz="700" dirty="0"/>
           </a:p>
         </p:txBody>
       </p:sp>
@@ -6800,7 +7153,7 @@
           <p:nvPr/>
         </p:nvPicPr>
         <p:blipFill>
-          <a:blip r:embed="rId2"/>
+          <a:blip r:embed="rId4"/>
           <a:stretch>
             <a:fillRect/>
           </a:stretch>
@@ -9184,7 +9537,7 @@
         </p:spPr>
         <p:txBody>
           <a:bodyPr>
-            <a:normAutofit/>
+            <a:normAutofit fontScale="90000"/>
           </a:bodyPr>
           <a:lstStyle/>
           <a:p>
@@ -10382,7 +10735,7 @@
         </p:spPr>
         <p:txBody>
           <a:bodyPr>
-            <a:normAutofit/>
+            <a:normAutofit fontScale="90000"/>
           </a:bodyPr>
           <a:lstStyle/>
           <a:p>
@@ -10812,7 +11165,7 @@
         </p:spPr>
         <p:txBody>
           <a:bodyPr anchor="t">
-            <a:normAutofit fontScale="92500" lnSpcReduction="10000"/>
+            <a:normAutofit fontScale="92500"/>
           </a:bodyPr>
           <a:lstStyle/>
           <a:p>
